--- a/FactoryMethod/Presentation/FactoryMethod.pptx
+++ b/FactoryMethod/Presentation/FactoryMethod.pptx
@@ -4,9 +4,15 @@
   <p:sldMasterIdLst>
     <p:sldMasterId id="2147483660" r:id="rId1"/>
   </p:sldMasterIdLst>
+  <p:notesMasterIdLst>
+    <p:notesMasterId r:id="rId7"/>
+  </p:notesMasterIdLst>
   <p:sldIdLst>
     <p:sldId id="256" r:id="rId2"/>
     <p:sldId id="257" r:id="rId3"/>
+    <p:sldId id="258" r:id="rId4"/>
+    <p:sldId id="260" r:id="rId5"/>
+    <p:sldId id="259" r:id="rId6"/>
   </p:sldIdLst>
   <p:sldSz cx="9144000" cy="6858000" type="screen4x3"/>
   <p:notesSz cx="6858000" cy="9144000"/>
@@ -108,6 +114,695 @@
 </p:presentation>
 </file>
 
+<file path=ppt/notesMasters/notesMaster1.xml><?xml version="1.0" encoding="utf-8"?>
+<p:notesMaster xmlns:a="http://schemas.openxmlformats.org/drawingml/2006/main" xmlns:r="http://schemas.openxmlformats.org/officeDocument/2006/relationships" xmlns:p="http://schemas.openxmlformats.org/presentationml/2006/main">
+  <p:cSld>
+    <p:bg>
+      <p:bgRef idx="1001">
+        <a:schemeClr val="bg1"/>
+      </p:bgRef>
+    </p:bg>
+    <p:spTree>
+      <p:nvGrpSpPr>
+        <p:cNvPr id="1" name=""/>
+        <p:cNvGrpSpPr/>
+        <p:nvPr/>
+      </p:nvGrpSpPr>
+      <p:grpSpPr>
+        <a:xfrm>
+          <a:off x="0" y="0"/>
+          <a:ext cx="0" cy="0"/>
+          <a:chOff x="0" y="0"/>
+          <a:chExt cx="0" cy="0"/>
+        </a:xfrm>
+      </p:grpSpPr>
+      <p:sp>
+        <p:nvSpPr>
+          <p:cNvPr id="2" name="Верхний колонтитул 1"/>
+          <p:cNvSpPr>
+            <a:spLocks noGrp="1"/>
+          </p:cNvSpPr>
+          <p:nvPr>
+            <p:ph type="hdr" sz="quarter"/>
+          </p:nvPr>
+        </p:nvSpPr>
+        <p:spPr>
+          <a:xfrm>
+            <a:off x="0" y="0"/>
+            <a:ext cx="2971800" cy="457200"/>
+          </a:xfrm>
+          <a:prstGeom prst="rect">
+            <a:avLst/>
+          </a:prstGeom>
+        </p:spPr>
+        <p:txBody>
+          <a:bodyPr vert="horz" lIns="91440" tIns="45720" rIns="91440" bIns="45720" rtlCol="0"/>
+          <a:lstStyle>
+            <a:lvl1pPr algn="l">
+              <a:defRPr sz="1200"/>
+            </a:lvl1pPr>
+          </a:lstStyle>
+          <a:p>
+            <a:endParaRPr lang="ru-RU"/>
+          </a:p>
+        </p:txBody>
+      </p:sp>
+      <p:sp>
+        <p:nvSpPr>
+          <p:cNvPr id="3" name="Дата 2"/>
+          <p:cNvSpPr>
+            <a:spLocks noGrp="1"/>
+          </p:cNvSpPr>
+          <p:nvPr>
+            <p:ph type="dt" idx="1"/>
+          </p:nvPr>
+        </p:nvSpPr>
+        <p:spPr>
+          <a:xfrm>
+            <a:off x="3884613" y="0"/>
+            <a:ext cx="2971800" cy="457200"/>
+          </a:xfrm>
+          <a:prstGeom prst="rect">
+            <a:avLst/>
+          </a:prstGeom>
+        </p:spPr>
+        <p:txBody>
+          <a:bodyPr vert="horz" lIns="91440" tIns="45720" rIns="91440" bIns="45720" rtlCol="0"/>
+          <a:lstStyle>
+            <a:lvl1pPr algn="r">
+              <a:defRPr sz="1200"/>
+            </a:lvl1pPr>
+          </a:lstStyle>
+          <a:p>
+            <a:fld id="{97342D85-8564-4232-8964-43D3492D4C90}" type="datetimeFigureOut">
+              <a:rPr lang="ru-RU" smtClean="0"/>
+              <a:t>16.02.2019</a:t>
+            </a:fld>
+            <a:endParaRPr lang="ru-RU"/>
+          </a:p>
+        </p:txBody>
+      </p:sp>
+      <p:sp>
+        <p:nvSpPr>
+          <p:cNvPr id="4" name="Образ слайда 3"/>
+          <p:cNvSpPr>
+            <a:spLocks noGrp="1" noRot="1" noChangeAspect="1"/>
+          </p:cNvSpPr>
+          <p:nvPr>
+            <p:ph type="sldImg" idx="2"/>
+          </p:nvPr>
+        </p:nvSpPr>
+        <p:spPr>
+          <a:xfrm>
+            <a:off x="1143000" y="685800"/>
+            <a:ext cx="4572000" cy="3429000"/>
+          </a:xfrm>
+          <a:prstGeom prst="rect">
+            <a:avLst/>
+          </a:prstGeom>
+          <a:noFill/>
+          <a:ln w="12700">
+            <a:solidFill>
+              <a:prstClr val="black"/>
+            </a:solidFill>
+          </a:ln>
+        </p:spPr>
+        <p:txBody>
+          <a:bodyPr vert="horz" lIns="91440" tIns="45720" rIns="91440" bIns="45720" rtlCol="0" anchor="ctr"/>
+          <a:lstStyle/>
+          <a:p>
+            <a:endParaRPr lang="ru-RU"/>
+          </a:p>
+        </p:txBody>
+      </p:sp>
+      <p:sp>
+        <p:nvSpPr>
+          <p:cNvPr id="5" name="Заметки 4"/>
+          <p:cNvSpPr>
+            <a:spLocks noGrp="1"/>
+          </p:cNvSpPr>
+          <p:nvPr>
+            <p:ph type="body" sz="quarter" idx="3"/>
+          </p:nvPr>
+        </p:nvSpPr>
+        <p:spPr>
+          <a:xfrm>
+            <a:off x="685800" y="4343400"/>
+            <a:ext cx="5486400" cy="4114800"/>
+          </a:xfrm>
+          <a:prstGeom prst="rect">
+            <a:avLst/>
+          </a:prstGeom>
+        </p:spPr>
+        <p:txBody>
+          <a:bodyPr vert="horz" lIns="91440" tIns="45720" rIns="91440" bIns="45720" rtlCol="0"/>
+          <a:lstStyle/>
+          <a:p>
+            <a:pPr lvl="0"/>
+            <a:r>
+              <a:rPr lang="ru-RU" smtClean="0"/>
+              <a:t>Образец текста</a:t>
+            </a:r>
+          </a:p>
+          <a:p>
+            <a:pPr lvl="1"/>
+            <a:r>
+              <a:rPr lang="ru-RU" smtClean="0"/>
+              <a:t>Второй уровень</a:t>
+            </a:r>
+          </a:p>
+          <a:p>
+            <a:pPr lvl="2"/>
+            <a:r>
+              <a:rPr lang="ru-RU" smtClean="0"/>
+              <a:t>Третий уровень</a:t>
+            </a:r>
+          </a:p>
+          <a:p>
+            <a:pPr lvl="3"/>
+            <a:r>
+              <a:rPr lang="ru-RU" smtClean="0"/>
+              <a:t>Четвертый уровень</a:t>
+            </a:r>
+          </a:p>
+          <a:p>
+            <a:pPr lvl="4"/>
+            <a:r>
+              <a:rPr lang="ru-RU" smtClean="0"/>
+              <a:t>Пятый уровень</a:t>
+            </a:r>
+            <a:endParaRPr lang="ru-RU"/>
+          </a:p>
+        </p:txBody>
+      </p:sp>
+      <p:sp>
+        <p:nvSpPr>
+          <p:cNvPr id="6" name="Нижний колонтитул 5"/>
+          <p:cNvSpPr>
+            <a:spLocks noGrp="1"/>
+          </p:cNvSpPr>
+          <p:nvPr>
+            <p:ph type="ftr" sz="quarter" idx="4"/>
+          </p:nvPr>
+        </p:nvSpPr>
+        <p:spPr>
+          <a:xfrm>
+            <a:off x="0" y="8685213"/>
+            <a:ext cx="2971800" cy="457200"/>
+          </a:xfrm>
+          <a:prstGeom prst="rect">
+            <a:avLst/>
+          </a:prstGeom>
+        </p:spPr>
+        <p:txBody>
+          <a:bodyPr vert="horz" lIns="91440" tIns="45720" rIns="91440" bIns="45720" rtlCol="0" anchor="b"/>
+          <a:lstStyle>
+            <a:lvl1pPr algn="l">
+              <a:defRPr sz="1200"/>
+            </a:lvl1pPr>
+          </a:lstStyle>
+          <a:p>
+            <a:endParaRPr lang="ru-RU"/>
+          </a:p>
+        </p:txBody>
+      </p:sp>
+      <p:sp>
+        <p:nvSpPr>
+          <p:cNvPr id="7" name="Номер слайда 6"/>
+          <p:cNvSpPr>
+            <a:spLocks noGrp="1"/>
+          </p:cNvSpPr>
+          <p:nvPr>
+            <p:ph type="sldNum" sz="quarter" idx="5"/>
+          </p:nvPr>
+        </p:nvSpPr>
+        <p:spPr>
+          <a:xfrm>
+            <a:off x="3884613" y="8685213"/>
+            <a:ext cx="2971800" cy="457200"/>
+          </a:xfrm>
+          <a:prstGeom prst="rect">
+            <a:avLst/>
+          </a:prstGeom>
+        </p:spPr>
+        <p:txBody>
+          <a:bodyPr vert="horz" lIns="91440" tIns="45720" rIns="91440" bIns="45720" rtlCol="0" anchor="b"/>
+          <a:lstStyle>
+            <a:lvl1pPr algn="r">
+              <a:defRPr sz="1200"/>
+            </a:lvl1pPr>
+          </a:lstStyle>
+          <a:p>
+            <a:fld id="{3C13BA1D-EAE5-4AF1-B42B-5DC5A6D09AB1}" type="slidenum">
+              <a:rPr lang="ru-RU" smtClean="0"/>
+              <a:t>‹#›</a:t>
+            </a:fld>
+            <a:endParaRPr lang="ru-RU"/>
+          </a:p>
+        </p:txBody>
+      </p:sp>
+    </p:spTree>
+    <p:extLst>
+      <p:ext uri="{BB962C8B-B14F-4D97-AF65-F5344CB8AC3E}">
+        <p14:creationId xmlns:p14="http://schemas.microsoft.com/office/powerpoint/2010/main" val="3638418440"/>
+      </p:ext>
+    </p:extLst>
+  </p:cSld>
+  <p:clrMap bg1="lt1" tx1="dk1" bg2="lt2" tx2="dk2" accent1="accent1" accent2="accent2" accent3="accent3" accent4="accent4" accent5="accent5" accent6="accent6" hlink="hlink" folHlink="folHlink"/>
+  <p:notesStyle>
+    <a:lvl1pPr marL="0" algn="l" defTabSz="914400" rtl="0" eaLnBrk="1" latinLnBrk="0" hangingPunct="1">
+      <a:defRPr sz="1200" kern="1200">
+        <a:solidFill>
+          <a:schemeClr val="tx1"/>
+        </a:solidFill>
+        <a:latin typeface="+mn-lt"/>
+        <a:ea typeface="+mn-ea"/>
+        <a:cs typeface="+mn-cs"/>
+      </a:defRPr>
+    </a:lvl1pPr>
+    <a:lvl2pPr marL="457200" algn="l" defTabSz="914400" rtl="0" eaLnBrk="1" latinLnBrk="0" hangingPunct="1">
+      <a:defRPr sz="1200" kern="1200">
+        <a:solidFill>
+          <a:schemeClr val="tx1"/>
+        </a:solidFill>
+        <a:latin typeface="+mn-lt"/>
+        <a:ea typeface="+mn-ea"/>
+        <a:cs typeface="+mn-cs"/>
+      </a:defRPr>
+    </a:lvl2pPr>
+    <a:lvl3pPr marL="914400" algn="l" defTabSz="914400" rtl="0" eaLnBrk="1" latinLnBrk="0" hangingPunct="1">
+      <a:defRPr sz="1200" kern="1200">
+        <a:solidFill>
+          <a:schemeClr val="tx1"/>
+        </a:solidFill>
+        <a:latin typeface="+mn-lt"/>
+        <a:ea typeface="+mn-ea"/>
+        <a:cs typeface="+mn-cs"/>
+      </a:defRPr>
+    </a:lvl3pPr>
+    <a:lvl4pPr marL="1371600" algn="l" defTabSz="914400" rtl="0" eaLnBrk="1" latinLnBrk="0" hangingPunct="1">
+      <a:defRPr sz="1200" kern="1200">
+        <a:solidFill>
+          <a:schemeClr val="tx1"/>
+        </a:solidFill>
+        <a:latin typeface="+mn-lt"/>
+        <a:ea typeface="+mn-ea"/>
+        <a:cs typeface="+mn-cs"/>
+      </a:defRPr>
+    </a:lvl4pPr>
+    <a:lvl5pPr marL="1828800" algn="l" defTabSz="914400" rtl="0" eaLnBrk="1" latinLnBrk="0" hangingPunct="1">
+      <a:defRPr sz="1200" kern="1200">
+        <a:solidFill>
+          <a:schemeClr val="tx1"/>
+        </a:solidFill>
+        <a:latin typeface="+mn-lt"/>
+        <a:ea typeface="+mn-ea"/>
+        <a:cs typeface="+mn-cs"/>
+      </a:defRPr>
+    </a:lvl5pPr>
+    <a:lvl6pPr marL="2286000" algn="l" defTabSz="914400" rtl="0" eaLnBrk="1" latinLnBrk="0" hangingPunct="1">
+      <a:defRPr sz="1200" kern="1200">
+        <a:solidFill>
+          <a:schemeClr val="tx1"/>
+        </a:solidFill>
+        <a:latin typeface="+mn-lt"/>
+        <a:ea typeface="+mn-ea"/>
+        <a:cs typeface="+mn-cs"/>
+      </a:defRPr>
+    </a:lvl6pPr>
+    <a:lvl7pPr marL="2743200" algn="l" defTabSz="914400" rtl="0" eaLnBrk="1" latinLnBrk="0" hangingPunct="1">
+      <a:defRPr sz="1200" kern="1200">
+        <a:solidFill>
+          <a:schemeClr val="tx1"/>
+        </a:solidFill>
+        <a:latin typeface="+mn-lt"/>
+        <a:ea typeface="+mn-ea"/>
+        <a:cs typeface="+mn-cs"/>
+      </a:defRPr>
+    </a:lvl7pPr>
+    <a:lvl8pPr marL="3200400" algn="l" defTabSz="914400" rtl="0" eaLnBrk="1" latinLnBrk="0" hangingPunct="1">
+      <a:defRPr sz="1200" kern="1200">
+        <a:solidFill>
+          <a:schemeClr val="tx1"/>
+        </a:solidFill>
+        <a:latin typeface="+mn-lt"/>
+        <a:ea typeface="+mn-ea"/>
+        <a:cs typeface="+mn-cs"/>
+      </a:defRPr>
+    </a:lvl8pPr>
+    <a:lvl9pPr marL="3657600" algn="l" defTabSz="914400" rtl="0" eaLnBrk="1" latinLnBrk="0" hangingPunct="1">
+      <a:defRPr sz="1200" kern="1200">
+        <a:solidFill>
+          <a:schemeClr val="tx1"/>
+        </a:solidFill>
+        <a:latin typeface="+mn-lt"/>
+        <a:ea typeface="+mn-ea"/>
+        <a:cs typeface="+mn-cs"/>
+      </a:defRPr>
+    </a:lvl9pPr>
+  </p:notesStyle>
+</p:notesMaster>
+</file>
+
+<file path=ppt/notesSlides/notesSlide1.xml><?xml version="1.0" encoding="utf-8"?>
+<p:notes xmlns:a="http://schemas.openxmlformats.org/drawingml/2006/main" xmlns:r="http://schemas.openxmlformats.org/officeDocument/2006/relationships" xmlns:p="http://schemas.openxmlformats.org/presentationml/2006/main">
+  <p:cSld>
+    <p:spTree>
+      <p:nvGrpSpPr>
+        <p:cNvPr id="1" name=""/>
+        <p:cNvGrpSpPr/>
+        <p:nvPr/>
+      </p:nvGrpSpPr>
+      <p:grpSpPr>
+        <a:xfrm>
+          <a:off x="0" y="0"/>
+          <a:ext cx="0" cy="0"/>
+          <a:chOff x="0" y="0"/>
+          <a:chExt cx="0" cy="0"/>
+        </a:xfrm>
+      </p:grpSpPr>
+      <p:sp>
+        <p:nvSpPr>
+          <p:cNvPr id="2" name="Образ слайда 1"/>
+          <p:cNvSpPr>
+            <a:spLocks noGrp="1" noRot="1" noChangeAspect="1"/>
+          </p:cNvSpPr>
+          <p:nvPr>
+            <p:ph type="sldImg"/>
+          </p:nvPr>
+        </p:nvSpPr>
+        <p:spPr/>
+      </p:sp>
+      <p:sp>
+        <p:nvSpPr>
+          <p:cNvPr id="3" name="Заметки 2"/>
+          <p:cNvSpPr>
+            <a:spLocks noGrp="1"/>
+          </p:cNvSpPr>
+          <p:nvPr>
+            <p:ph type="body" idx="1"/>
+          </p:nvPr>
+        </p:nvSpPr>
+        <p:spPr/>
+        <p:txBody>
+          <a:bodyPr/>
+          <a:lstStyle/>
+          <a:p>
+            <a:r>
+              <a:rPr lang="uk-UA" smtClean="0"/>
+              <a:t>Розглянемо зв’язок Фабричного</a:t>
+            </a:r>
+            <a:r>
+              <a:rPr lang="uk-UA" baseline="0" smtClean="0"/>
+              <a:t> методу з іншими патернами на прикладі фрагменту «Карти патернів» з книги Банди Чотирьох.</a:t>
+            </a:r>
+          </a:p>
+          <a:p>
+            <a:r>
+              <a:rPr lang="uk-UA" baseline="0" smtClean="0"/>
+              <a:t>Шаблонний метод нерідко використовує Фабричний метод.</a:t>
+            </a:r>
+          </a:p>
+          <a:p>
+            <a:r>
+              <a:rPr lang="uk-UA" baseline="0" smtClean="0"/>
+              <a:t>Класи Абстрактної фабрики частіше за все реалізовані за допомогою Фабричних методів.</a:t>
+            </a:r>
+          </a:p>
+          <a:p>
+            <a:endParaRPr lang="uk-UA" baseline="0" smtClean="0"/>
+          </a:p>
+          <a:p>
+            <a:r>
+              <a:rPr lang="uk-UA" baseline="0" smtClean="0"/>
+              <a:t>(буде розглянуто детальніше трохи пізніше)</a:t>
+            </a:r>
+          </a:p>
+        </p:txBody>
+      </p:sp>
+      <p:sp>
+        <p:nvSpPr>
+          <p:cNvPr id="4" name="Номер слайда 3"/>
+          <p:cNvSpPr>
+            <a:spLocks noGrp="1"/>
+          </p:cNvSpPr>
+          <p:nvPr>
+            <p:ph type="sldNum" sz="quarter" idx="10"/>
+          </p:nvPr>
+        </p:nvSpPr>
+        <p:spPr/>
+        <p:txBody>
+          <a:bodyPr/>
+          <a:lstStyle/>
+          <a:p>
+            <a:fld id="{3C13BA1D-EAE5-4AF1-B42B-5DC5A6D09AB1}" type="slidenum">
+              <a:rPr lang="ru-RU" smtClean="0"/>
+              <a:t>2</a:t>
+            </a:fld>
+            <a:endParaRPr lang="ru-RU"/>
+          </a:p>
+        </p:txBody>
+      </p:sp>
+    </p:spTree>
+    <p:extLst>
+      <p:ext uri="{BB962C8B-B14F-4D97-AF65-F5344CB8AC3E}">
+        <p14:creationId xmlns:p14="http://schemas.microsoft.com/office/powerpoint/2010/main" val="3299521242"/>
+      </p:ext>
+    </p:extLst>
+  </p:cSld>
+  <p:clrMapOvr>
+    <a:masterClrMapping/>
+  </p:clrMapOvr>
+</p:notes>
+</file>
+
+<file path=ppt/notesSlides/notesSlide2.xml><?xml version="1.0" encoding="utf-8"?>
+<p:notes xmlns:a="http://schemas.openxmlformats.org/drawingml/2006/main" xmlns:r="http://schemas.openxmlformats.org/officeDocument/2006/relationships" xmlns:p="http://schemas.openxmlformats.org/presentationml/2006/main">
+  <p:cSld>
+    <p:spTree>
+      <p:nvGrpSpPr>
+        <p:cNvPr id="1" name=""/>
+        <p:cNvGrpSpPr/>
+        <p:nvPr/>
+      </p:nvGrpSpPr>
+      <p:grpSpPr>
+        <a:xfrm>
+          <a:off x="0" y="0"/>
+          <a:ext cx="0" cy="0"/>
+          <a:chOff x="0" y="0"/>
+          <a:chExt cx="0" cy="0"/>
+        </a:xfrm>
+      </p:grpSpPr>
+      <p:sp>
+        <p:nvSpPr>
+          <p:cNvPr id="2" name="Образ слайда 1"/>
+          <p:cNvSpPr>
+            <a:spLocks noGrp="1" noRot="1" noChangeAspect="1"/>
+          </p:cNvSpPr>
+          <p:nvPr>
+            <p:ph type="sldImg"/>
+          </p:nvPr>
+        </p:nvSpPr>
+        <p:spPr/>
+      </p:sp>
+      <p:sp>
+        <p:nvSpPr>
+          <p:cNvPr id="3" name="Заметки 2"/>
+          <p:cNvSpPr>
+            <a:spLocks noGrp="1"/>
+          </p:cNvSpPr>
+          <p:nvPr>
+            <p:ph type="body" idx="1"/>
+          </p:nvPr>
+        </p:nvSpPr>
+        <p:spPr/>
+        <p:txBody>
+          <a:bodyPr/>
+          <a:lstStyle/>
+          <a:p>
+            <a:r>
+              <a:rPr lang="uk-UA" smtClean="0"/>
+              <a:t>Уявіть,</a:t>
+            </a:r>
+            <a:r>
+              <a:rPr lang="uk-UA" baseline="0" smtClean="0"/>
+              <a:t> що ви працюєте проектим менеджером в </a:t>
+            </a:r>
+            <a:r>
+              <a:rPr lang="en-US" baseline="0" smtClean="0"/>
+              <a:t>IT </a:t>
+            </a:r>
+            <a:r>
+              <a:rPr lang="uk-UA" baseline="0" smtClean="0"/>
+              <a:t>компанії. До вас приходить клієнт, і каже, що його компанія займається вантажними перевезеннями на автомобілях, і йому потрібне застосування, яке б контролювало цей процес.</a:t>
+            </a:r>
+          </a:p>
+          <a:p>
+            <a:endParaRPr lang="uk-UA" baseline="0" smtClean="0"/>
+          </a:p>
+          <a:p>
+            <a:r>
+              <a:rPr lang="uk-UA" baseline="0" smtClean="0"/>
+              <a:t>Ви, як розумний проектний менеджер, питаєте, чи використовує компанія замовника ще щось крім вантажних машин для перевезень, і чи планують в майбутньому. Замовник запевняє вас, що ні, і навіть не планують.</a:t>
+            </a:r>
+          </a:p>
+          <a:p>
+            <a:endParaRPr lang="uk-UA" baseline="0" smtClean="0"/>
+          </a:p>
+          <a:p>
+            <a:r>
+              <a:rPr lang="uk-UA" baseline="0" smtClean="0"/>
+              <a:t>Тому ви створюєте архітектуру, яка напряму використовує клас </a:t>
+            </a:r>
+            <a:r>
+              <a:rPr lang="uk-UA" b="0" i="1" baseline="0" smtClean="0">
+                <a:latin typeface="Courier New" panose="02070309020205020404" pitchFamily="49" charset="0"/>
+                <a:cs typeface="Courier New" panose="02070309020205020404" pitchFamily="49" charset="0"/>
+              </a:rPr>
+              <a:t>Вантажна машина</a:t>
+            </a:r>
+            <a:r>
+              <a:rPr lang="en-US" b="0" i="0" baseline="0" smtClean="0">
+                <a:latin typeface="Courier New" panose="02070309020205020404" pitchFamily="49" charset="0"/>
+                <a:cs typeface="Courier New" panose="02070309020205020404" pitchFamily="49" charset="0"/>
+              </a:rPr>
+              <a:t>. </a:t>
+            </a:r>
+            <a:endParaRPr lang="ru-RU" b="0" i="1">
+              <a:latin typeface="Courier New" panose="02070309020205020404" pitchFamily="49" charset="0"/>
+              <a:cs typeface="Courier New" panose="02070309020205020404" pitchFamily="49" charset="0"/>
+            </a:endParaRPr>
+          </a:p>
+        </p:txBody>
+      </p:sp>
+      <p:sp>
+        <p:nvSpPr>
+          <p:cNvPr id="4" name="Номер слайда 3"/>
+          <p:cNvSpPr>
+            <a:spLocks noGrp="1"/>
+          </p:cNvSpPr>
+          <p:nvPr>
+            <p:ph type="sldNum" sz="quarter" idx="10"/>
+          </p:nvPr>
+        </p:nvSpPr>
+        <p:spPr/>
+        <p:txBody>
+          <a:bodyPr/>
+          <a:lstStyle/>
+          <a:p>
+            <a:fld id="{3C13BA1D-EAE5-4AF1-B42B-5DC5A6D09AB1}" type="slidenum">
+              <a:rPr lang="ru-RU" smtClean="0"/>
+              <a:t>3</a:t>
+            </a:fld>
+            <a:endParaRPr lang="ru-RU"/>
+          </a:p>
+        </p:txBody>
+      </p:sp>
+    </p:spTree>
+    <p:extLst>
+      <p:ext uri="{BB962C8B-B14F-4D97-AF65-F5344CB8AC3E}">
+        <p14:creationId xmlns:p14="http://schemas.microsoft.com/office/powerpoint/2010/main" val="1890852798"/>
+      </p:ext>
+    </p:extLst>
+  </p:cSld>
+  <p:clrMapOvr>
+    <a:masterClrMapping/>
+  </p:clrMapOvr>
+</p:notes>
+</file>
+
+<file path=ppt/notesSlides/notesSlide3.xml><?xml version="1.0" encoding="utf-8"?>
+<p:notes xmlns:a="http://schemas.openxmlformats.org/drawingml/2006/main" xmlns:r="http://schemas.openxmlformats.org/officeDocument/2006/relationships" xmlns:p="http://schemas.openxmlformats.org/presentationml/2006/main">
+  <p:cSld>
+    <p:spTree>
+      <p:nvGrpSpPr>
+        <p:cNvPr id="1" name=""/>
+        <p:cNvGrpSpPr/>
+        <p:nvPr/>
+      </p:nvGrpSpPr>
+      <p:grpSpPr>
+        <a:xfrm>
+          <a:off x="0" y="0"/>
+          <a:ext cx="0" cy="0"/>
+          <a:chOff x="0" y="0"/>
+          <a:chExt cx="0" cy="0"/>
+        </a:xfrm>
+      </p:grpSpPr>
+      <p:sp>
+        <p:nvSpPr>
+          <p:cNvPr id="2" name="Образ слайда 1"/>
+          <p:cNvSpPr>
+            <a:spLocks noGrp="1" noRot="1" noChangeAspect="1"/>
+          </p:cNvSpPr>
+          <p:nvPr>
+            <p:ph type="sldImg"/>
+          </p:nvPr>
+        </p:nvSpPr>
+        <p:spPr/>
+      </p:sp>
+      <p:sp>
+        <p:nvSpPr>
+          <p:cNvPr id="3" name="Заметки 2"/>
+          <p:cNvSpPr>
+            <a:spLocks noGrp="1"/>
+          </p:cNvSpPr>
+          <p:nvPr>
+            <p:ph type="body" idx="1"/>
+          </p:nvPr>
+        </p:nvSpPr>
+        <p:spPr/>
+        <p:txBody>
+          <a:bodyPr/>
+          <a:lstStyle/>
+          <a:p>
+            <a:r>
+              <a:rPr lang="uk-UA" smtClean="0"/>
+              <a:t>Проходить півроку.</a:t>
+            </a:r>
+            <a:r>
+              <a:rPr lang="uk-UA" baseline="0" smtClean="0"/>
+              <a:t> Замовник знову приходить до вас, щасливий. Каже, що знайшов спонсорів, і тепер вони хочуть перевозити вантажі ще на Кораблях, і просить вас внести зміни у програму.</a:t>
+            </a:r>
+            <a:endParaRPr lang="ru-RU"/>
+          </a:p>
+        </p:txBody>
+      </p:sp>
+      <p:sp>
+        <p:nvSpPr>
+          <p:cNvPr id="4" name="Номер слайда 3"/>
+          <p:cNvSpPr>
+            <a:spLocks noGrp="1"/>
+          </p:cNvSpPr>
+          <p:nvPr>
+            <p:ph type="sldNum" sz="quarter" idx="10"/>
+          </p:nvPr>
+        </p:nvSpPr>
+        <p:spPr/>
+        <p:txBody>
+          <a:bodyPr/>
+          <a:lstStyle/>
+          <a:p>
+            <a:fld id="{3C13BA1D-EAE5-4AF1-B42B-5DC5A6D09AB1}" type="slidenum">
+              <a:rPr lang="ru-RU" smtClean="0"/>
+              <a:t>4</a:t>
+            </a:fld>
+            <a:endParaRPr lang="ru-RU"/>
+          </a:p>
+        </p:txBody>
+      </p:sp>
+    </p:spTree>
+    <p:extLst>
+      <p:ext uri="{BB962C8B-B14F-4D97-AF65-F5344CB8AC3E}">
+        <p14:creationId xmlns:p14="http://schemas.microsoft.com/office/powerpoint/2010/main" val="2768605303"/>
+      </p:ext>
+    </p:extLst>
+  </p:cSld>
+  <p:clrMapOvr>
+    <a:masterClrMapping/>
+  </p:clrMapOvr>
+</p:notes>
+</file>
+
 <file path=ppt/slideLayouts/slideLayout1.xml><?xml version="1.0" encoding="utf-8"?>
 <p:sldLayout xmlns:a="http://schemas.openxmlformats.org/drawingml/2006/main" xmlns:r="http://schemas.openxmlformats.org/officeDocument/2006/relationships" xmlns:p="http://schemas.openxmlformats.org/presentationml/2006/main" type="title" preserve="1">
   <p:cSld name="Титульный слайд">
@@ -296,7 +991,7 @@
           <a:p>
             <a:fld id="{B4C71EC6-210F-42DE-9C53-41977AD35B3D}" type="datetimeFigureOut">
               <a:rPr lang="ru-RU" smtClean="0"/>
-              <a:t>12.02.2019</a:t>
+              <a:t>16.02.2019</a:t>
             </a:fld>
             <a:endParaRPr lang="ru-RU"/>
           </a:p>
@@ -496,7 +1191,7 @@
           <a:p>
             <a:fld id="{B4C71EC6-210F-42DE-9C53-41977AD35B3D}" type="datetimeFigureOut">
               <a:rPr lang="ru-RU" smtClean="0"/>
-              <a:t>12.02.2019</a:t>
+              <a:t>16.02.2019</a:t>
             </a:fld>
             <a:endParaRPr lang="ru-RU"/>
           </a:p>
@@ -671,7 +1366,7 @@
           <a:p>
             <a:fld id="{B4C71EC6-210F-42DE-9C53-41977AD35B3D}" type="datetimeFigureOut">
               <a:rPr lang="ru-RU" smtClean="0"/>
-              <a:t>12.02.2019</a:t>
+              <a:t>16.02.2019</a:t>
             </a:fld>
             <a:endParaRPr lang="ru-RU"/>
           </a:p>
@@ -836,7 +1531,7 @@
           <a:p>
             <a:fld id="{B4C71EC6-210F-42DE-9C53-41977AD35B3D}" type="datetimeFigureOut">
               <a:rPr lang="ru-RU" smtClean="0"/>
-              <a:t>12.02.2019</a:t>
+              <a:t>16.02.2019</a:t>
             </a:fld>
             <a:endParaRPr lang="ru-RU"/>
           </a:p>
@@ -1084,7 +1779,7 @@
           <a:p>
             <a:fld id="{B4C71EC6-210F-42DE-9C53-41977AD35B3D}" type="datetimeFigureOut">
               <a:rPr lang="ru-RU" smtClean="0"/>
-              <a:t>12.02.2019</a:t>
+              <a:t>16.02.2019</a:t>
             </a:fld>
             <a:endParaRPr lang="ru-RU"/>
           </a:p>
@@ -1402,7 +2097,7 @@
           <a:p>
             <a:fld id="{B4C71EC6-210F-42DE-9C53-41977AD35B3D}" type="datetimeFigureOut">
               <a:rPr lang="ru-RU" smtClean="0"/>
-              <a:t>12.02.2019</a:t>
+              <a:t>16.02.2019</a:t>
             </a:fld>
             <a:endParaRPr lang="ru-RU"/>
           </a:p>
@@ -1868,7 +2563,7 @@
           <a:p>
             <a:fld id="{B4C71EC6-210F-42DE-9C53-41977AD35B3D}" type="datetimeFigureOut">
               <a:rPr lang="ru-RU" smtClean="0"/>
-              <a:t>12.02.2019</a:t>
+              <a:t>16.02.2019</a:t>
             </a:fld>
             <a:endParaRPr lang="ru-RU"/>
           </a:p>
@@ -2016,7 +2711,7 @@
           <a:p>
             <a:fld id="{B4C71EC6-210F-42DE-9C53-41977AD35B3D}" type="datetimeFigureOut">
               <a:rPr lang="ru-RU" smtClean="0"/>
-              <a:t>12.02.2019</a:t>
+              <a:t>16.02.2019</a:t>
             </a:fld>
             <a:endParaRPr lang="ru-RU"/>
           </a:p>
@@ -2106,7 +2801,7 @@
           <a:p>
             <a:fld id="{B4C71EC6-210F-42DE-9C53-41977AD35B3D}" type="datetimeFigureOut">
               <a:rPr lang="ru-RU" smtClean="0"/>
-              <a:t>12.02.2019</a:t>
+              <a:t>16.02.2019</a:t>
             </a:fld>
             <a:endParaRPr lang="ru-RU"/>
           </a:p>
@@ -2380,7 +3075,7 @@
           <a:p>
             <a:fld id="{B4C71EC6-210F-42DE-9C53-41977AD35B3D}" type="datetimeFigureOut">
               <a:rPr lang="ru-RU" smtClean="0"/>
-              <a:t>12.02.2019</a:t>
+              <a:t>16.02.2019</a:t>
             </a:fld>
             <a:endParaRPr lang="ru-RU"/>
           </a:p>
@@ -2685,7 +3380,7 @@
           <a:p>
             <a:fld id="{B4C71EC6-210F-42DE-9C53-41977AD35B3D}" type="datetimeFigureOut">
               <a:rPr lang="ru-RU" smtClean="0"/>
-              <a:t>12.02.2019</a:t>
+              <a:t>16.02.2019</a:t>
             </a:fld>
             <a:endParaRPr lang="ru-RU"/>
           </a:p>
@@ -2983,7 +3678,7 @@
           <a:p>
             <a:fld id="{B4C71EC6-210F-42DE-9C53-41977AD35B3D}" type="datetimeFigureOut">
               <a:rPr lang="ru-RU" smtClean="0"/>
-              <a:t>12.02.2019</a:t>
+              <a:t>16.02.2019</a:t>
             </a:fld>
             <a:endParaRPr lang="ru-RU"/>
           </a:p>
@@ -3639,12 +4334,968 @@
           <a:p>
             <a:r>
               <a:rPr lang="en-US" smtClean="0"/>
-              <a:t>Topic</a:t>
+              <a:t>Pattern map</a:t>
             </a:r>
             <a:endParaRPr lang="ru-RU"/>
           </a:p>
         </p:txBody>
       </p:sp>
+      <p:pic>
+        <p:nvPicPr>
+          <p:cNvPr id="5" name="Объект 4"/>
+          <p:cNvPicPr>
+            <a:picLocks noGrp="1" noChangeAspect="1"/>
+          </p:cNvPicPr>
+          <p:nvPr>
+            <p:ph idx="1"/>
+          </p:nvPr>
+        </p:nvPicPr>
+        <p:blipFill>
+          <a:blip r:embed="rId3" cstate="print">
+            <a:extLst>
+              <a:ext uri="{28A0092B-C50C-407E-A947-70E740481C1C}">
+                <a14:useLocalDpi xmlns:a14="http://schemas.microsoft.com/office/drawing/2010/main" val="0"/>
+              </a:ext>
+            </a:extLst>
+          </a:blip>
+          <a:stretch>
+            <a:fillRect/>
+          </a:stretch>
+        </p:blipFill>
+        <p:spPr>
+          <a:xfrm>
+            <a:off x="611560" y="1558025"/>
+            <a:ext cx="7355160" cy="4247239"/>
+          </a:xfrm>
+        </p:spPr>
+      </p:pic>
+      <p:sp>
+        <p:nvSpPr>
+          <p:cNvPr id="4" name="TextBox 3"/>
+          <p:cNvSpPr txBox="1"/>
+          <p:nvPr/>
+        </p:nvSpPr>
+        <p:spPr>
+          <a:xfrm>
+            <a:off x="1043608" y="6165304"/>
+            <a:ext cx="8122801" cy="369332"/>
+          </a:xfrm>
+          <a:prstGeom prst="rect">
+            <a:avLst/>
+          </a:prstGeom>
+          <a:noFill/>
+        </p:spPr>
+        <p:txBody>
+          <a:bodyPr wrap="none" rtlCol="0">
+            <a:spAutoFit/>
+          </a:bodyPr>
+          <a:lstStyle/>
+          <a:p>
+            <a:r>
+              <a:rPr lang="en-US" smtClean="0">
+                <a:solidFill>
+                  <a:schemeClr val="accent6">
+                    <a:lumMod val="75000"/>
+                  </a:schemeClr>
+                </a:solidFill>
+              </a:rPr>
+              <a:t>Image source: Design Patterns Explained Simply by Alexander Shvets, pg. 69</a:t>
+            </a:r>
+            <a:endParaRPr lang="en-US" u="sng">
+              <a:solidFill>
+                <a:schemeClr val="accent6">
+                  <a:lumMod val="75000"/>
+                </a:schemeClr>
+              </a:solidFill>
+            </a:endParaRPr>
+          </a:p>
+        </p:txBody>
+      </p:sp>
+      <p:pic>
+        <p:nvPicPr>
+          <p:cNvPr id="6" name="Рисунок 5"/>
+          <p:cNvPicPr>
+            <a:picLocks noChangeAspect="1"/>
+          </p:cNvPicPr>
+          <p:nvPr/>
+        </p:nvPicPr>
+        <p:blipFill>
+          <a:blip r:embed="rId4">
+            <a:extLst>
+              <a:ext uri="{28A0092B-C50C-407E-A947-70E740481C1C}">
+                <a14:useLocalDpi xmlns:a14="http://schemas.microsoft.com/office/drawing/2010/main" val="0"/>
+              </a:ext>
+            </a:extLst>
+          </a:blip>
+          <a:stretch>
+            <a:fillRect/>
+          </a:stretch>
+        </p:blipFill>
+        <p:spPr>
+          <a:xfrm>
+            <a:off x="7540630" y="404665"/>
+            <a:ext cx="1572745" cy="1152127"/>
+          </a:xfrm>
+          <a:prstGeom prst="rect">
+            <a:avLst/>
+          </a:prstGeom>
+        </p:spPr>
+      </p:pic>
+      <p:sp>
+        <p:nvSpPr>
+          <p:cNvPr id="7" name="TextBox 6"/>
+          <p:cNvSpPr txBox="1"/>
+          <p:nvPr/>
+        </p:nvSpPr>
+        <p:spPr>
+          <a:xfrm>
+            <a:off x="2380" y="6516052"/>
+            <a:ext cx="2265364" cy="369332"/>
+          </a:xfrm>
+          <a:prstGeom prst="rect">
+            <a:avLst/>
+          </a:prstGeom>
+          <a:noFill/>
+        </p:spPr>
+        <p:txBody>
+          <a:bodyPr wrap="none" rtlCol="0">
+            <a:spAutoFit/>
+          </a:bodyPr>
+          <a:lstStyle/>
+          <a:p>
+            <a:r>
+              <a:rPr lang="en-US" smtClean="0">
+                <a:solidFill>
+                  <a:schemeClr val="tx2">
+                    <a:lumMod val="75000"/>
+                  </a:schemeClr>
+                </a:solidFill>
+              </a:rPr>
+              <a:t>@PolinaShlepakova</a:t>
+            </a:r>
+            <a:endParaRPr lang="ru-RU">
+              <a:solidFill>
+                <a:schemeClr val="tx2">
+                  <a:lumMod val="75000"/>
+                </a:schemeClr>
+              </a:solidFill>
+            </a:endParaRPr>
+          </a:p>
+        </p:txBody>
+      </p:sp>
+      <p:sp>
+        <p:nvSpPr>
+          <p:cNvPr id="8" name="TextBox 7"/>
+          <p:cNvSpPr txBox="1"/>
+          <p:nvPr/>
+        </p:nvSpPr>
+        <p:spPr>
+          <a:xfrm>
+            <a:off x="4150803" y="6546830"/>
+            <a:ext cx="925253" cy="338554"/>
+          </a:xfrm>
+          <a:prstGeom prst="rect">
+            <a:avLst/>
+          </a:prstGeom>
+          <a:noFill/>
+        </p:spPr>
+        <p:txBody>
+          <a:bodyPr wrap="none" rtlCol="0">
+            <a:spAutoFit/>
+          </a:bodyPr>
+          <a:lstStyle/>
+          <a:p>
+            <a:r>
+              <a:rPr lang="en-US" sz="1600" smtClean="0">
+                <a:solidFill>
+                  <a:schemeClr val="accent4">
+                    <a:lumMod val="75000"/>
+                  </a:schemeClr>
+                </a:solidFill>
+              </a:rPr>
+              <a:t>02.2019</a:t>
+            </a:r>
+            <a:endParaRPr lang="ru-RU" sz="1600">
+              <a:solidFill>
+                <a:schemeClr val="accent4">
+                  <a:lumMod val="75000"/>
+                </a:schemeClr>
+              </a:solidFill>
+            </a:endParaRPr>
+          </a:p>
+        </p:txBody>
+      </p:sp>
+      <p:sp>
+        <p:nvSpPr>
+          <p:cNvPr id="9" name="TextBox 8"/>
+          <p:cNvSpPr txBox="1"/>
+          <p:nvPr/>
+        </p:nvSpPr>
+        <p:spPr>
+          <a:xfrm>
+            <a:off x="8479868" y="6488668"/>
+            <a:ext cx="633507" cy="369332"/>
+          </a:xfrm>
+          <a:prstGeom prst="rect">
+            <a:avLst/>
+          </a:prstGeom>
+          <a:noFill/>
+        </p:spPr>
+        <p:txBody>
+          <a:bodyPr wrap="none" rtlCol="0">
+            <a:spAutoFit/>
+          </a:bodyPr>
+          <a:lstStyle/>
+          <a:p>
+            <a:r>
+              <a:rPr lang="en-US" smtClean="0">
+                <a:solidFill>
+                  <a:srgbClr val="002060"/>
+                </a:solidFill>
+              </a:rPr>
+              <a:t>2/20</a:t>
+            </a:r>
+          </a:p>
+        </p:txBody>
+      </p:sp>
+      <p:sp>
+        <p:nvSpPr>
+          <p:cNvPr id="10" name="TextBox 9"/>
+          <p:cNvSpPr txBox="1"/>
+          <p:nvPr/>
+        </p:nvSpPr>
+        <p:spPr>
+          <a:xfrm>
+            <a:off x="2712075" y="5867980"/>
+            <a:ext cx="6468437" cy="369332"/>
+          </a:xfrm>
+          <a:prstGeom prst="rect">
+            <a:avLst/>
+          </a:prstGeom>
+          <a:noFill/>
+        </p:spPr>
+        <p:txBody>
+          <a:bodyPr wrap="none" rtlCol="0">
+            <a:spAutoFit/>
+          </a:bodyPr>
+          <a:lstStyle/>
+          <a:p>
+            <a:r>
+              <a:rPr lang="en-US" smtClean="0">
+                <a:solidFill>
+                  <a:schemeClr val="accent6">
+                    <a:lumMod val="75000"/>
+                  </a:schemeClr>
+                </a:solidFill>
+              </a:rPr>
+              <a:t>Diagram source</a:t>
+            </a:r>
+            <a:r>
+              <a:rPr lang="en-US" smtClean="0">
+                <a:solidFill>
+                  <a:schemeClr val="accent6">
+                    <a:lumMod val="75000"/>
+                  </a:schemeClr>
+                </a:solidFill>
+              </a:rPr>
+              <a:t>: Fragment of pattern map from the GoF book</a:t>
+            </a:r>
+            <a:endParaRPr lang="en-US" u="sng">
+              <a:solidFill>
+                <a:schemeClr val="accent6">
+                  <a:lumMod val="75000"/>
+                </a:schemeClr>
+              </a:solidFill>
+            </a:endParaRPr>
+          </a:p>
+        </p:txBody>
+      </p:sp>
+    </p:spTree>
+    <p:extLst>
+      <p:ext uri="{BB962C8B-B14F-4D97-AF65-F5344CB8AC3E}">
+        <p14:creationId xmlns:p14="http://schemas.microsoft.com/office/powerpoint/2010/main" val="1186106448"/>
+      </p:ext>
+    </p:extLst>
+  </p:cSld>
+  <p:clrMapOvr>
+    <a:masterClrMapping/>
+  </p:clrMapOvr>
+</p:sld>
+</file>
+
+<file path=ppt/slides/slide3.xml><?xml version="1.0" encoding="utf-8"?>
+<p:sld xmlns:a="http://schemas.openxmlformats.org/drawingml/2006/main" xmlns:r="http://schemas.openxmlformats.org/officeDocument/2006/relationships" xmlns:p="http://schemas.openxmlformats.org/presentationml/2006/main">
+  <p:cSld>
+    <p:spTree>
+      <p:nvGrpSpPr>
+        <p:cNvPr id="1" name=""/>
+        <p:cNvGrpSpPr/>
+        <p:nvPr/>
+      </p:nvGrpSpPr>
+      <p:grpSpPr>
+        <a:xfrm>
+          <a:off x="0" y="0"/>
+          <a:ext cx="0" cy="0"/>
+          <a:chOff x="0" y="0"/>
+          <a:chExt cx="0" cy="0"/>
+        </a:xfrm>
+      </p:grpSpPr>
+      <p:sp>
+        <p:nvSpPr>
+          <p:cNvPr id="2" name="Заголовок 1"/>
+          <p:cNvSpPr>
+            <a:spLocks noGrp="1"/>
+          </p:cNvSpPr>
+          <p:nvPr>
+            <p:ph type="title"/>
+          </p:nvPr>
+        </p:nvSpPr>
+        <p:spPr>
+          <a:xfrm>
+            <a:off x="457200" y="533400"/>
+            <a:ext cx="6779096" cy="990600"/>
+          </a:xfrm>
+        </p:spPr>
+        <p:txBody>
+          <a:bodyPr/>
+          <a:lstStyle/>
+          <a:p>
+            <a:r>
+              <a:rPr lang="en-US" smtClean="0"/>
+              <a:t>Pattern map</a:t>
+            </a:r>
+            <a:endParaRPr lang="ru-RU"/>
+          </a:p>
+        </p:txBody>
+      </p:sp>
+      <p:pic>
+        <p:nvPicPr>
+          <p:cNvPr id="5" name="Объект 4"/>
+          <p:cNvPicPr>
+            <a:picLocks noGrp="1" noChangeAspect="1"/>
+          </p:cNvPicPr>
+          <p:nvPr>
+            <p:ph idx="1"/>
+          </p:nvPr>
+        </p:nvPicPr>
+        <p:blipFill>
+          <a:blip r:embed="rId3">
+            <a:extLst>
+              <a:ext uri="{28A0092B-C50C-407E-A947-70E740481C1C}">
+                <a14:useLocalDpi xmlns:a14="http://schemas.microsoft.com/office/drawing/2010/main" val="0"/>
+              </a:ext>
+            </a:extLst>
+          </a:blip>
+          <a:stretch>
+            <a:fillRect/>
+          </a:stretch>
+        </p:blipFill>
+        <p:spPr>
+          <a:xfrm>
+            <a:off x="2380" y="1916832"/>
+            <a:ext cx="6954221" cy="3705742"/>
+          </a:xfrm>
+        </p:spPr>
+      </p:pic>
+      <p:sp>
+        <p:nvSpPr>
+          <p:cNvPr id="4" name="TextBox 3"/>
+          <p:cNvSpPr txBox="1"/>
+          <p:nvPr/>
+        </p:nvSpPr>
+        <p:spPr>
+          <a:xfrm>
+            <a:off x="1043608" y="6165304"/>
+            <a:ext cx="8122801" cy="369332"/>
+          </a:xfrm>
+          <a:prstGeom prst="rect">
+            <a:avLst/>
+          </a:prstGeom>
+          <a:noFill/>
+        </p:spPr>
+        <p:txBody>
+          <a:bodyPr wrap="none" rtlCol="0">
+            <a:spAutoFit/>
+          </a:bodyPr>
+          <a:lstStyle/>
+          <a:p>
+            <a:r>
+              <a:rPr lang="en-US" smtClean="0">
+                <a:solidFill>
+                  <a:schemeClr val="accent6">
+                    <a:lumMod val="75000"/>
+                  </a:schemeClr>
+                </a:solidFill>
+              </a:rPr>
+              <a:t>Image source: Design Patterns Explained Simply by Alexander Shvets, pg. </a:t>
+            </a:r>
+            <a:r>
+              <a:rPr lang="en-US" smtClean="0">
+                <a:solidFill>
+                  <a:schemeClr val="accent6">
+                    <a:lumMod val="75000"/>
+                  </a:schemeClr>
+                </a:solidFill>
+              </a:rPr>
+              <a:t>70</a:t>
+            </a:r>
+            <a:endParaRPr lang="en-US" u="sng">
+              <a:solidFill>
+                <a:schemeClr val="accent6">
+                  <a:lumMod val="75000"/>
+                </a:schemeClr>
+              </a:solidFill>
+            </a:endParaRPr>
+          </a:p>
+        </p:txBody>
+      </p:sp>
+      <p:pic>
+        <p:nvPicPr>
+          <p:cNvPr id="6" name="Рисунок 5"/>
+          <p:cNvPicPr>
+            <a:picLocks noChangeAspect="1"/>
+          </p:cNvPicPr>
+          <p:nvPr/>
+        </p:nvPicPr>
+        <p:blipFill>
+          <a:blip r:embed="rId4">
+            <a:extLst>
+              <a:ext uri="{28A0092B-C50C-407E-A947-70E740481C1C}">
+                <a14:useLocalDpi xmlns:a14="http://schemas.microsoft.com/office/drawing/2010/main" val="0"/>
+              </a:ext>
+            </a:extLst>
+          </a:blip>
+          <a:stretch>
+            <a:fillRect/>
+          </a:stretch>
+        </p:blipFill>
+        <p:spPr>
+          <a:xfrm>
+            <a:off x="7540630" y="404665"/>
+            <a:ext cx="1572745" cy="1152127"/>
+          </a:xfrm>
+          <a:prstGeom prst="rect">
+            <a:avLst/>
+          </a:prstGeom>
+        </p:spPr>
+      </p:pic>
+      <p:sp>
+        <p:nvSpPr>
+          <p:cNvPr id="7" name="TextBox 6"/>
+          <p:cNvSpPr txBox="1"/>
+          <p:nvPr/>
+        </p:nvSpPr>
+        <p:spPr>
+          <a:xfrm>
+            <a:off x="2380" y="6516052"/>
+            <a:ext cx="2265364" cy="369332"/>
+          </a:xfrm>
+          <a:prstGeom prst="rect">
+            <a:avLst/>
+          </a:prstGeom>
+          <a:noFill/>
+        </p:spPr>
+        <p:txBody>
+          <a:bodyPr wrap="none" rtlCol="0">
+            <a:spAutoFit/>
+          </a:bodyPr>
+          <a:lstStyle/>
+          <a:p>
+            <a:r>
+              <a:rPr lang="en-US" smtClean="0">
+                <a:solidFill>
+                  <a:schemeClr val="tx2">
+                    <a:lumMod val="75000"/>
+                  </a:schemeClr>
+                </a:solidFill>
+              </a:rPr>
+              <a:t>@PolinaShlepakova</a:t>
+            </a:r>
+            <a:endParaRPr lang="ru-RU">
+              <a:solidFill>
+                <a:schemeClr val="tx2">
+                  <a:lumMod val="75000"/>
+                </a:schemeClr>
+              </a:solidFill>
+            </a:endParaRPr>
+          </a:p>
+        </p:txBody>
+      </p:sp>
+      <p:sp>
+        <p:nvSpPr>
+          <p:cNvPr id="8" name="TextBox 7"/>
+          <p:cNvSpPr txBox="1"/>
+          <p:nvPr/>
+        </p:nvSpPr>
+        <p:spPr>
+          <a:xfrm>
+            <a:off x="4150803" y="6546830"/>
+            <a:ext cx="925253" cy="338554"/>
+          </a:xfrm>
+          <a:prstGeom prst="rect">
+            <a:avLst/>
+          </a:prstGeom>
+          <a:noFill/>
+        </p:spPr>
+        <p:txBody>
+          <a:bodyPr wrap="none" rtlCol="0">
+            <a:spAutoFit/>
+          </a:bodyPr>
+          <a:lstStyle/>
+          <a:p>
+            <a:r>
+              <a:rPr lang="en-US" sz="1600" smtClean="0">
+                <a:solidFill>
+                  <a:schemeClr val="accent4">
+                    <a:lumMod val="75000"/>
+                  </a:schemeClr>
+                </a:solidFill>
+              </a:rPr>
+              <a:t>02.2019</a:t>
+            </a:r>
+            <a:endParaRPr lang="ru-RU" sz="1600">
+              <a:solidFill>
+                <a:schemeClr val="accent4">
+                  <a:lumMod val="75000"/>
+                </a:schemeClr>
+              </a:solidFill>
+            </a:endParaRPr>
+          </a:p>
+        </p:txBody>
+      </p:sp>
+      <p:sp>
+        <p:nvSpPr>
+          <p:cNvPr id="9" name="TextBox 8"/>
+          <p:cNvSpPr txBox="1"/>
+          <p:nvPr/>
+        </p:nvSpPr>
+        <p:spPr>
+          <a:xfrm>
+            <a:off x="8479868" y="6488668"/>
+            <a:ext cx="633507" cy="369332"/>
+          </a:xfrm>
+          <a:prstGeom prst="rect">
+            <a:avLst/>
+          </a:prstGeom>
+          <a:noFill/>
+        </p:spPr>
+        <p:txBody>
+          <a:bodyPr wrap="none" rtlCol="0">
+            <a:spAutoFit/>
+          </a:bodyPr>
+          <a:lstStyle/>
+          <a:p>
+            <a:r>
+              <a:rPr lang="en-US">
+                <a:solidFill>
+                  <a:srgbClr val="002060"/>
+                </a:solidFill>
+              </a:rPr>
+              <a:t>3</a:t>
+            </a:r>
+            <a:r>
+              <a:rPr lang="en-US" smtClean="0">
+                <a:solidFill>
+                  <a:srgbClr val="002060"/>
+                </a:solidFill>
+              </a:rPr>
+              <a:t>/20</a:t>
+            </a:r>
+            <a:endParaRPr lang="en-US" smtClean="0">
+              <a:solidFill>
+                <a:srgbClr val="002060"/>
+              </a:solidFill>
+            </a:endParaRPr>
+          </a:p>
+        </p:txBody>
+      </p:sp>
+    </p:spTree>
+    <p:extLst>
+      <p:ext uri="{BB962C8B-B14F-4D97-AF65-F5344CB8AC3E}">
+        <p14:creationId xmlns:p14="http://schemas.microsoft.com/office/powerpoint/2010/main" val="304186812"/>
+      </p:ext>
+    </p:extLst>
+  </p:cSld>
+  <p:clrMapOvr>
+    <a:masterClrMapping/>
+  </p:clrMapOvr>
+</p:sld>
+</file>
+
+<file path=ppt/slides/slide4.xml><?xml version="1.0" encoding="utf-8"?>
+<p:sld xmlns:a="http://schemas.openxmlformats.org/drawingml/2006/main" xmlns:r="http://schemas.openxmlformats.org/officeDocument/2006/relationships" xmlns:p="http://schemas.openxmlformats.org/presentationml/2006/main">
+  <p:cSld>
+    <p:spTree>
+      <p:nvGrpSpPr>
+        <p:cNvPr id="1" name=""/>
+        <p:cNvGrpSpPr/>
+        <p:nvPr/>
+      </p:nvGrpSpPr>
+      <p:grpSpPr>
+        <a:xfrm>
+          <a:off x="0" y="0"/>
+          <a:ext cx="0" cy="0"/>
+          <a:chOff x="0" y="0"/>
+          <a:chExt cx="0" cy="0"/>
+        </a:xfrm>
+      </p:grpSpPr>
+      <p:sp>
+        <p:nvSpPr>
+          <p:cNvPr id="2" name="Заголовок 1"/>
+          <p:cNvSpPr>
+            <a:spLocks noGrp="1"/>
+          </p:cNvSpPr>
+          <p:nvPr>
+            <p:ph type="title"/>
+          </p:nvPr>
+        </p:nvSpPr>
+        <p:spPr>
+          <a:xfrm>
+            <a:off x="457200" y="533400"/>
+            <a:ext cx="6779096" cy="990600"/>
+          </a:xfrm>
+        </p:spPr>
+        <p:txBody>
+          <a:bodyPr/>
+          <a:lstStyle/>
+          <a:p>
+            <a:r>
+              <a:rPr lang="en-US" smtClean="0"/>
+              <a:t>Pattern map</a:t>
+            </a:r>
+            <a:endParaRPr lang="ru-RU"/>
+          </a:p>
+        </p:txBody>
+      </p:sp>
+      <p:pic>
+        <p:nvPicPr>
+          <p:cNvPr id="5" name="Объект 4"/>
+          <p:cNvPicPr>
+            <a:picLocks noGrp="1" noChangeAspect="1"/>
+          </p:cNvPicPr>
+          <p:nvPr>
+            <p:ph idx="1"/>
+          </p:nvPr>
+        </p:nvPicPr>
+        <p:blipFill>
+          <a:blip r:embed="rId3">
+            <a:extLst>
+              <a:ext uri="{28A0092B-C50C-407E-A947-70E740481C1C}">
+                <a14:useLocalDpi xmlns:a14="http://schemas.microsoft.com/office/drawing/2010/main" val="0"/>
+              </a:ext>
+            </a:extLst>
+          </a:blip>
+          <a:stretch>
+            <a:fillRect/>
+          </a:stretch>
+        </p:blipFill>
+        <p:spPr>
+          <a:xfrm>
+            <a:off x="2380" y="1916832"/>
+            <a:ext cx="6954221" cy="3705742"/>
+          </a:xfrm>
+        </p:spPr>
+      </p:pic>
+      <p:sp>
+        <p:nvSpPr>
+          <p:cNvPr id="4" name="TextBox 3"/>
+          <p:cNvSpPr txBox="1"/>
+          <p:nvPr/>
+        </p:nvSpPr>
+        <p:spPr>
+          <a:xfrm>
+            <a:off x="1043608" y="6165304"/>
+            <a:ext cx="8122801" cy="369332"/>
+          </a:xfrm>
+          <a:prstGeom prst="rect">
+            <a:avLst/>
+          </a:prstGeom>
+          <a:noFill/>
+        </p:spPr>
+        <p:txBody>
+          <a:bodyPr wrap="none" rtlCol="0">
+            <a:spAutoFit/>
+          </a:bodyPr>
+          <a:lstStyle/>
+          <a:p>
+            <a:r>
+              <a:rPr lang="en-US" smtClean="0">
+                <a:solidFill>
+                  <a:schemeClr val="accent6">
+                    <a:lumMod val="75000"/>
+                  </a:schemeClr>
+                </a:solidFill>
+              </a:rPr>
+              <a:t>Image source: Design Patterns Explained Simply by Alexander Shvets, pg. </a:t>
+            </a:r>
+            <a:r>
+              <a:rPr lang="en-US" smtClean="0">
+                <a:solidFill>
+                  <a:schemeClr val="accent6">
+                    <a:lumMod val="75000"/>
+                  </a:schemeClr>
+                </a:solidFill>
+              </a:rPr>
+              <a:t>70</a:t>
+            </a:r>
+            <a:endParaRPr lang="en-US" u="sng">
+              <a:solidFill>
+                <a:schemeClr val="accent6">
+                  <a:lumMod val="75000"/>
+                </a:schemeClr>
+              </a:solidFill>
+            </a:endParaRPr>
+          </a:p>
+        </p:txBody>
+      </p:sp>
+      <p:pic>
+        <p:nvPicPr>
+          <p:cNvPr id="6" name="Рисунок 5"/>
+          <p:cNvPicPr>
+            <a:picLocks noChangeAspect="1"/>
+          </p:cNvPicPr>
+          <p:nvPr/>
+        </p:nvPicPr>
+        <p:blipFill>
+          <a:blip r:embed="rId4">
+            <a:extLst>
+              <a:ext uri="{28A0092B-C50C-407E-A947-70E740481C1C}">
+                <a14:useLocalDpi xmlns:a14="http://schemas.microsoft.com/office/drawing/2010/main" val="0"/>
+              </a:ext>
+            </a:extLst>
+          </a:blip>
+          <a:stretch>
+            <a:fillRect/>
+          </a:stretch>
+        </p:blipFill>
+        <p:spPr>
+          <a:xfrm>
+            <a:off x="7540630" y="404665"/>
+            <a:ext cx="1572745" cy="1152127"/>
+          </a:xfrm>
+          <a:prstGeom prst="rect">
+            <a:avLst/>
+          </a:prstGeom>
+        </p:spPr>
+      </p:pic>
+      <p:sp>
+        <p:nvSpPr>
+          <p:cNvPr id="7" name="TextBox 6"/>
+          <p:cNvSpPr txBox="1"/>
+          <p:nvPr/>
+        </p:nvSpPr>
+        <p:spPr>
+          <a:xfrm>
+            <a:off x="2380" y="6516052"/>
+            <a:ext cx="2265364" cy="369332"/>
+          </a:xfrm>
+          <a:prstGeom prst="rect">
+            <a:avLst/>
+          </a:prstGeom>
+          <a:noFill/>
+        </p:spPr>
+        <p:txBody>
+          <a:bodyPr wrap="none" rtlCol="0">
+            <a:spAutoFit/>
+          </a:bodyPr>
+          <a:lstStyle/>
+          <a:p>
+            <a:r>
+              <a:rPr lang="en-US" smtClean="0">
+                <a:solidFill>
+                  <a:schemeClr val="tx2">
+                    <a:lumMod val="75000"/>
+                  </a:schemeClr>
+                </a:solidFill>
+              </a:rPr>
+              <a:t>@PolinaShlepakova</a:t>
+            </a:r>
+            <a:endParaRPr lang="ru-RU">
+              <a:solidFill>
+                <a:schemeClr val="tx2">
+                  <a:lumMod val="75000"/>
+                </a:schemeClr>
+              </a:solidFill>
+            </a:endParaRPr>
+          </a:p>
+        </p:txBody>
+      </p:sp>
+      <p:sp>
+        <p:nvSpPr>
+          <p:cNvPr id="8" name="TextBox 7"/>
+          <p:cNvSpPr txBox="1"/>
+          <p:nvPr/>
+        </p:nvSpPr>
+        <p:spPr>
+          <a:xfrm>
+            <a:off x="4150803" y="6546830"/>
+            <a:ext cx="925253" cy="338554"/>
+          </a:xfrm>
+          <a:prstGeom prst="rect">
+            <a:avLst/>
+          </a:prstGeom>
+          <a:noFill/>
+        </p:spPr>
+        <p:txBody>
+          <a:bodyPr wrap="none" rtlCol="0">
+            <a:spAutoFit/>
+          </a:bodyPr>
+          <a:lstStyle/>
+          <a:p>
+            <a:r>
+              <a:rPr lang="en-US" sz="1600" smtClean="0">
+                <a:solidFill>
+                  <a:schemeClr val="accent4">
+                    <a:lumMod val="75000"/>
+                  </a:schemeClr>
+                </a:solidFill>
+              </a:rPr>
+              <a:t>02.2019</a:t>
+            </a:r>
+            <a:endParaRPr lang="ru-RU" sz="1600">
+              <a:solidFill>
+                <a:schemeClr val="accent4">
+                  <a:lumMod val="75000"/>
+                </a:schemeClr>
+              </a:solidFill>
+            </a:endParaRPr>
+          </a:p>
+        </p:txBody>
+      </p:sp>
+      <p:sp>
+        <p:nvSpPr>
+          <p:cNvPr id="9" name="TextBox 8"/>
+          <p:cNvSpPr txBox="1"/>
+          <p:nvPr/>
+        </p:nvSpPr>
+        <p:spPr>
+          <a:xfrm>
+            <a:off x="8479868" y="6488668"/>
+            <a:ext cx="633507" cy="369332"/>
+          </a:xfrm>
+          <a:prstGeom prst="rect">
+            <a:avLst/>
+          </a:prstGeom>
+          <a:noFill/>
+        </p:spPr>
+        <p:txBody>
+          <a:bodyPr wrap="none" rtlCol="0">
+            <a:spAutoFit/>
+          </a:bodyPr>
+          <a:lstStyle/>
+          <a:p>
+            <a:r>
+              <a:rPr lang="en-US">
+                <a:solidFill>
+                  <a:srgbClr val="002060"/>
+                </a:solidFill>
+              </a:rPr>
+              <a:t>4</a:t>
+            </a:r>
+            <a:r>
+              <a:rPr lang="en-US" smtClean="0">
+                <a:solidFill>
+                  <a:srgbClr val="002060"/>
+                </a:solidFill>
+              </a:rPr>
+              <a:t>/20</a:t>
+            </a:r>
+            <a:endParaRPr lang="en-US" smtClean="0">
+              <a:solidFill>
+                <a:srgbClr val="002060"/>
+              </a:solidFill>
+            </a:endParaRPr>
+          </a:p>
+        </p:txBody>
+      </p:sp>
+      <p:pic>
+        <p:nvPicPr>
+          <p:cNvPr id="10" name="Рисунок 9"/>
+          <p:cNvPicPr>
+            <a:picLocks noChangeAspect="1"/>
+          </p:cNvPicPr>
+          <p:nvPr/>
+        </p:nvPicPr>
+        <p:blipFill>
+          <a:blip r:embed="rId5">
+            <a:extLst>
+              <a:ext uri="{28A0092B-C50C-407E-A947-70E740481C1C}">
+                <a14:useLocalDpi xmlns:a14="http://schemas.microsoft.com/office/drawing/2010/main" val="0"/>
+              </a:ext>
+            </a:extLst>
+          </a:blip>
+          <a:stretch>
+            <a:fillRect/>
+          </a:stretch>
+        </p:blipFill>
+        <p:spPr>
+          <a:xfrm>
+            <a:off x="7149183" y="2348880"/>
+            <a:ext cx="1964192" cy="3024336"/>
+          </a:xfrm>
+          <a:prstGeom prst="rect">
+            <a:avLst/>
+          </a:prstGeom>
+        </p:spPr>
+      </p:pic>
+    </p:spTree>
+    <p:extLst>
+      <p:ext uri="{BB962C8B-B14F-4D97-AF65-F5344CB8AC3E}">
+        <p14:creationId xmlns:p14="http://schemas.microsoft.com/office/powerpoint/2010/main" val="369175606"/>
+      </p:ext>
+    </p:extLst>
+  </p:cSld>
+  <p:clrMapOvr>
+    <a:masterClrMapping/>
+  </p:clrMapOvr>
+</p:sld>
+</file>
+
+<file path=ppt/slides/slide5.xml><?xml version="1.0" encoding="utf-8"?>
+<p:sld xmlns:a="http://schemas.openxmlformats.org/drawingml/2006/main" xmlns:r="http://schemas.openxmlformats.org/officeDocument/2006/relationships" xmlns:p="http://schemas.openxmlformats.org/presentationml/2006/main">
+  <p:cSld>
+    <p:spTree>
+      <p:nvGrpSpPr>
+        <p:cNvPr id="1" name=""/>
+        <p:cNvGrpSpPr/>
+        <p:nvPr/>
+      </p:nvGrpSpPr>
+      <p:grpSpPr>
+        <a:xfrm>
+          <a:off x="0" y="0"/>
+          <a:ext cx="0" cy="0"/>
+          <a:chOff x="0" y="0"/>
+          <a:chExt cx="0" cy="0"/>
+        </a:xfrm>
+      </p:grpSpPr>
+      <p:sp>
+        <p:nvSpPr>
+          <p:cNvPr id="2" name="Заголовок 1"/>
+          <p:cNvSpPr>
+            <a:spLocks noGrp="1"/>
+          </p:cNvSpPr>
+          <p:nvPr>
+            <p:ph type="title"/>
+          </p:nvPr>
+        </p:nvSpPr>
+        <p:spPr>
+          <a:xfrm>
+            <a:off x="457200" y="533400"/>
+            <a:ext cx="6779096" cy="990600"/>
+          </a:xfrm>
+        </p:spPr>
+        <p:txBody>
+          <a:bodyPr/>
+          <a:lstStyle/>
+          <a:p>
+            <a:r>
+              <a:rPr lang="en-US" smtClean="0"/>
+              <a:t>Pattern map</a:t>
+            </a:r>
+            <a:endParaRPr lang="ru-RU"/>
+          </a:p>
+        </p:txBody>
+      </p:sp>
       <p:sp>
         <p:nvSpPr>
           <p:cNvPr id="3" name="Объект 2"/>
@@ -3660,10 +5311,6 @@
           <a:bodyPr/>
           <a:lstStyle/>
           <a:p>
-            <a:r>
-              <a:rPr lang="en-US" smtClean="0"/>
-              <a:t>Blah Blah Blah</a:t>
-            </a:r>
             <a:endParaRPr lang="ru-RU"/>
           </a:p>
         </p:txBody>
@@ -3860,7 +5507,7 @@
     </p:spTree>
     <p:extLst>
       <p:ext uri="{BB962C8B-B14F-4D97-AF65-F5344CB8AC3E}">
-        <p14:creationId xmlns:p14="http://schemas.microsoft.com/office/powerpoint/2010/main" val="1186106448"/>
+        <p14:creationId xmlns:p14="http://schemas.microsoft.com/office/powerpoint/2010/main" val="2320135228"/>
       </p:ext>
     </p:extLst>
   </p:cSld>
@@ -4156,4 +5803,289 @@
   <a:objectDefaults/>
   <a:extraClrSchemeLst/>
 </a:theme>
+</file>
+
+<file path=ppt/theme/theme2.xml><?xml version="1.0" encoding="utf-8"?>
+<a:theme xmlns:a="http://schemas.openxmlformats.org/drawingml/2006/main" name="Тема Office">
+  <a:themeElements>
+    <a:clrScheme name="Стандартная">
+      <a:dk1>
+        <a:sysClr val="windowText" lastClr="000000"/>
+      </a:dk1>
+      <a:lt1>
+        <a:sysClr val="window" lastClr="FFFFFF"/>
+      </a:lt1>
+      <a:dk2>
+        <a:srgbClr val="1F497D"/>
+      </a:dk2>
+      <a:lt2>
+        <a:srgbClr val="EEECE1"/>
+      </a:lt2>
+      <a:accent1>
+        <a:srgbClr val="4F81BD"/>
+      </a:accent1>
+      <a:accent2>
+        <a:srgbClr val="C0504D"/>
+      </a:accent2>
+      <a:accent3>
+        <a:srgbClr val="9BBB59"/>
+      </a:accent3>
+      <a:accent4>
+        <a:srgbClr val="8064A2"/>
+      </a:accent4>
+      <a:accent5>
+        <a:srgbClr val="4BACC6"/>
+      </a:accent5>
+      <a:accent6>
+        <a:srgbClr val="F79646"/>
+      </a:accent6>
+      <a:hlink>
+        <a:srgbClr val="0000FF"/>
+      </a:hlink>
+      <a:folHlink>
+        <a:srgbClr val="800080"/>
+      </a:folHlink>
+    </a:clrScheme>
+    <a:fontScheme name="Стандартная">
+      <a:majorFont>
+        <a:latin typeface="Calibri"/>
+        <a:ea typeface=""/>
+        <a:cs typeface=""/>
+        <a:font script="Jpan" typeface="ＭＳ Ｐゴシック"/>
+        <a:font script="Hang" typeface="맑은 고딕"/>
+        <a:font script="Hans" typeface="宋体"/>
+        <a:font script="Hant" typeface="新細明體"/>
+        <a:font script="Arab" typeface="Times New Roman"/>
+        <a:font script="Hebr" typeface="Times New Roman"/>
+        <a:font script="Thai" typeface="Angsana New"/>
+        <a:font script="Ethi" typeface="Nyala"/>
+        <a:font script="Beng" typeface="Vrinda"/>
+        <a:font script="Gujr" typeface="Shruti"/>
+        <a:font script="Khmr" typeface="MoolBoran"/>
+        <a:font script="Knda" typeface="Tunga"/>
+        <a:font script="Guru" typeface="Raavi"/>
+        <a:font script="Cans" typeface="Euphemia"/>
+        <a:font script="Cher" typeface="Plantagenet Cherokee"/>
+        <a:font script="Yiii" typeface="Microsoft Yi Baiti"/>
+        <a:font script="Tibt" typeface="Microsoft Himalaya"/>
+        <a:font script="Thaa" typeface="MV Boli"/>
+        <a:font script="Deva" typeface="Mangal"/>
+        <a:font script="Telu" typeface="Gautami"/>
+        <a:font script="Taml" typeface="Latha"/>
+        <a:font script="Syrc" typeface="Estrangelo Edessa"/>
+        <a:font script="Orya" typeface="Kalinga"/>
+        <a:font script="Mlym" typeface="Kartika"/>
+        <a:font script="Laoo" typeface="DokChampa"/>
+        <a:font script="Sinh" typeface="Iskoola Pota"/>
+        <a:font script="Mong" typeface="Mongolian Baiti"/>
+        <a:font script="Viet" typeface="Times New Roman"/>
+        <a:font script="Uigh" typeface="Microsoft Uighur"/>
+        <a:font script="Geor" typeface="Sylfaen"/>
+      </a:majorFont>
+      <a:minorFont>
+        <a:latin typeface="Calibri"/>
+        <a:ea typeface=""/>
+        <a:cs typeface=""/>
+        <a:font script="Jpan" typeface="ＭＳ Ｐゴシック"/>
+        <a:font script="Hang" typeface="맑은 고딕"/>
+        <a:font script="Hans" typeface="宋体"/>
+        <a:font script="Hant" typeface="新細明體"/>
+        <a:font script="Arab" typeface="Arial"/>
+        <a:font script="Hebr" typeface="Arial"/>
+        <a:font script="Thai" typeface="Cordia New"/>
+        <a:font script="Ethi" typeface="Nyala"/>
+        <a:font script="Beng" typeface="Vrinda"/>
+        <a:font script="Gujr" typeface="Shruti"/>
+        <a:font script="Khmr" typeface="DaunPenh"/>
+        <a:font script="Knda" typeface="Tunga"/>
+        <a:font script="Guru" typeface="Raavi"/>
+        <a:font script="Cans" typeface="Euphemia"/>
+        <a:font script="Cher" typeface="Plantagenet Cherokee"/>
+        <a:font script="Yiii" typeface="Microsoft Yi Baiti"/>
+        <a:font script="Tibt" typeface="Microsoft Himalaya"/>
+        <a:font script="Thaa" typeface="MV Boli"/>
+        <a:font script="Deva" typeface="Mangal"/>
+        <a:font script="Telu" typeface="Gautami"/>
+        <a:font script="Taml" typeface="Latha"/>
+        <a:font script="Syrc" typeface="Estrangelo Edessa"/>
+        <a:font script="Orya" typeface="Kalinga"/>
+        <a:font script="Mlym" typeface="Kartika"/>
+        <a:font script="Laoo" typeface="DokChampa"/>
+        <a:font script="Sinh" typeface="Iskoola Pota"/>
+        <a:font script="Mong" typeface="Mongolian Baiti"/>
+        <a:font script="Viet" typeface="Arial"/>
+        <a:font script="Uigh" typeface="Microsoft Uighur"/>
+        <a:font script="Geor" typeface="Sylfaen"/>
+      </a:minorFont>
+    </a:fontScheme>
+    <a:fmtScheme name="Стандартная">
+      <a:fillStyleLst>
+        <a:solidFill>
+          <a:schemeClr val="phClr"/>
+        </a:solidFill>
+        <a:gradFill rotWithShape="1">
+          <a:gsLst>
+            <a:gs pos="0">
+              <a:schemeClr val="phClr">
+                <a:tint val="50000"/>
+                <a:satMod val="300000"/>
+              </a:schemeClr>
+            </a:gs>
+            <a:gs pos="35000">
+              <a:schemeClr val="phClr">
+                <a:tint val="37000"/>
+                <a:satMod val="300000"/>
+              </a:schemeClr>
+            </a:gs>
+            <a:gs pos="100000">
+              <a:schemeClr val="phClr">
+                <a:tint val="15000"/>
+                <a:satMod val="350000"/>
+              </a:schemeClr>
+            </a:gs>
+          </a:gsLst>
+          <a:lin ang="16200000" scaled="1"/>
+        </a:gradFill>
+        <a:gradFill rotWithShape="1">
+          <a:gsLst>
+            <a:gs pos="0">
+              <a:schemeClr val="phClr">
+                <a:shade val="51000"/>
+                <a:satMod val="130000"/>
+              </a:schemeClr>
+            </a:gs>
+            <a:gs pos="80000">
+              <a:schemeClr val="phClr">
+                <a:shade val="93000"/>
+                <a:satMod val="130000"/>
+              </a:schemeClr>
+            </a:gs>
+            <a:gs pos="100000">
+              <a:schemeClr val="phClr">
+                <a:shade val="94000"/>
+                <a:satMod val="135000"/>
+              </a:schemeClr>
+            </a:gs>
+          </a:gsLst>
+          <a:lin ang="16200000" scaled="0"/>
+        </a:gradFill>
+      </a:fillStyleLst>
+      <a:lnStyleLst>
+        <a:ln w="9525" cap="flat" cmpd="sng" algn="ctr">
+          <a:solidFill>
+            <a:schemeClr val="phClr">
+              <a:shade val="95000"/>
+              <a:satMod val="105000"/>
+            </a:schemeClr>
+          </a:solidFill>
+          <a:prstDash val="solid"/>
+        </a:ln>
+        <a:ln w="25400" cap="flat" cmpd="sng" algn="ctr">
+          <a:solidFill>
+            <a:schemeClr val="phClr"/>
+          </a:solidFill>
+          <a:prstDash val="solid"/>
+        </a:ln>
+        <a:ln w="38100" cap="flat" cmpd="sng" algn="ctr">
+          <a:solidFill>
+            <a:schemeClr val="phClr"/>
+          </a:solidFill>
+          <a:prstDash val="solid"/>
+        </a:ln>
+      </a:lnStyleLst>
+      <a:effectStyleLst>
+        <a:effectStyle>
+          <a:effectLst>
+            <a:outerShdw blurRad="40000" dist="20000" dir="5400000" rotWithShape="0">
+              <a:srgbClr val="000000">
+                <a:alpha val="38000"/>
+              </a:srgbClr>
+            </a:outerShdw>
+          </a:effectLst>
+        </a:effectStyle>
+        <a:effectStyle>
+          <a:effectLst>
+            <a:outerShdw blurRad="40000" dist="23000" dir="5400000" rotWithShape="0">
+              <a:srgbClr val="000000">
+                <a:alpha val="35000"/>
+              </a:srgbClr>
+            </a:outerShdw>
+          </a:effectLst>
+        </a:effectStyle>
+        <a:effectStyle>
+          <a:effectLst>
+            <a:outerShdw blurRad="40000" dist="23000" dir="5400000" rotWithShape="0">
+              <a:srgbClr val="000000">
+                <a:alpha val="35000"/>
+              </a:srgbClr>
+            </a:outerShdw>
+          </a:effectLst>
+          <a:scene3d>
+            <a:camera prst="orthographicFront">
+              <a:rot lat="0" lon="0" rev="0"/>
+            </a:camera>
+            <a:lightRig rig="threePt" dir="t">
+              <a:rot lat="0" lon="0" rev="1200000"/>
+            </a:lightRig>
+          </a:scene3d>
+          <a:sp3d>
+            <a:bevelT w="63500" h="25400"/>
+          </a:sp3d>
+        </a:effectStyle>
+      </a:effectStyleLst>
+      <a:bgFillStyleLst>
+        <a:solidFill>
+          <a:schemeClr val="phClr"/>
+        </a:solidFill>
+        <a:gradFill rotWithShape="1">
+          <a:gsLst>
+            <a:gs pos="0">
+              <a:schemeClr val="phClr">
+                <a:tint val="40000"/>
+                <a:satMod val="350000"/>
+              </a:schemeClr>
+            </a:gs>
+            <a:gs pos="40000">
+              <a:schemeClr val="phClr">
+                <a:tint val="45000"/>
+                <a:shade val="99000"/>
+                <a:satMod val="350000"/>
+              </a:schemeClr>
+            </a:gs>
+            <a:gs pos="100000">
+              <a:schemeClr val="phClr">
+                <a:shade val="20000"/>
+                <a:satMod val="255000"/>
+              </a:schemeClr>
+            </a:gs>
+          </a:gsLst>
+          <a:path path="circle">
+            <a:fillToRect l="50000" t="-80000" r="50000" b="180000"/>
+          </a:path>
+        </a:gradFill>
+        <a:gradFill rotWithShape="1">
+          <a:gsLst>
+            <a:gs pos="0">
+              <a:schemeClr val="phClr">
+                <a:tint val="80000"/>
+                <a:satMod val="300000"/>
+              </a:schemeClr>
+            </a:gs>
+            <a:gs pos="100000">
+              <a:schemeClr val="phClr">
+                <a:shade val="30000"/>
+                <a:satMod val="200000"/>
+              </a:schemeClr>
+            </a:gs>
+          </a:gsLst>
+          <a:path path="circle">
+            <a:fillToRect l="50000" t="50000" r="50000" b="50000"/>
+          </a:path>
+        </a:gradFill>
+      </a:bgFillStyleLst>
+    </a:fmtScheme>
+  </a:themeElements>
+  <a:objectDefaults/>
+  <a:extraClrSchemeLst/>
+</a:theme>
 </file>
--- a/FactoryMethod/Presentation/FactoryMethod.pptx
+++ b/FactoryMethod/Presentation/FactoryMethod.pptx
@@ -5,7 +5,7 @@
     <p:sldMasterId id="2147483660" r:id="rId1"/>
   </p:sldMasterIdLst>
   <p:notesMasterIdLst>
-    <p:notesMasterId r:id="rId7"/>
+    <p:notesMasterId r:id="rId12"/>
   </p:notesMasterIdLst>
   <p:sldIdLst>
     <p:sldId id="256" r:id="rId2"/>
@@ -13,6 +13,11 @@
     <p:sldId id="258" r:id="rId4"/>
     <p:sldId id="260" r:id="rId5"/>
     <p:sldId id="259" r:id="rId6"/>
+    <p:sldId id="261" r:id="rId7"/>
+    <p:sldId id="262" r:id="rId8"/>
+    <p:sldId id="263" r:id="rId9"/>
+    <p:sldId id="264" r:id="rId10"/>
+    <p:sldId id="265" r:id="rId11"/>
   </p:sldIdLst>
   <p:sldSz cx="9144000" cy="6858000" type="screen4x3"/>
   <p:notesSz cx="6858000" cy="9144000"/>
@@ -761,7 +766,58 @@
             </a:r>
             <a:r>
               <a:rPr lang="uk-UA" baseline="0" smtClean="0"/>
-              <a:t> Замовник знову приходить до вас, щасливий. Каже, що знайшов спонсорів, і тепер вони хочуть перевозити вантажі ще на Кораблях, і просить вас внести зміни у програму.</a:t>
+              <a:t> Замовник знову приходить до вас, щасливий. Каже, що знайшов спонсорів, і тепер вони хочуть перевозити вантажі ще на </a:t>
+            </a:r>
+            <a:r>
+              <a:rPr lang="uk-UA" i="1" baseline="0" smtClean="0"/>
+              <a:t>Кораблях</a:t>
+            </a:r>
+            <a:r>
+              <a:rPr lang="uk-UA" baseline="0" smtClean="0"/>
+              <a:t>.</a:t>
+            </a:r>
+            <a:endParaRPr lang="en-US" baseline="0" smtClean="0"/>
+          </a:p>
+          <a:p>
+            <a:endParaRPr lang="en-US" baseline="0" smtClean="0"/>
+          </a:p>
+          <a:p>
+            <a:r>
+              <a:rPr lang="uk-UA" baseline="0" smtClean="0"/>
+              <a:t>Чудова новина! Але як же код? Оскільки він прив’язаний до класу </a:t>
+            </a:r>
+            <a:r>
+              <a:rPr lang="uk-UA" i="1" baseline="0" smtClean="0"/>
+              <a:t>Вантажна машина</a:t>
+            </a:r>
+            <a:r>
+              <a:rPr lang="uk-UA" i="0" baseline="0" smtClean="0"/>
+              <a:t>, то доведеться переглянути і змінити весь код. А що як ще через півроку замовник вирішить доправляти вантаж ще на літаках? З такою архітектурою як зараз, код переповниться умовними операторами, які обиратимуть певну дію залежно від виду транспорту.</a:t>
+            </a:r>
+          </a:p>
+          <a:p>
+            <a:endParaRPr lang="uk-UA" i="0" baseline="0" smtClean="0"/>
+          </a:p>
+          <a:p>
+            <a:r>
+              <a:rPr lang="uk-UA" i="0" baseline="0" smtClean="0"/>
+              <a:t>Отже, ви вирішуєте, що краще одразу змінити архітектуру на більш вдалу, наприклад</a:t>
+            </a:r>
+            <a:r>
+              <a:rPr lang="en-US" i="0" baseline="0" smtClean="0"/>
+              <a:t> </a:t>
+            </a:r>
+            <a:r>
+              <a:rPr lang="uk-UA" i="0" baseline="0" smtClean="0"/>
+              <a:t>використати </a:t>
+            </a:r>
+            <a:r>
+              <a:rPr lang="uk-UA" i="1" baseline="0" smtClean="0"/>
+              <a:t>Фабричний метод</a:t>
+            </a:r>
+            <a:r>
+              <a:rPr lang="en-US" i="1" baseline="0" smtClean="0"/>
+              <a:t>.</a:t>
             </a:r>
             <a:endParaRPr lang="ru-RU"/>
           </a:p>
@@ -794,6 +850,1244 @@
     <p:extLst>
       <p:ext uri="{BB962C8B-B14F-4D97-AF65-F5344CB8AC3E}">
         <p14:creationId xmlns:p14="http://schemas.microsoft.com/office/powerpoint/2010/main" val="2768605303"/>
+      </p:ext>
+    </p:extLst>
+  </p:cSld>
+  <p:clrMapOvr>
+    <a:masterClrMapping/>
+  </p:clrMapOvr>
+</p:notes>
+</file>
+
+<file path=ppt/notesSlides/notesSlide4.xml><?xml version="1.0" encoding="utf-8"?>
+<p:notes xmlns:a="http://schemas.openxmlformats.org/drawingml/2006/main" xmlns:r="http://schemas.openxmlformats.org/officeDocument/2006/relationships" xmlns:p="http://schemas.openxmlformats.org/presentationml/2006/main">
+  <p:cSld>
+    <p:spTree>
+      <p:nvGrpSpPr>
+        <p:cNvPr id="1" name=""/>
+        <p:cNvGrpSpPr/>
+        <p:nvPr/>
+      </p:nvGrpSpPr>
+      <p:grpSpPr>
+        <a:xfrm>
+          <a:off x="0" y="0"/>
+          <a:ext cx="0" cy="0"/>
+          <a:chOff x="0" y="0"/>
+          <a:chExt cx="0" cy="0"/>
+        </a:xfrm>
+      </p:grpSpPr>
+      <p:sp>
+        <p:nvSpPr>
+          <p:cNvPr id="2" name="Образ слайда 1"/>
+          <p:cNvSpPr>
+            <a:spLocks noGrp="1" noRot="1" noChangeAspect="1"/>
+          </p:cNvSpPr>
+          <p:nvPr>
+            <p:ph type="sldImg"/>
+          </p:nvPr>
+        </p:nvSpPr>
+        <p:spPr/>
+      </p:sp>
+      <p:sp>
+        <p:nvSpPr>
+          <p:cNvPr id="3" name="Заметки 2"/>
+          <p:cNvSpPr>
+            <a:spLocks noGrp="1"/>
+          </p:cNvSpPr>
+          <p:nvPr>
+            <p:ph type="body" idx="1"/>
+          </p:nvPr>
+        </p:nvSpPr>
+        <p:spPr/>
+        <p:txBody>
+          <a:bodyPr/>
+          <a:lstStyle/>
+          <a:p>
+            <a:r>
+              <a:rPr lang="uk-UA" smtClean="0"/>
+              <a:t>Паттерн</a:t>
+            </a:r>
+            <a:r>
+              <a:rPr lang="uk-UA" baseline="0" smtClean="0"/>
+              <a:t> </a:t>
+            </a:r>
+            <a:r>
+              <a:rPr lang="uk-UA" i="1" baseline="0" smtClean="0"/>
+              <a:t>Фабричний метод</a:t>
+            </a:r>
+            <a:r>
+              <a:rPr lang="uk-UA" i="0" baseline="0" smtClean="0"/>
+              <a:t> пропонує створювати об’єкти не напряму, використовуючи </a:t>
+            </a:r>
+            <a:r>
+              <a:rPr lang="uk-UA" i="1" baseline="0" smtClean="0"/>
+              <a:t>конструктор</a:t>
+            </a:r>
+            <a:r>
+              <a:rPr lang="uk-UA" i="0" baseline="0" smtClean="0"/>
+              <a:t>, а через виклик особливого </a:t>
+            </a:r>
+            <a:r>
+              <a:rPr lang="uk-UA" i="1" baseline="0" smtClean="0"/>
+              <a:t>фабричного методу</a:t>
+            </a:r>
+            <a:r>
+              <a:rPr lang="uk-UA" i="0" baseline="0" smtClean="0"/>
+              <a:t>.</a:t>
+            </a:r>
+          </a:p>
+          <a:p>
+            <a:r>
+              <a:rPr lang="uk-UA" i="0" baseline="0" smtClean="0"/>
+              <a:t>Об’єкти звісно все одно створюватимуться за допомогою </a:t>
+            </a:r>
+            <a:r>
+              <a:rPr lang="uk-UA" i="1" baseline="0" smtClean="0"/>
+              <a:t>конструктора</a:t>
+            </a:r>
+            <a:r>
+              <a:rPr lang="uk-UA" i="0" baseline="0" smtClean="0"/>
+              <a:t>, але це буде робити вже </a:t>
+            </a:r>
+            <a:r>
+              <a:rPr lang="uk-UA" i="1" baseline="0" smtClean="0"/>
+              <a:t>фабричний метод</a:t>
+            </a:r>
+            <a:r>
+              <a:rPr lang="uk-UA" i="0" baseline="0" smtClean="0"/>
+              <a:t>. Давайте подивимось на діаграму.</a:t>
+            </a:r>
+            <a:endParaRPr lang="ru-RU"/>
+          </a:p>
+        </p:txBody>
+      </p:sp>
+      <p:sp>
+        <p:nvSpPr>
+          <p:cNvPr id="4" name="Номер слайда 3"/>
+          <p:cNvSpPr>
+            <a:spLocks noGrp="1"/>
+          </p:cNvSpPr>
+          <p:nvPr>
+            <p:ph type="sldNum" sz="quarter" idx="10"/>
+          </p:nvPr>
+        </p:nvSpPr>
+        <p:spPr/>
+        <p:txBody>
+          <a:bodyPr/>
+          <a:lstStyle/>
+          <a:p>
+            <a:fld id="{3C13BA1D-EAE5-4AF1-B42B-5DC5A6D09AB1}" type="slidenum">
+              <a:rPr lang="ru-RU" smtClean="0"/>
+              <a:t>5</a:t>
+            </a:fld>
+            <a:endParaRPr lang="ru-RU"/>
+          </a:p>
+        </p:txBody>
+      </p:sp>
+    </p:spTree>
+    <p:extLst>
+      <p:ext uri="{BB962C8B-B14F-4D97-AF65-F5344CB8AC3E}">
+        <p14:creationId xmlns:p14="http://schemas.microsoft.com/office/powerpoint/2010/main" val="1201891661"/>
+      </p:ext>
+    </p:extLst>
+  </p:cSld>
+  <p:clrMapOvr>
+    <a:masterClrMapping/>
+  </p:clrMapOvr>
+</p:notes>
+</file>
+
+<file path=ppt/notesSlides/notesSlide5.xml><?xml version="1.0" encoding="utf-8"?>
+<p:notes xmlns:a="http://schemas.openxmlformats.org/drawingml/2006/main" xmlns:r="http://schemas.openxmlformats.org/officeDocument/2006/relationships" xmlns:p="http://schemas.openxmlformats.org/presentationml/2006/main">
+  <p:cSld>
+    <p:spTree>
+      <p:nvGrpSpPr>
+        <p:cNvPr id="1" name=""/>
+        <p:cNvGrpSpPr/>
+        <p:nvPr/>
+      </p:nvGrpSpPr>
+      <p:grpSpPr>
+        <a:xfrm>
+          <a:off x="0" y="0"/>
+          <a:ext cx="0" cy="0"/>
+          <a:chOff x="0" y="0"/>
+          <a:chExt cx="0" cy="0"/>
+        </a:xfrm>
+      </p:grpSpPr>
+      <p:sp>
+        <p:nvSpPr>
+          <p:cNvPr id="2" name="Образ слайда 1"/>
+          <p:cNvSpPr>
+            <a:spLocks noGrp="1" noRot="1" noChangeAspect="1"/>
+          </p:cNvSpPr>
+          <p:nvPr>
+            <p:ph type="sldImg"/>
+          </p:nvPr>
+        </p:nvSpPr>
+        <p:spPr/>
+      </p:sp>
+      <p:sp>
+        <p:nvSpPr>
+          <p:cNvPr id="3" name="Заметки 2"/>
+          <p:cNvSpPr>
+            <a:spLocks noGrp="1"/>
+          </p:cNvSpPr>
+          <p:nvPr>
+            <p:ph type="body" idx="1"/>
+          </p:nvPr>
+        </p:nvSpPr>
+        <p:spPr/>
+        <p:txBody>
+          <a:bodyPr/>
+          <a:lstStyle/>
+          <a:p>
+            <a:r>
+              <a:rPr lang="uk-UA" smtClean="0"/>
+              <a:t>Отже, є інтерфейс (або абстрактний клас) застосування, від якого наслідуються</a:t>
+            </a:r>
+            <a:r>
+              <a:rPr lang="uk-UA" baseline="0" smtClean="0"/>
+              <a:t> різні види застосування.</a:t>
+            </a:r>
+          </a:p>
+          <a:p>
+            <a:r>
+              <a:rPr lang="uk-UA" baseline="0" smtClean="0"/>
+              <a:t>На перший погляд, це може здатися безглуздим – ми просто перемістили виклик методу з одного місця в інше. Але тепер можна буде перевизначити фабричний метод у підкласі, щоб змінити тип створюваного продукту.</a:t>
+            </a:r>
+            <a:endParaRPr lang="ru-RU"/>
+          </a:p>
+        </p:txBody>
+      </p:sp>
+      <p:sp>
+        <p:nvSpPr>
+          <p:cNvPr id="4" name="Номер слайда 3"/>
+          <p:cNvSpPr>
+            <a:spLocks noGrp="1"/>
+          </p:cNvSpPr>
+          <p:nvPr>
+            <p:ph type="sldNum" sz="quarter" idx="10"/>
+          </p:nvPr>
+        </p:nvSpPr>
+        <p:spPr/>
+        <p:txBody>
+          <a:bodyPr/>
+          <a:lstStyle/>
+          <a:p>
+            <a:fld id="{3C13BA1D-EAE5-4AF1-B42B-5DC5A6D09AB1}" type="slidenum">
+              <a:rPr lang="ru-RU" smtClean="0"/>
+              <a:t>6</a:t>
+            </a:fld>
+            <a:endParaRPr lang="ru-RU"/>
+          </a:p>
+        </p:txBody>
+      </p:sp>
+    </p:spTree>
+    <p:extLst>
+      <p:ext uri="{BB962C8B-B14F-4D97-AF65-F5344CB8AC3E}">
+        <p14:creationId xmlns:p14="http://schemas.microsoft.com/office/powerpoint/2010/main" val="2016077874"/>
+      </p:ext>
+    </p:extLst>
+  </p:cSld>
+  <p:clrMapOvr>
+    <a:masterClrMapping/>
+  </p:clrMapOvr>
+</p:notes>
+</file>
+
+<file path=ppt/notesSlides/notesSlide6.xml><?xml version="1.0" encoding="utf-8"?>
+<p:notes xmlns:a="http://schemas.openxmlformats.org/drawingml/2006/main" xmlns:r="http://schemas.openxmlformats.org/officeDocument/2006/relationships" xmlns:p="http://schemas.openxmlformats.org/presentationml/2006/main">
+  <p:cSld>
+    <p:spTree>
+      <p:nvGrpSpPr>
+        <p:cNvPr id="1" name=""/>
+        <p:cNvGrpSpPr/>
+        <p:nvPr/>
+      </p:nvGrpSpPr>
+      <p:grpSpPr>
+        <a:xfrm>
+          <a:off x="0" y="0"/>
+          <a:ext cx="0" cy="0"/>
+          <a:chOff x="0" y="0"/>
+          <a:chExt cx="0" cy="0"/>
+        </a:xfrm>
+      </p:grpSpPr>
+      <p:sp>
+        <p:nvSpPr>
+          <p:cNvPr id="2" name="Образ слайда 1"/>
+          <p:cNvSpPr>
+            <a:spLocks noGrp="1" noRot="1" noChangeAspect="1"/>
+          </p:cNvSpPr>
+          <p:nvPr>
+            <p:ph type="sldImg"/>
+          </p:nvPr>
+        </p:nvSpPr>
+        <p:spPr/>
+      </p:sp>
+      <p:sp>
+        <p:nvSpPr>
+          <p:cNvPr id="3" name="Заметки 2"/>
+          <p:cNvSpPr>
+            <a:spLocks noGrp="1"/>
+          </p:cNvSpPr>
+          <p:nvPr>
+            <p:ph type="body" idx="1"/>
+          </p:nvPr>
+        </p:nvSpPr>
+        <p:spPr/>
+        <p:txBody>
+          <a:bodyPr/>
+          <a:lstStyle/>
+          <a:p>
+            <a:r>
+              <a:rPr lang="uk-UA" smtClean="0"/>
+              <a:t>Щоб ця система працювала,</a:t>
+            </a:r>
+            <a:r>
+              <a:rPr lang="uk-UA" baseline="0" smtClean="0"/>
+              <a:t> усі створювані продукти повинні мати спільний інтерфейс.</a:t>
+            </a:r>
+          </a:p>
+          <a:p>
+            <a:endParaRPr lang="uk-UA" baseline="0" smtClean="0"/>
+          </a:p>
+          <a:p>
+            <a:r>
+              <a:rPr lang="uk-UA" baseline="0" smtClean="0"/>
+              <a:t>Класи </a:t>
+            </a:r>
+            <a:r>
+              <a:rPr lang="uk-UA" i="1" baseline="0" smtClean="0"/>
+              <a:t>Вантажна машина</a:t>
+            </a:r>
+            <a:r>
+              <a:rPr lang="uk-UA" i="0" baseline="0" smtClean="0"/>
+              <a:t> і </a:t>
+            </a:r>
+            <a:r>
+              <a:rPr lang="uk-UA" i="1" baseline="0" smtClean="0"/>
+              <a:t>Судно</a:t>
+            </a:r>
+            <a:r>
+              <a:rPr lang="uk-UA" i="0" baseline="0" smtClean="0"/>
+              <a:t> реалізують інтерфейс </a:t>
+            </a:r>
+            <a:r>
+              <a:rPr lang="uk-UA" i="1" baseline="0" smtClean="0"/>
+              <a:t>Транспорт  </a:t>
+            </a:r>
+            <a:r>
+              <a:rPr lang="uk-UA" i="0" baseline="0" smtClean="0"/>
+              <a:t>з методом </a:t>
+            </a:r>
+            <a:r>
+              <a:rPr lang="uk-UA" i="1" baseline="0" smtClean="0"/>
+              <a:t>доставити</a:t>
+            </a:r>
+            <a:r>
+              <a:rPr lang="uk-UA" i="0" baseline="0" smtClean="0"/>
+              <a:t>. Кожен з них реалізує його по-своєму: </a:t>
+            </a:r>
+            <a:r>
+              <a:rPr lang="uk-UA" i="1" baseline="0" smtClean="0"/>
+              <a:t>Вантажна машина </a:t>
+            </a:r>
+            <a:r>
+              <a:rPr lang="uk-UA" i="0" baseline="0" smtClean="0"/>
+              <a:t>везе вантаж по дорозі, а </a:t>
+            </a:r>
+            <a:r>
+              <a:rPr lang="uk-UA" i="1" baseline="0" smtClean="0"/>
+              <a:t>Судно</a:t>
+            </a:r>
+            <a:r>
+              <a:rPr lang="uk-UA" i="0" baseline="0" smtClean="0"/>
+              <a:t> – по морю.</a:t>
+            </a:r>
+          </a:p>
+          <a:p>
+            <a:endParaRPr lang="uk-UA" i="0" baseline="0" smtClean="0"/>
+          </a:p>
+          <a:p>
+            <a:r>
+              <a:rPr lang="uk-UA" i="1" baseline="0" smtClean="0"/>
+              <a:t>Фабричний метод</a:t>
+            </a:r>
+            <a:r>
+              <a:rPr lang="uk-UA" i="0" baseline="0" smtClean="0"/>
+              <a:t> в класі </a:t>
+            </a:r>
+            <a:r>
+              <a:rPr lang="uk-UA" i="1" baseline="0" smtClean="0"/>
+              <a:t>Дорожньої логістики</a:t>
+            </a:r>
+            <a:r>
+              <a:rPr lang="uk-UA" i="0" baseline="0" smtClean="0"/>
+              <a:t> повертатиме </a:t>
+            </a:r>
+            <a:r>
+              <a:rPr lang="uk-UA" i="1" baseline="0" smtClean="0"/>
+              <a:t>Вантажну машину</a:t>
+            </a:r>
+            <a:r>
+              <a:rPr lang="uk-UA" i="0" baseline="0" smtClean="0"/>
+              <a:t>, а клас </a:t>
+            </a:r>
+            <a:r>
+              <a:rPr lang="uk-UA" i="1" baseline="0" smtClean="0"/>
+              <a:t>Морської логістики </a:t>
+            </a:r>
+            <a:r>
+              <a:rPr lang="uk-UA" i="0" baseline="0" smtClean="0"/>
+              <a:t> - </a:t>
+            </a:r>
+            <a:r>
+              <a:rPr lang="uk-UA" i="1" baseline="0" smtClean="0"/>
+              <a:t>Судно</a:t>
+            </a:r>
+            <a:r>
+              <a:rPr lang="uk-UA" i="0" baseline="0" smtClean="0"/>
+              <a:t>.</a:t>
+            </a:r>
+          </a:p>
+          <a:p>
+            <a:r>
+              <a:rPr lang="uk-UA" i="0" baseline="0" smtClean="0"/>
+              <a:t>Для клієнта фабричного методу не буде різниці між цими об’єктами, він буде трактувати їх як абстрактний </a:t>
+            </a:r>
+            <a:r>
+              <a:rPr lang="uk-UA" i="1" baseline="0" smtClean="0"/>
+              <a:t>Транспорт</a:t>
+            </a:r>
+            <a:r>
+              <a:rPr lang="uk-UA" i="0" baseline="0" smtClean="0"/>
+              <a:t>.</a:t>
+            </a:r>
+          </a:p>
+        </p:txBody>
+      </p:sp>
+      <p:sp>
+        <p:nvSpPr>
+          <p:cNvPr id="4" name="Номер слайда 3"/>
+          <p:cNvSpPr>
+            <a:spLocks noGrp="1"/>
+          </p:cNvSpPr>
+          <p:nvPr>
+            <p:ph type="sldNum" sz="quarter" idx="10"/>
+          </p:nvPr>
+        </p:nvSpPr>
+        <p:spPr/>
+        <p:txBody>
+          <a:bodyPr/>
+          <a:lstStyle/>
+          <a:p>
+            <a:fld id="{3C13BA1D-EAE5-4AF1-B42B-5DC5A6D09AB1}" type="slidenum">
+              <a:rPr lang="ru-RU" smtClean="0"/>
+              <a:t>7</a:t>
+            </a:fld>
+            <a:endParaRPr lang="ru-RU"/>
+          </a:p>
+        </p:txBody>
+      </p:sp>
+    </p:spTree>
+    <p:extLst>
+      <p:ext uri="{BB962C8B-B14F-4D97-AF65-F5344CB8AC3E}">
+        <p14:creationId xmlns:p14="http://schemas.microsoft.com/office/powerpoint/2010/main" val="2016077874"/>
+      </p:ext>
+    </p:extLst>
+  </p:cSld>
+  <p:clrMapOvr>
+    <a:masterClrMapping/>
+  </p:clrMapOvr>
+</p:notes>
+</file>
+
+<file path=ppt/notesSlides/notesSlide7.xml><?xml version="1.0" encoding="utf-8"?>
+<p:notes xmlns:a="http://schemas.openxmlformats.org/drawingml/2006/main" xmlns:r="http://schemas.openxmlformats.org/officeDocument/2006/relationships" xmlns:p="http://schemas.openxmlformats.org/presentationml/2006/main">
+  <p:cSld>
+    <p:spTree>
+      <p:nvGrpSpPr>
+        <p:cNvPr id="1" name=""/>
+        <p:cNvGrpSpPr/>
+        <p:nvPr/>
+      </p:nvGrpSpPr>
+      <p:grpSpPr>
+        <a:xfrm>
+          <a:off x="0" y="0"/>
+          <a:ext cx="0" cy="0"/>
+          <a:chOff x="0" y="0"/>
+          <a:chExt cx="0" cy="0"/>
+        </a:xfrm>
+      </p:grpSpPr>
+      <p:sp>
+        <p:nvSpPr>
+          <p:cNvPr id="2" name="Образ слайда 1"/>
+          <p:cNvSpPr>
+            <a:spLocks noGrp="1" noRot="1" noChangeAspect="1"/>
+          </p:cNvSpPr>
+          <p:nvPr>
+            <p:ph type="sldImg"/>
+          </p:nvPr>
+        </p:nvSpPr>
+        <p:spPr/>
+      </p:sp>
+      <p:sp>
+        <p:nvSpPr>
+          <p:cNvPr id="3" name="Заметки 2"/>
+          <p:cNvSpPr>
+            <a:spLocks noGrp="1"/>
+          </p:cNvSpPr>
+          <p:nvPr>
+            <p:ph type="body" idx="1"/>
+          </p:nvPr>
+        </p:nvSpPr>
+        <p:spPr/>
+        <p:txBody>
+          <a:bodyPr/>
+          <a:lstStyle/>
+          <a:p>
+            <a:r>
+              <a:rPr lang="uk-UA" i="0" baseline="0" smtClean="0"/>
+              <a:t>Оскільки усі продукти реалізують спільний інтерфейс, їх об’єкти можна взаємозамінювати у клієнтському коді. Буде важливо, щоб у продукту був метод </a:t>
+            </a:r>
+            <a:r>
+              <a:rPr lang="uk-UA" i="1" baseline="0" smtClean="0"/>
+              <a:t>доставити</a:t>
+            </a:r>
+            <a:r>
+              <a:rPr lang="uk-UA" i="0" baseline="0" smtClean="0"/>
+              <a:t>, а як він реалізований – не має значення.</a:t>
+            </a:r>
+          </a:p>
+        </p:txBody>
+      </p:sp>
+      <p:sp>
+        <p:nvSpPr>
+          <p:cNvPr id="4" name="Номер слайда 3"/>
+          <p:cNvSpPr>
+            <a:spLocks noGrp="1"/>
+          </p:cNvSpPr>
+          <p:nvPr>
+            <p:ph type="sldNum" sz="quarter" idx="10"/>
+          </p:nvPr>
+        </p:nvSpPr>
+        <p:spPr/>
+        <p:txBody>
+          <a:bodyPr/>
+          <a:lstStyle/>
+          <a:p>
+            <a:fld id="{3C13BA1D-EAE5-4AF1-B42B-5DC5A6D09AB1}" type="slidenum">
+              <a:rPr lang="ru-RU" smtClean="0"/>
+              <a:t>8</a:t>
+            </a:fld>
+            <a:endParaRPr lang="ru-RU"/>
+          </a:p>
+        </p:txBody>
+      </p:sp>
+    </p:spTree>
+    <p:extLst>
+      <p:ext uri="{BB962C8B-B14F-4D97-AF65-F5344CB8AC3E}">
+        <p14:creationId xmlns:p14="http://schemas.microsoft.com/office/powerpoint/2010/main" val="2016077874"/>
+      </p:ext>
+    </p:extLst>
+  </p:cSld>
+  <p:clrMapOvr>
+    <a:masterClrMapping/>
+  </p:clrMapOvr>
+</p:notes>
+</file>
+
+<file path=ppt/notesSlides/notesSlide8.xml><?xml version="1.0" encoding="utf-8"?>
+<p:notes xmlns:a="http://schemas.openxmlformats.org/drawingml/2006/main" xmlns:r="http://schemas.openxmlformats.org/officeDocument/2006/relationships" xmlns:p="http://schemas.openxmlformats.org/presentationml/2006/main">
+  <p:cSld>
+    <p:spTree>
+      <p:nvGrpSpPr>
+        <p:cNvPr id="1" name=""/>
+        <p:cNvGrpSpPr/>
+        <p:nvPr/>
+      </p:nvGrpSpPr>
+      <p:grpSpPr>
+        <a:xfrm>
+          <a:off x="0" y="0"/>
+          <a:ext cx="0" cy="0"/>
+          <a:chOff x="0" y="0"/>
+          <a:chExt cx="0" cy="0"/>
+        </a:xfrm>
+      </p:grpSpPr>
+      <p:sp>
+        <p:nvSpPr>
+          <p:cNvPr id="2" name="Образ слайда 1"/>
+          <p:cNvSpPr>
+            <a:spLocks noGrp="1" noRot="1" noChangeAspect="1"/>
+          </p:cNvSpPr>
+          <p:nvPr>
+            <p:ph type="sldImg"/>
+          </p:nvPr>
+        </p:nvSpPr>
+        <p:spPr/>
+      </p:sp>
+      <p:sp>
+        <p:nvSpPr>
+          <p:cNvPr id="3" name="Заметки 2"/>
+          <p:cNvSpPr>
+            <a:spLocks noGrp="1"/>
+          </p:cNvSpPr>
+          <p:nvPr>
+            <p:ph type="body" idx="1"/>
+          </p:nvPr>
+        </p:nvSpPr>
+        <p:spPr/>
+        <p:txBody>
+          <a:bodyPr/>
+          <a:lstStyle/>
+          <a:p>
+            <a:pPr marL="228600" indent="-228600">
+              <a:buAutoNum type="arabicPeriod"/>
+            </a:pPr>
+            <a:r>
+              <a:rPr lang="uk-UA" sz="1200" b="0" i="1" u="none" strike="noStrike" kern="1200" baseline="0" smtClean="0">
+                <a:solidFill>
+                  <a:schemeClr val="tx1"/>
+                </a:solidFill>
+                <a:latin typeface="+mn-lt"/>
+                <a:ea typeface="+mn-ea"/>
+                <a:cs typeface="+mn-cs"/>
+              </a:rPr>
+              <a:t>Продукт</a:t>
+            </a:r>
+            <a:r>
+              <a:rPr lang="uk-UA" sz="1200" b="0" i="0" u="none" strike="noStrike" kern="1200" baseline="0" smtClean="0">
+                <a:solidFill>
+                  <a:schemeClr val="tx1"/>
+                </a:solidFill>
+                <a:latin typeface="+mn-lt"/>
+                <a:ea typeface="+mn-ea"/>
+                <a:cs typeface="+mn-cs"/>
+              </a:rPr>
+              <a:t> визначає спільний інтерфейс об’єктів, які може створювати </a:t>
+            </a:r>
+            <a:r>
+              <a:rPr lang="uk-UA" sz="1200" b="0" i="1" u="none" strike="noStrike" kern="1200" baseline="0" smtClean="0">
+                <a:solidFill>
+                  <a:schemeClr val="tx1"/>
+                </a:solidFill>
+                <a:latin typeface="+mn-lt"/>
+                <a:ea typeface="+mn-ea"/>
+                <a:cs typeface="+mn-cs"/>
+              </a:rPr>
+              <a:t>Творець </a:t>
+            </a:r>
+            <a:r>
+              <a:rPr lang="uk-UA" sz="1200" b="0" i="0" u="none" strike="noStrike" kern="1200" baseline="0" smtClean="0">
+                <a:solidFill>
+                  <a:schemeClr val="tx1"/>
+                </a:solidFill>
+                <a:latin typeface="+mn-lt"/>
+                <a:ea typeface="+mn-ea"/>
+                <a:cs typeface="+mn-cs"/>
+              </a:rPr>
+              <a:t>і його підкласи.</a:t>
+            </a:r>
+          </a:p>
+          <a:p>
+            <a:pPr marL="228600" indent="-228600">
+              <a:buAutoNum type="arabicPeriod"/>
+            </a:pPr>
+            <a:endParaRPr lang="uk-UA" sz="1200" b="0" i="0" u="none" strike="noStrike" kern="1200" baseline="0" smtClean="0">
+              <a:solidFill>
+                <a:schemeClr val="tx1"/>
+              </a:solidFill>
+              <a:latin typeface="+mn-lt"/>
+              <a:ea typeface="+mn-ea"/>
+              <a:cs typeface="+mn-cs"/>
+            </a:endParaRPr>
+          </a:p>
+          <a:p>
+            <a:pPr marL="228600" indent="-228600">
+              <a:buAutoNum type="arabicPeriod"/>
+            </a:pPr>
+            <a:r>
+              <a:rPr lang="uk-UA" sz="1200" b="0" i="1" u="none" strike="noStrike" kern="1200" baseline="0" smtClean="0">
+                <a:solidFill>
+                  <a:schemeClr val="tx1"/>
+                </a:solidFill>
+                <a:latin typeface="+mn-lt"/>
+                <a:ea typeface="+mn-ea"/>
+                <a:cs typeface="+mn-cs"/>
+              </a:rPr>
+              <a:t>Конкретні продукти</a:t>
+            </a:r>
+            <a:r>
+              <a:rPr lang="uk-UA" sz="1200" b="0" i="0" u="none" strike="noStrike" kern="1200" baseline="0" smtClean="0">
+                <a:solidFill>
+                  <a:schemeClr val="tx1"/>
+                </a:solidFill>
+                <a:latin typeface="+mn-lt"/>
+                <a:ea typeface="+mn-ea"/>
+                <a:cs typeface="+mn-cs"/>
+              </a:rPr>
+              <a:t> містять код разних продуктів. Продукти відрізнятимуться реалізацією, але інтерфейс у них буде спільним.</a:t>
+            </a:r>
+          </a:p>
+          <a:p>
+            <a:pPr marL="228600" indent="-228600">
+              <a:buAutoNum type="arabicPeriod"/>
+            </a:pPr>
+            <a:endParaRPr lang="uk-UA" sz="1200" b="0" i="0" u="none" strike="noStrike" kern="1200" baseline="0" smtClean="0">
+              <a:solidFill>
+                <a:schemeClr val="tx1"/>
+              </a:solidFill>
+              <a:latin typeface="+mn-lt"/>
+              <a:ea typeface="+mn-ea"/>
+              <a:cs typeface="+mn-cs"/>
+            </a:endParaRPr>
+          </a:p>
+          <a:p>
+            <a:pPr marL="228600" indent="-228600">
+              <a:buAutoNum type="arabicPeriod"/>
+            </a:pPr>
+            <a:r>
+              <a:rPr lang="uk-UA" sz="1200" b="0" i="1" u="none" strike="noStrike" kern="1200" baseline="0" smtClean="0">
+                <a:solidFill>
+                  <a:schemeClr val="tx1"/>
+                </a:solidFill>
+                <a:latin typeface="+mn-lt"/>
+                <a:ea typeface="+mn-ea"/>
+                <a:cs typeface="+mn-cs"/>
+              </a:rPr>
+              <a:t>Творець </a:t>
+            </a:r>
+            <a:r>
+              <a:rPr lang="uk-UA" sz="1200" b="0" i="0" u="none" strike="noStrike" kern="1200" baseline="0" smtClean="0">
+                <a:solidFill>
+                  <a:schemeClr val="tx1"/>
+                </a:solidFill>
+                <a:latin typeface="+mn-lt"/>
+                <a:ea typeface="+mn-ea"/>
+                <a:cs typeface="+mn-cs"/>
+              </a:rPr>
+              <a:t>визначає фабричний метод, який створюватиме об’єкти через спільний інтерфейс продуктів. </a:t>
+            </a:r>
+          </a:p>
+          <a:p>
+            <a:pPr marL="0" indent="0">
+              <a:buNone/>
+            </a:pPr>
+            <a:r>
+              <a:rPr lang="uk-UA" sz="1200" b="0" i="0" u="none" strike="noStrike" kern="1200" baseline="0" smtClean="0">
+                <a:solidFill>
+                  <a:schemeClr val="tx1"/>
+                </a:solidFill>
+                <a:latin typeface="+mn-lt"/>
+                <a:ea typeface="+mn-ea"/>
+                <a:cs typeface="+mn-cs"/>
+              </a:rPr>
+              <a:t>Часто фабричний метод є абстрактним, щоб змусити усі підкласси реалізовувати його по-своєму. Хоча, він може повертати певний продукт за замовчуванням.</a:t>
+            </a:r>
+          </a:p>
+          <a:p>
+            <a:pPr marL="0" indent="0">
+              <a:buNone/>
+            </a:pPr>
+            <a:r>
+              <a:rPr lang="uk-UA" sz="1200" b="0" i="0" u="none" strike="noStrike" kern="1200" baseline="0" smtClean="0">
+                <a:solidFill>
+                  <a:schemeClr val="tx1"/>
+                </a:solidFill>
+                <a:latin typeface="+mn-lt"/>
+                <a:ea typeface="+mn-ea"/>
+                <a:cs typeface="+mn-cs"/>
+              </a:rPr>
+              <a:t>Незважаючи на назву, створення продуктів не є основною і єдиною функцією творця. Зазвичай він мість й інший корисний код для роботи з продуктом. Наприклад, велика </a:t>
+            </a:r>
+            <a:r>
+              <a:rPr lang="en-US" sz="1200" b="0" i="0" u="none" strike="noStrike" kern="1200" baseline="0" smtClean="0">
+                <a:solidFill>
+                  <a:schemeClr val="tx1"/>
+                </a:solidFill>
+                <a:latin typeface="+mn-lt"/>
+                <a:ea typeface="+mn-ea"/>
+                <a:cs typeface="+mn-cs"/>
+              </a:rPr>
+              <a:t>IT</a:t>
+            </a:r>
+            <a:r>
+              <a:rPr lang="uk-UA" sz="1200" b="0" i="0" u="none" strike="noStrike" kern="1200" baseline="0" smtClean="0">
+                <a:solidFill>
+                  <a:schemeClr val="tx1"/>
+                </a:solidFill>
+                <a:latin typeface="+mn-lt"/>
+                <a:ea typeface="+mn-ea"/>
+                <a:cs typeface="+mn-cs"/>
+              </a:rPr>
+              <a:t>-компанія може мати центр підготовки програмістів, але основна задача компанії – писати програми, а не готувати програмістів.</a:t>
+            </a:r>
+          </a:p>
+          <a:p>
+            <a:pPr marL="0" indent="0">
+              <a:buNone/>
+            </a:pPr>
+            <a:endParaRPr lang="uk-UA" sz="1200" b="0" i="1" u="none" strike="noStrike" kern="1200" baseline="0" smtClean="0">
+              <a:solidFill>
+                <a:schemeClr val="tx1"/>
+              </a:solidFill>
+              <a:latin typeface="+mn-lt"/>
+              <a:ea typeface="+mn-ea"/>
+              <a:cs typeface="+mn-cs"/>
+            </a:endParaRPr>
+          </a:p>
+          <a:p>
+            <a:pPr marL="0" indent="0">
+              <a:buNone/>
+            </a:pPr>
+            <a:r>
+              <a:rPr lang="uk-UA" sz="1200" b="0" i="1" u="none" strike="noStrike" kern="1200" baseline="0" smtClean="0">
+                <a:solidFill>
+                  <a:schemeClr val="tx1"/>
+                </a:solidFill>
+                <a:latin typeface="+mn-lt"/>
+                <a:ea typeface="+mn-ea"/>
+                <a:cs typeface="+mn-cs"/>
+              </a:rPr>
+              <a:t>4.</a:t>
+            </a:r>
+            <a:r>
+              <a:rPr lang="uk-UA" sz="1200" b="0" i="0" u="none" strike="noStrike" kern="1200" baseline="0" smtClean="0">
+                <a:solidFill>
+                  <a:schemeClr val="tx1"/>
+                </a:solidFill>
+                <a:latin typeface="+mn-lt"/>
+                <a:ea typeface="+mn-ea"/>
+                <a:cs typeface="+mn-cs"/>
+              </a:rPr>
+              <a:t> </a:t>
+            </a:r>
+            <a:r>
+              <a:rPr lang="uk-UA" sz="1200" b="0" i="1" u="none" strike="noStrike" kern="1200" baseline="0" smtClean="0">
+                <a:solidFill>
+                  <a:schemeClr val="tx1"/>
+                </a:solidFill>
+                <a:latin typeface="+mn-lt"/>
+                <a:ea typeface="+mn-ea"/>
+                <a:cs typeface="+mn-cs"/>
+              </a:rPr>
+              <a:t>Конкретні творці</a:t>
+            </a:r>
+            <a:r>
+              <a:rPr lang="uk-UA" sz="1200" b="0" i="0" u="none" strike="noStrike" kern="1200" baseline="0" smtClean="0">
+                <a:solidFill>
+                  <a:schemeClr val="tx1"/>
+                </a:solidFill>
+                <a:latin typeface="+mn-lt"/>
+                <a:ea typeface="+mn-ea"/>
+                <a:cs typeface="+mn-cs"/>
+              </a:rPr>
+              <a:t> по-своєму реалізують фабричний метод, виготовляючи ті чи інші конкретні продукти. </a:t>
+            </a:r>
+          </a:p>
+          <a:p>
+            <a:pPr marL="0" indent="0">
+              <a:buNone/>
+            </a:pPr>
+            <a:r>
+              <a:rPr lang="uk-UA" sz="1200" b="0" i="0" u="none" strike="noStrike" kern="1200" baseline="0" smtClean="0">
+                <a:solidFill>
+                  <a:schemeClr val="tx1"/>
+                </a:solidFill>
+                <a:latin typeface="+mn-lt"/>
+                <a:ea typeface="+mn-ea"/>
+                <a:cs typeface="+mn-cs"/>
+              </a:rPr>
+              <a:t>До того ж, фабричний метод не зобов’язаний завжди створювати нові об’єкти. Його можна переписати так, щоб він брав вже наявні об’єкти з певного сховища або кешу.</a:t>
+            </a:r>
+            <a:endParaRPr lang="en-US" sz="1200" b="0" i="1" u="none" strike="noStrike" kern="1200" baseline="0" smtClean="0">
+              <a:solidFill>
+                <a:schemeClr val="tx1"/>
+              </a:solidFill>
+              <a:latin typeface="+mn-lt"/>
+              <a:ea typeface="+mn-ea"/>
+              <a:cs typeface="+mn-cs"/>
+            </a:endParaRPr>
+          </a:p>
+        </p:txBody>
+      </p:sp>
+      <p:sp>
+        <p:nvSpPr>
+          <p:cNvPr id="4" name="Номер слайда 3"/>
+          <p:cNvSpPr>
+            <a:spLocks noGrp="1"/>
+          </p:cNvSpPr>
+          <p:nvPr>
+            <p:ph type="sldNum" sz="quarter" idx="10"/>
+          </p:nvPr>
+        </p:nvSpPr>
+        <p:spPr/>
+        <p:txBody>
+          <a:bodyPr/>
+          <a:lstStyle/>
+          <a:p>
+            <a:fld id="{3C13BA1D-EAE5-4AF1-B42B-5DC5A6D09AB1}" type="slidenum">
+              <a:rPr lang="ru-RU" smtClean="0"/>
+              <a:t>9</a:t>
+            </a:fld>
+            <a:endParaRPr lang="ru-RU"/>
+          </a:p>
+        </p:txBody>
+      </p:sp>
+    </p:spTree>
+    <p:extLst>
+      <p:ext uri="{BB962C8B-B14F-4D97-AF65-F5344CB8AC3E}">
+        <p14:creationId xmlns:p14="http://schemas.microsoft.com/office/powerpoint/2010/main" val="2016077874"/>
+      </p:ext>
+    </p:extLst>
+  </p:cSld>
+  <p:clrMapOvr>
+    <a:masterClrMapping/>
+  </p:clrMapOvr>
+</p:notes>
+</file>
+
+<file path=ppt/notesSlides/notesSlide9.xml><?xml version="1.0" encoding="utf-8"?>
+<p:notes xmlns:a="http://schemas.openxmlformats.org/drawingml/2006/main" xmlns:r="http://schemas.openxmlformats.org/officeDocument/2006/relationships" xmlns:p="http://schemas.openxmlformats.org/presentationml/2006/main">
+  <p:cSld>
+    <p:spTree>
+      <p:nvGrpSpPr>
+        <p:cNvPr id="1" name=""/>
+        <p:cNvGrpSpPr/>
+        <p:nvPr/>
+      </p:nvGrpSpPr>
+      <p:grpSpPr>
+        <a:xfrm>
+          <a:off x="0" y="0"/>
+          <a:ext cx="0" cy="0"/>
+          <a:chOff x="0" y="0"/>
+          <a:chExt cx="0" cy="0"/>
+        </a:xfrm>
+      </p:grpSpPr>
+      <p:sp>
+        <p:nvSpPr>
+          <p:cNvPr id="2" name="Образ слайда 1"/>
+          <p:cNvSpPr>
+            <a:spLocks noGrp="1" noRot="1" noChangeAspect="1"/>
+          </p:cNvSpPr>
+          <p:nvPr>
+            <p:ph type="sldImg"/>
+          </p:nvPr>
+        </p:nvSpPr>
+        <p:spPr/>
+      </p:sp>
+      <p:sp>
+        <p:nvSpPr>
+          <p:cNvPr id="3" name="Заметки 2"/>
+          <p:cNvSpPr>
+            <a:spLocks noGrp="1"/>
+          </p:cNvSpPr>
+          <p:nvPr>
+            <p:ph type="body" idx="1"/>
+          </p:nvPr>
+        </p:nvSpPr>
+        <p:spPr/>
+        <p:txBody>
+          <a:bodyPr/>
+          <a:lstStyle/>
+          <a:p>
+            <a:pPr marL="228600" indent="-228600">
+              <a:buAutoNum type="arabicPeriod"/>
+            </a:pPr>
+            <a:r>
+              <a:rPr lang="uk-UA" sz="1200" b="0" i="1" u="none" strike="noStrike" kern="1200" baseline="0" smtClean="0">
+                <a:solidFill>
+                  <a:schemeClr val="tx1"/>
+                </a:solidFill>
+                <a:latin typeface="+mn-lt"/>
+                <a:ea typeface="+mn-ea"/>
+                <a:cs typeface="+mn-cs"/>
+              </a:rPr>
+              <a:t>Продукт</a:t>
+            </a:r>
+            <a:r>
+              <a:rPr lang="uk-UA" sz="1200" b="0" i="0" u="none" strike="noStrike" kern="1200" baseline="0" smtClean="0">
+                <a:solidFill>
+                  <a:schemeClr val="tx1"/>
+                </a:solidFill>
+                <a:latin typeface="+mn-lt"/>
+                <a:ea typeface="+mn-ea"/>
+                <a:cs typeface="+mn-cs"/>
+              </a:rPr>
+              <a:t> визначає спільний інтерфейс об’єктів, які може створювати </a:t>
+            </a:r>
+            <a:r>
+              <a:rPr lang="uk-UA" sz="1200" b="0" i="1" u="none" strike="noStrike" kern="1200" baseline="0" smtClean="0">
+                <a:solidFill>
+                  <a:schemeClr val="tx1"/>
+                </a:solidFill>
+                <a:latin typeface="+mn-lt"/>
+                <a:ea typeface="+mn-ea"/>
+                <a:cs typeface="+mn-cs"/>
+              </a:rPr>
+              <a:t>Творець </a:t>
+            </a:r>
+            <a:r>
+              <a:rPr lang="uk-UA" sz="1200" b="0" i="0" u="none" strike="noStrike" kern="1200" baseline="0" smtClean="0">
+                <a:solidFill>
+                  <a:schemeClr val="tx1"/>
+                </a:solidFill>
+                <a:latin typeface="+mn-lt"/>
+                <a:ea typeface="+mn-ea"/>
+                <a:cs typeface="+mn-cs"/>
+              </a:rPr>
+              <a:t>і його підкласи.</a:t>
+            </a:r>
+          </a:p>
+          <a:p>
+            <a:pPr marL="228600" indent="-228600">
+              <a:buAutoNum type="arabicPeriod"/>
+            </a:pPr>
+            <a:endParaRPr lang="uk-UA" sz="1200" b="0" i="0" u="none" strike="noStrike" kern="1200" baseline="0" smtClean="0">
+              <a:solidFill>
+                <a:schemeClr val="tx1"/>
+              </a:solidFill>
+              <a:latin typeface="+mn-lt"/>
+              <a:ea typeface="+mn-ea"/>
+              <a:cs typeface="+mn-cs"/>
+            </a:endParaRPr>
+          </a:p>
+          <a:p>
+            <a:pPr marL="228600" indent="-228600">
+              <a:buAutoNum type="arabicPeriod"/>
+            </a:pPr>
+            <a:r>
+              <a:rPr lang="uk-UA" sz="1200" b="0" i="1" u="none" strike="noStrike" kern="1200" baseline="0" smtClean="0">
+                <a:solidFill>
+                  <a:schemeClr val="tx1"/>
+                </a:solidFill>
+                <a:latin typeface="+mn-lt"/>
+                <a:ea typeface="+mn-ea"/>
+                <a:cs typeface="+mn-cs"/>
+              </a:rPr>
+              <a:t>Конкретні продукти</a:t>
+            </a:r>
+            <a:r>
+              <a:rPr lang="uk-UA" sz="1200" b="0" i="0" u="none" strike="noStrike" kern="1200" baseline="0" smtClean="0">
+                <a:solidFill>
+                  <a:schemeClr val="tx1"/>
+                </a:solidFill>
+                <a:latin typeface="+mn-lt"/>
+                <a:ea typeface="+mn-ea"/>
+                <a:cs typeface="+mn-cs"/>
+              </a:rPr>
+              <a:t> містять код разних продуктів. Продукти відрізнятимуться реалізацією, але інтерфейс у них буде спільним.</a:t>
+            </a:r>
+          </a:p>
+          <a:p>
+            <a:pPr marL="228600" indent="-228600">
+              <a:buAutoNum type="arabicPeriod"/>
+            </a:pPr>
+            <a:endParaRPr lang="uk-UA" sz="1200" b="0" i="0" u="none" strike="noStrike" kern="1200" baseline="0" smtClean="0">
+              <a:solidFill>
+                <a:schemeClr val="tx1"/>
+              </a:solidFill>
+              <a:latin typeface="+mn-lt"/>
+              <a:ea typeface="+mn-ea"/>
+              <a:cs typeface="+mn-cs"/>
+            </a:endParaRPr>
+          </a:p>
+          <a:p>
+            <a:pPr marL="228600" indent="-228600">
+              <a:buAutoNum type="arabicPeriod"/>
+            </a:pPr>
+            <a:r>
+              <a:rPr lang="uk-UA" sz="1200" b="0" i="1" u="none" strike="noStrike" kern="1200" baseline="0" smtClean="0">
+                <a:solidFill>
+                  <a:schemeClr val="tx1"/>
+                </a:solidFill>
+                <a:latin typeface="+mn-lt"/>
+                <a:ea typeface="+mn-ea"/>
+                <a:cs typeface="+mn-cs"/>
+              </a:rPr>
+              <a:t>Творець </a:t>
+            </a:r>
+            <a:r>
+              <a:rPr lang="uk-UA" sz="1200" b="0" i="0" u="none" strike="noStrike" kern="1200" baseline="0" smtClean="0">
+                <a:solidFill>
+                  <a:schemeClr val="tx1"/>
+                </a:solidFill>
+                <a:latin typeface="+mn-lt"/>
+                <a:ea typeface="+mn-ea"/>
+                <a:cs typeface="+mn-cs"/>
+              </a:rPr>
+              <a:t>визначає фабричний метод, який створюватиме об’єкти через спільний інтерфейс продуктів. </a:t>
+            </a:r>
+          </a:p>
+          <a:p>
+            <a:pPr marL="0" indent="0">
+              <a:buNone/>
+            </a:pPr>
+            <a:r>
+              <a:rPr lang="uk-UA" sz="1200" b="0" i="0" u="none" strike="noStrike" kern="1200" baseline="0" smtClean="0">
+                <a:solidFill>
+                  <a:schemeClr val="tx1"/>
+                </a:solidFill>
+                <a:latin typeface="+mn-lt"/>
+                <a:ea typeface="+mn-ea"/>
+                <a:cs typeface="+mn-cs"/>
+              </a:rPr>
+              <a:t>Часто фабричний метод є абстрактним, щоб змусити усі підкласси реалізовувати його по-своєму. Хоча, він може повертати певний продукт за замовчуванням.</a:t>
+            </a:r>
+          </a:p>
+          <a:p>
+            <a:pPr marL="0" indent="0">
+              <a:buNone/>
+            </a:pPr>
+            <a:r>
+              <a:rPr lang="uk-UA" sz="1200" b="0" i="0" u="none" strike="noStrike" kern="1200" baseline="0" smtClean="0">
+                <a:solidFill>
+                  <a:schemeClr val="tx1"/>
+                </a:solidFill>
+                <a:latin typeface="+mn-lt"/>
+                <a:ea typeface="+mn-ea"/>
+                <a:cs typeface="+mn-cs"/>
+              </a:rPr>
+              <a:t>Незважаючи на назву, створення продуктів не є основною і єдиною функцією творця. Зазвичай він мість й інший корисний код для роботи з продуктом. Наприклад, велика </a:t>
+            </a:r>
+            <a:r>
+              <a:rPr lang="en-US" sz="1200" b="0" i="0" u="none" strike="noStrike" kern="1200" baseline="0" smtClean="0">
+                <a:solidFill>
+                  <a:schemeClr val="tx1"/>
+                </a:solidFill>
+                <a:latin typeface="+mn-lt"/>
+                <a:ea typeface="+mn-ea"/>
+                <a:cs typeface="+mn-cs"/>
+              </a:rPr>
+              <a:t>IT</a:t>
+            </a:r>
+            <a:r>
+              <a:rPr lang="uk-UA" sz="1200" b="0" i="0" u="none" strike="noStrike" kern="1200" baseline="0" smtClean="0">
+                <a:solidFill>
+                  <a:schemeClr val="tx1"/>
+                </a:solidFill>
+                <a:latin typeface="+mn-lt"/>
+                <a:ea typeface="+mn-ea"/>
+                <a:cs typeface="+mn-cs"/>
+              </a:rPr>
+              <a:t>-компанія може мати центр підготовки програмістів, але основна задача компанії – писати програми, а не готувати програмістів.</a:t>
+            </a:r>
+          </a:p>
+          <a:p>
+            <a:pPr marL="0" indent="0">
+              <a:buNone/>
+            </a:pPr>
+            <a:endParaRPr lang="uk-UA" sz="1200" b="0" i="1" u="none" strike="noStrike" kern="1200" baseline="0" smtClean="0">
+              <a:solidFill>
+                <a:schemeClr val="tx1"/>
+              </a:solidFill>
+              <a:latin typeface="+mn-lt"/>
+              <a:ea typeface="+mn-ea"/>
+              <a:cs typeface="+mn-cs"/>
+            </a:endParaRPr>
+          </a:p>
+          <a:p>
+            <a:pPr marL="0" indent="0">
+              <a:buNone/>
+            </a:pPr>
+            <a:r>
+              <a:rPr lang="uk-UA" sz="1200" b="0" i="1" u="none" strike="noStrike" kern="1200" baseline="0" smtClean="0">
+                <a:solidFill>
+                  <a:schemeClr val="tx1"/>
+                </a:solidFill>
+                <a:latin typeface="+mn-lt"/>
+                <a:ea typeface="+mn-ea"/>
+                <a:cs typeface="+mn-cs"/>
+              </a:rPr>
+              <a:t>4.</a:t>
+            </a:r>
+            <a:r>
+              <a:rPr lang="uk-UA" sz="1200" b="0" i="0" u="none" strike="noStrike" kern="1200" baseline="0" smtClean="0">
+                <a:solidFill>
+                  <a:schemeClr val="tx1"/>
+                </a:solidFill>
+                <a:latin typeface="+mn-lt"/>
+                <a:ea typeface="+mn-ea"/>
+                <a:cs typeface="+mn-cs"/>
+              </a:rPr>
+              <a:t> </a:t>
+            </a:r>
+            <a:r>
+              <a:rPr lang="uk-UA" sz="1200" b="0" i="1" u="none" strike="noStrike" kern="1200" baseline="0" smtClean="0">
+                <a:solidFill>
+                  <a:schemeClr val="tx1"/>
+                </a:solidFill>
+                <a:latin typeface="+mn-lt"/>
+                <a:ea typeface="+mn-ea"/>
+                <a:cs typeface="+mn-cs"/>
+              </a:rPr>
+              <a:t>Конкретні творці</a:t>
+            </a:r>
+            <a:r>
+              <a:rPr lang="uk-UA" sz="1200" b="0" i="0" u="none" strike="noStrike" kern="1200" baseline="0" smtClean="0">
+                <a:solidFill>
+                  <a:schemeClr val="tx1"/>
+                </a:solidFill>
+                <a:latin typeface="+mn-lt"/>
+                <a:ea typeface="+mn-ea"/>
+                <a:cs typeface="+mn-cs"/>
+              </a:rPr>
+              <a:t> по-своєму реалізують фабричний метод, виготовляючи ті чи інші конкретні продукти. </a:t>
+            </a:r>
+          </a:p>
+          <a:p>
+            <a:pPr marL="0" indent="0">
+              <a:buNone/>
+            </a:pPr>
+            <a:r>
+              <a:rPr lang="uk-UA" sz="1200" b="0" i="0" u="none" strike="noStrike" kern="1200" baseline="0" smtClean="0">
+                <a:solidFill>
+                  <a:schemeClr val="tx1"/>
+                </a:solidFill>
+                <a:latin typeface="+mn-lt"/>
+                <a:ea typeface="+mn-ea"/>
+                <a:cs typeface="+mn-cs"/>
+              </a:rPr>
+              <a:t>До того ж, фабричний метод не зобов’язаний завжди створювати нові об’єкти. Його можна переписати так, щоб він брав вже наявні об’єкти з певного сховища або кешу.</a:t>
+            </a:r>
+            <a:endParaRPr lang="en-US" sz="1200" b="0" i="1" u="none" strike="noStrike" kern="1200" baseline="0" smtClean="0">
+              <a:solidFill>
+                <a:schemeClr val="tx1"/>
+              </a:solidFill>
+              <a:latin typeface="+mn-lt"/>
+              <a:ea typeface="+mn-ea"/>
+              <a:cs typeface="+mn-cs"/>
+            </a:endParaRPr>
+          </a:p>
+        </p:txBody>
+      </p:sp>
+      <p:sp>
+        <p:nvSpPr>
+          <p:cNvPr id="4" name="Номер слайда 3"/>
+          <p:cNvSpPr>
+            <a:spLocks noGrp="1"/>
+          </p:cNvSpPr>
+          <p:nvPr>
+            <p:ph type="sldNum" sz="quarter" idx="10"/>
+          </p:nvPr>
+        </p:nvSpPr>
+        <p:spPr/>
+        <p:txBody>
+          <a:bodyPr/>
+          <a:lstStyle/>
+          <a:p>
+            <a:fld id="{3C13BA1D-EAE5-4AF1-B42B-5DC5A6D09AB1}" type="slidenum">
+              <a:rPr lang="ru-RU" smtClean="0"/>
+              <a:t>10</a:t>
+            </a:fld>
+            <a:endParaRPr lang="ru-RU"/>
+          </a:p>
+        </p:txBody>
+      </p:sp>
+    </p:spTree>
+    <p:extLst>
+      <p:ext uri="{BB962C8B-B14F-4D97-AF65-F5344CB8AC3E}">
+        <p14:creationId xmlns:p14="http://schemas.microsoft.com/office/powerpoint/2010/main" val="2016077874"/>
       </p:ext>
     </p:extLst>
   </p:cSld>
@@ -4295,6 +5589,230 @@
 </p:sld>
 </file>
 
+<file path=ppt/slides/slide10.xml><?xml version="1.0" encoding="utf-8"?>
+<p:sld xmlns:a="http://schemas.openxmlformats.org/drawingml/2006/main" xmlns:r="http://schemas.openxmlformats.org/officeDocument/2006/relationships" xmlns:p="http://schemas.openxmlformats.org/presentationml/2006/main">
+  <p:cSld>
+    <p:spTree>
+      <p:nvGrpSpPr>
+        <p:cNvPr id="1" name=""/>
+        <p:cNvGrpSpPr/>
+        <p:nvPr/>
+      </p:nvGrpSpPr>
+      <p:grpSpPr>
+        <a:xfrm>
+          <a:off x="0" y="0"/>
+          <a:ext cx="0" cy="0"/>
+          <a:chOff x="0" y="0"/>
+          <a:chExt cx="0" cy="0"/>
+        </a:xfrm>
+      </p:grpSpPr>
+      <p:sp>
+        <p:nvSpPr>
+          <p:cNvPr id="2" name="Заголовок 1"/>
+          <p:cNvSpPr>
+            <a:spLocks noGrp="1"/>
+          </p:cNvSpPr>
+          <p:nvPr>
+            <p:ph type="title"/>
+          </p:nvPr>
+        </p:nvSpPr>
+        <p:spPr>
+          <a:xfrm>
+            <a:off x="457200" y="533400"/>
+            <a:ext cx="6779096" cy="990600"/>
+          </a:xfrm>
+        </p:spPr>
+        <p:txBody>
+          <a:bodyPr/>
+          <a:lstStyle/>
+          <a:p>
+            <a:r>
+              <a:rPr lang="en-US" smtClean="0"/>
+              <a:t>Code</a:t>
+            </a:r>
+            <a:endParaRPr lang="ru-RU"/>
+          </a:p>
+        </p:txBody>
+      </p:sp>
+      <p:sp>
+        <p:nvSpPr>
+          <p:cNvPr id="7" name="TextBox 6"/>
+          <p:cNvSpPr txBox="1"/>
+          <p:nvPr/>
+        </p:nvSpPr>
+        <p:spPr>
+          <a:xfrm>
+            <a:off x="2380" y="6516052"/>
+            <a:ext cx="2265364" cy="369332"/>
+          </a:xfrm>
+          <a:prstGeom prst="rect">
+            <a:avLst/>
+          </a:prstGeom>
+          <a:noFill/>
+        </p:spPr>
+        <p:txBody>
+          <a:bodyPr wrap="none" rtlCol="0">
+            <a:spAutoFit/>
+          </a:bodyPr>
+          <a:lstStyle/>
+          <a:p>
+            <a:r>
+              <a:rPr lang="en-US" smtClean="0">
+                <a:solidFill>
+                  <a:schemeClr val="tx2">
+                    <a:lumMod val="75000"/>
+                  </a:schemeClr>
+                </a:solidFill>
+              </a:rPr>
+              <a:t>@PolinaShlepakova</a:t>
+            </a:r>
+            <a:endParaRPr lang="ru-RU">
+              <a:solidFill>
+                <a:schemeClr val="tx2">
+                  <a:lumMod val="75000"/>
+                </a:schemeClr>
+              </a:solidFill>
+            </a:endParaRPr>
+          </a:p>
+        </p:txBody>
+      </p:sp>
+      <p:sp>
+        <p:nvSpPr>
+          <p:cNvPr id="8" name="TextBox 7"/>
+          <p:cNvSpPr txBox="1"/>
+          <p:nvPr/>
+        </p:nvSpPr>
+        <p:spPr>
+          <a:xfrm>
+            <a:off x="4150803" y="6546830"/>
+            <a:ext cx="925253" cy="338554"/>
+          </a:xfrm>
+          <a:prstGeom prst="rect">
+            <a:avLst/>
+          </a:prstGeom>
+          <a:noFill/>
+        </p:spPr>
+        <p:txBody>
+          <a:bodyPr wrap="none" rtlCol="0">
+            <a:spAutoFit/>
+          </a:bodyPr>
+          <a:lstStyle/>
+          <a:p>
+            <a:r>
+              <a:rPr lang="en-US" sz="1600" smtClean="0">
+                <a:solidFill>
+                  <a:schemeClr val="accent4">
+                    <a:lumMod val="75000"/>
+                  </a:schemeClr>
+                </a:solidFill>
+              </a:rPr>
+              <a:t>02.2019</a:t>
+            </a:r>
+            <a:endParaRPr lang="ru-RU" sz="1600">
+              <a:solidFill>
+                <a:schemeClr val="accent4">
+                  <a:lumMod val="75000"/>
+                </a:schemeClr>
+              </a:solidFill>
+            </a:endParaRPr>
+          </a:p>
+        </p:txBody>
+      </p:sp>
+      <p:sp>
+        <p:nvSpPr>
+          <p:cNvPr id="9" name="TextBox 8"/>
+          <p:cNvSpPr txBox="1"/>
+          <p:nvPr/>
+        </p:nvSpPr>
+        <p:spPr>
+          <a:xfrm>
+            <a:off x="8479868" y="6488668"/>
+            <a:ext cx="633507" cy="369332"/>
+          </a:xfrm>
+          <a:prstGeom prst="rect">
+            <a:avLst/>
+          </a:prstGeom>
+          <a:noFill/>
+        </p:spPr>
+        <p:txBody>
+          <a:bodyPr wrap="none" rtlCol="0">
+            <a:spAutoFit/>
+          </a:bodyPr>
+          <a:lstStyle/>
+          <a:p>
+            <a:r>
+              <a:rPr lang="en-US" smtClean="0">
+                <a:solidFill>
+                  <a:srgbClr val="002060"/>
+                </a:solidFill>
+              </a:rPr>
+              <a:t>2/20</a:t>
+            </a:r>
+          </a:p>
+        </p:txBody>
+      </p:sp>
+      <p:pic>
+        <p:nvPicPr>
+          <p:cNvPr id="6" name="Рисунок 5"/>
+          <p:cNvPicPr>
+            <a:picLocks noChangeAspect="1"/>
+          </p:cNvPicPr>
+          <p:nvPr/>
+        </p:nvPicPr>
+        <p:blipFill>
+          <a:blip r:embed="rId3">
+            <a:extLst>
+              <a:ext uri="{28A0092B-C50C-407E-A947-70E740481C1C}">
+                <a14:useLocalDpi xmlns:a14="http://schemas.microsoft.com/office/drawing/2010/main" val="0"/>
+              </a:ext>
+            </a:extLst>
+          </a:blip>
+          <a:stretch>
+            <a:fillRect/>
+          </a:stretch>
+        </p:blipFill>
+        <p:spPr>
+          <a:xfrm>
+            <a:off x="7540630" y="404665"/>
+            <a:ext cx="1572745" cy="1152127"/>
+          </a:xfrm>
+          <a:prstGeom prst="rect">
+            <a:avLst/>
+          </a:prstGeom>
+        </p:spPr>
+      </p:pic>
+      <p:sp>
+        <p:nvSpPr>
+          <p:cNvPr id="3" name="Объект 2"/>
+          <p:cNvSpPr>
+            <a:spLocks noGrp="1"/>
+          </p:cNvSpPr>
+          <p:nvPr>
+            <p:ph idx="1"/>
+          </p:nvPr>
+        </p:nvSpPr>
+        <p:spPr/>
+        <p:txBody>
+          <a:bodyPr/>
+          <a:lstStyle/>
+          <a:p>
+            <a:endParaRPr lang="ru-RU"/>
+          </a:p>
+        </p:txBody>
+      </p:sp>
+    </p:spTree>
+    <p:extLst>
+      <p:ext uri="{BB962C8B-B14F-4D97-AF65-F5344CB8AC3E}">
+        <p14:creationId xmlns:p14="http://schemas.microsoft.com/office/powerpoint/2010/main" val="797475623"/>
+      </p:ext>
+    </p:extLst>
+  </p:cSld>
+  <p:clrMapOvr>
+    <a:masterClrMapping/>
+  </p:clrMapOvr>
+</p:sld>
+</file>
+
 <file path=ppt/slides/slide2.xml><?xml version="1.0" encoding="utf-8"?>
 <p:sld xmlns:a="http://schemas.openxmlformats.org/drawingml/2006/main" xmlns:r="http://schemas.openxmlformats.org/officeDocument/2006/relationships" xmlns:p="http://schemas.openxmlformats.org/presentationml/2006/main">
   <p:cSld>
@@ -4588,17 +6106,7 @@
                   </a:schemeClr>
                 </a:solidFill>
               </a:rPr>
-              <a:t>Diagram source</a:t>
-            </a:r>
-            <a:r>
-              <a:rPr lang="en-US" smtClean="0">
-                <a:solidFill>
-                  <a:schemeClr val="accent6">
-                    <a:lumMod val="75000"/>
-                  </a:schemeClr>
-                </a:solidFill>
-              </a:rPr>
-              <a:t>: Fragment of pattern map from the GoF book</a:t>
+              <a:t>Diagram source: Fragment of pattern map from the GoF book</a:t>
             </a:r>
             <a:endParaRPr lang="en-US" u="sng">
               <a:solidFill>
@@ -4662,7 +6170,7 @@
           <a:p>
             <a:r>
               <a:rPr lang="en-US" smtClean="0"/>
-              <a:t>Pattern map</a:t>
+              <a:t>Logistics app for Trucks</a:t>
             </a:r>
             <a:endParaRPr lang="ru-RU"/>
           </a:p>
@@ -4727,17 +6235,7 @@
                   </a:schemeClr>
                 </a:solidFill>
               </a:rPr>
-              <a:t>Image source: Design Patterns Explained Simply by Alexander Shvets, pg. </a:t>
-            </a:r>
-            <a:r>
-              <a:rPr lang="en-US" smtClean="0">
-                <a:solidFill>
-                  <a:schemeClr val="accent6">
-                    <a:lumMod val="75000"/>
-                  </a:schemeClr>
-                </a:solidFill>
-              </a:rPr>
-              <a:t>70</a:t>
+              <a:t>Image source: Design Patterns Explained Simply by Alexander Shvets, pg. 70</a:t>
             </a:r>
             <a:endParaRPr lang="en-US" u="sng">
               <a:solidFill>
@@ -4901,11 +6399,6 @@
               </a:rPr>
               <a:t>/20</a:t>
             </a:r>
-            <a:endParaRPr lang="en-US" smtClean="0">
-              <a:solidFill>
-                <a:srgbClr val="002060"/>
-              </a:solidFill>
-            </a:endParaRPr>
           </a:p>
         </p:txBody>
       </p:sp>
@@ -4961,7 +6454,7 @@
           <a:p>
             <a:r>
               <a:rPr lang="en-US" smtClean="0"/>
-              <a:t>Pattern map</a:t>
+              <a:t>Add Ship support</a:t>
             </a:r>
             <a:endParaRPr lang="ru-RU"/>
           </a:p>
@@ -5004,8 +6497,8 @@
         </p:nvSpPr>
         <p:spPr>
           <a:xfrm>
-            <a:off x="1043608" y="6165304"/>
-            <a:ext cx="8122801" cy="369332"/>
+            <a:off x="1698912" y="6165304"/>
+            <a:ext cx="7481600" cy="369332"/>
           </a:xfrm>
           <a:prstGeom prst="rect">
             <a:avLst/>
@@ -5026,7 +6519,7 @@
                   </a:schemeClr>
                 </a:solidFill>
               </a:rPr>
-              <a:t>Image source: Design Patterns Explained Simply by Alexander Shvets, pg. </a:t>
+              <a:t>Source</a:t>
             </a:r>
             <a:r>
               <a:rPr lang="en-US" smtClean="0">
@@ -5036,7 +6529,7 @@
                   </a:schemeClr>
                 </a:solidFill>
               </a:rPr>
-              <a:t>70</a:t>
+              <a:t>: Design Patterns Explained Simply by Alexander Shvets, pg. 70</a:t>
             </a:r>
             <a:endParaRPr lang="en-US" u="sng">
               <a:solidFill>
@@ -5200,11 +6693,6 @@
               </a:rPr>
               <a:t>/20</a:t>
             </a:r>
-            <a:endParaRPr lang="en-US" smtClean="0">
-              <a:solidFill>
-                <a:srgbClr val="002060"/>
-              </a:solidFill>
-            </a:endParaRPr>
           </a:p>
         </p:txBody>
       </p:sp>
@@ -5290,27 +6778,8 @@
           <a:p>
             <a:r>
               <a:rPr lang="en-US" smtClean="0"/>
-              <a:t>Pattern map</a:t>
-            </a:r>
-            <a:endParaRPr lang="ru-RU"/>
-          </a:p>
-        </p:txBody>
-      </p:sp>
-      <p:sp>
-        <p:nvSpPr>
-          <p:cNvPr id="3" name="Объект 2"/>
-          <p:cNvSpPr>
-            <a:spLocks noGrp="1"/>
-          </p:cNvSpPr>
-          <p:nvPr>
-            <p:ph idx="1"/>
-          </p:nvPr>
-        </p:nvSpPr>
-        <p:spPr/>
-        <p:txBody>
-          <a:bodyPr/>
-          <a:lstStyle/>
-          <a:p>
+              <a:t>Solution</a:t>
+            </a:r>
             <a:endParaRPr lang="ru-RU"/>
           </a:p>
         </p:txBody>
@@ -5323,8 +6792,8 @@
         </p:nvSpPr>
         <p:spPr>
           <a:xfrm>
-            <a:off x="1043608" y="6165304"/>
-            <a:ext cx="8122801" cy="369332"/>
+            <a:off x="1652552" y="6165304"/>
+            <a:ext cx="7455952" cy="369332"/>
           </a:xfrm>
           <a:prstGeom prst="rect">
             <a:avLst/>
@@ -5338,14 +6807,44 @@
           <a:lstStyle/>
           <a:p>
             <a:r>
-              <a:rPr lang="en-US" smtClean="0">
+              <a:rPr lang="en-US">
                 <a:solidFill>
                   <a:schemeClr val="accent6">
                     <a:lumMod val="75000"/>
                   </a:schemeClr>
                 </a:solidFill>
               </a:rPr>
-              <a:t>Image source: Design Patterns Explained Simply by Alexander Shvets, pg. 69</a:t>
+              <a:t>S</a:t>
+            </a:r>
+            <a:r>
+              <a:rPr lang="en-US" smtClean="0">
+                <a:solidFill>
+                  <a:schemeClr val="accent6">
+                    <a:lumMod val="75000"/>
+                  </a:schemeClr>
+                </a:solidFill>
+              </a:rPr>
+              <a:t>ource</a:t>
+            </a:r>
+            <a:r>
+              <a:rPr lang="en-US" smtClean="0">
+                <a:solidFill>
+                  <a:schemeClr val="accent6">
+                    <a:lumMod val="75000"/>
+                  </a:schemeClr>
+                </a:solidFill>
+              </a:rPr>
+              <a:t>: Design Patterns Explained Simply by Alexander Shvets, pg. </a:t>
+            </a:r>
+            <a:r>
+              <a:rPr lang="en-US" smtClean="0">
+                <a:solidFill>
+                  <a:schemeClr val="accent6">
+                    <a:lumMod val="75000"/>
+                  </a:schemeClr>
+                </a:solidFill>
+              </a:rPr>
+              <a:t>71</a:t>
             </a:r>
             <a:endParaRPr lang="en-US" u="sng">
               <a:solidFill>
@@ -5366,7 +6865,7 @@
           <p:nvPr/>
         </p:nvPicPr>
         <p:blipFill>
-          <a:blip r:embed="rId2">
+          <a:blip r:embed="rId3">
             <a:extLst>
               <a:ext uri="{28A0092B-C50C-407E-A947-70E740481C1C}">
                 <a14:useLocalDpi xmlns:a14="http://schemas.microsoft.com/office/drawing/2010/main" val="0"/>
@@ -5504,10 +7003,1336 @@
           </a:p>
         </p:txBody>
       </p:sp>
+      <p:sp>
+        <p:nvSpPr>
+          <p:cNvPr id="10" name="Объект 9"/>
+          <p:cNvSpPr>
+            <a:spLocks noGrp="1"/>
+          </p:cNvSpPr>
+          <p:nvPr>
+            <p:ph idx="1"/>
+          </p:nvPr>
+        </p:nvSpPr>
+        <p:spPr>
+          <a:xfrm>
+            <a:off x="457200" y="2224608"/>
+            <a:ext cx="8229600" cy="3148608"/>
+          </a:xfrm>
+        </p:spPr>
+        <p:txBody>
+          <a:bodyPr>
+            <a:normAutofit/>
+          </a:bodyPr>
+          <a:lstStyle/>
+          <a:p>
+            <a:r>
+              <a:rPr lang="en-US" sz="3200" smtClean="0"/>
+              <a:t>Pattern </a:t>
+            </a:r>
+            <a:r>
+              <a:rPr lang="en-US" sz="3200" i="1" smtClean="0">
+                <a:solidFill>
+                  <a:schemeClr val="tx2"/>
+                </a:solidFill>
+              </a:rPr>
+              <a:t>Factory Method</a:t>
+            </a:r>
+            <a:r>
+              <a:rPr lang="en-US" sz="3200" smtClean="0">
+                <a:solidFill>
+                  <a:srgbClr val="FF0000"/>
+                </a:solidFill>
+              </a:rPr>
+              <a:t> </a:t>
+            </a:r>
+            <a:r>
+              <a:rPr lang="en-US" sz="3200" smtClean="0"/>
+              <a:t>creates objects using special </a:t>
+            </a:r>
+            <a:r>
+              <a:rPr lang="en-US" sz="3200" i="1" smtClean="0">
+                <a:solidFill>
+                  <a:schemeClr val="accent6"/>
+                </a:solidFill>
+              </a:rPr>
+              <a:t>factory method</a:t>
+            </a:r>
+            <a:r>
+              <a:rPr lang="en-US" sz="3200" smtClean="0">
+                <a:solidFill>
+                  <a:schemeClr val="accent6"/>
+                </a:solidFill>
+              </a:rPr>
+              <a:t> </a:t>
+            </a:r>
+            <a:r>
+              <a:rPr lang="en-US" sz="3200" smtClean="0"/>
+              <a:t>instead of a </a:t>
+            </a:r>
+            <a:r>
+              <a:rPr lang="en-US" sz="3200" i="1" smtClean="0">
+                <a:solidFill>
+                  <a:schemeClr val="accent6"/>
+                </a:solidFill>
+              </a:rPr>
+              <a:t>constructor</a:t>
+            </a:r>
+            <a:r>
+              <a:rPr lang="en-US" sz="3200" smtClean="0"/>
+              <a:t>.</a:t>
+            </a:r>
+            <a:endParaRPr lang="ru-RU" sz="3200"/>
+          </a:p>
+        </p:txBody>
+      </p:sp>
     </p:spTree>
     <p:extLst>
       <p:ext uri="{BB962C8B-B14F-4D97-AF65-F5344CB8AC3E}">
         <p14:creationId xmlns:p14="http://schemas.microsoft.com/office/powerpoint/2010/main" val="2320135228"/>
+      </p:ext>
+    </p:extLst>
+  </p:cSld>
+  <p:clrMapOvr>
+    <a:masterClrMapping/>
+  </p:clrMapOvr>
+</p:sld>
+</file>
+
+<file path=ppt/slides/slide6.xml><?xml version="1.0" encoding="utf-8"?>
+<p:sld xmlns:a="http://schemas.openxmlformats.org/drawingml/2006/main" xmlns:r="http://schemas.openxmlformats.org/officeDocument/2006/relationships" xmlns:p="http://schemas.openxmlformats.org/presentationml/2006/main">
+  <p:cSld>
+    <p:spTree>
+      <p:nvGrpSpPr>
+        <p:cNvPr id="1" name=""/>
+        <p:cNvGrpSpPr/>
+        <p:nvPr/>
+      </p:nvGrpSpPr>
+      <p:grpSpPr>
+        <a:xfrm>
+          <a:off x="0" y="0"/>
+          <a:ext cx="0" cy="0"/>
+          <a:chOff x="0" y="0"/>
+          <a:chExt cx="0" cy="0"/>
+        </a:xfrm>
+      </p:grpSpPr>
+      <p:sp>
+        <p:nvSpPr>
+          <p:cNvPr id="2" name="Заголовок 1"/>
+          <p:cNvSpPr>
+            <a:spLocks noGrp="1"/>
+          </p:cNvSpPr>
+          <p:nvPr>
+            <p:ph type="title"/>
+          </p:nvPr>
+        </p:nvSpPr>
+        <p:spPr>
+          <a:xfrm>
+            <a:off x="457200" y="533400"/>
+            <a:ext cx="6779096" cy="990600"/>
+          </a:xfrm>
+        </p:spPr>
+        <p:txBody>
+          <a:bodyPr/>
+          <a:lstStyle/>
+          <a:p>
+            <a:r>
+              <a:rPr lang="en-US" smtClean="0"/>
+              <a:t>Logistics diagram</a:t>
+            </a:r>
+            <a:endParaRPr lang="ru-RU"/>
+          </a:p>
+        </p:txBody>
+      </p:sp>
+      <p:pic>
+        <p:nvPicPr>
+          <p:cNvPr id="5" name="Объект 4"/>
+          <p:cNvPicPr>
+            <a:picLocks noGrp="1" noChangeAspect="1"/>
+          </p:cNvPicPr>
+          <p:nvPr>
+            <p:ph idx="1"/>
+          </p:nvPr>
+        </p:nvPicPr>
+        <p:blipFill>
+          <a:blip r:embed="rId3">
+            <a:extLst>
+              <a:ext uri="{28A0092B-C50C-407E-A947-70E740481C1C}">
+                <a14:useLocalDpi xmlns:a14="http://schemas.microsoft.com/office/drawing/2010/main" val="0"/>
+              </a:ext>
+            </a:extLst>
+          </a:blip>
+          <a:stretch>
+            <a:fillRect/>
+          </a:stretch>
+        </p:blipFill>
+        <p:spPr>
+          <a:xfrm>
+            <a:off x="35496" y="1758706"/>
+            <a:ext cx="9017526" cy="3902542"/>
+          </a:xfrm>
+        </p:spPr>
+      </p:pic>
+      <p:sp>
+        <p:nvSpPr>
+          <p:cNvPr id="4" name="TextBox 3"/>
+          <p:cNvSpPr txBox="1"/>
+          <p:nvPr/>
+        </p:nvSpPr>
+        <p:spPr>
+          <a:xfrm>
+            <a:off x="1652552" y="6165304"/>
+            <a:ext cx="7455952" cy="369332"/>
+          </a:xfrm>
+          <a:prstGeom prst="rect">
+            <a:avLst/>
+          </a:prstGeom>
+          <a:noFill/>
+        </p:spPr>
+        <p:txBody>
+          <a:bodyPr wrap="none" rtlCol="0">
+            <a:spAutoFit/>
+          </a:bodyPr>
+          <a:lstStyle/>
+          <a:p>
+            <a:r>
+              <a:rPr lang="en-US">
+                <a:solidFill>
+                  <a:schemeClr val="accent6">
+                    <a:lumMod val="75000"/>
+                  </a:schemeClr>
+                </a:solidFill>
+              </a:rPr>
+              <a:t>S</a:t>
+            </a:r>
+            <a:r>
+              <a:rPr lang="en-US" smtClean="0">
+                <a:solidFill>
+                  <a:schemeClr val="accent6">
+                    <a:lumMod val="75000"/>
+                  </a:schemeClr>
+                </a:solidFill>
+              </a:rPr>
+              <a:t>ource</a:t>
+            </a:r>
+            <a:r>
+              <a:rPr lang="en-US" smtClean="0">
+                <a:solidFill>
+                  <a:schemeClr val="accent6">
+                    <a:lumMod val="75000"/>
+                  </a:schemeClr>
+                </a:solidFill>
+              </a:rPr>
+              <a:t>: Design Patterns Explained Simply by Alexander Shvets, pg. </a:t>
+            </a:r>
+            <a:r>
+              <a:rPr lang="en-US" smtClean="0">
+                <a:solidFill>
+                  <a:schemeClr val="accent6">
+                    <a:lumMod val="75000"/>
+                  </a:schemeClr>
+                </a:solidFill>
+              </a:rPr>
+              <a:t>71</a:t>
+            </a:r>
+            <a:endParaRPr lang="en-US" u="sng">
+              <a:solidFill>
+                <a:schemeClr val="accent6">
+                  <a:lumMod val="75000"/>
+                </a:schemeClr>
+              </a:solidFill>
+            </a:endParaRPr>
+          </a:p>
+        </p:txBody>
+      </p:sp>
+      <p:pic>
+        <p:nvPicPr>
+          <p:cNvPr id="6" name="Рисунок 5"/>
+          <p:cNvPicPr>
+            <a:picLocks noChangeAspect="1"/>
+          </p:cNvPicPr>
+          <p:nvPr/>
+        </p:nvPicPr>
+        <p:blipFill>
+          <a:blip r:embed="rId4">
+            <a:extLst>
+              <a:ext uri="{28A0092B-C50C-407E-A947-70E740481C1C}">
+                <a14:useLocalDpi xmlns:a14="http://schemas.microsoft.com/office/drawing/2010/main" val="0"/>
+              </a:ext>
+            </a:extLst>
+          </a:blip>
+          <a:stretch>
+            <a:fillRect/>
+          </a:stretch>
+        </p:blipFill>
+        <p:spPr>
+          <a:xfrm>
+            <a:off x="7540630" y="404665"/>
+            <a:ext cx="1572745" cy="1152127"/>
+          </a:xfrm>
+          <a:prstGeom prst="rect">
+            <a:avLst/>
+          </a:prstGeom>
+        </p:spPr>
+      </p:pic>
+      <p:sp>
+        <p:nvSpPr>
+          <p:cNvPr id="7" name="TextBox 6"/>
+          <p:cNvSpPr txBox="1"/>
+          <p:nvPr/>
+        </p:nvSpPr>
+        <p:spPr>
+          <a:xfrm>
+            <a:off x="2380" y="6516052"/>
+            <a:ext cx="2265364" cy="369332"/>
+          </a:xfrm>
+          <a:prstGeom prst="rect">
+            <a:avLst/>
+          </a:prstGeom>
+          <a:noFill/>
+        </p:spPr>
+        <p:txBody>
+          <a:bodyPr wrap="none" rtlCol="0">
+            <a:spAutoFit/>
+          </a:bodyPr>
+          <a:lstStyle/>
+          <a:p>
+            <a:r>
+              <a:rPr lang="en-US" smtClean="0">
+                <a:solidFill>
+                  <a:schemeClr val="tx2">
+                    <a:lumMod val="75000"/>
+                  </a:schemeClr>
+                </a:solidFill>
+              </a:rPr>
+              <a:t>@PolinaShlepakova</a:t>
+            </a:r>
+            <a:endParaRPr lang="ru-RU">
+              <a:solidFill>
+                <a:schemeClr val="tx2">
+                  <a:lumMod val="75000"/>
+                </a:schemeClr>
+              </a:solidFill>
+            </a:endParaRPr>
+          </a:p>
+        </p:txBody>
+      </p:sp>
+      <p:sp>
+        <p:nvSpPr>
+          <p:cNvPr id="8" name="TextBox 7"/>
+          <p:cNvSpPr txBox="1"/>
+          <p:nvPr/>
+        </p:nvSpPr>
+        <p:spPr>
+          <a:xfrm>
+            <a:off x="4150803" y="6546830"/>
+            <a:ext cx="925253" cy="338554"/>
+          </a:xfrm>
+          <a:prstGeom prst="rect">
+            <a:avLst/>
+          </a:prstGeom>
+          <a:noFill/>
+        </p:spPr>
+        <p:txBody>
+          <a:bodyPr wrap="none" rtlCol="0">
+            <a:spAutoFit/>
+          </a:bodyPr>
+          <a:lstStyle/>
+          <a:p>
+            <a:r>
+              <a:rPr lang="en-US" sz="1600" smtClean="0">
+                <a:solidFill>
+                  <a:schemeClr val="accent4">
+                    <a:lumMod val="75000"/>
+                  </a:schemeClr>
+                </a:solidFill>
+              </a:rPr>
+              <a:t>02.2019</a:t>
+            </a:r>
+            <a:endParaRPr lang="ru-RU" sz="1600">
+              <a:solidFill>
+                <a:schemeClr val="accent4">
+                  <a:lumMod val="75000"/>
+                </a:schemeClr>
+              </a:solidFill>
+            </a:endParaRPr>
+          </a:p>
+        </p:txBody>
+      </p:sp>
+      <p:sp>
+        <p:nvSpPr>
+          <p:cNvPr id="9" name="TextBox 8"/>
+          <p:cNvSpPr txBox="1"/>
+          <p:nvPr/>
+        </p:nvSpPr>
+        <p:spPr>
+          <a:xfrm>
+            <a:off x="8479868" y="6488668"/>
+            <a:ext cx="633507" cy="369332"/>
+          </a:xfrm>
+          <a:prstGeom prst="rect">
+            <a:avLst/>
+          </a:prstGeom>
+          <a:noFill/>
+        </p:spPr>
+        <p:txBody>
+          <a:bodyPr wrap="none" rtlCol="0">
+            <a:spAutoFit/>
+          </a:bodyPr>
+          <a:lstStyle/>
+          <a:p>
+            <a:r>
+              <a:rPr lang="en-US" smtClean="0">
+                <a:solidFill>
+                  <a:srgbClr val="002060"/>
+                </a:solidFill>
+              </a:rPr>
+              <a:t>2/20</a:t>
+            </a:r>
+          </a:p>
+        </p:txBody>
+      </p:sp>
+    </p:spTree>
+    <p:extLst>
+      <p:ext uri="{BB962C8B-B14F-4D97-AF65-F5344CB8AC3E}">
+        <p14:creationId xmlns:p14="http://schemas.microsoft.com/office/powerpoint/2010/main" val="1348718261"/>
+      </p:ext>
+    </p:extLst>
+  </p:cSld>
+  <p:clrMapOvr>
+    <a:masterClrMapping/>
+  </p:clrMapOvr>
+</p:sld>
+</file>
+
+<file path=ppt/slides/slide7.xml><?xml version="1.0" encoding="utf-8"?>
+<p:sld xmlns:a="http://schemas.openxmlformats.org/drawingml/2006/main" xmlns:r="http://schemas.openxmlformats.org/officeDocument/2006/relationships" xmlns:p="http://schemas.openxmlformats.org/presentationml/2006/main">
+  <p:cSld>
+    <p:spTree>
+      <p:nvGrpSpPr>
+        <p:cNvPr id="1" name=""/>
+        <p:cNvGrpSpPr/>
+        <p:nvPr/>
+      </p:nvGrpSpPr>
+      <p:grpSpPr>
+        <a:xfrm>
+          <a:off x="0" y="0"/>
+          <a:ext cx="0" cy="0"/>
+          <a:chOff x="0" y="0"/>
+          <a:chExt cx="0" cy="0"/>
+        </a:xfrm>
+      </p:grpSpPr>
+      <p:sp>
+        <p:nvSpPr>
+          <p:cNvPr id="2" name="Заголовок 1"/>
+          <p:cNvSpPr>
+            <a:spLocks noGrp="1"/>
+          </p:cNvSpPr>
+          <p:nvPr>
+            <p:ph type="title"/>
+          </p:nvPr>
+        </p:nvSpPr>
+        <p:spPr>
+          <a:xfrm>
+            <a:off x="457200" y="533400"/>
+            <a:ext cx="6779096" cy="990600"/>
+          </a:xfrm>
+        </p:spPr>
+        <p:txBody>
+          <a:bodyPr/>
+          <a:lstStyle/>
+          <a:p>
+            <a:r>
+              <a:rPr lang="en-US" smtClean="0"/>
+              <a:t>Transport diagram</a:t>
+            </a:r>
+            <a:endParaRPr lang="ru-RU"/>
+          </a:p>
+        </p:txBody>
+      </p:sp>
+      <p:sp>
+        <p:nvSpPr>
+          <p:cNvPr id="4" name="TextBox 3"/>
+          <p:cNvSpPr txBox="1"/>
+          <p:nvPr/>
+        </p:nvSpPr>
+        <p:spPr>
+          <a:xfrm>
+            <a:off x="1652552" y="6165304"/>
+            <a:ext cx="7455952" cy="369332"/>
+          </a:xfrm>
+          <a:prstGeom prst="rect">
+            <a:avLst/>
+          </a:prstGeom>
+          <a:noFill/>
+        </p:spPr>
+        <p:txBody>
+          <a:bodyPr wrap="none" rtlCol="0">
+            <a:spAutoFit/>
+          </a:bodyPr>
+          <a:lstStyle/>
+          <a:p>
+            <a:r>
+              <a:rPr lang="en-US">
+                <a:solidFill>
+                  <a:schemeClr val="accent6">
+                    <a:lumMod val="75000"/>
+                  </a:schemeClr>
+                </a:solidFill>
+              </a:rPr>
+              <a:t>S</a:t>
+            </a:r>
+            <a:r>
+              <a:rPr lang="en-US" smtClean="0">
+                <a:solidFill>
+                  <a:schemeClr val="accent6">
+                    <a:lumMod val="75000"/>
+                  </a:schemeClr>
+                </a:solidFill>
+              </a:rPr>
+              <a:t>ource</a:t>
+            </a:r>
+            <a:r>
+              <a:rPr lang="en-US" smtClean="0">
+                <a:solidFill>
+                  <a:schemeClr val="accent6">
+                    <a:lumMod val="75000"/>
+                  </a:schemeClr>
+                </a:solidFill>
+              </a:rPr>
+              <a:t>: Design Patterns Explained Simply by Alexander Shvets, pg. </a:t>
+            </a:r>
+            <a:r>
+              <a:rPr lang="en-US" smtClean="0">
+                <a:solidFill>
+                  <a:schemeClr val="accent6">
+                    <a:lumMod val="75000"/>
+                  </a:schemeClr>
+                </a:solidFill>
+              </a:rPr>
+              <a:t>72</a:t>
+            </a:r>
+            <a:endParaRPr lang="en-US" u="sng">
+              <a:solidFill>
+                <a:schemeClr val="accent6">
+                  <a:lumMod val="75000"/>
+                </a:schemeClr>
+              </a:solidFill>
+            </a:endParaRPr>
+          </a:p>
+        </p:txBody>
+      </p:sp>
+      <p:pic>
+        <p:nvPicPr>
+          <p:cNvPr id="6" name="Рисунок 5"/>
+          <p:cNvPicPr>
+            <a:picLocks noChangeAspect="1"/>
+          </p:cNvPicPr>
+          <p:nvPr/>
+        </p:nvPicPr>
+        <p:blipFill>
+          <a:blip r:embed="rId3">
+            <a:extLst>
+              <a:ext uri="{28A0092B-C50C-407E-A947-70E740481C1C}">
+                <a14:useLocalDpi xmlns:a14="http://schemas.microsoft.com/office/drawing/2010/main" val="0"/>
+              </a:ext>
+            </a:extLst>
+          </a:blip>
+          <a:stretch>
+            <a:fillRect/>
+          </a:stretch>
+        </p:blipFill>
+        <p:spPr>
+          <a:xfrm>
+            <a:off x="7540630" y="404665"/>
+            <a:ext cx="1572745" cy="1152127"/>
+          </a:xfrm>
+          <a:prstGeom prst="rect">
+            <a:avLst/>
+          </a:prstGeom>
+        </p:spPr>
+      </p:pic>
+      <p:sp>
+        <p:nvSpPr>
+          <p:cNvPr id="7" name="TextBox 6"/>
+          <p:cNvSpPr txBox="1"/>
+          <p:nvPr/>
+        </p:nvSpPr>
+        <p:spPr>
+          <a:xfrm>
+            <a:off x="2380" y="6516052"/>
+            <a:ext cx="2265364" cy="369332"/>
+          </a:xfrm>
+          <a:prstGeom prst="rect">
+            <a:avLst/>
+          </a:prstGeom>
+          <a:noFill/>
+        </p:spPr>
+        <p:txBody>
+          <a:bodyPr wrap="none" rtlCol="0">
+            <a:spAutoFit/>
+          </a:bodyPr>
+          <a:lstStyle/>
+          <a:p>
+            <a:r>
+              <a:rPr lang="en-US" smtClean="0">
+                <a:solidFill>
+                  <a:schemeClr val="tx2">
+                    <a:lumMod val="75000"/>
+                  </a:schemeClr>
+                </a:solidFill>
+              </a:rPr>
+              <a:t>@PolinaShlepakova</a:t>
+            </a:r>
+            <a:endParaRPr lang="ru-RU">
+              <a:solidFill>
+                <a:schemeClr val="tx2">
+                  <a:lumMod val="75000"/>
+                </a:schemeClr>
+              </a:solidFill>
+            </a:endParaRPr>
+          </a:p>
+        </p:txBody>
+      </p:sp>
+      <p:sp>
+        <p:nvSpPr>
+          <p:cNvPr id="8" name="TextBox 7"/>
+          <p:cNvSpPr txBox="1"/>
+          <p:nvPr/>
+        </p:nvSpPr>
+        <p:spPr>
+          <a:xfrm>
+            <a:off x="4150803" y="6546830"/>
+            <a:ext cx="925253" cy="338554"/>
+          </a:xfrm>
+          <a:prstGeom prst="rect">
+            <a:avLst/>
+          </a:prstGeom>
+          <a:noFill/>
+        </p:spPr>
+        <p:txBody>
+          <a:bodyPr wrap="none" rtlCol="0">
+            <a:spAutoFit/>
+          </a:bodyPr>
+          <a:lstStyle/>
+          <a:p>
+            <a:r>
+              <a:rPr lang="en-US" sz="1600" smtClean="0">
+                <a:solidFill>
+                  <a:schemeClr val="accent4">
+                    <a:lumMod val="75000"/>
+                  </a:schemeClr>
+                </a:solidFill>
+              </a:rPr>
+              <a:t>02.2019</a:t>
+            </a:r>
+            <a:endParaRPr lang="ru-RU" sz="1600">
+              <a:solidFill>
+                <a:schemeClr val="accent4">
+                  <a:lumMod val="75000"/>
+                </a:schemeClr>
+              </a:solidFill>
+            </a:endParaRPr>
+          </a:p>
+        </p:txBody>
+      </p:sp>
+      <p:sp>
+        <p:nvSpPr>
+          <p:cNvPr id="9" name="TextBox 8"/>
+          <p:cNvSpPr txBox="1"/>
+          <p:nvPr/>
+        </p:nvSpPr>
+        <p:spPr>
+          <a:xfrm>
+            <a:off x="8479868" y="6488668"/>
+            <a:ext cx="633507" cy="369332"/>
+          </a:xfrm>
+          <a:prstGeom prst="rect">
+            <a:avLst/>
+          </a:prstGeom>
+          <a:noFill/>
+        </p:spPr>
+        <p:txBody>
+          <a:bodyPr wrap="none" rtlCol="0">
+            <a:spAutoFit/>
+          </a:bodyPr>
+          <a:lstStyle/>
+          <a:p>
+            <a:r>
+              <a:rPr lang="en-US" smtClean="0">
+                <a:solidFill>
+                  <a:srgbClr val="002060"/>
+                </a:solidFill>
+              </a:rPr>
+              <a:t>2/20</a:t>
+            </a:r>
+          </a:p>
+        </p:txBody>
+      </p:sp>
+      <p:pic>
+        <p:nvPicPr>
+          <p:cNvPr id="14" name="Объект 13"/>
+          <p:cNvPicPr>
+            <a:picLocks noGrp="1" noChangeAspect="1"/>
+          </p:cNvPicPr>
+          <p:nvPr>
+            <p:ph idx="1"/>
+          </p:nvPr>
+        </p:nvPicPr>
+        <p:blipFill>
+          <a:blip r:embed="rId4">
+            <a:extLst>
+              <a:ext uri="{28A0092B-C50C-407E-A947-70E740481C1C}">
+                <a14:useLocalDpi xmlns:a14="http://schemas.microsoft.com/office/drawing/2010/main" val="0"/>
+              </a:ext>
+            </a:extLst>
+          </a:blip>
+          <a:stretch>
+            <a:fillRect/>
+          </a:stretch>
+        </p:blipFill>
+        <p:spPr>
+          <a:xfrm>
+            <a:off x="35496" y="1554943"/>
+            <a:ext cx="8958052" cy="4394337"/>
+          </a:xfrm>
+        </p:spPr>
+      </p:pic>
+    </p:spTree>
+    <p:extLst>
+      <p:ext uri="{BB962C8B-B14F-4D97-AF65-F5344CB8AC3E}">
+        <p14:creationId xmlns:p14="http://schemas.microsoft.com/office/powerpoint/2010/main" val="634272348"/>
+      </p:ext>
+    </p:extLst>
+  </p:cSld>
+  <p:clrMapOvr>
+    <a:masterClrMapping/>
+  </p:clrMapOvr>
+</p:sld>
+</file>
+
+<file path=ppt/slides/slide8.xml><?xml version="1.0" encoding="utf-8"?>
+<p:sld xmlns:a="http://schemas.openxmlformats.org/drawingml/2006/main" xmlns:r="http://schemas.openxmlformats.org/officeDocument/2006/relationships" xmlns:p="http://schemas.openxmlformats.org/presentationml/2006/main">
+  <p:cSld>
+    <p:spTree>
+      <p:nvGrpSpPr>
+        <p:cNvPr id="1" name=""/>
+        <p:cNvGrpSpPr/>
+        <p:nvPr/>
+      </p:nvGrpSpPr>
+      <p:grpSpPr>
+        <a:xfrm>
+          <a:off x="0" y="0"/>
+          <a:ext cx="0" cy="0"/>
+          <a:chOff x="0" y="0"/>
+          <a:chExt cx="0" cy="0"/>
+        </a:xfrm>
+      </p:grpSpPr>
+      <p:sp>
+        <p:nvSpPr>
+          <p:cNvPr id="2" name="Заголовок 1"/>
+          <p:cNvSpPr>
+            <a:spLocks noGrp="1"/>
+          </p:cNvSpPr>
+          <p:nvPr>
+            <p:ph type="title"/>
+          </p:nvPr>
+        </p:nvSpPr>
+        <p:spPr>
+          <a:xfrm>
+            <a:off x="457200" y="533400"/>
+            <a:ext cx="6779096" cy="990600"/>
+          </a:xfrm>
+        </p:spPr>
+        <p:txBody>
+          <a:bodyPr/>
+          <a:lstStyle/>
+          <a:p>
+            <a:r>
+              <a:rPr lang="en-US" smtClean="0"/>
+              <a:t>Road and Sea logistics</a:t>
+            </a:r>
+            <a:endParaRPr lang="ru-RU"/>
+          </a:p>
+        </p:txBody>
+      </p:sp>
+      <p:sp>
+        <p:nvSpPr>
+          <p:cNvPr id="4" name="TextBox 3"/>
+          <p:cNvSpPr txBox="1"/>
+          <p:nvPr/>
+        </p:nvSpPr>
+        <p:spPr>
+          <a:xfrm>
+            <a:off x="1652552" y="6165304"/>
+            <a:ext cx="7455952" cy="369332"/>
+          </a:xfrm>
+          <a:prstGeom prst="rect">
+            <a:avLst/>
+          </a:prstGeom>
+          <a:noFill/>
+        </p:spPr>
+        <p:txBody>
+          <a:bodyPr wrap="none" rtlCol="0">
+            <a:spAutoFit/>
+          </a:bodyPr>
+          <a:lstStyle/>
+          <a:p>
+            <a:r>
+              <a:rPr lang="en-US">
+                <a:solidFill>
+                  <a:schemeClr val="accent6">
+                    <a:lumMod val="75000"/>
+                  </a:schemeClr>
+                </a:solidFill>
+              </a:rPr>
+              <a:t>S</a:t>
+            </a:r>
+            <a:r>
+              <a:rPr lang="en-US" smtClean="0">
+                <a:solidFill>
+                  <a:schemeClr val="accent6">
+                    <a:lumMod val="75000"/>
+                  </a:schemeClr>
+                </a:solidFill>
+              </a:rPr>
+              <a:t>ource</a:t>
+            </a:r>
+            <a:r>
+              <a:rPr lang="en-US" smtClean="0">
+                <a:solidFill>
+                  <a:schemeClr val="accent6">
+                    <a:lumMod val="75000"/>
+                  </a:schemeClr>
+                </a:solidFill>
+              </a:rPr>
+              <a:t>: Design Patterns Explained Simply by Alexander Shvets, pg. </a:t>
+            </a:r>
+            <a:r>
+              <a:rPr lang="en-US" smtClean="0">
+                <a:solidFill>
+                  <a:schemeClr val="accent6">
+                    <a:lumMod val="75000"/>
+                  </a:schemeClr>
+                </a:solidFill>
+              </a:rPr>
+              <a:t>7</a:t>
+            </a:r>
+            <a:r>
+              <a:rPr lang="uk-UA" smtClean="0">
+                <a:solidFill>
+                  <a:schemeClr val="accent6">
+                    <a:lumMod val="75000"/>
+                  </a:schemeClr>
+                </a:solidFill>
+              </a:rPr>
+              <a:t>3</a:t>
+            </a:r>
+            <a:endParaRPr lang="en-US" u="sng">
+              <a:solidFill>
+                <a:schemeClr val="accent6">
+                  <a:lumMod val="75000"/>
+                </a:schemeClr>
+              </a:solidFill>
+            </a:endParaRPr>
+          </a:p>
+        </p:txBody>
+      </p:sp>
+      <p:pic>
+        <p:nvPicPr>
+          <p:cNvPr id="6" name="Рисунок 5"/>
+          <p:cNvPicPr>
+            <a:picLocks noChangeAspect="1"/>
+          </p:cNvPicPr>
+          <p:nvPr/>
+        </p:nvPicPr>
+        <p:blipFill>
+          <a:blip r:embed="rId3">
+            <a:extLst>
+              <a:ext uri="{28A0092B-C50C-407E-A947-70E740481C1C}">
+                <a14:useLocalDpi xmlns:a14="http://schemas.microsoft.com/office/drawing/2010/main" val="0"/>
+              </a:ext>
+            </a:extLst>
+          </a:blip>
+          <a:stretch>
+            <a:fillRect/>
+          </a:stretch>
+        </p:blipFill>
+        <p:spPr>
+          <a:xfrm>
+            <a:off x="7540630" y="404665"/>
+            <a:ext cx="1572745" cy="1152127"/>
+          </a:xfrm>
+          <a:prstGeom prst="rect">
+            <a:avLst/>
+          </a:prstGeom>
+        </p:spPr>
+      </p:pic>
+      <p:sp>
+        <p:nvSpPr>
+          <p:cNvPr id="7" name="TextBox 6"/>
+          <p:cNvSpPr txBox="1"/>
+          <p:nvPr/>
+        </p:nvSpPr>
+        <p:spPr>
+          <a:xfrm>
+            <a:off x="2380" y="6516052"/>
+            <a:ext cx="2265364" cy="369332"/>
+          </a:xfrm>
+          <a:prstGeom prst="rect">
+            <a:avLst/>
+          </a:prstGeom>
+          <a:noFill/>
+        </p:spPr>
+        <p:txBody>
+          <a:bodyPr wrap="none" rtlCol="0">
+            <a:spAutoFit/>
+          </a:bodyPr>
+          <a:lstStyle/>
+          <a:p>
+            <a:r>
+              <a:rPr lang="en-US" smtClean="0">
+                <a:solidFill>
+                  <a:schemeClr val="tx2">
+                    <a:lumMod val="75000"/>
+                  </a:schemeClr>
+                </a:solidFill>
+              </a:rPr>
+              <a:t>@PolinaShlepakova</a:t>
+            </a:r>
+            <a:endParaRPr lang="ru-RU">
+              <a:solidFill>
+                <a:schemeClr val="tx2">
+                  <a:lumMod val="75000"/>
+                </a:schemeClr>
+              </a:solidFill>
+            </a:endParaRPr>
+          </a:p>
+        </p:txBody>
+      </p:sp>
+      <p:sp>
+        <p:nvSpPr>
+          <p:cNvPr id="8" name="TextBox 7"/>
+          <p:cNvSpPr txBox="1"/>
+          <p:nvPr/>
+        </p:nvSpPr>
+        <p:spPr>
+          <a:xfrm>
+            <a:off x="4150803" y="6546830"/>
+            <a:ext cx="925253" cy="338554"/>
+          </a:xfrm>
+          <a:prstGeom prst="rect">
+            <a:avLst/>
+          </a:prstGeom>
+          <a:noFill/>
+        </p:spPr>
+        <p:txBody>
+          <a:bodyPr wrap="none" rtlCol="0">
+            <a:spAutoFit/>
+          </a:bodyPr>
+          <a:lstStyle/>
+          <a:p>
+            <a:r>
+              <a:rPr lang="en-US" sz="1600" smtClean="0">
+                <a:solidFill>
+                  <a:schemeClr val="accent4">
+                    <a:lumMod val="75000"/>
+                  </a:schemeClr>
+                </a:solidFill>
+              </a:rPr>
+              <a:t>02.2019</a:t>
+            </a:r>
+            <a:endParaRPr lang="ru-RU" sz="1600">
+              <a:solidFill>
+                <a:schemeClr val="accent4">
+                  <a:lumMod val="75000"/>
+                </a:schemeClr>
+              </a:solidFill>
+            </a:endParaRPr>
+          </a:p>
+        </p:txBody>
+      </p:sp>
+      <p:sp>
+        <p:nvSpPr>
+          <p:cNvPr id="9" name="TextBox 8"/>
+          <p:cNvSpPr txBox="1"/>
+          <p:nvPr/>
+        </p:nvSpPr>
+        <p:spPr>
+          <a:xfrm>
+            <a:off x="8479868" y="6488668"/>
+            <a:ext cx="633507" cy="369332"/>
+          </a:xfrm>
+          <a:prstGeom prst="rect">
+            <a:avLst/>
+          </a:prstGeom>
+          <a:noFill/>
+        </p:spPr>
+        <p:txBody>
+          <a:bodyPr wrap="none" rtlCol="0">
+            <a:spAutoFit/>
+          </a:bodyPr>
+          <a:lstStyle/>
+          <a:p>
+            <a:r>
+              <a:rPr lang="en-US" smtClean="0">
+                <a:solidFill>
+                  <a:srgbClr val="002060"/>
+                </a:solidFill>
+              </a:rPr>
+              <a:t>2/20</a:t>
+            </a:r>
+          </a:p>
+        </p:txBody>
+      </p:sp>
+      <p:pic>
+        <p:nvPicPr>
+          <p:cNvPr id="5" name="Объект 4"/>
+          <p:cNvPicPr>
+            <a:picLocks noGrp="1" noChangeAspect="1"/>
+          </p:cNvPicPr>
+          <p:nvPr>
+            <p:ph idx="1"/>
+          </p:nvPr>
+        </p:nvPicPr>
+        <p:blipFill>
+          <a:blip r:embed="rId4">
+            <a:extLst>
+              <a:ext uri="{28A0092B-C50C-407E-A947-70E740481C1C}">
+                <a14:useLocalDpi xmlns:a14="http://schemas.microsoft.com/office/drawing/2010/main" val="0"/>
+              </a:ext>
+            </a:extLst>
+          </a:blip>
+          <a:stretch>
+            <a:fillRect/>
+          </a:stretch>
+        </p:blipFill>
+        <p:spPr>
+          <a:xfrm>
+            <a:off x="395536" y="1556792"/>
+            <a:ext cx="8507288" cy="4533080"/>
+          </a:xfrm>
+        </p:spPr>
+      </p:pic>
+    </p:spTree>
+    <p:extLst>
+      <p:ext uri="{BB962C8B-B14F-4D97-AF65-F5344CB8AC3E}">
+        <p14:creationId xmlns:p14="http://schemas.microsoft.com/office/powerpoint/2010/main" val="2073301263"/>
+      </p:ext>
+    </p:extLst>
+  </p:cSld>
+  <p:clrMapOvr>
+    <a:masterClrMapping/>
+  </p:clrMapOvr>
+</p:sld>
+</file>
+
+<file path=ppt/slides/slide9.xml><?xml version="1.0" encoding="utf-8"?>
+<p:sld xmlns:a="http://schemas.openxmlformats.org/drawingml/2006/main" xmlns:r="http://schemas.openxmlformats.org/officeDocument/2006/relationships" xmlns:p="http://schemas.openxmlformats.org/presentationml/2006/main">
+  <p:cSld>
+    <p:spTree>
+      <p:nvGrpSpPr>
+        <p:cNvPr id="1" name=""/>
+        <p:cNvGrpSpPr/>
+        <p:nvPr/>
+      </p:nvGrpSpPr>
+      <p:grpSpPr>
+        <a:xfrm>
+          <a:off x="0" y="0"/>
+          <a:ext cx="0" cy="0"/>
+          <a:chOff x="0" y="0"/>
+          <a:chExt cx="0" cy="0"/>
+        </a:xfrm>
+      </p:grpSpPr>
+      <p:sp>
+        <p:nvSpPr>
+          <p:cNvPr id="2" name="Заголовок 1"/>
+          <p:cNvSpPr>
+            <a:spLocks noGrp="1"/>
+          </p:cNvSpPr>
+          <p:nvPr>
+            <p:ph type="title"/>
+          </p:nvPr>
+        </p:nvSpPr>
+        <p:spPr>
+          <a:xfrm>
+            <a:off x="457200" y="533400"/>
+            <a:ext cx="6779096" cy="990600"/>
+          </a:xfrm>
+        </p:spPr>
+        <p:txBody>
+          <a:bodyPr/>
+          <a:lstStyle/>
+          <a:p>
+            <a:r>
+              <a:rPr lang="en-US" smtClean="0"/>
+              <a:t>Structure</a:t>
+            </a:r>
+            <a:endParaRPr lang="ru-RU"/>
+          </a:p>
+        </p:txBody>
+      </p:sp>
+      <p:sp>
+        <p:nvSpPr>
+          <p:cNvPr id="4" name="TextBox 3"/>
+          <p:cNvSpPr txBox="1"/>
+          <p:nvPr/>
+        </p:nvSpPr>
+        <p:spPr>
+          <a:xfrm>
+            <a:off x="1652552" y="6165304"/>
+            <a:ext cx="7455952" cy="369332"/>
+          </a:xfrm>
+          <a:prstGeom prst="rect">
+            <a:avLst/>
+          </a:prstGeom>
+          <a:noFill/>
+        </p:spPr>
+        <p:txBody>
+          <a:bodyPr wrap="none" rtlCol="0">
+            <a:spAutoFit/>
+          </a:bodyPr>
+          <a:lstStyle/>
+          <a:p>
+            <a:r>
+              <a:rPr lang="en-US">
+                <a:solidFill>
+                  <a:schemeClr val="accent6">
+                    <a:lumMod val="75000"/>
+                  </a:schemeClr>
+                </a:solidFill>
+              </a:rPr>
+              <a:t>S</a:t>
+            </a:r>
+            <a:r>
+              <a:rPr lang="en-US" smtClean="0">
+                <a:solidFill>
+                  <a:schemeClr val="accent6">
+                    <a:lumMod val="75000"/>
+                  </a:schemeClr>
+                </a:solidFill>
+              </a:rPr>
+              <a:t>ource</a:t>
+            </a:r>
+            <a:r>
+              <a:rPr lang="en-US" smtClean="0">
+                <a:solidFill>
+                  <a:schemeClr val="accent6">
+                    <a:lumMod val="75000"/>
+                  </a:schemeClr>
+                </a:solidFill>
+              </a:rPr>
+              <a:t>: Design Patterns Explained Simply by Alexander Shvets, pg. </a:t>
+            </a:r>
+            <a:r>
+              <a:rPr lang="en-US" smtClean="0">
+                <a:solidFill>
+                  <a:schemeClr val="accent6">
+                    <a:lumMod val="75000"/>
+                  </a:schemeClr>
+                </a:solidFill>
+              </a:rPr>
+              <a:t>7</a:t>
+            </a:r>
+            <a:r>
+              <a:rPr lang="uk-UA" smtClean="0">
+                <a:solidFill>
+                  <a:schemeClr val="accent6">
+                    <a:lumMod val="75000"/>
+                  </a:schemeClr>
+                </a:solidFill>
+              </a:rPr>
+              <a:t>3</a:t>
+            </a:r>
+            <a:endParaRPr lang="en-US" u="sng">
+              <a:solidFill>
+                <a:schemeClr val="accent6">
+                  <a:lumMod val="75000"/>
+                </a:schemeClr>
+              </a:solidFill>
+            </a:endParaRPr>
+          </a:p>
+        </p:txBody>
+      </p:sp>
+      <p:sp>
+        <p:nvSpPr>
+          <p:cNvPr id="7" name="TextBox 6"/>
+          <p:cNvSpPr txBox="1"/>
+          <p:nvPr/>
+        </p:nvSpPr>
+        <p:spPr>
+          <a:xfrm>
+            <a:off x="2380" y="6516052"/>
+            <a:ext cx="2265364" cy="369332"/>
+          </a:xfrm>
+          <a:prstGeom prst="rect">
+            <a:avLst/>
+          </a:prstGeom>
+          <a:noFill/>
+        </p:spPr>
+        <p:txBody>
+          <a:bodyPr wrap="none" rtlCol="0">
+            <a:spAutoFit/>
+          </a:bodyPr>
+          <a:lstStyle/>
+          <a:p>
+            <a:r>
+              <a:rPr lang="en-US" smtClean="0">
+                <a:solidFill>
+                  <a:schemeClr val="tx2">
+                    <a:lumMod val="75000"/>
+                  </a:schemeClr>
+                </a:solidFill>
+              </a:rPr>
+              <a:t>@PolinaShlepakova</a:t>
+            </a:r>
+            <a:endParaRPr lang="ru-RU">
+              <a:solidFill>
+                <a:schemeClr val="tx2">
+                  <a:lumMod val="75000"/>
+                </a:schemeClr>
+              </a:solidFill>
+            </a:endParaRPr>
+          </a:p>
+        </p:txBody>
+      </p:sp>
+      <p:sp>
+        <p:nvSpPr>
+          <p:cNvPr id="8" name="TextBox 7"/>
+          <p:cNvSpPr txBox="1"/>
+          <p:nvPr/>
+        </p:nvSpPr>
+        <p:spPr>
+          <a:xfrm>
+            <a:off x="4150803" y="6546830"/>
+            <a:ext cx="925253" cy="338554"/>
+          </a:xfrm>
+          <a:prstGeom prst="rect">
+            <a:avLst/>
+          </a:prstGeom>
+          <a:noFill/>
+        </p:spPr>
+        <p:txBody>
+          <a:bodyPr wrap="none" rtlCol="0">
+            <a:spAutoFit/>
+          </a:bodyPr>
+          <a:lstStyle/>
+          <a:p>
+            <a:r>
+              <a:rPr lang="en-US" sz="1600" smtClean="0">
+                <a:solidFill>
+                  <a:schemeClr val="accent4">
+                    <a:lumMod val="75000"/>
+                  </a:schemeClr>
+                </a:solidFill>
+              </a:rPr>
+              <a:t>02.2019</a:t>
+            </a:r>
+            <a:endParaRPr lang="ru-RU" sz="1600">
+              <a:solidFill>
+                <a:schemeClr val="accent4">
+                  <a:lumMod val="75000"/>
+                </a:schemeClr>
+              </a:solidFill>
+            </a:endParaRPr>
+          </a:p>
+        </p:txBody>
+      </p:sp>
+      <p:sp>
+        <p:nvSpPr>
+          <p:cNvPr id="9" name="TextBox 8"/>
+          <p:cNvSpPr txBox="1"/>
+          <p:nvPr/>
+        </p:nvSpPr>
+        <p:spPr>
+          <a:xfrm>
+            <a:off x="8479868" y="6488668"/>
+            <a:ext cx="633507" cy="369332"/>
+          </a:xfrm>
+          <a:prstGeom prst="rect">
+            <a:avLst/>
+          </a:prstGeom>
+          <a:noFill/>
+        </p:spPr>
+        <p:txBody>
+          <a:bodyPr wrap="none" rtlCol="0">
+            <a:spAutoFit/>
+          </a:bodyPr>
+          <a:lstStyle/>
+          <a:p>
+            <a:r>
+              <a:rPr lang="en-US" smtClean="0">
+                <a:solidFill>
+                  <a:srgbClr val="002060"/>
+                </a:solidFill>
+              </a:rPr>
+              <a:t>2/20</a:t>
+            </a:r>
+          </a:p>
+        </p:txBody>
+      </p:sp>
+      <p:pic>
+        <p:nvPicPr>
+          <p:cNvPr id="10" name="Объект 9"/>
+          <p:cNvPicPr>
+            <a:picLocks noGrp="1" noChangeAspect="1"/>
+          </p:cNvPicPr>
+          <p:nvPr>
+            <p:ph idx="1"/>
+          </p:nvPr>
+        </p:nvPicPr>
+        <p:blipFill>
+          <a:blip r:embed="rId3">
+            <a:extLst>
+              <a:ext uri="{28A0092B-C50C-407E-A947-70E740481C1C}">
+                <a14:useLocalDpi xmlns:a14="http://schemas.microsoft.com/office/drawing/2010/main" val="0"/>
+              </a:ext>
+            </a:extLst>
+          </a:blip>
+          <a:stretch>
+            <a:fillRect/>
+          </a:stretch>
+        </p:blipFill>
+        <p:spPr>
+          <a:xfrm>
+            <a:off x="323528" y="1390864"/>
+            <a:ext cx="8568952" cy="4846448"/>
+          </a:xfrm>
+        </p:spPr>
+      </p:pic>
+      <p:pic>
+        <p:nvPicPr>
+          <p:cNvPr id="6" name="Рисунок 5"/>
+          <p:cNvPicPr>
+            <a:picLocks noChangeAspect="1"/>
+          </p:cNvPicPr>
+          <p:nvPr/>
+        </p:nvPicPr>
+        <p:blipFill>
+          <a:blip r:embed="rId4">
+            <a:extLst>
+              <a:ext uri="{28A0092B-C50C-407E-A947-70E740481C1C}">
+                <a14:useLocalDpi xmlns:a14="http://schemas.microsoft.com/office/drawing/2010/main" val="0"/>
+              </a:ext>
+            </a:extLst>
+          </a:blip>
+          <a:stretch>
+            <a:fillRect/>
+          </a:stretch>
+        </p:blipFill>
+        <p:spPr>
+          <a:xfrm>
+            <a:off x="7540630" y="404665"/>
+            <a:ext cx="1572745" cy="1152127"/>
+          </a:xfrm>
+          <a:prstGeom prst="rect">
+            <a:avLst/>
+          </a:prstGeom>
+        </p:spPr>
+      </p:pic>
+    </p:spTree>
+    <p:extLst>
+      <p:ext uri="{BB962C8B-B14F-4D97-AF65-F5344CB8AC3E}">
+        <p14:creationId xmlns:p14="http://schemas.microsoft.com/office/powerpoint/2010/main" val="3107054681"/>
       </p:ext>
     </p:extLst>
   </p:cSld>

--- a/FactoryMethod/Presentation/FactoryMethod.pptx
+++ b/FactoryMethod/Presentation/FactoryMethod.pptx
@@ -9257,24 +9257,17 @@
                 <a:latin typeface="Courier New" panose="02070309020205020404" pitchFamily="49" charset="0"/>
                 <a:cs typeface="Courier New" panose="02070309020205020404" pitchFamily="49" charset="0"/>
               </a:rPr>
-              <a:t>git </a:t>
-            </a:r>
-            <a:r>
-              <a:rPr lang="en-US" sz="2800">
+              <a:t>git checkout </a:t>
+            </a:r>
+            <a:r>
+              <a:rPr lang="en-US" sz="2800" b="1" smtClean="0">
+                <a:solidFill>
+                  <a:schemeClr val="accent6"/>
+                </a:solidFill>
                 <a:latin typeface="Courier New" panose="02070309020205020404" pitchFamily="49" charset="0"/>
                 <a:cs typeface="Courier New" panose="02070309020205020404" pitchFamily="49" charset="0"/>
               </a:rPr>
-              <a:t>checkout </a:t>
-            </a:r>
-            <a:r>
-              <a:rPr lang="en-US" sz="2800" b="1" smtClean="0">
-                <a:solidFill>
-                  <a:schemeClr val="accent6"/>
-                </a:solidFill>
-                <a:latin typeface="Courier New" panose="02070309020205020404" pitchFamily="49" charset="0"/>
-                <a:cs typeface="Courier New" panose="02070309020205020404" pitchFamily="49" charset="0"/>
-              </a:rPr>
-              <a:t>d674ed9</a:t>
+              <a:t>1651c77</a:t>
             </a:r>
             <a:endParaRPr lang="ru-RU"/>
           </a:p>
@@ -9515,17 +9508,7 @@
                 <a:latin typeface="Courier New" panose="02070309020205020404" pitchFamily="49" charset="0"/>
                 <a:cs typeface="Courier New" panose="02070309020205020404" pitchFamily="49" charset="0"/>
               </a:rPr>
-              <a:t>Use Factory </a:t>
-            </a:r>
-            <a:r>
-              <a:rPr lang="en-US" b="1">
-                <a:solidFill>
-                  <a:schemeClr val="tx2"/>
-                </a:solidFill>
-                <a:latin typeface="Courier New" panose="02070309020205020404" pitchFamily="49" charset="0"/>
-                <a:cs typeface="Courier New" panose="02070309020205020404" pitchFamily="49" charset="0"/>
-              </a:rPr>
-              <a:t>Method </a:t>
+              <a:t>Use Factory Method </a:t>
             </a:r>
             <a:r>
               <a:rPr lang="en-US" b="1" smtClean="0">
@@ -10093,14 +10076,7 @@
                 <a:latin typeface="Courier New" panose="02070309020205020404" pitchFamily="49" charset="0"/>
                 <a:cs typeface="Courier New" panose="02070309020205020404" pitchFamily="49" charset="0"/>
               </a:rPr>
-              <a:t>Deliver water : 500 kg to Ukraine, Kyiv, st. Illinska, 2, 01010 by Truck #1 using the </a:t>
-            </a:r>
-            <a:r>
-              <a:rPr lang="en-US" sz="2800">
-                <a:latin typeface="Courier New" panose="02070309020205020404" pitchFamily="49" charset="0"/>
-                <a:cs typeface="Courier New" panose="02070309020205020404" pitchFamily="49" charset="0"/>
-              </a:rPr>
-              <a:t>road </a:t>
+              <a:t>Deliver water : 500 kg to Ukraine, Kyiv, st. Illinska, 2, 01010 by Truck #1 using the road </a:t>
             </a:r>
             <a:endParaRPr lang="en-US" sz="2800" smtClean="0">
               <a:latin typeface="Courier New" panose="02070309020205020404" pitchFamily="49" charset="0"/>
@@ -10384,24 +10360,17 @@
                 <a:latin typeface="Courier New" panose="02070309020205020404" pitchFamily="49" charset="0"/>
                 <a:cs typeface="Courier New" panose="02070309020205020404" pitchFamily="49" charset="0"/>
               </a:rPr>
-              <a:t>git </a:t>
-            </a:r>
-            <a:r>
-              <a:rPr lang="en-US" sz="2800">
+              <a:t>git checkout </a:t>
+            </a:r>
+            <a:r>
+              <a:rPr lang="en-US" sz="2800" b="1" smtClean="0">
+                <a:solidFill>
+                  <a:schemeClr val="accent6"/>
+                </a:solidFill>
                 <a:latin typeface="Courier New" panose="02070309020205020404" pitchFamily="49" charset="0"/>
                 <a:cs typeface="Courier New" panose="02070309020205020404" pitchFamily="49" charset="0"/>
               </a:rPr>
-              <a:t>checkout </a:t>
-            </a:r>
-            <a:r>
-              <a:rPr lang="en-US" sz="2800" b="1" smtClean="0">
-                <a:solidFill>
-                  <a:schemeClr val="accent6"/>
-                </a:solidFill>
-                <a:latin typeface="Courier New" panose="02070309020205020404" pitchFamily="49" charset="0"/>
-                <a:cs typeface="Courier New" panose="02070309020205020404" pitchFamily="49" charset="0"/>
-              </a:rPr>
-              <a:t>9a01748</a:t>
+              <a:t>ce47ef1</a:t>
             </a:r>
             <a:endParaRPr lang="ru-RU"/>
           </a:p>
@@ -10642,17 +10611,7 @@
                 <a:latin typeface="Courier New" panose="02070309020205020404" pitchFamily="49" charset="0"/>
                 <a:cs typeface="Courier New" panose="02070309020205020404" pitchFamily="49" charset="0"/>
               </a:rPr>
-              <a:t>Add Sea </a:t>
-            </a:r>
-            <a:r>
-              <a:rPr lang="en-US" sz="2800" b="1">
-                <a:solidFill>
-                  <a:schemeClr val="tx2"/>
-                </a:solidFill>
-                <a:latin typeface="Courier New" panose="02070309020205020404" pitchFamily="49" charset="0"/>
-                <a:cs typeface="Courier New" panose="02070309020205020404" pitchFamily="49" charset="0"/>
-              </a:rPr>
-              <a:t>logistics </a:t>
+              <a:t>Add Sea logistics </a:t>
             </a:r>
             <a:r>
               <a:rPr lang="en-US" sz="2800" b="1" smtClean="0">
@@ -11085,14 +11044,7 @@
                 <a:latin typeface="Courier New" panose="02070309020205020404" pitchFamily="49" charset="0"/>
                 <a:cs typeface="Courier New" panose="02070309020205020404" pitchFamily="49" charset="0"/>
               </a:rPr>
-              <a:t>water : 500 kg to Ukraine, Kyiv, st. Illinska, 2, 01010 by Truck #1 using the </a:t>
-            </a:r>
-            <a:r>
-              <a:rPr lang="en-US" sz="2800">
-                <a:latin typeface="Courier New" panose="02070309020205020404" pitchFamily="49" charset="0"/>
-                <a:cs typeface="Courier New" panose="02070309020205020404" pitchFamily="49" charset="0"/>
-              </a:rPr>
-              <a:t>road </a:t>
+              <a:t>water : 500 kg to Ukraine, Kyiv, st. Illinska, 2, 01010 by Truck #1 using the road </a:t>
             </a:r>
             <a:endParaRPr lang="en-US" sz="2800" smtClean="0">
               <a:latin typeface="Courier New" panose="02070309020205020404" pitchFamily="49" charset="0"/>
@@ -12891,17 +12843,7 @@
                   </a:schemeClr>
                 </a:solidFill>
               </a:rPr>
-              <a:t>ource: Design Patterns Explained Simply by Alexander Shvets, pg. </a:t>
-            </a:r>
-            <a:r>
-              <a:rPr lang="en-US" smtClean="0">
-                <a:solidFill>
-                  <a:schemeClr val="accent6">
-                    <a:lumMod val="75000"/>
-                  </a:schemeClr>
-                </a:solidFill>
-              </a:rPr>
-              <a:t>82</a:t>
+              <a:t>ource: Design Patterns Explained Simply by Alexander Shvets, pg. 82</a:t>
             </a:r>
             <a:endParaRPr lang="en-US" u="sng">
               <a:solidFill>
@@ -13276,17 +13218,7 @@
                   </a:schemeClr>
                 </a:solidFill>
               </a:rPr>
-              <a:t>ource: Design Patterns Explained Simply by Alexander Shvets, pg. </a:t>
-            </a:r>
-            <a:r>
-              <a:rPr lang="en-US" smtClean="0">
-                <a:solidFill>
-                  <a:schemeClr val="accent6">
-                    <a:lumMod val="75000"/>
-                  </a:schemeClr>
-                </a:solidFill>
-              </a:rPr>
-              <a:t>83</a:t>
+              <a:t>ource: Design Patterns Explained Simply by Alexander Shvets, pg. 83</a:t>
             </a:r>
             <a:endParaRPr lang="en-US" u="sng">
               <a:solidFill>
@@ -13594,17 +13526,7 @@
                   </a:schemeClr>
                 </a:solidFill>
               </a:rPr>
-              <a:t>ource: </a:t>
-            </a:r>
-            <a:r>
-              <a:rPr lang="en-US" smtClean="0">
-                <a:solidFill>
-                  <a:schemeClr val="accent6">
-                    <a:lumMod val="75000"/>
-                  </a:schemeClr>
-                </a:solidFill>
-              </a:rPr>
-              <a:t>GoF book, Factory Method, Related patterns</a:t>
+              <a:t>ource: GoF book, Factory Method, Related patterns</a:t>
             </a:r>
             <a:endParaRPr lang="en-US" u="sng">
               <a:solidFill>
@@ -13910,17 +13832,7 @@
                   </a:schemeClr>
                 </a:solidFill>
               </a:rPr>
-              <a:t>Source: Design Patterns Explained Simply by Alexander Shvets, pg</a:t>
-            </a:r>
-            <a:r>
-              <a:rPr lang="en-US">
-                <a:solidFill>
-                  <a:schemeClr val="accent6">
-                    <a:lumMod val="75000"/>
-                  </a:schemeClr>
-                </a:solidFill>
-              </a:rPr>
-              <a:t>. </a:t>
+              <a:t>Source: Design Patterns Explained Simply by Alexander Shvets, pg. </a:t>
             </a:r>
             <a:r>
               <a:rPr lang="en-US" smtClean="0">
@@ -14296,17 +14208,7 @@
                   </a:schemeClr>
                 </a:solidFill>
               </a:rPr>
-              <a:t>Source: Design Patterns Explained Simply by Alexander Shvets, pg</a:t>
-            </a:r>
-            <a:r>
-              <a:rPr lang="en-US">
-                <a:solidFill>
-                  <a:schemeClr val="accent6">
-                    <a:lumMod val="75000"/>
-                  </a:schemeClr>
-                </a:solidFill>
-              </a:rPr>
-              <a:t>. </a:t>
+              <a:t>Source: Design Patterns Explained Simply by Alexander Shvets, pg. </a:t>
             </a:r>
             <a:r>
               <a:rPr lang="en-US" smtClean="0">
@@ -14636,17 +14538,7 @@
                   </a:schemeClr>
                 </a:solidFill>
               </a:rPr>
-              <a:t>ource: </a:t>
-            </a:r>
-            <a:r>
-              <a:rPr lang="en-US" smtClean="0">
-                <a:solidFill>
-                  <a:schemeClr val="accent6">
-                    <a:lumMod val="75000"/>
-                  </a:schemeClr>
-                </a:solidFill>
-              </a:rPr>
-              <a:t>GoF book, Factory Method, Related patterns</a:t>
+              <a:t>ource: GoF book, Factory Method, Related patterns</a:t>
             </a:r>
             <a:endParaRPr lang="en-US" u="sng">
               <a:solidFill>
@@ -14837,11 +14729,7 @@
             </a:r>
             <a:r>
               <a:rPr lang="en-US" sz="3200"/>
-              <a:t>are usually called within</a:t>
-            </a:r>
-            <a:r>
-              <a:rPr lang="en-US" sz="3200"/>
-              <a:t> </a:t>
+              <a:t>are usually called within </a:t>
             </a:r>
             <a:r>
               <a:rPr lang="en-US" sz="3200" i="1">
@@ -14974,17 +14862,7 @@
                   </a:schemeClr>
                 </a:solidFill>
               </a:rPr>
-              <a:t>ource: </a:t>
-            </a:r>
-            <a:r>
-              <a:rPr lang="en-US" smtClean="0">
-                <a:solidFill>
-                  <a:schemeClr val="accent6">
-                    <a:lumMod val="75000"/>
-                  </a:schemeClr>
-                </a:solidFill>
-              </a:rPr>
-              <a:t>GoF book, Factory Method, Related patterns</a:t>
+              <a:t>ource: GoF book, Factory Method, Related patterns</a:t>
             </a:r>
             <a:endParaRPr lang="en-US" u="sng">
               <a:solidFill>
@@ -15175,11 +15053,7 @@
             </a:r>
             <a:r>
               <a:rPr lang="en-US" sz="3200"/>
-              <a:t> don't require subclassing Creator. However</a:t>
-            </a:r>
-            <a:r>
-              <a:rPr lang="en-US" sz="3200"/>
-              <a:t>, </a:t>
+              <a:t> don't require subclassing Creator. However, </a:t>
             </a:r>
             <a:r>
               <a:rPr lang="en-US" sz="3200" smtClean="0"/>
@@ -15257,17 +15131,7 @@
                   </a:schemeClr>
                 </a:solidFill>
               </a:rPr>
-              <a:t>Source: Design Patterns Explained Simply by Alexander Shvets, pg</a:t>
-            </a:r>
-            <a:r>
-              <a:rPr lang="en-US">
-                <a:solidFill>
-                  <a:schemeClr val="accent6">
-                    <a:lumMod val="75000"/>
-                  </a:schemeClr>
-                </a:solidFill>
-              </a:rPr>
-              <a:t>. </a:t>
+              <a:t>Source: Design Patterns Explained Simply by Alexander Shvets, pg. </a:t>
             </a:r>
             <a:r>
               <a:rPr lang="en-US" smtClean="0">
@@ -15423,17 +15287,7 @@
                   </a:schemeClr>
                 </a:solidFill>
               </a:rPr>
-              <a:t>ource</a:t>
-            </a:r>
-            <a:r>
-              <a:rPr lang="en-US" smtClean="0">
-                <a:solidFill>
-                  <a:schemeClr val="accent6">
-                    <a:lumMod val="75000"/>
-                  </a:schemeClr>
-                </a:solidFill>
-              </a:rPr>
-              <a:t>: Design Patterns Explained Simply by Alexander Shvets, pg. 70</a:t>
+              <a:t>ource: Design Patterns Explained Simply by Alexander Shvets, pg. 70</a:t>
             </a:r>
             <a:endParaRPr lang="en-US" u="sng">
               <a:solidFill>
@@ -15838,11 +15692,7 @@
           <a:p>
             <a:r>
               <a:rPr lang="en-US" sz="3200"/>
-              <a:t>Design Patterns Explained Simply by </a:t>
-            </a:r>
-            <a:r>
-              <a:rPr lang="en-US" sz="3200"/>
-              <a:t>Alexander </a:t>
+              <a:t>Design Patterns Explained Simply by Alexander </a:t>
             </a:r>
             <a:r>
               <a:rPr lang="en-US" sz="3200" smtClean="0"/>
@@ -15866,11 +15716,7 @@
             </a:r>
             <a:r>
               <a:rPr lang="en-US" sz="3200"/>
-              <a:t>Erich Gamma, Richard Helm, Ralph Johnson and </a:t>
-            </a:r>
-            <a:r>
-              <a:rPr lang="en-US" sz="3200"/>
-              <a:t>John </a:t>
+              <a:t>Erich Gamma, Richard Helm, Ralph Johnson and John </a:t>
             </a:r>
             <a:r>
               <a:rPr lang="en-US" sz="3200" smtClean="0"/>
@@ -16354,25 +16200,25 @@
                 <a:latin typeface="Courier New" panose="02070309020205020404" pitchFamily="49" charset="0"/>
                 <a:cs typeface="Courier New" panose="02070309020205020404" pitchFamily="49" charset="0"/>
               </a:rPr>
-              <a:t>git </a:t>
-            </a:r>
-            <a:r>
-              <a:rPr lang="en-US" sz="2800">
+              <a:t>git checkout </a:t>
+            </a:r>
+            <a:r>
+              <a:rPr lang="en-US" sz="2800" b="1" smtClean="0">
+                <a:solidFill>
+                  <a:schemeClr val="accent6"/>
+                </a:solidFill>
                 <a:latin typeface="Courier New" panose="02070309020205020404" pitchFamily="49" charset="0"/>
                 <a:cs typeface="Courier New" panose="02070309020205020404" pitchFamily="49" charset="0"/>
               </a:rPr>
-              <a:t>checkout </a:t>
-            </a:r>
-            <a:r>
-              <a:rPr lang="en-US" sz="2800" b="1" smtClean="0">
-                <a:solidFill>
-                  <a:schemeClr val="accent6"/>
-                </a:solidFill>
-                <a:latin typeface="Courier New" panose="02070309020205020404" pitchFamily="49" charset="0"/>
-                <a:cs typeface="Courier New" panose="02070309020205020404" pitchFamily="49" charset="0"/>
-              </a:rPr>
-              <a:t>1c87e96c</a:t>
-            </a:r>
+              <a:t>63a870b</a:t>
+            </a:r>
+            <a:endParaRPr lang="en-US" sz="2800" b="1" smtClean="0">
+              <a:solidFill>
+                <a:schemeClr val="accent6"/>
+              </a:solidFill>
+              <a:latin typeface="Courier New" panose="02070309020205020404" pitchFamily="49" charset="0"/>
+              <a:cs typeface="Courier New" panose="02070309020205020404" pitchFamily="49" charset="0"/>
+            </a:endParaRPr>
           </a:p>
         </p:txBody>
       </p:sp>
@@ -17031,14 +16877,7 @@
                 <a:latin typeface="Courier New" panose="02070309020205020404" pitchFamily="49" charset="0"/>
                 <a:cs typeface="Courier New" panose="02070309020205020404" pitchFamily="49" charset="0"/>
               </a:rPr>
-              <a:t>water : 500 kg to Ukraine, Kyiv, st. Illinska, 2, 01010 by Truck #</a:t>
-            </a:r>
-            <a:r>
-              <a:rPr lang="en-US">
-                <a:latin typeface="Courier New" panose="02070309020205020404" pitchFamily="49" charset="0"/>
-                <a:cs typeface="Courier New" panose="02070309020205020404" pitchFamily="49" charset="0"/>
-              </a:rPr>
-              <a:t>1 </a:t>
+              <a:t>water : 500 kg to Ukraine, Kyiv, st. Illinska, 2, 01010 by Truck #1 </a:t>
             </a:r>
             <a:endParaRPr lang="en-US" smtClean="0">
               <a:latin typeface="Courier New" panose="02070309020205020404" pitchFamily="49" charset="0"/>

--- a/FactoryMethod/Presentation/FactoryMethod.pptx
+++ b/FactoryMethod/Presentation/FactoryMethod.pptx
@@ -222,7 +222,7 @@
           <a:p>
             <a:fld id="{97342D85-8564-4232-8964-43D3492D4C90}" type="datetimeFigureOut">
               <a:rPr lang="ru-RU" smtClean="0"/>
-              <a:t>17.02.2019</a:t>
+              <a:t>18.02.2019</a:t>
             </a:fld>
             <a:endParaRPr lang="ru-RU"/>
           </a:p>
@@ -4823,7 +4823,7 @@
           <a:p>
             <a:fld id="{B4C71EC6-210F-42DE-9C53-41977AD35B3D}" type="datetimeFigureOut">
               <a:rPr lang="ru-RU" smtClean="0"/>
-              <a:t>17.02.2019</a:t>
+              <a:t>18.02.2019</a:t>
             </a:fld>
             <a:endParaRPr lang="ru-RU"/>
           </a:p>
@@ -5023,7 +5023,7 @@
           <a:p>
             <a:fld id="{B4C71EC6-210F-42DE-9C53-41977AD35B3D}" type="datetimeFigureOut">
               <a:rPr lang="ru-RU" smtClean="0"/>
-              <a:t>17.02.2019</a:t>
+              <a:t>18.02.2019</a:t>
             </a:fld>
             <a:endParaRPr lang="ru-RU"/>
           </a:p>
@@ -5198,7 +5198,7 @@
           <a:p>
             <a:fld id="{B4C71EC6-210F-42DE-9C53-41977AD35B3D}" type="datetimeFigureOut">
               <a:rPr lang="ru-RU" smtClean="0"/>
-              <a:t>17.02.2019</a:t>
+              <a:t>18.02.2019</a:t>
             </a:fld>
             <a:endParaRPr lang="ru-RU"/>
           </a:p>
@@ -5363,7 +5363,7 @@
           <a:p>
             <a:fld id="{B4C71EC6-210F-42DE-9C53-41977AD35B3D}" type="datetimeFigureOut">
               <a:rPr lang="ru-RU" smtClean="0"/>
-              <a:t>17.02.2019</a:t>
+              <a:t>18.02.2019</a:t>
             </a:fld>
             <a:endParaRPr lang="ru-RU"/>
           </a:p>
@@ -5611,7 +5611,7 @@
           <a:p>
             <a:fld id="{B4C71EC6-210F-42DE-9C53-41977AD35B3D}" type="datetimeFigureOut">
               <a:rPr lang="ru-RU" smtClean="0"/>
-              <a:t>17.02.2019</a:t>
+              <a:t>18.02.2019</a:t>
             </a:fld>
             <a:endParaRPr lang="ru-RU"/>
           </a:p>
@@ -5929,7 +5929,7 @@
           <a:p>
             <a:fld id="{B4C71EC6-210F-42DE-9C53-41977AD35B3D}" type="datetimeFigureOut">
               <a:rPr lang="ru-RU" smtClean="0"/>
-              <a:t>17.02.2019</a:t>
+              <a:t>18.02.2019</a:t>
             </a:fld>
             <a:endParaRPr lang="ru-RU"/>
           </a:p>
@@ -6395,7 +6395,7 @@
           <a:p>
             <a:fld id="{B4C71EC6-210F-42DE-9C53-41977AD35B3D}" type="datetimeFigureOut">
               <a:rPr lang="ru-RU" smtClean="0"/>
-              <a:t>17.02.2019</a:t>
+              <a:t>18.02.2019</a:t>
             </a:fld>
             <a:endParaRPr lang="ru-RU"/>
           </a:p>
@@ -6543,7 +6543,7 @@
           <a:p>
             <a:fld id="{B4C71EC6-210F-42DE-9C53-41977AD35B3D}" type="datetimeFigureOut">
               <a:rPr lang="ru-RU" smtClean="0"/>
-              <a:t>17.02.2019</a:t>
+              <a:t>18.02.2019</a:t>
             </a:fld>
             <a:endParaRPr lang="ru-RU"/>
           </a:p>
@@ -6633,7 +6633,7 @@
           <a:p>
             <a:fld id="{B4C71EC6-210F-42DE-9C53-41977AD35B3D}" type="datetimeFigureOut">
               <a:rPr lang="ru-RU" smtClean="0"/>
-              <a:t>17.02.2019</a:t>
+              <a:t>18.02.2019</a:t>
             </a:fld>
             <a:endParaRPr lang="ru-RU"/>
           </a:p>
@@ -6907,7 +6907,7 @@
           <a:p>
             <a:fld id="{B4C71EC6-210F-42DE-9C53-41977AD35B3D}" type="datetimeFigureOut">
               <a:rPr lang="ru-RU" smtClean="0"/>
-              <a:t>17.02.2019</a:t>
+              <a:t>18.02.2019</a:t>
             </a:fld>
             <a:endParaRPr lang="ru-RU"/>
           </a:p>
@@ -7212,7 +7212,7 @@
           <a:p>
             <a:fld id="{B4C71EC6-210F-42DE-9C53-41977AD35B3D}" type="datetimeFigureOut">
               <a:rPr lang="ru-RU" smtClean="0"/>
-              <a:t>17.02.2019</a:t>
+              <a:t>18.02.2019</a:t>
             </a:fld>
             <a:endParaRPr lang="ru-RU"/>
           </a:p>
@@ -7510,7 +7510,7 @@
           <a:p>
             <a:fld id="{B4C71EC6-210F-42DE-9C53-41977AD35B3D}" type="datetimeFigureOut">
               <a:rPr lang="ru-RU" smtClean="0"/>
-              <a:t>17.02.2019</a:t>
+              <a:t>18.02.2019</a:t>
             </a:fld>
             <a:endParaRPr lang="ru-RU"/>
           </a:p>
@@ -10000,7 +10000,7 @@
         <p:spPr/>
         <p:txBody>
           <a:bodyPr>
-            <a:normAutofit fontScale="92500" lnSpcReduction="10000"/>
+            <a:normAutofit/>
           </a:bodyPr>
           <a:lstStyle/>
           <a:p>
@@ -10012,45 +10012,7 @@
                 <a:latin typeface="Courier New" panose="02070309020205020404" pitchFamily="49" charset="0"/>
                 <a:cs typeface="Courier New" panose="02070309020205020404" pitchFamily="49" charset="0"/>
               </a:rPr>
-              <a:t>Test</a:t>
-            </a:r>
-            <a:r>
-              <a:rPr lang="en-US" sz="2800" b="1">
-                <a:solidFill>
-                  <a:schemeClr val="tx2"/>
-                </a:solidFill>
-                <a:latin typeface="Courier New" panose="02070309020205020404" pitchFamily="49" charset="0"/>
-                <a:cs typeface="Courier New" panose="02070309020205020404" pitchFamily="49" charset="0"/>
-              </a:rPr>
-              <a:t>: </a:t>
-            </a:r>
-            <a:endParaRPr lang="en-US" sz="2800" b="1" smtClean="0">
-              <a:solidFill>
-                <a:schemeClr val="tx2"/>
-              </a:solidFill>
-              <a:latin typeface="Courier New" panose="02070309020205020404" pitchFamily="49" charset="0"/>
-              <a:cs typeface="Courier New" panose="02070309020205020404" pitchFamily="49" charset="0"/>
-            </a:endParaRPr>
-          </a:p>
-          <a:p>
-            <a:r>
-              <a:rPr lang="en-US" sz="2800" smtClean="0">
-                <a:latin typeface="Courier New" panose="02070309020205020404" pitchFamily="49" charset="0"/>
-                <a:cs typeface="Courier New" panose="02070309020205020404" pitchFamily="49" charset="0"/>
-              </a:rPr>
-              <a:t>launch FactoryMethod/Projects/Logistics/cmake-build-debug/Logistics.exe </a:t>
-            </a:r>
-          </a:p>
-          <a:p>
-            <a:r>
-              <a:rPr lang="en-US" sz="2800" b="1" smtClean="0">
-                <a:solidFill>
-                  <a:schemeClr val="tx2"/>
-                </a:solidFill>
-                <a:latin typeface="Courier New" panose="02070309020205020404" pitchFamily="49" charset="0"/>
-                <a:cs typeface="Courier New" panose="02070309020205020404" pitchFamily="49" charset="0"/>
-              </a:rPr>
-              <a:t>Output</a:t>
+              <a:t>Test output</a:t>
             </a:r>
             <a:r>
               <a:rPr lang="en-US" sz="2800" b="1">
@@ -10961,7 +10923,7 @@
         <p:spPr/>
         <p:txBody>
           <a:bodyPr>
-            <a:normAutofit fontScale="92500" lnSpcReduction="10000"/>
+            <a:normAutofit/>
           </a:bodyPr>
           <a:lstStyle/>
           <a:p>
@@ -10973,45 +10935,7 @@
                 <a:latin typeface="Courier New" panose="02070309020205020404" pitchFamily="49" charset="0"/>
                 <a:cs typeface="Courier New" panose="02070309020205020404" pitchFamily="49" charset="0"/>
               </a:rPr>
-              <a:t>Test</a:t>
-            </a:r>
-            <a:r>
-              <a:rPr lang="en-US" sz="2800" b="1">
-                <a:solidFill>
-                  <a:schemeClr val="tx2"/>
-                </a:solidFill>
-                <a:latin typeface="Courier New" panose="02070309020205020404" pitchFamily="49" charset="0"/>
-                <a:cs typeface="Courier New" panose="02070309020205020404" pitchFamily="49" charset="0"/>
-              </a:rPr>
-              <a:t>: </a:t>
-            </a:r>
-            <a:endParaRPr lang="en-US" sz="2800" b="1" smtClean="0">
-              <a:solidFill>
-                <a:schemeClr val="tx2"/>
-              </a:solidFill>
-              <a:latin typeface="Courier New" panose="02070309020205020404" pitchFamily="49" charset="0"/>
-              <a:cs typeface="Courier New" panose="02070309020205020404" pitchFamily="49" charset="0"/>
-            </a:endParaRPr>
-          </a:p>
-          <a:p>
-            <a:r>
-              <a:rPr lang="en-US" sz="2800" smtClean="0">
-                <a:latin typeface="Courier New" panose="02070309020205020404" pitchFamily="49" charset="0"/>
-                <a:cs typeface="Courier New" panose="02070309020205020404" pitchFamily="49" charset="0"/>
-              </a:rPr>
-              <a:t>launch FactoryMethod/Projects/Logistics/cmake-build-debug/Logistics.exe </a:t>
-            </a:r>
-          </a:p>
-          <a:p>
-            <a:r>
-              <a:rPr lang="en-US" sz="2800" b="1" smtClean="0">
-                <a:solidFill>
-                  <a:schemeClr val="tx2"/>
-                </a:solidFill>
-                <a:latin typeface="Courier New" panose="02070309020205020404" pitchFamily="49" charset="0"/>
-                <a:cs typeface="Courier New" panose="02070309020205020404" pitchFamily="49" charset="0"/>
-              </a:rPr>
-              <a:t>Output</a:t>
+              <a:t>Test output</a:t>
             </a:r>
             <a:r>
               <a:rPr lang="en-US" sz="2800" b="1">
@@ -15892,7 +15816,7 @@
         </p:nvSpPr>
         <p:spPr>
           <a:xfrm>
-            <a:off x="2123728" y="1268760"/>
+            <a:off x="2123728" y="692696"/>
             <a:ext cx="5112568" cy="3600400"/>
           </a:xfrm>
         </p:spPr>
@@ -15917,6 +15841,36 @@
           </a:p>
         </p:txBody>
       </p:sp>
+      <p:pic>
+        <p:nvPicPr>
+          <p:cNvPr id="2" name="Рисунок 1"/>
+          <p:cNvPicPr>
+            <a:picLocks noChangeAspect="1"/>
+          </p:cNvPicPr>
+          <p:nvPr/>
+        </p:nvPicPr>
+        <p:blipFill>
+          <a:blip r:embed="rId3">
+            <a:extLst>
+              <a:ext uri="{28A0092B-C50C-407E-A947-70E740481C1C}">
+                <a14:useLocalDpi xmlns:a14="http://schemas.microsoft.com/office/drawing/2010/main" val="0"/>
+              </a:ext>
+            </a:extLst>
+          </a:blip>
+          <a:stretch>
+            <a:fillRect/>
+          </a:stretch>
+        </p:blipFill>
+        <p:spPr>
+          <a:xfrm>
+            <a:off x="3485418" y="3754794"/>
+            <a:ext cx="2256022" cy="1652667"/>
+          </a:xfrm>
+          <a:prstGeom prst="rect">
+            <a:avLst/>
+          </a:prstGeom>
+        </p:spPr>
+      </p:pic>
     </p:spTree>
     <p:extLst>
       <p:ext uri="{BB962C8B-B14F-4D97-AF65-F5344CB8AC3E}">
@@ -16212,13 +16166,6 @@
               </a:rPr>
               <a:t>63a870b</a:t>
             </a:r>
-            <a:endParaRPr lang="en-US" sz="2800" b="1" smtClean="0">
-              <a:solidFill>
-                <a:schemeClr val="accent6"/>
-              </a:solidFill>
-              <a:latin typeface="Courier New" panose="02070309020205020404" pitchFamily="49" charset="0"/>
-              <a:cs typeface="Courier New" panose="02070309020205020404" pitchFamily="49" charset="0"/>
-            </a:endParaRPr>
           </a:p>
         </p:txBody>
       </p:sp>
@@ -16812,39 +16759,7 @@
                 <a:latin typeface="Courier New" panose="02070309020205020404" pitchFamily="49" charset="0"/>
                 <a:cs typeface="Courier New" panose="02070309020205020404" pitchFamily="49" charset="0"/>
               </a:rPr>
-              <a:t>Test:</a:t>
-            </a:r>
-          </a:p>
-          <a:p>
-            <a:r>
-              <a:rPr lang="en-US" smtClean="0">
-                <a:latin typeface="Courier New" panose="02070309020205020404" pitchFamily="49" charset="0"/>
-                <a:cs typeface="Courier New" panose="02070309020205020404" pitchFamily="49" charset="0"/>
-              </a:rPr>
-              <a:t>launch </a:t>
-            </a:r>
-            <a:r>
-              <a:rPr lang="en-US">
-                <a:latin typeface="Courier New" panose="02070309020205020404" pitchFamily="49" charset="0"/>
-                <a:cs typeface="Courier New" panose="02070309020205020404" pitchFamily="49" charset="0"/>
-              </a:rPr>
-              <a:t>FactoryMethod/Projects/Logistics/cmake-build-debug/Logistics.exe </a:t>
-            </a:r>
-            <a:endParaRPr lang="en-US" smtClean="0">
-              <a:latin typeface="Courier New" panose="02070309020205020404" pitchFamily="49" charset="0"/>
-              <a:cs typeface="Courier New" panose="02070309020205020404" pitchFamily="49" charset="0"/>
-            </a:endParaRPr>
-          </a:p>
-          <a:p>
-            <a:r>
-              <a:rPr lang="en-US" b="1" smtClean="0">
-                <a:solidFill>
-                  <a:schemeClr val="tx2"/>
-                </a:solidFill>
-                <a:latin typeface="Courier New" panose="02070309020205020404" pitchFamily="49" charset="0"/>
-                <a:cs typeface="Courier New" panose="02070309020205020404" pitchFamily="49" charset="0"/>
-              </a:rPr>
-              <a:t>Output</a:t>
+              <a:t>Test output</a:t>
             </a:r>
             <a:r>
               <a:rPr lang="en-US" b="1">

--- a/FactoryMethod/Presentation/FactoryMethod.pptx
+++ b/FactoryMethod/Presentation/FactoryMethod.pptx
@@ -8346,8 +8346,8 @@
         </p:nvSpPr>
         <p:spPr>
           <a:xfrm>
-            <a:off x="8479868" y="6488668"/>
-            <a:ext cx="633507" cy="369332"/>
+            <a:off x="8388424" y="6488668"/>
+            <a:ext cx="761747" cy="369332"/>
           </a:xfrm>
           <a:prstGeom prst="rect">
             <a:avLst/>
@@ -8366,8 +8366,13 @@
                   <a:srgbClr val="002060"/>
                 </a:solidFill>
               </a:rPr>
-              <a:t>2/20</a:t>
-            </a:r>
+              <a:t>10/31</a:t>
+            </a:r>
+            <a:endParaRPr lang="en-US" smtClean="0">
+              <a:solidFill>
+                <a:srgbClr val="002060"/>
+              </a:solidFill>
+            </a:endParaRPr>
           </a:p>
         </p:txBody>
       </p:sp>
@@ -8641,39 +8646,6 @@
           </a:p>
         </p:txBody>
       </p:sp>
-      <p:sp>
-        <p:nvSpPr>
-          <p:cNvPr id="9" name="TextBox 8"/>
-          <p:cNvSpPr txBox="1"/>
-          <p:nvPr/>
-        </p:nvSpPr>
-        <p:spPr>
-          <a:xfrm>
-            <a:off x="8479868" y="6488668"/>
-            <a:ext cx="633507" cy="369332"/>
-          </a:xfrm>
-          <a:prstGeom prst="rect">
-            <a:avLst/>
-          </a:prstGeom>
-          <a:noFill/>
-        </p:spPr>
-        <p:txBody>
-          <a:bodyPr wrap="none" rtlCol="0">
-            <a:spAutoFit/>
-          </a:bodyPr>
-          <a:lstStyle/>
-          <a:p>
-            <a:r>
-              <a:rPr lang="en-US" smtClean="0">
-                <a:solidFill>
-                  <a:srgbClr val="002060"/>
-                </a:solidFill>
-              </a:rPr>
-              <a:t>2/20</a:t>
-            </a:r>
-          </a:p>
-        </p:txBody>
-      </p:sp>
       <p:pic>
         <p:nvPicPr>
           <p:cNvPr id="5" name="Объект 4"/>
@@ -8703,6 +8675,44 @@
           </a:xfrm>
         </p:spPr>
       </p:pic>
+      <p:sp>
+        <p:nvSpPr>
+          <p:cNvPr id="10" name="TextBox 9"/>
+          <p:cNvSpPr txBox="1"/>
+          <p:nvPr/>
+        </p:nvSpPr>
+        <p:spPr>
+          <a:xfrm>
+            <a:off x="8388424" y="6488668"/>
+            <a:ext cx="744627" cy="369332"/>
+          </a:xfrm>
+          <a:prstGeom prst="rect">
+            <a:avLst/>
+          </a:prstGeom>
+          <a:noFill/>
+        </p:spPr>
+        <p:txBody>
+          <a:bodyPr wrap="none" rtlCol="0">
+            <a:spAutoFit/>
+          </a:bodyPr>
+          <a:lstStyle/>
+          <a:p>
+            <a:r>
+              <a:rPr lang="en-US" smtClean="0">
+                <a:solidFill>
+                  <a:srgbClr val="002060"/>
+                </a:solidFill>
+              </a:rPr>
+              <a:t>11/31</a:t>
+            </a:r>
+            <a:endParaRPr lang="en-US" smtClean="0">
+              <a:solidFill>
+                <a:srgbClr val="002060"/>
+              </a:solidFill>
+            </a:endParaRPr>
+          </a:p>
+        </p:txBody>
+      </p:sp>
     </p:spTree>
     <p:extLst>
       <p:ext uri="{BB962C8B-B14F-4D97-AF65-F5344CB8AC3E}">
@@ -8914,39 +8924,6 @@
           </a:p>
         </p:txBody>
       </p:sp>
-      <p:sp>
-        <p:nvSpPr>
-          <p:cNvPr id="9" name="TextBox 8"/>
-          <p:cNvSpPr txBox="1"/>
-          <p:nvPr/>
-        </p:nvSpPr>
-        <p:spPr>
-          <a:xfrm>
-            <a:off x="8479868" y="6488668"/>
-            <a:ext cx="633507" cy="369332"/>
-          </a:xfrm>
-          <a:prstGeom prst="rect">
-            <a:avLst/>
-          </a:prstGeom>
-          <a:noFill/>
-        </p:spPr>
-        <p:txBody>
-          <a:bodyPr wrap="none" rtlCol="0">
-            <a:spAutoFit/>
-          </a:bodyPr>
-          <a:lstStyle/>
-          <a:p>
-            <a:r>
-              <a:rPr lang="en-US" smtClean="0">
-                <a:solidFill>
-                  <a:srgbClr val="002060"/>
-                </a:solidFill>
-              </a:rPr>
-              <a:t>2/20</a:t>
-            </a:r>
-          </a:p>
-        </p:txBody>
-      </p:sp>
       <p:pic>
         <p:nvPicPr>
           <p:cNvPr id="10" name="Объект 9"/>
@@ -9006,6 +8983,44 @@
           </a:prstGeom>
         </p:spPr>
       </p:pic>
+      <p:sp>
+        <p:nvSpPr>
+          <p:cNvPr id="11" name="TextBox 10"/>
+          <p:cNvSpPr txBox="1"/>
+          <p:nvPr/>
+        </p:nvSpPr>
+        <p:spPr>
+          <a:xfrm>
+            <a:off x="8388424" y="6488668"/>
+            <a:ext cx="761747" cy="369332"/>
+          </a:xfrm>
+          <a:prstGeom prst="rect">
+            <a:avLst/>
+          </a:prstGeom>
+          <a:noFill/>
+        </p:spPr>
+        <p:txBody>
+          <a:bodyPr wrap="none" rtlCol="0">
+            <a:spAutoFit/>
+          </a:bodyPr>
+          <a:lstStyle/>
+          <a:p>
+            <a:r>
+              <a:rPr lang="en-US" smtClean="0">
+                <a:solidFill>
+                  <a:srgbClr val="002060"/>
+                </a:solidFill>
+              </a:rPr>
+              <a:t>12/31</a:t>
+            </a:r>
+            <a:endParaRPr lang="en-US" smtClean="0">
+              <a:solidFill>
+                <a:srgbClr val="002060"/>
+              </a:solidFill>
+            </a:endParaRPr>
+          </a:p>
+        </p:txBody>
+      </p:sp>
     </p:spTree>
     <p:extLst>
       <p:ext uri="{BB962C8B-B14F-4D97-AF65-F5344CB8AC3E}">
@@ -9155,39 +9170,6 @@
           </a:p>
         </p:txBody>
       </p:sp>
-      <p:sp>
-        <p:nvSpPr>
-          <p:cNvPr id="9" name="TextBox 8"/>
-          <p:cNvSpPr txBox="1"/>
-          <p:nvPr/>
-        </p:nvSpPr>
-        <p:spPr>
-          <a:xfrm>
-            <a:off x="8479868" y="6488668"/>
-            <a:ext cx="633507" cy="369332"/>
-          </a:xfrm>
-          <a:prstGeom prst="rect">
-            <a:avLst/>
-          </a:prstGeom>
-          <a:noFill/>
-        </p:spPr>
-        <p:txBody>
-          <a:bodyPr wrap="none" rtlCol="0">
-            <a:spAutoFit/>
-          </a:bodyPr>
-          <a:lstStyle/>
-          <a:p>
-            <a:r>
-              <a:rPr lang="en-US" smtClean="0">
-                <a:solidFill>
-                  <a:srgbClr val="002060"/>
-                </a:solidFill>
-              </a:rPr>
-              <a:t>2/20</a:t>
-            </a:r>
-          </a:p>
-        </p:txBody>
-      </p:sp>
       <p:pic>
         <p:nvPicPr>
           <p:cNvPr id="6" name="Рисунок 5"/>
@@ -9270,6 +9252,44 @@
               <a:t>1651c77</a:t>
             </a:r>
             <a:endParaRPr lang="ru-RU"/>
+          </a:p>
+        </p:txBody>
+      </p:sp>
+      <p:sp>
+        <p:nvSpPr>
+          <p:cNvPr id="10" name="TextBox 9"/>
+          <p:cNvSpPr txBox="1"/>
+          <p:nvPr/>
+        </p:nvSpPr>
+        <p:spPr>
+          <a:xfrm>
+            <a:off x="8388424" y="6488668"/>
+            <a:ext cx="761747" cy="369332"/>
+          </a:xfrm>
+          <a:prstGeom prst="rect">
+            <a:avLst/>
+          </a:prstGeom>
+          <a:noFill/>
+        </p:spPr>
+        <p:txBody>
+          <a:bodyPr wrap="none" rtlCol="0">
+            <a:spAutoFit/>
+          </a:bodyPr>
+          <a:lstStyle/>
+          <a:p>
+            <a:r>
+              <a:rPr lang="en-US" smtClean="0">
+                <a:solidFill>
+                  <a:srgbClr val="002060"/>
+                </a:solidFill>
+              </a:rPr>
+              <a:t>13/31</a:t>
+            </a:r>
+            <a:endParaRPr lang="en-US" smtClean="0">
+              <a:solidFill>
+                <a:srgbClr val="002060"/>
+              </a:solidFill>
+            </a:endParaRPr>
           </a:p>
         </p:txBody>
       </p:sp>
@@ -9422,39 +9442,6 @@
           </a:p>
         </p:txBody>
       </p:sp>
-      <p:sp>
-        <p:nvSpPr>
-          <p:cNvPr id="9" name="TextBox 8"/>
-          <p:cNvSpPr txBox="1"/>
-          <p:nvPr/>
-        </p:nvSpPr>
-        <p:spPr>
-          <a:xfrm>
-            <a:off x="8479868" y="6488668"/>
-            <a:ext cx="633507" cy="369332"/>
-          </a:xfrm>
-          <a:prstGeom prst="rect">
-            <a:avLst/>
-          </a:prstGeom>
-          <a:noFill/>
-        </p:spPr>
-        <p:txBody>
-          <a:bodyPr wrap="none" rtlCol="0">
-            <a:spAutoFit/>
-          </a:bodyPr>
-          <a:lstStyle/>
-          <a:p>
-            <a:r>
-              <a:rPr lang="en-US" smtClean="0">
-                <a:solidFill>
-                  <a:srgbClr val="002060"/>
-                </a:solidFill>
-              </a:rPr>
-              <a:t>2/20</a:t>
-            </a:r>
-          </a:p>
-        </p:txBody>
-      </p:sp>
       <p:pic>
         <p:nvPicPr>
           <p:cNvPr id="6" name="Рисунок 5"/>
@@ -9771,6 +9758,44 @@
             <a:endParaRPr lang="ru-RU">
               <a:latin typeface="Courier New" panose="02070309020205020404" pitchFamily="49" charset="0"/>
               <a:cs typeface="Courier New" panose="02070309020205020404" pitchFamily="49" charset="0"/>
+            </a:endParaRPr>
+          </a:p>
+        </p:txBody>
+      </p:sp>
+      <p:sp>
+        <p:nvSpPr>
+          <p:cNvPr id="10" name="TextBox 9"/>
+          <p:cNvSpPr txBox="1"/>
+          <p:nvPr/>
+        </p:nvSpPr>
+        <p:spPr>
+          <a:xfrm>
+            <a:off x="8388424" y="6488668"/>
+            <a:ext cx="761747" cy="369332"/>
+          </a:xfrm>
+          <a:prstGeom prst="rect">
+            <a:avLst/>
+          </a:prstGeom>
+          <a:noFill/>
+        </p:spPr>
+        <p:txBody>
+          <a:bodyPr wrap="none" rtlCol="0">
+            <a:spAutoFit/>
+          </a:bodyPr>
+          <a:lstStyle/>
+          <a:p>
+            <a:r>
+              <a:rPr lang="en-US" smtClean="0">
+                <a:solidFill>
+                  <a:srgbClr val="002060"/>
+                </a:solidFill>
+              </a:rPr>
+              <a:t>14/31</a:t>
+            </a:r>
+            <a:endParaRPr lang="en-US" smtClean="0">
+              <a:solidFill>
+                <a:srgbClr val="002060"/>
+              </a:solidFill>
             </a:endParaRPr>
           </a:p>
         </p:txBody>
@@ -9924,39 +9949,6 @@
           </a:p>
         </p:txBody>
       </p:sp>
-      <p:sp>
-        <p:nvSpPr>
-          <p:cNvPr id="9" name="TextBox 8"/>
-          <p:cNvSpPr txBox="1"/>
-          <p:nvPr/>
-        </p:nvSpPr>
-        <p:spPr>
-          <a:xfrm>
-            <a:off x="8479868" y="6488668"/>
-            <a:ext cx="633507" cy="369332"/>
-          </a:xfrm>
-          <a:prstGeom prst="rect">
-            <a:avLst/>
-          </a:prstGeom>
-          <a:noFill/>
-        </p:spPr>
-        <p:txBody>
-          <a:bodyPr wrap="none" rtlCol="0">
-            <a:spAutoFit/>
-          </a:bodyPr>
-          <a:lstStyle/>
-          <a:p>
-            <a:r>
-              <a:rPr lang="en-US" smtClean="0">
-                <a:solidFill>
-                  <a:srgbClr val="002060"/>
-                </a:solidFill>
-              </a:rPr>
-              <a:t>2/20</a:t>
-            </a:r>
-          </a:p>
-        </p:txBody>
-      </p:sp>
       <p:pic>
         <p:nvPicPr>
           <p:cNvPr id="6" name="Рисунок 5"/>
@@ -10068,6 +10060,44 @@
               <a:rPr lang="en-US" sz="2800"/>
             </a:br>
             <a:endParaRPr lang="ru-RU"/>
+          </a:p>
+        </p:txBody>
+      </p:sp>
+      <p:sp>
+        <p:nvSpPr>
+          <p:cNvPr id="10" name="TextBox 9"/>
+          <p:cNvSpPr txBox="1"/>
+          <p:nvPr/>
+        </p:nvSpPr>
+        <p:spPr>
+          <a:xfrm>
+            <a:off x="8388424" y="6488668"/>
+            <a:ext cx="761747" cy="369332"/>
+          </a:xfrm>
+          <a:prstGeom prst="rect">
+            <a:avLst/>
+          </a:prstGeom>
+          <a:noFill/>
+        </p:spPr>
+        <p:txBody>
+          <a:bodyPr wrap="none" rtlCol="0">
+            <a:spAutoFit/>
+          </a:bodyPr>
+          <a:lstStyle/>
+          <a:p>
+            <a:r>
+              <a:rPr lang="en-US" smtClean="0">
+                <a:solidFill>
+                  <a:srgbClr val="002060"/>
+                </a:solidFill>
+              </a:rPr>
+              <a:t>15/31</a:t>
+            </a:r>
+            <a:endParaRPr lang="en-US" smtClean="0">
+              <a:solidFill>
+                <a:srgbClr val="002060"/>
+              </a:solidFill>
+            </a:endParaRPr>
           </a:p>
         </p:txBody>
       </p:sp>
@@ -10220,39 +10250,6 @@
           </a:p>
         </p:txBody>
       </p:sp>
-      <p:sp>
-        <p:nvSpPr>
-          <p:cNvPr id="9" name="TextBox 8"/>
-          <p:cNvSpPr txBox="1"/>
-          <p:nvPr/>
-        </p:nvSpPr>
-        <p:spPr>
-          <a:xfrm>
-            <a:off x="8479868" y="6488668"/>
-            <a:ext cx="633507" cy="369332"/>
-          </a:xfrm>
-          <a:prstGeom prst="rect">
-            <a:avLst/>
-          </a:prstGeom>
-          <a:noFill/>
-        </p:spPr>
-        <p:txBody>
-          <a:bodyPr wrap="none" rtlCol="0">
-            <a:spAutoFit/>
-          </a:bodyPr>
-          <a:lstStyle/>
-          <a:p>
-            <a:r>
-              <a:rPr lang="en-US" smtClean="0">
-                <a:solidFill>
-                  <a:srgbClr val="002060"/>
-                </a:solidFill>
-              </a:rPr>
-              <a:t>2/20</a:t>
-            </a:r>
-          </a:p>
-        </p:txBody>
-      </p:sp>
       <p:pic>
         <p:nvPicPr>
           <p:cNvPr id="6" name="Рисунок 5"/>
@@ -10335,6 +10332,44 @@
               <a:t>ce47ef1</a:t>
             </a:r>
             <a:endParaRPr lang="ru-RU"/>
+          </a:p>
+        </p:txBody>
+      </p:sp>
+      <p:sp>
+        <p:nvSpPr>
+          <p:cNvPr id="10" name="TextBox 9"/>
+          <p:cNvSpPr txBox="1"/>
+          <p:nvPr/>
+        </p:nvSpPr>
+        <p:spPr>
+          <a:xfrm>
+            <a:off x="8388424" y="6488668"/>
+            <a:ext cx="761747" cy="369332"/>
+          </a:xfrm>
+          <a:prstGeom prst="rect">
+            <a:avLst/>
+          </a:prstGeom>
+          <a:noFill/>
+        </p:spPr>
+        <p:txBody>
+          <a:bodyPr wrap="none" rtlCol="0">
+            <a:spAutoFit/>
+          </a:bodyPr>
+          <a:lstStyle/>
+          <a:p>
+            <a:r>
+              <a:rPr lang="en-US" smtClean="0">
+                <a:solidFill>
+                  <a:srgbClr val="002060"/>
+                </a:solidFill>
+              </a:rPr>
+              <a:t>16/31</a:t>
+            </a:r>
+            <a:endParaRPr lang="en-US" smtClean="0">
+              <a:solidFill>
+                <a:srgbClr val="002060"/>
+              </a:solidFill>
+            </a:endParaRPr>
           </a:p>
         </p:txBody>
       </p:sp>
@@ -10487,39 +10522,6 @@
           </a:p>
         </p:txBody>
       </p:sp>
-      <p:sp>
-        <p:nvSpPr>
-          <p:cNvPr id="9" name="TextBox 8"/>
-          <p:cNvSpPr txBox="1"/>
-          <p:nvPr/>
-        </p:nvSpPr>
-        <p:spPr>
-          <a:xfrm>
-            <a:off x="8479868" y="6488668"/>
-            <a:ext cx="633507" cy="369332"/>
-          </a:xfrm>
-          <a:prstGeom prst="rect">
-            <a:avLst/>
-          </a:prstGeom>
-          <a:noFill/>
-        </p:spPr>
-        <p:txBody>
-          <a:bodyPr wrap="none" rtlCol="0">
-            <a:spAutoFit/>
-          </a:bodyPr>
-          <a:lstStyle/>
-          <a:p>
-            <a:r>
-              <a:rPr lang="en-US" smtClean="0">
-                <a:solidFill>
-                  <a:srgbClr val="002060"/>
-                </a:solidFill>
-              </a:rPr>
-              <a:t>2/20</a:t>
-            </a:r>
-          </a:p>
-        </p:txBody>
-      </p:sp>
       <p:pic>
         <p:nvPicPr>
           <p:cNvPr id="6" name="Рисунок 5"/>
@@ -10695,6 +10697,44 @@
               </a:rPr>
               <a:t>Logistics</a:t>
             </a:r>
+          </a:p>
+        </p:txBody>
+      </p:sp>
+      <p:sp>
+        <p:nvSpPr>
+          <p:cNvPr id="10" name="TextBox 9"/>
+          <p:cNvSpPr txBox="1"/>
+          <p:nvPr/>
+        </p:nvSpPr>
+        <p:spPr>
+          <a:xfrm>
+            <a:off x="8388424" y="6488668"/>
+            <a:ext cx="761747" cy="369332"/>
+          </a:xfrm>
+          <a:prstGeom prst="rect">
+            <a:avLst/>
+          </a:prstGeom>
+          <a:noFill/>
+        </p:spPr>
+        <p:txBody>
+          <a:bodyPr wrap="none" rtlCol="0">
+            <a:spAutoFit/>
+          </a:bodyPr>
+          <a:lstStyle/>
+          <a:p>
+            <a:r>
+              <a:rPr lang="en-US" smtClean="0">
+                <a:solidFill>
+                  <a:srgbClr val="002060"/>
+                </a:solidFill>
+              </a:rPr>
+              <a:t>17/31</a:t>
+            </a:r>
+            <a:endParaRPr lang="en-US" smtClean="0">
+              <a:solidFill>
+                <a:srgbClr val="002060"/>
+              </a:solidFill>
+            </a:endParaRPr>
           </a:p>
         </p:txBody>
       </p:sp>
@@ -10847,39 +10887,6 @@
           </a:p>
         </p:txBody>
       </p:sp>
-      <p:sp>
-        <p:nvSpPr>
-          <p:cNvPr id="9" name="TextBox 8"/>
-          <p:cNvSpPr txBox="1"/>
-          <p:nvPr/>
-        </p:nvSpPr>
-        <p:spPr>
-          <a:xfrm>
-            <a:off x="8479868" y="6488668"/>
-            <a:ext cx="633507" cy="369332"/>
-          </a:xfrm>
-          <a:prstGeom prst="rect">
-            <a:avLst/>
-          </a:prstGeom>
-          <a:noFill/>
-        </p:spPr>
-        <p:txBody>
-          <a:bodyPr wrap="none" rtlCol="0">
-            <a:spAutoFit/>
-          </a:bodyPr>
-          <a:lstStyle/>
-          <a:p>
-            <a:r>
-              <a:rPr lang="en-US" smtClean="0">
-                <a:solidFill>
-                  <a:srgbClr val="002060"/>
-                </a:solidFill>
-              </a:rPr>
-              <a:t>2/20</a:t>
-            </a:r>
-          </a:p>
-        </p:txBody>
-      </p:sp>
       <p:pic>
         <p:nvPicPr>
           <p:cNvPr id="6" name="Рисунок 5"/>
@@ -10998,6 +11005,44 @@
               <a:rPr lang="en-US" sz="2800"/>
             </a:br>
             <a:endParaRPr lang="ru-RU"/>
+          </a:p>
+        </p:txBody>
+      </p:sp>
+      <p:sp>
+        <p:nvSpPr>
+          <p:cNvPr id="10" name="TextBox 9"/>
+          <p:cNvSpPr txBox="1"/>
+          <p:nvPr/>
+        </p:nvSpPr>
+        <p:spPr>
+          <a:xfrm>
+            <a:off x="8388424" y="6488668"/>
+            <a:ext cx="761747" cy="369332"/>
+          </a:xfrm>
+          <a:prstGeom prst="rect">
+            <a:avLst/>
+          </a:prstGeom>
+          <a:noFill/>
+        </p:spPr>
+        <p:txBody>
+          <a:bodyPr wrap="none" rtlCol="0">
+            <a:spAutoFit/>
+          </a:bodyPr>
+          <a:lstStyle/>
+          <a:p>
+            <a:r>
+              <a:rPr lang="en-US" smtClean="0">
+                <a:solidFill>
+                  <a:srgbClr val="002060"/>
+                </a:solidFill>
+              </a:rPr>
+              <a:t>18/31</a:t>
+            </a:r>
+            <a:endParaRPr lang="en-US" smtClean="0">
+              <a:solidFill>
+                <a:srgbClr val="002060"/>
+              </a:solidFill>
+            </a:endParaRPr>
           </a:p>
         </p:txBody>
       </p:sp>
@@ -11212,39 +11257,6 @@
           </a:p>
         </p:txBody>
       </p:sp>
-      <p:sp>
-        <p:nvSpPr>
-          <p:cNvPr id="9" name="TextBox 8"/>
-          <p:cNvSpPr txBox="1"/>
-          <p:nvPr/>
-        </p:nvSpPr>
-        <p:spPr>
-          <a:xfrm>
-            <a:off x="8479868" y="6488668"/>
-            <a:ext cx="633507" cy="369332"/>
-          </a:xfrm>
-          <a:prstGeom prst="rect">
-            <a:avLst/>
-          </a:prstGeom>
-          <a:noFill/>
-        </p:spPr>
-        <p:txBody>
-          <a:bodyPr wrap="none" rtlCol="0">
-            <a:spAutoFit/>
-          </a:bodyPr>
-          <a:lstStyle/>
-          <a:p>
-            <a:r>
-              <a:rPr lang="en-US" smtClean="0">
-                <a:solidFill>
-                  <a:srgbClr val="002060"/>
-                </a:solidFill>
-              </a:rPr>
-              <a:t>2/20</a:t>
-            </a:r>
-          </a:p>
-        </p:txBody>
-      </p:sp>
       <p:pic>
         <p:nvPicPr>
           <p:cNvPr id="6" name="Рисунок 5"/>
@@ -11346,6 +11358,44 @@
               <a:t>of those objects.</a:t>
             </a:r>
             <a:endParaRPr lang="ru-RU" sz="3200"/>
+          </a:p>
+        </p:txBody>
+      </p:sp>
+      <p:sp>
+        <p:nvSpPr>
+          <p:cNvPr id="10" name="TextBox 9"/>
+          <p:cNvSpPr txBox="1"/>
+          <p:nvPr/>
+        </p:nvSpPr>
+        <p:spPr>
+          <a:xfrm>
+            <a:off x="8388424" y="6488668"/>
+            <a:ext cx="761747" cy="369332"/>
+          </a:xfrm>
+          <a:prstGeom prst="rect">
+            <a:avLst/>
+          </a:prstGeom>
+          <a:noFill/>
+        </p:spPr>
+        <p:txBody>
+          <a:bodyPr wrap="none" rtlCol="0">
+            <a:spAutoFit/>
+          </a:bodyPr>
+          <a:lstStyle/>
+          <a:p>
+            <a:r>
+              <a:rPr lang="en-US" smtClean="0">
+                <a:solidFill>
+                  <a:srgbClr val="002060"/>
+                </a:solidFill>
+              </a:rPr>
+              <a:t>19/31</a:t>
+            </a:r>
+            <a:endParaRPr lang="en-US" smtClean="0">
+              <a:solidFill>
+                <a:srgbClr val="002060"/>
+              </a:solidFill>
+            </a:endParaRPr>
           </a:p>
         </p:txBody>
       </p:sp>
@@ -11627,8 +11677,13 @@
                   <a:srgbClr val="002060"/>
                 </a:solidFill>
               </a:rPr>
-              <a:t>2/20</a:t>
-            </a:r>
+              <a:t>2/31</a:t>
+            </a:r>
+            <a:endParaRPr lang="en-US" smtClean="0">
+              <a:solidFill>
+                <a:srgbClr val="002060"/>
+              </a:solidFill>
+            </a:endParaRPr>
           </a:p>
         </p:txBody>
       </p:sp>
@@ -11885,39 +11940,6 @@
           </a:p>
         </p:txBody>
       </p:sp>
-      <p:sp>
-        <p:nvSpPr>
-          <p:cNvPr id="9" name="TextBox 8"/>
-          <p:cNvSpPr txBox="1"/>
-          <p:nvPr/>
-        </p:nvSpPr>
-        <p:spPr>
-          <a:xfrm>
-            <a:off x="8479868" y="6488668"/>
-            <a:ext cx="633507" cy="369332"/>
-          </a:xfrm>
-          <a:prstGeom prst="rect">
-            <a:avLst/>
-          </a:prstGeom>
-          <a:noFill/>
-        </p:spPr>
-        <p:txBody>
-          <a:bodyPr wrap="none" rtlCol="0">
-            <a:spAutoFit/>
-          </a:bodyPr>
-          <a:lstStyle/>
-          <a:p>
-            <a:r>
-              <a:rPr lang="en-US" smtClean="0">
-                <a:solidFill>
-                  <a:srgbClr val="002060"/>
-                </a:solidFill>
-              </a:rPr>
-              <a:t>2/20</a:t>
-            </a:r>
-          </a:p>
-        </p:txBody>
-      </p:sp>
       <p:pic>
         <p:nvPicPr>
           <p:cNvPr id="6" name="Рисунок 5"/>
@@ -12007,6 +12029,52 @@
               <a:t> of objects are not known beforehand.</a:t>
             </a:r>
             <a:endParaRPr lang="ru-RU" sz="3200"/>
+          </a:p>
+        </p:txBody>
+      </p:sp>
+      <p:sp>
+        <p:nvSpPr>
+          <p:cNvPr id="11" name="TextBox 10"/>
+          <p:cNvSpPr txBox="1"/>
+          <p:nvPr/>
+        </p:nvSpPr>
+        <p:spPr>
+          <a:xfrm>
+            <a:off x="8388424" y="6488668"/>
+            <a:ext cx="761747" cy="369332"/>
+          </a:xfrm>
+          <a:prstGeom prst="rect">
+            <a:avLst/>
+          </a:prstGeom>
+          <a:noFill/>
+        </p:spPr>
+        <p:txBody>
+          <a:bodyPr wrap="none" rtlCol="0">
+            <a:spAutoFit/>
+          </a:bodyPr>
+          <a:lstStyle/>
+          <a:p>
+            <a:r>
+              <a:rPr lang="en-US">
+                <a:solidFill>
+                  <a:srgbClr val="002060"/>
+                </a:solidFill>
+              </a:rPr>
+              <a:t>2</a:t>
+            </a:r>
+            <a:r>
+              <a:rPr lang="en-US" smtClean="0">
+                <a:solidFill>
+                  <a:srgbClr val="002060"/>
+                </a:solidFill>
+              </a:rPr>
+              <a:t>0/31</a:t>
+            </a:r>
+            <a:endParaRPr lang="en-US" smtClean="0">
+              <a:solidFill>
+                <a:srgbClr val="002060"/>
+              </a:solidFill>
+            </a:endParaRPr>
           </a:p>
         </p:txBody>
       </p:sp>
@@ -12221,39 +12289,6 @@
           </a:p>
         </p:txBody>
       </p:sp>
-      <p:sp>
-        <p:nvSpPr>
-          <p:cNvPr id="9" name="TextBox 8"/>
-          <p:cNvSpPr txBox="1"/>
-          <p:nvPr/>
-        </p:nvSpPr>
-        <p:spPr>
-          <a:xfrm>
-            <a:off x="8479868" y="6488668"/>
-            <a:ext cx="633507" cy="369332"/>
-          </a:xfrm>
-          <a:prstGeom prst="rect">
-            <a:avLst/>
-          </a:prstGeom>
-          <a:noFill/>
-        </p:spPr>
-        <p:txBody>
-          <a:bodyPr wrap="none" rtlCol="0">
-            <a:spAutoFit/>
-          </a:bodyPr>
-          <a:lstStyle/>
-          <a:p>
-            <a:r>
-              <a:rPr lang="en-US" smtClean="0">
-                <a:solidFill>
-                  <a:srgbClr val="002060"/>
-                </a:solidFill>
-              </a:rPr>
-              <a:t>2/20</a:t>
-            </a:r>
-          </a:p>
-        </p:txBody>
-      </p:sp>
       <p:pic>
         <p:nvPicPr>
           <p:cNvPr id="6" name="Рисунок 5"/>
@@ -12323,6 +12358,44 @@
               <a:t> parts of your framework or library.</a:t>
             </a:r>
             <a:endParaRPr lang="ru-RU" sz="3200"/>
+          </a:p>
+        </p:txBody>
+      </p:sp>
+      <p:sp>
+        <p:nvSpPr>
+          <p:cNvPr id="10" name="TextBox 9"/>
+          <p:cNvSpPr txBox="1"/>
+          <p:nvPr/>
+        </p:nvSpPr>
+        <p:spPr>
+          <a:xfrm>
+            <a:off x="8388424" y="6488668"/>
+            <a:ext cx="761747" cy="369332"/>
+          </a:xfrm>
+          <a:prstGeom prst="rect">
+            <a:avLst/>
+          </a:prstGeom>
+          <a:noFill/>
+        </p:spPr>
+        <p:txBody>
+          <a:bodyPr wrap="none" rtlCol="0">
+            <a:spAutoFit/>
+          </a:bodyPr>
+          <a:lstStyle/>
+          <a:p>
+            <a:r>
+              <a:rPr lang="en-US" smtClean="0">
+                <a:solidFill>
+                  <a:srgbClr val="002060"/>
+                </a:solidFill>
+              </a:rPr>
+              <a:t>21/31</a:t>
+            </a:r>
+            <a:endParaRPr lang="en-US" smtClean="0">
+              <a:solidFill>
+                <a:srgbClr val="002060"/>
+              </a:solidFill>
+            </a:endParaRPr>
           </a:p>
         </p:txBody>
       </p:sp>
@@ -12537,39 +12610,6 @@
           </a:p>
         </p:txBody>
       </p:sp>
-      <p:sp>
-        <p:nvSpPr>
-          <p:cNvPr id="9" name="TextBox 8"/>
-          <p:cNvSpPr txBox="1"/>
-          <p:nvPr/>
-        </p:nvSpPr>
-        <p:spPr>
-          <a:xfrm>
-            <a:off x="8479868" y="6488668"/>
-            <a:ext cx="633507" cy="369332"/>
-          </a:xfrm>
-          <a:prstGeom prst="rect">
-            <a:avLst/>
-          </a:prstGeom>
-          <a:noFill/>
-        </p:spPr>
-        <p:txBody>
-          <a:bodyPr wrap="none" rtlCol="0">
-            <a:spAutoFit/>
-          </a:bodyPr>
-          <a:lstStyle/>
-          <a:p>
-            <a:r>
-              <a:rPr lang="en-US" smtClean="0">
-                <a:solidFill>
-                  <a:srgbClr val="002060"/>
-                </a:solidFill>
-              </a:rPr>
-              <a:t>2/20</a:t>
-            </a:r>
-          </a:p>
-        </p:txBody>
-      </p:sp>
       <p:pic>
         <p:nvPicPr>
           <p:cNvPr id="6" name="Рисунок 5"/>
@@ -12659,6 +12699,44 @@
               <a:t>already created objects.</a:t>
             </a:r>
             <a:endParaRPr lang="ru-RU" sz="3200"/>
+          </a:p>
+        </p:txBody>
+      </p:sp>
+      <p:sp>
+        <p:nvSpPr>
+          <p:cNvPr id="11" name="TextBox 10"/>
+          <p:cNvSpPr txBox="1"/>
+          <p:nvPr/>
+        </p:nvSpPr>
+        <p:spPr>
+          <a:xfrm>
+            <a:off x="8388424" y="6488668"/>
+            <a:ext cx="761747" cy="369332"/>
+          </a:xfrm>
+          <a:prstGeom prst="rect">
+            <a:avLst/>
+          </a:prstGeom>
+          <a:noFill/>
+        </p:spPr>
+        <p:txBody>
+          <a:bodyPr wrap="none" rtlCol="0">
+            <a:spAutoFit/>
+          </a:bodyPr>
+          <a:lstStyle/>
+          <a:p>
+            <a:r>
+              <a:rPr lang="en-US" smtClean="0">
+                <a:solidFill>
+                  <a:srgbClr val="002060"/>
+                </a:solidFill>
+              </a:rPr>
+              <a:t>22/31</a:t>
+            </a:r>
+            <a:endParaRPr lang="en-US" smtClean="0">
+              <a:solidFill>
+                <a:srgbClr val="002060"/>
+              </a:solidFill>
+            </a:endParaRPr>
           </a:p>
         </p:txBody>
       </p:sp>
@@ -12863,39 +12941,6 @@
           </a:p>
         </p:txBody>
       </p:sp>
-      <p:sp>
-        <p:nvSpPr>
-          <p:cNvPr id="9" name="TextBox 8"/>
-          <p:cNvSpPr txBox="1"/>
-          <p:nvPr/>
-        </p:nvSpPr>
-        <p:spPr>
-          <a:xfrm>
-            <a:off x="8479868" y="6488668"/>
-            <a:ext cx="633507" cy="369332"/>
-          </a:xfrm>
-          <a:prstGeom prst="rect">
-            <a:avLst/>
-          </a:prstGeom>
-          <a:noFill/>
-        </p:spPr>
-        <p:txBody>
-          <a:bodyPr wrap="none" rtlCol="0">
-            <a:spAutoFit/>
-          </a:bodyPr>
-          <a:lstStyle/>
-          <a:p>
-            <a:r>
-              <a:rPr lang="en-US" smtClean="0">
-                <a:solidFill>
-                  <a:srgbClr val="002060"/>
-                </a:solidFill>
-              </a:rPr>
-              <a:t>2/20</a:t>
-            </a:r>
-          </a:p>
-        </p:txBody>
-      </p:sp>
       <p:pic>
         <p:nvPicPr>
           <p:cNvPr id="6" name="Рисунок 5"/>
@@ -13034,6 +13079,44 @@
               <a:t>.</a:t>
             </a:r>
             <a:endParaRPr lang="ru-RU" sz="3200"/>
+          </a:p>
+        </p:txBody>
+      </p:sp>
+      <p:sp>
+        <p:nvSpPr>
+          <p:cNvPr id="10" name="TextBox 9"/>
+          <p:cNvSpPr txBox="1"/>
+          <p:nvPr/>
+        </p:nvSpPr>
+        <p:spPr>
+          <a:xfrm>
+            <a:off x="8388424" y="6488668"/>
+            <a:ext cx="761747" cy="369332"/>
+          </a:xfrm>
+          <a:prstGeom prst="rect">
+            <a:avLst/>
+          </a:prstGeom>
+          <a:noFill/>
+        </p:spPr>
+        <p:txBody>
+          <a:bodyPr wrap="none" rtlCol="0">
+            <a:spAutoFit/>
+          </a:bodyPr>
+          <a:lstStyle/>
+          <a:p>
+            <a:r>
+              <a:rPr lang="en-US" smtClean="0">
+                <a:solidFill>
+                  <a:srgbClr val="002060"/>
+                </a:solidFill>
+              </a:rPr>
+              <a:t>23/31</a:t>
+            </a:r>
+            <a:endParaRPr lang="en-US" smtClean="0">
+              <a:solidFill>
+                <a:srgbClr val="002060"/>
+              </a:solidFill>
+            </a:endParaRPr>
           </a:p>
         </p:txBody>
       </p:sp>
@@ -13238,39 +13321,6 @@
           </a:p>
         </p:txBody>
       </p:sp>
-      <p:sp>
-        <p:nvSpPr>
-          <p:cNvPr id="9" name="TextBox 8"/>
-          <p:cNvSpPr txBox="1"/>
-          <p:nvPr/>
-        </p:nvSpPr>
-        <p:spPr>
-          <a:xfrm>
-            <a:off x="8479868" y="6488668"/>
-            <a:ext cx="633507" cy="369332"/>
-          </a:xfrm>
-          <a:prstGeom prst="rect">
-            <a:avLst/>
-          </a:prstGeom>
-          <a:noFill/>
-        </p:spPr>
-        <p:txBody>
-          <a:bodyPr wrap="none" rtlCol="0">
-            <a:spAutoFit/>
-          </a:bodyPr>
-          <a:lstStyle/>
-          <a:p>
-            <a:r>
-              <a:rPr lang="en-US" smtClean="0">
-                <a:solidFill>
-                  <a:srgbClr val="002060"/>
-                </a:solidFill>
-              </a:rPr>
-              <a:t>2/20</a:t>
-            </a:r>
-          </a:p>
-        </p:txBody>
-      </p:sp>
       <p:pic>
         <p:nvPicPr>
           <p:cNvPr id="6" name="Рисунок 5"/>
@@ -13340,6 +13390,44 @@
               <a:t>, because for each product class there should be a creator class.</a:t>
             </a:r>
             <a:endParaRPr lang="ru-RU" sz="3200"/>
+          </a:p>
+        </p:txBody>
+      </p:sp>
+      <p:sp>
+        <p:nvSpPr>
+          <p:cNvPr id="10" name="TextBox 9"/>
+          <p:cNvSpPr txBox="1"/>
+          <p:nvPr/>
+        </p:nvSpPr>
+        <p:spPr>
+          <a:xfrm>
+            <a:off x="8388424" y="6488668"/>
+            <a:ext cx="761747" cy="369332"/>
+          </a:xfrm>
+          <a:prstGeom prst="rect">
+            <a:avLst/>
+          </a:prstGeom>
+          <a:noFill/>
+        </p:spPr>
+        <p:txBody>
+          <a:bodyPr wrap="none" rtlCol="0">
+            <a:spAutoFit/>
+          </a:bodyPr>
+          <a:lstStyle/>
+          <a:p>
+            <a:r>
+              <a:rPr lang="en-US" smtClean="0">
+                <a:solidFill>
+                  <a:srgbClr val="002060"/>
+                </a:solidFill>
+              </a:rPr>
+              <a:t>24/31</a:t>
+            </a:r>
+            <a:endParaRPr lang="en-US" smtClean="0">
+              <a:solidFill>
+                <a:srgbClr val="002060"/>
+              </a:solidFill>
+            </a:endParaRPr>
           </a:p>
         </p:txBody>
       </p:sp>
@@ -13546,39 +13634,6 @@
           </a:p>
         </p:txBody>
       </p:sp>
-      <p:sp>
-        <p:nvSpPr>
-          <p:cNvPr id="9" name="TextBox 8"/>
-          <p:cNvSpPr txBox="1"/>
-          <p:nvPr/>
-        </p:nvSpPr>
-        <p:spPr>
-          <a:xfrm>
-            <a:off x="8479868" y="6488668"/>
-            <a:ext cx="633507" cy="369332"/>
-          </a:xfrm>
-          <a:prstGeom prst="rect">
-            <a:avLst/>
-          </a:prstGeom>
-          <a:noFill/>
-        </p:spPr>
-        <p:txBody>
-          <a:bodyPr wrap="none" rtlCol="0">
-            <a:spAutoFit/>
-          </a:bodyPr>
-          <a:lstStyle/>
-          <a:p>
-            <a:r>
-              <a:rPr lang="en-US" smtClean="0">
-                <a:solidFill>
-                  <a:srgbClr val="002060"/>
-                </a:solidFill>
-              </a:rPr>
-              <a:t>2/20</a:t>
-            </a:r>
-          </a:p>
-        </p:txBody>
-      </p:sp>
       <p:pic>
         <p:nvPicPr>
           <p:cNvPr id="6" name="Рисунок 5"/>
@@ -13656,6 +13711,44 @@
               <a:t>.</a:t>
             </a:r>
             <a:endParaRPr lang="ru-RU" sz="3200"/>
+          </a:p>
+        </p:txBody>
+      </p:sp>
+      <p:sp>
+        <p:nvSpPr>
+          <p:cNvPr id="10" name="TextBox 9"/>
+          <p:cNvSpPr txBox="1"/>
+          <p:nvPr/>
+        </p:nvSpPr>
+        <p:spPr>
+          <a:xfrm>
+            <a:off x="8388424" y="6488668"/>
+            <a:ext cx="761747" cy="369332"/>
+          </a:xfrm>
+          <a:prstGeom prst="rect">
+            <a:avLst/>
+          </a:prstGeom>
+          <a:noFill/>
+        </p:spPr>
+        <p:txBody>
+          <a:bodyPr wrap="none" rtlCol="0">
+            <a:spAutoFit/>
+          </a:bodyPr>
+          <a:lstStyle/>
+          <a:p>
+            <a:r>
+              <a:rPr lang="en-US" smtClean="0">
+                <a:solidFill>
+                  <a:srgbClr val="002060"/>
+                </a:solidFill>
+              </a:rPr>
+              <a:t>25/31</a:t>
+            </a:r>
+            <a:endParaRPr lang="en-US" smtClean="0">
+              <a:solidFill>
+                <a:srgbClr val="002060"/>
+              </a:solidFill>
+            </a:endParaRPr>
           </a:p>
         </p:txBody>
       </p:sp>
@@ -13862,39 +13955,6 @@
           </a:p>
         </p:txBody>
       </p:sp>
-      <p:sp>
-        <p:nvSpPr>
-          <p:cNvPr id="9" name="TextBox 8"/>
-          <p:cNvSpPr txBox="1"/>
-          <p:nvPr/>
-        </p:nvSpPr>
-        <p:spPr>
-          <a:xfrm>
-            <a:off x="8479868" y="6488668"/>
-            <a:ext cx="633507" cy="369332"/>
-          </a:xfrm>
-          <a:prstGeom prst="rect">
-            <a:avLst/>
-          </a:prstGeom>
-          <a:noFill/>
-        </p:spPr>
-        <p:txBody>
-          <a:bodyPr wrap="none" rtlCol="0">
-            <a:spAutoFit/>
-          </a:bodyPr>
-          <a:lstStyle/>
-          <a:p>
-            <a:r>
-              <a:rPr lang="en-US" smtClean="0">
-                <a:solidFill>
-                  <a:srgbClr val="002060"/>
-                </a:solidFill>
-              </a:rPr>
-              <a:t>2/20</a:t>
-            </a:r>
-          </a:p>
-        </p:txBody>
-      </p:sp>
       <p:pic>
         <p:nvPicPr>
           <p:cNvPr id="6" name="Рисунок 5"/>
@@ -14032,6 +14092,44 @@
               <a:t>.</a:t>
             </a:r>
             <a:endParaRPr lang="ru-RU" sz="3200"/>
+          </a:p>
+        </p:txBody>
+      </p:sp>
+      <p:sp>
+        <p:nvSpPr>
+          <p:cNvPr id="10" name="TextBox 9"/>
+          <p:cNvSpPr txBox="1"/>
+          <p:nvPr/>
+        </p:nvSpPr>
+        <p:spPr>
+          <a:xfrm>
+            <a:off x="8388424" y="6488668"/>
+            <a:ext cx="761747" cy="369332"/>
+          </a:xfrm>
+          <a:prstGeom prst="rect">
+            <a:avLst/>
+          </a:prstGeom>
+          <a:noFill/>
+        </p:spPr>
+        <p:txBody>
+          <a:bodyPr wrap="none" rtlCol="0">
+            <a:spAutoFit/>
+          </a:bodyPr>
+          <a:lstStyle/>
+          <a:p>
+            <a:r>
+              <a:rPr lang="en-US" smtClean="0">
+                <a:solidFill>
+                  <a:srgbClr val="002060"/>
+                </a:solidFill>
+              </a:rPr>
+              <a:t>26/31</a:t>
+            </a:r>
+            <a:endParaRPr lang="en-US" smtClean="0">
+              <a:solidFill>
+                <a:srgbClr val="002060"/>
+              </a:solidFill>
+            </a:endParaRPr>
           </a:p>
         </p:txBody>
       </p:sp>
@@ -14238,39 +14336,6 @@
           </a:p>
         </p:txBody>
       </p:sp>
-      <p:sp>
-        <p:nvSpPr>
-          <p:cNvPr id="9" name="TextBox 8"/>
-          <p:cNvSpPr txBox="1"/>
-          <p:nvPr/>
-        </p:nvSpPr>
-        <p:spPr>
-          <a:xfrm>
-            <a:off x="8479868" y="6488668"/>
-            <a:ext cx="633507" cy="369332"/>
-          </a:xfrm>
-          <a:prstGeom prst="rect">
-            <a:avLst/>
-          </a:prstGeom>
-          <a:noFill/>
-        </p:spPr>
-        <p:txBody>
-          <a:bodyPr wrap="none" rtlCol="0">
-            <a:spAutoFit/>
-          </a:bodyPr>
-          <a:lstStyle/>
-          <a:p>
-            <a:r>
-              <a:rPr lang="en-US" smtClean="0">
-                <a:solidFill>
-                  <a:srgbClr val="002060"/>
-                </a:solidFill>
-              </a:rPr>
-              <a:t>2/20</a:t>
-            </a:r>
-          </a:p>
-        </p:txBody>
-      </p:sp>
       <p:pic>
         <p:nvPicPr>
           <p:cNvPr id="6" name="Рисунок 5"/>
@@ -14352,6 +14417,44 @@
               <a:t> to let collection subclasses create their own iterators.</a:t>
             </a:r>
             <a:endParaRPr lang="ru-RU" sz="3200"/>
+          </a:p>
+        </p:txBody>
+      </p:sp>
+      <p:sp>
+        <p:nvSpPr>
+          <p:cNvPr id="10" name="TextBox 9"/>
+          <p:cNvSpPr txBox="1"/>
+          <p:nvPr/>
+        </p:nvSpPr>
+        <p:spPr>
+          <a:xfrm>
+            <a:off x="8388424" y="6488668"/>
+            <a:ext cx="761747" cy="369332"/>
+          </a:xfrm>
+          <a:prstGeom prst="rect">
+            <a:avLst/>
+          </a:prstGeom>
+          <a:noFill/>
+        </p:spPr>
+        <p:txBody>
+          <a:bodyPr wrap="none" rtlCol="0">
+            <a:spAutoFit/>
+          </a:bodyPr>
+          <a:lstStyle/>
+          <a:p>
+            <a:r>
+              <a:rPr lang="en-US" smtClean="0">
+                <a:solidFill>
+                  <a:srgbClr val="002060"/>
+                </a:solidFill>
+              </a:rPr>
+              <a:t>27/31</a:t>
+            </a:r>
+            <a:endParaRPr lang="en-US" smtClean="0">
+              <a:solidFill>
+                <a:srgbClr val="002060"/>
+              </a:solidFill>
+            </a:endParaRPr>
           </a:p>
         </p:txBody>
       </p:sp>
@@ -14558,39 +14661,6 @@
           </a:p>
         </p:txBody>
       </p:sp>
-      <p:sp>
-        <p:nvSpPr>
-          <p:cNvPr id="9" name="TextBox 8"/>
-          <p:cNvSpPr txBox="1"/>
-          <p:nvPr/>
-        </p:nvSpPr>
-        <p:spPr>
-          <a:xfrm>
-            <a:off x="8479868" y="6488668"/>
-            <a:ext cx="633507" cy="369332"/>
-          </a:xfrm>
-          <a:prstGeom prst="rect">
-            <a:avLst/>
-          </a:prstGeom>
-          <a:noFill/>
-        </p:spPr>
-        <p:txBody>
-          <a:bodyPr wrap="none" rtlCol="0">
-            <a:spAutoFit/>
-          </a:bodyPr>
-          <a:lstStyle/>
-          <a:p>
-            <a:r>
-              <a:rPr lang="en-US" smtClean="0">
-                <a:solidFill>
-                  <a:srgbClr val="002060"/>
-                </a:solidFill>
-              </a:rPr>
-              <a:t>2/20</a:t>
-            </a:r>
-          </a:p>
-        </p:txBody>
-      </p:sp>
       <p:pic>
         <p:nvPicPr>
           <p:cNvPr id="6" name="Рисунок 5"/>
@@ -14676,6 +14746,44 @@
               <a:t>.</a:t>
             </a:r>
             <a:endParaRPr lang="ru-RU" sz="3200"/>
+          </a:p>
+        </p:txBody>
+      </p:sp>
+      <p:sp>
+        <p:nvSpPr>
+          <p:cNvPr id="10" name="TextBox 9"/>
+          <p:cNvSpPr txBox="1"/>
+          <p:nvPr/>
+        </p:nvSpPr>
+        <p:spPr>
+          <a:xfrm>
+            <a:off x="8388424" y="6488668"/>
+            <a:ext cx="761747" cy="369332"/>
+          </a:xfrm>
+          <a:prstGeom prst="rect">
+            <a:avLst/>
+          </a:prstGeom>
+          <a:noFill/>
+        </p:spPr>
+        <p:txBody>
+          <a:bodyPr wrap="none" rtlCol="0">
+            <a:spAutoFit/>
+          </a:bodyPr>
+          <a:lstStyle/>
+          <a:p>
+            <a:r>
+              <a:rPr lang="en-US" smtClean="0">
+                <a:solidFill>
+                  <a:srgbClr val="002060"/>
+                </a:solidFill>
+              </a:rPr>
+              <a:t>28/31</a:t>
+            </a:r>
+            <a:endParaRPr lang="en-US" smtClean="0">
+              <a:solidFill>
+                <a:srgbClr val="002060"/>
+              </a:solidFill>
+            </a:endParaRPr>
           </a:p>
         </p:txBody>
       </p:sp>
@@ -14882,39 +14990,6 @@
           </a:p>
         </p:txBody>
       </p:sp>
-      <p:sp>
-        <p:nvSpPr>
-          <p:cNvPr id="9" name="TextBox 8"/>
-          <p:cNvSpPr txBox="1"/>
-          <p:nvPr/>
-        </p:nvSpPr>
-        <p:spPr>
-          <a:xfrm>
-            <a:off x="8479868" y="6488668"/>
-            <a:ext cx="633507" cy="369332"/>
-          </a:xfrm>
-          <a:prstGeom prst="rect">
-            <a:avLst/>
-          </a:prstGeom>
-          <a:noFill/>
-        </p:spPr>
-        <p:txBody>
-          <a:bodyPr wrap="none" rtlCol="0">
-            <a:spAutoFit/>
-          </a:bodyPr>
-          <a:lstStyle/>
-          <a:p>
-            <a:r>
-              <a:rPr lang="en-US" smtClean="0">
-                <a:solidFill>
-                  <a:srgbClr val="002060"/>
-                </a:solidFill>
-              </a:rPr>
-              <a:t>2/20</a:t>
-            </a:r>
-          </a:p>
-        </p:txBody>
-      </p:sp>
       <p:pic>
         <p:nvPicPr>
           <p:cNvPr id="6" name="Рисунок 5"/>
@@ -15072,6 +15147,44 @@
                 <a:schemeClr val="accent6">
                   <a:lumMod val="75000"/>
                 </a:schemeClr>
+              </a:solidFill>
+            </a:endParaRPr>
+          </a:p>
+        </p:txBody>
+      </p:sp>
+      <p:sp>
+        <p:nvSpPr>
+          <p:cNvPr id="11" name="TextBox 10"/>
+          <p:cNvSpPr txBox="1"/>
+          <p:nvPr/>
+        </p:nvSpPr>
+        <p:spPr>
+          <a:xfrm>
+            <a:off x="8388424" y="6488668"/>
+            <a:ext cx="761747" cy="369332"/>
+          </a:xfrm>
+          <a:prstGeom prst="rect">
+            <a:avLst/>
+          </a:prstGeom>
+          <a:noFill/>
+        </p:spPr>
+        <p:txBody>
+          <a:bodyPr wrap="none" rtlCol="0">
+            <a:spAutoFit/>
+          </a:bodyPr>
+          <a:lstStyle/>
+          <a:p>
+            <a:r>
+              <a:rPr lang="en-US" smtClean="0">
+                <a:solidFill>
+                  <a:srgbClr val="002060"/>
+                </a:solidFill>
+              </a:rPr>
+              <a:t>29/31</a:t>
+            </a:r>
+            <a:endParaRPr lang="en-US" smtClean="0">
+              <a:solidFill>
+                <a:srgbClr val="002060"/>
               </a:solidFill>
             </a:endParaRPr>
           </a:p>
@@ -15360,21 +15473,18 @@
           <a:lstStyle/>
           <a:p>
             <a:r>
-              <a:rPr lang="en-US">
+              <a:rPr lang="en-US" smtClean="0">
                 <a:solidFill>
                   <a:srgbClr val="002060"/>
                 </a:solidFill>
               </a:rPr>
-              <a:t>3</a:t>
-            </a:r>
-            <a:r>
-              <a:rPr lang="en-US" smtClean="0">
-                <a:solidFill>
-                  <a:srgbClr val="002060"/>
-                </a:solidFill>
-              </a:rPr>
-              <a:t>/20</a:t>
-            </a:r>
+              <a:t>3/31</a:t>
+            </a:r>
+            <a:endParaRPr lang="en-US" smtClean="0">
+              <a:solidFill>
+                <a:srgbClr val="002060"/>
+              </a:solidFill>
+            </a:endParaRPr>
           </a:p>
         </p:txBody>
       </p:sp>
@@ -15529,39 +15639,6 @@
           </a:p>
         </p:txBody>
       </p:sp>
-      <p:sp>
-        <p:nvSpPr>
-          <p:cNvPr id="9" name="TextBox 8"/>
-          <p:cNvSpPr txBox="1"/>
-          <p:nvPr/>
-        </p:nvSpPr>
-        <p:spPr>
-          <a:xfrm>
-            <a:off x="8479868" y="6488668"/>
-            <a:ext cx="633507" cy="369332"/>
-          </a:xfrm>
-          <a:prstGeom prst="rect">
-            <a:avLst/>
-          </a:prstGeom>
-          <a:noFill/>
-        </p:spPr>
-        <p:txBody>
-          <a:bodyPr wrap="none" rtlCol="0">
-            <a:spAutoFit/>
-          </a:bodyPr>
-          <a:lstStyle/>
-          <a:p>
-            <a:r>
-              <a:rPr lang="en-US" smtClean="0">
-                <a:solidFill>
-                  <a:srgbClr val="002060"/>
-                </a:solidFill>
-              </a:rPr>
-              <a:t>2/20</a:t>
-            </a:r>
-          </a:p>
-        </p:txBody>
-      </p:sp>
       <p:pic>
         <p:nvPicPr>
           <p:cNvPr id="6" name="Рисунок 5"/>
@@ -15647,6 +15724,44 @@
               <a:t>Vlissides; Factory Method and Pattern map.</a:t>
             </a:r>
             <a:endParaRPr lang="ru-RU" sz="3200"/>
+          </a:p>
+        </p:txBody>
+      </p:sp>
+      <p:sp>
+        <p:nvSpPr>
+          <p:cNvPr id="10" name="TextBox 9"/>
+          <p:cNvSpPr txBox="1"/>
+          <p:nvPr/>
+        </p:nvSpPr>
+        <p:spPr>
+          <a:xfrm>
+            <a:off x="8388424" y="6488668"/>
+            <a:ext cx="761747" cy="369332"/>
+          </a:xfrm>
+          <a:prstGeom prst="rect">
+            <a:avLst/>
+          </a:prstGeom>
+          <a:noFill/>
+        </p:spPr>
+        <p:txBody>
+          <a:bodyPr wrap="none" rtlCol="0">
+            <a:spAutoFit/>
+          </a:bodyPr>
+          <a:lstStyle/>
+          <a:p>
+            <a:r>
+              <a:rPr lang="en-US" smtClean="0">
+                <a:solidFill>
+                  <a:srgbClr val="002060"/>
+                </a:solidFill>
+              </a:rPr>
+              <a:t>30/31</a:t>
+            </a:r>
+            <a:endParaRPr lang="en-US" smtClean="0">
+              <a:solidFill>
+                <a:srgbClr val="002060"/>
+              </a:solidFill>
+            </a:endParaRPr>
           </a:p>
         </p:txBody>
       </p:sp>
@@ -15773,39 +15888,6 @@
       </p:sp>
       <p:sp>
         <p:nvSpPr>
-          <p:cNvPr id="9" name="TextBox 8"/>
-          <p:cNvSpPr txBox="1"/>
-          <p:nvPr/>
-        </p:nvSpPr>
-        <p:spPr>
-          <a:xfrm>
-            <a:off x="8479868" y="6488668"/>
-            <a:ext cx="633507" cy="369332"/>
-          </a:xfrm>
-          <a:prstGeom prst="rect">
-            <a:avLst/>
-          </a:prstGeom>
-          <a:noFill/>
-        </p:spPr>
-        <p:txBody>
-          <a:bodyPr wrap="none" rtlCol="0">
-            <a:spAutoFit/>
-          </a:bodyPr>
-          <a:lstStyle/>
-          <a:p>
-            <a:r>
-              <a:rPr lang="en-US" smtClean="0">
-                <a:solidFill>
-                  <a:srgbClr val="002060"/>
-                </a:solidFill>
-              </a:rPr>
-              <a:t>2/20</a:t>
-            </a:r>
-          </a:p>
-        </p:txBody>
-      </p:sp>
-      <p:sp>
-        <p:nvSpPr>
           <p:cNvPr id="4" name="Заголовок 3"/>
           <p:cNvSpPr>
             <a:spLocks noGrp="1"/>
@@ -15871,6 +15953,44 @@
           </a:prstGeom>
         </p:spPr>
       </p:pic>
+      <p:sp>
+        <p:nvSpPr>
+          <p:cNvPr id="10" name="TextBox 9"/>
+          <p:cNvSpPr txBox="1"/>
+          <p:nvPr/>
+        </p:nvSpPr>
+        <p:spPr>
+          <a:xfrm>
+            <a:off x="8388424" y="6488668"/>
+            <a:ext cx="761747" cy="369332"/>
+          </a:xfrm>
+          <a:prstGeom prst="rect">
+            <a:avLst/>
+          </a:prstGeom>
+          <a:noFill/>
+        </p:spPr>
+        <p:txBody>
+          <a:bodyPr wrap="none" rtlCol="0">
+            <a:spAutoFit/>
+          </a:bodyPr>
+          <a:lstStyle/>
+          <a:p>
+            <a:r>
+              <a:rPr lang="en-US" smtClean="0">
+                <a:solidFill>
+                  <a:srgbClr val="002060"/>
+                </a:solidFill>
+              </a:rPr>
+              <a:t>31/31</a:t>
+            </a:r>
+            <a:endParaRPr lang="en-US" smtClean="0">
+              <a:solidFill>
+                <a:srgbClr val="002060"/>
+              </a:solidFill>
+            </a:endParaRPr>
+          </a:p>
+        </p:txBody>
+      </p:sp>
     </p:spTree>
     <p:extLst>
       <p:ext uri="{BB962C8B-B14F-4D97-AF65-F5344CB8AC3E}">
@@ -16075,21 +16195,18 @@
           <a:lstStyle/>
           <a:p>
             <a:r>
-              <a:rPr lang="en-US">
+              <a:rPr lang="en-US" smtClean="0">
                 <a:solidFill>
                   <a:srgbClr val="002060"/>
                 </a:solidFill>
               </a:rPr>
-              <a:t>3</a:t>
-            </a:r>
-            <a:r>
-              <a:rPr lang="en-US" smtClean="0">
-                <a:solidFill>
-                  <a:srgbClr val="002060"/>
-                </a:solidFill>
-              </a:rPr>
-              <a:t>/20</a:t>
-            </a:r>
+              <a:t>4/31</a:t>
+            </a:r>
+            <a:endParaRPr lang="en-US" smtClean="0">
+              <a:solidFill>
+                <a:srgbClr val="002060"/>
+              </a:solidFill>
+            </a:endParaRPr>
           </a:p>
         </p:txBody>
       </p:sp>
@@ -16373,21 +16490,18 @@
           <a:lstStyle/>
           <a:p>
             <a:r>
-              <a:rPr lang="en-US">
+              <a:rPr lang="en-US" smtClean="0">
                 <a:solidFill>
                   <a:srgbClr val="002060"/>
                 </a:solidFill>
               </a:rPr>
-              <a:t>3</a:t>
-            </a:r>
-            <a:r>
-              <a:rPr lang="en-US" smtClean="0">
-                <a:solidFill>
-                  <a:srgbClr val="002060"/>
-                </a:solidFill>
-              </a:rPr>
-              <a:t>/20</a:t>
-            </a:r>
+              <a:t>5/31</a:t>
+            </a:r>
+            <a:endParaRPr lang="en-US" smtClean="0">
+              <a:solidFill>
+                <a:srgbClr val="002060"/>
+              </a:solidFill>
+            </a:endParaRPr>
           </a:p>
         </p:txBody>
       </p:sp>
@@ -16716,21 +16830,18 @@
           <a:lstStyle/>
           <a:p>
             <a:r>
-              <a:rPr lang="en-US">
+              <a:rPr lang="en-US" smtClean="0">
                 <a:solidFill>
                   <a:srgbClr val="002060"/>
                 </a:solidFill>
               </a:rPr>
-              <a:t>3</a:t>
-            </a:r>
-            <a:r>
-              <a:rPr lang="en-US" smtClean="0">
-                <a:solidFill>
-                  <a:srgbClr val="002060"/>
-                </a:solidFill>
-              </a:rPr>
-              <a:t>/20</a:t>
-            </a:r>
+              <a:t>6/31</a:t>
+            </a:r>
+            <a:endParaRPr lang="en-US" smtClean="0">
+              <a:solidFill>
+                <a:srgbClr val="002060"/>
+              </a:solidFill>
+            </a:endParaRPr>
           </a:p>
         </p:txBody>
       </p:sp>
@@ -17094,21 +17205,18 @@
           <a:lstStyle/>
           <a:p>
             <a:r>
-              <a:rPr lang="en-US">
+              <a:rPr lang="en-US" smtClean="0">
                 <a:solidFill>
                   <a:srgbClr val="002060"/>
                 </a:solidFill>
               </a:rPr>
-              <a:t>4</a:t>
-            </a:r>
-            <a:r>
-              <a:rPr lang="en-US" smtClean="0">
-                <a:solidFill>
-                  <a:srgbClr val="002060"/>
-                </a:solidFill>
-              </a:rPr>
-              <a:t>/20</a:t>
-            </a:r>
+              <a:t>7/31</a:t>
+            </a:r>
+            <a:endParaRPr lang="en-US" smtClean="0">
+              <a:solidFill>
+                <a:srgbClr val="002060"/>
+              </a:solidFill>
+            </a:endParaRPr>
           </a:p>
         </p:txBody>
       </p:sp>
@@ -17401,8 +17509,13 @@
                   <a:srgbClr val="002060"/>
                 </a:solidFill>
               </a:rPr>
-              <a:t>2/20</a:t>
-            </a:r>
+              <a:t>8/31</a:t>
+            </a:r>
+            <a:endParaRPr lang="en-US" smtClean="0">
+              <a:solidFill>
+                <a:srgbClr val="002060"/>
+              </a:solidFill>
+            </a:endParaRPr>
           </a:p>
         </p:txBody>
       </p:sp>
@@ -17776,8 +17889,13 @@
                   <a:srgbClr val="002060"/>
                 </a:solidFill>
               </a:rPr>
-              <a:t>2/20</a:t>
-            </a:r>
+              <a:t>9/31</a:t>
+            </a:r>
+            <a:endParaRPr lang="en-US" smtClean="0">
+              <a:solidFill>
+                <a:srgbClr val="002060"/>
+              </a:solidFill>
+            </a:endParaRPr>
           </a:p>
         </p:txBody>
       </p:sp>

--- a/FactoryMethod/Presentation/FactoryMethod.pptx
+++ b/FactoryMethod/Presentation/FactoryMethod.pptx
@@ -5,7 +5,7 @@
     <p:sldMasterId id="2147483660" r:id="rId1"/>
   </p:sldMasterIdLst>
   <p:notesMasterIdLst>
-    <p:notesMasterId r:id="rId33"/>
+    <p:notesMasterId r:id="rId36"/>
   </p:notesMasterIdLst>
   <p:sldIdLst>
     <p:sldId id="256" r:id="rId2"/>
@@ -15,30 +15,33 @@
     <p:sldId id="271" r:id="rId6"/>
     <p:sldId id="267" r:id="rId7"/>
     <p:sldId id="260" r:id="rId8"/>
-    <p:sldId id="259" r:id="rId9"/>
-    <p:sldId id="261" r:id="rId10"/>
-    <p:sldId id="262" r:id="rId11"/>
-    <p:sldId id="263" r:id="rId12"/>
-    <p:sldId id="264" r:id="rId13"/>
-    <p:sldId id="265" r:id="rId14"/>
-    <p:sldId id="272" r:id="rId15"/>
-    <p:sldId id="268" r:id="rId16"/>
-    <p:sldId id="269" r:id="rId17"/>
-    <p:sldId id="273" r:id="rId18"/>
-    <p:sldId id="270" r:id="rId19"/>
-    <p:sldId id="274" r:id="rId20"/>
-    <p:sldId id="275" r:id="rId21"/>
-    <p:sldId id="276" r:id="rId22"/>
-    <p:sldId id="277" r:id="rId23"/>
-    <p:sldId id="278" r:id="rId24"/>
-    <p:sldId id="279" r:id="rId25"/>
-    <p:sldId id="280" r:id="rId26"/>
-    <p:sldId id="281" r:id="rId27"/>
-    <p:sldId id="282" r:id="rId28"/>
-    <p:sldId id="283" r:id="rId29"/>
-    <p:sldId id="284" r:id="rId30"/>
-    <p:sldId id="285" r:id="rId31"/>
-    <p:sldId id="286" r:id="rId32"/>
+    <p:sldId id="287" r:id="rId9"/>
+    <p:sldId id="259" r:id="rId10"/>
+    <p:sldId id="261" r:id="rId11"/>
+    <p:sldId id="262" r:id="rId12"/>
+    <p:sldId id="263" r:id="rId13"/>
+    <p:sldId id="264" r:id="rId14"/>
+    <p:sldId id="265" r:id="rId15"/>
+    <p:sldId id="272" r:id="rId16"/>
+    <p:sldId id="268" r:id="rId17"/>
+    <p:sldId id="288" r:id="rId18"/>
+    <p:sldId id="269" r:id="rId19"/>
+    <p:sldId id="273" r:id="rId20"/>
+    <p:sldId id="270" r:id="rId21"/>
+    <p:sldId id="289" r:id="rId22"/>
+    <p:sldId id="274" r:id="rId23"/>
+    <p:sldId id="275" r:id="rId24"/>
+    <p:sldId id="276" r:id="rId25"/>
+    <p:sldId id="277" r:id="rId26"/>
+    <p:sldId id="278" r:id="rId27"/>
+    <p:sldId id="279" r:id="rId28"/>
+    <p:sldId id="280" r:id="rId29"/>
+    <p:sldId id="281" r:id="rId30"/>
+    <p:sldId id="282" r:id="rId31"/>
+    <p:sldId id="283" r:id="rId32"/>
+    <p:sldId id="284" r:id="rId33"/>
+    <p:sldId id="285" r:id="rId34"/>
+    <p:sldId id="286" r:id="rId35"/>
   </p:sldIdLst>
   <p:sldSz cx="9144000" cy="6858000" type="screen4x3"/>
   <p:notesSz cx="6858000" cy="9144000"/>
@@ -719,8 +722,45 @@
           <a:lstStyle/>
           <a:p>
             <a:r>
+              <a:rPr lang="uk-UA" smtClean="0"/>
+              <a:t>Щоб ця система працювала,</a:t>
+            </a:r>
+            <a:r>
+              <a:rPr lang="uk-UA" baseline="0" smtClean="0"/>
+              <a:t> усі створювані продукти повинні мати спільний інтерфейс.</a:t>
+            </a:r>
+          </a:p>
+          <a:p>
+            <a:endParaRPr lang="uk-UA" baseline="0" smtClean="0"/>
+          </a:p>
+          <a:p>
+            <a:r>
+              <a:rPr lang="uk-UA" baseline="0" smtClean="0"/>
+              <a:t>Класи </a:t>
+            </a:r>
+            <a:r>
+              <a:rPr lang="uk-UA" i="1" baseline="0" smtClean="0"/>
+              <a:t>Вантажна машина</a:t>
+            </a:r>
+            <a:r>
               <a:rPr lang="uk-UA" i="0" baseline="0" smtClean="0"/>
-              <a:t>Оскільки усі продукти реалізують спільний інтерфейс, їх об’єкти можна взаємозамінювати у клієнтському коді. Буде важливо, щоб у продукту був метод </a:t>
+              <a:t> і </a:t>
+            </a:r>
+            <a:r>
+              <a:rPr lang="uk-UA" i="1" baseline="0" smtClean="0"/>
+              <a:t>Судно</a:t>
+            </a:r>
+            <a:r>
+              <a:rPr lang="uk-UA" i="0" baseline="0" smtClean="0"/>
+              <a:t> реалізують інтерфейс </a:t>
+            </a:r>
+            <a:r>
+              <a:rPr lang="uk-UA" i="1" baseline="0" smtClean="0"/>
+              <a:t>Транспорт  </a:t>
+            </a:r>
+            <a:r>
+              <a:rPr lang="uk-UA" i="0" baseline="0" smtClean="0"/>
+              <a:t>з методом </a:t>
             </a:r>
             <a:r>
               <a:rPr lang="uk-UA" i="1" baseline="0" smtClean="0"/>
@@ -728,7 +768,82 @@
             </a:r>
             <a:r>
               <a:rPr lang="uk-UA" i="0" baseline="0" smtClean="0"/>
-              <a:t>, а як він реалізований – не має значення.</a:t>
+              <a:t>. Кожен з них реалізує його по-своєму: </a:t>
+            </a:r>
+            <a:r>
+              <a:rPr lang="uk-UA" i="1" baseline="0" smtClean="0"/>
+              <a:t>Вантажна машина </a:t>
+            </a:r>
+            <a:r>
+              <a:rPr lang="uk-UA" i="0" baseline="0" smtClean="0"/>
+              <a:t>везе вантаж по дорозі, а </a:t>
+            </a:r>
+            <a:r>
+              <a:rPr lang="uk-UA" i="1" baseline="0" smtClean="0"/>
+              <a:t>Судно</a:t>
+            </a:r>
+            <a:r>
+              <a:rPr lang="uk-UA" i="0" baseline="0" smtClean="0"/>
+              <a:t> – по морю.</a:t>
+            </a:r>
+          </a:p>
+          <a:p>
+            <a:endParaRPr lang="uk-UA" i="0" baseline="0" smtClean="0"/>
+          </a:p>
+          <a:p>
+            <a:r>
+              <a:rPr lang="uk-UA" i="1" baseline="0" smtClean="0"/>
+              <a:t>Фабричний метод</a:t>
+            </a:r>
+            <a:r>
+              <a:rPr lang="uk-UA" i="0" baseline="0" smtClean="0"/>
+              <a:t> в класі </a:t>
+            </a:r>
+            <a:r>
+              <a:rPr lang="uk-UA" i="1" baseline="0" smtClean="0"/>
+              <a:t>Дорожньої логістики</a:t>
+            </a:r>
+            <a:r>
+              <a:rPr lang="uk-UA" i="0" baseline="0" smtClean="0"/>
+              <a:t> повертатиме </a:t>
+            </a:r>
+            <a:r>
+              <a:rPr lang="uk-UA" i="1" baseline="0" smtClean="0"/>
+              <a:t>Вантажну машину</a:t>
+            </a:r>
+            <a:r>
+              <a:rPr lang="uk-UA" i="0" baseline="0" smtClean="0"/>
+              <a:t>, а клас </a:t>
+            </a:r>
+            <a:r>
+              <a:rPr lang="uk-UA" i="1" baseline="0" smtClean="0"/>
+              <a:t>Морської логістики </a:t>
+            </a:r>
+            <a:r>
+              <a:rPr lang="uk-UA" i="0" baseline="0" smtClean="0"/>
+              <a:t> - </a:t>
+            </a:r>
+            <a:r>
+              <a:rPr lang="uk-UA" i="1" baseline="0" smtClean="0"/>
+              <a:t>Судно</a:t>
+            </a:r>
+            <a:r>
+              <a:rPr lang="uk-UA" i="0" baseline="0" smtClean="0"/>
+              <a:t>.</a:t>
+            </a:r>
+          </a:p>
+          <a:p>
+            <a:r>
+              <a:rPr lang="uk-UA" i="0" baseline="0" smtClean="0"/>
+              <a:t>Для клієнта фабричного методу не буде різниці між цими об’єктами, він буде трактувати їх як абстрактний </a:t>
+            </a:r>
+            <a:r>
+              <a:rPr lang="uk-UA" i="1" baseline="0" smtClean="0"/>
+              <a:t>Транспорт</a:t>
+            </a:r>
+            <a:r>
+              <a:rPr lang="uk-UA" i="0" baseline="0" smtClean="0"/>
+              <a:t>.</a:t>
             </a:r>
           </a:p>
         </p:txBody>
@@ -813,273 +928,18 @@
           <a:bodyPr/>
           <a:lstStyle/>
           <a:p>
-            <a:pPr marL="228600" indent="-228600">
-              <a:buAutoNum type="arabicPeriod"/>
-            </a:pPr>
-            <a:r>
-              <a:rPr lang="uk-UA" sz="1200" b="0" i="1" u="none" strike="noStrike" kern="1200" baseline="0" smtClean="0">
-                <a:solidFill>
-                  <a:schemeClr val="tx1"/>
-                </a:solidFill>
-                <a:latin typeface="+mn-lt"/>
-                <a:ea typeface="+mn-ea"/>
-                <a:cs typeface="+mn-cs"/>
-              </a:rPr>
-              <a:t>Продукт</a:t>
-            </a:r>
-            <a:r>
-              <a:rPr lang="uk-UA" sz="1200" b="0" i="0" u="none" strike="noStrike" kern="1200" baseline="0" smtClean="0">
-                <a:solidFill>
-                  <a:schemeClr val="tx1"/>
-                </a:solidFill>
-                <a:latin typeface="+mn-lt"/>
-                <a:ea typeface="+mn-ea"/>
-                <a:cs typeface="+mn-cs"/>
-              </a:rPr>
-              <a:t> визначає спільний інтерфейс об’єктів, які може створювати </a:t>
-            </a:r>
-            <a:r>
-              <a:rPr lang="uk-UA" sz="1200" b="0" i="1" u="none" strike="noStrike" kern="1200" baseline="0" smtClean="0">
-                <a:solidFill>
-                  <a:schemeClr val="tx1"/>
-                </a:solidFill>
-                <a:latin typeface="+mn-lt"/>
-                <a:ea typeface="+mn-ea"/>
-                <a:cs typeface="+mn-cs"/>
-              </a:rPr>
-              <a:t>Творець </a:t>
-            </a:r>
-            <a:r>
-              <a:rPr lang="uk-UA" sz="1200" b="0" i="0" u="none" strike="noStrike" kern="1200" baseline="0" smtClean="0">
-                <a:solidFill>
-                  <a:schemeClr val="tx1"/>
-                </a:solidFill>
-                <a:latin typeface="+mn-lt"/>
-                <a:ea typeface="+mn-ea"/>
-                <a:cs typeface="+mn-cs"/>
-              </a:rPr>
-              <a:t>і його підкласи.</a:t>
-            </a:r>
-          </a:p>
-          <a:p>
-            <a:pPr marL="228600" indent="-228600">
-              <a:buAutoNum type="arabicPeriod"/>
-            </a:pPr>
-            <a:endParaRPr lang="uk-UA" sz="1200" b="0" i="0" u="none" strike="noStrike" kern="1200" baseline="0" smtClean="0">
-              <a:solidFill>
-                <a:schemeClr val="tx1"/>
-              </a:solidFill>
-              <a:latin typeface="+mn-lt"/>
-              <a:ea typeface="+mn-ea"/>
-              <a:cs typeface="+mn-cs"/>
-            </a:endParaRPr>
-          </a:p>
-          <a:p>
-            <a:pPr marL="228600" indent="-228600">
-              <a:buAutoNum type="arabicPeriod"/>
-            </a:pPr>
-            <a:r>
-              <a:rPr lang="uk-UA" sz="1200" b="0" i="1" u="none" strike="noStrike" kern="1200" baseline="0" smtClean="0">
-                <a:solidFill>
-                  <a:schemeClr val="tx1"/>
-                </a:solidFill>
-                <a:latin typeface="+mn-lt"/>
-                <a:ea typeface="+mn-ea"/>
-                <a:cs typeface="+mn-cs"/>
-              </a:rPr>
-              <a:t>Конкретні продукти</a:t>
-            </a:r>
-            <a:r>
-              <a:rPr lang="uk-UA" sz="1200" b="0" i="0" u="none" strike="noStrike" kern="1200" baseline="0" smtClean="0">
-                <a:solidFill>
-                  <a:schemeClr val="tx1"/>
-                </a:solidFill>
-                <a:latin typeface="+mn-lt"/>
-                <a:ea typeface="+mn-ea"/>
-                <a:cs typeface="+mn-cs"/>
-              </a:rPr>
-              <a:t> містять код разних продуктів. Продукти відрізнятимуться реалізацією, але інтерфейс у них буде спільним.</a:t>
-            </a:r>
-          </a:p>
-          <a:p>
-            <a:pPr marL="228600" indent="-228600">
-              <a:buAutoNum type="arabicPeriod"/>
-            </a:pPr>
-            <a:endParaRPr lang="uk-UA" sz="1200" b="0" i="0" u="none" strike="noStrike" kern="1200" baseline="0" smtClean="0">
-              <a:solidFill>
-                <a:schemeClr val="tx1"/>
-              </a:solidFill>
-              <a:latin typeface="+mn-lt"/>
-              <a:ea typeface="+mn-ea"/>
-              <a:cs typeface="+mn-cs"/>
-            </a:endParaRPr>
-          </a:p>
-          <a:p>
-            <a:pPr marL="228600" indent="-228600">
-              <a:buAutoNum type="arabicPeriod"/>
-            </a:pPr>
-            <a:r>
-              <a:rPr lang="uk-UA" sz="1200" b="0" i="1" u="none" strike="noStrike" kern="1200" baseline="0" smtClean="0">
-                <a:solidFill>
-                  <a:schemeClr val="tx1"/>
-                </a:solidFill>
-                <a:latin typeface="+mn-lt"/>
-                <a:ea typeface="+mn-ea"/>
-                <a:cs typeface="+mn-cs"/>
-              </a:rPr>
-              <a:t>Творець </a:t>
-            </a:r>
-            <a:r>
-              <a:rPr lang="uk-UA" sz="1200" b="0" i="0" u="none" strike="noStrike" kern="1200" baseline="0" smtClean="0">
-                <a:solidFill>
-                  <a:schemeClr val="tx1"/>
-                </a:solidFill>
-                <a:latin typeface="+mn-lt"/>
-                <a:ea typeface="+mn-ea"/>
-                <a:cs typeface="+mn-cs"/>
-              </a:rPr>
-              <a:t>визначає фабричний метод, який створюватиме об’єкти через спільний інтерфейс продуктів. </a:t>
-            </a:r>
-          </a:p>
-          <a:p>
-            <a:pPr marL="0" indent="0">
-              <a:buNone/>
-            </a:pPr>
-            <a:r>
-              <a:rPr lang="uk-UA" sz="1200" b="0" i="0" u="none" strike="noStrike" kern="1200" baseline="0" smtClean="0">
-                <a:solidFill>
-                  <a:schemeClr val="tx1"/>
-                </a:solidFill>
-                <a:latin typeface="+mn-lt"/>
-                <a:ea typeface="+mn-ea"/>
-                <a:cs typeface="+mn-cs"/>
-              </a:rPr>
-              <a:t>Часто фабричний метод є абстрактним, щоб змусити усі підкласси реалізовувати його по-своєму. Хоча, він може повертати певний продукт за замовчуванням.</a:t>
-            </a:r>
-          </a:p>
-          <a:p>
-            <a:pPr marL="0" indent="0">
-              <a:buNone/>
-            </a:pPr>
-            <a:r>
-              <a:rPr lang="uk-UA" sz="1200" b="0" i="0" u="none" strike="noStrike" kern="1200" baseline="0" smtClean="0">
-                <a:solidFill>
-                  <a:schemeClr val="tx1"/>
-                </a:solidFill>
-                <a:latin typeface="+mn-lt"/>
-                <a:ea typeface="+mn-ea"/>
-                <a:cs typeface="+mn-cs"/>
-              </a:rPr>
-              <a:t>Незважаючи на назву, створення продуктів не є основною і єдиною функцією творця. Зазвичай він мість й інший корисний код для роботи з продуктом. Наприклад, велика </a:t>
-            </a:r>
-            <a:r>
-              <a:rPr lang="en-US" sz="1200" b="0" i="0" u="none" strike="noStrike" kern="1200" baseline="0" smtClean="0">
-                <a:solidFill>
-                  <a:schemeClr val="tx1"/>
-                </a:solidFill>
-                <a:latin typeface="+mn-lt"/>
-                <a:ea typeface="+mn-ea"/>
-                <a:cs typeface="+mn-cs"/>
-              </a:rPr>
-              <a:t>IT</a:t>
-            </a:r>
-            <a:r>
-              <a:rPr lang="uk-UA" sz="1200" b="0" i="0" u="none" strike="noStrike" kern="1200" baseline="0" smtClean="0">
-                <a:solidFill>
-                  <a:schemeClr val="tx1"/>
-                </a:solidFill>
-                <a:latin typeface="+mn-lt"/>
-                <a:ea typeface="+mn-ea"/>
-                <a:cs typeface="+mn-cs"/>
-              </a:rPr>
-              <a:t>-компанія може мати центр підготовки програмістів, але основна задача компанії – писати програми, а не готувати програмістів.</a:t>
-            </a:r>
-          </a:p>
-          <a:p>
-            <a:pPr marL="0" indent="0">
-              <a:buNone/>
-            </a:pPr>
-            <a:endParaRPr lang="uk-UA" sz="1200" b="0" i="1" u="none" strike="noStrike" kern="1200" baseline="0" smtClean="0">
-              <a:solidFill>
-                <a:schemeClr val="tx1"/>
-              </a:solidFill>
-              <a:latin typeface="+mn-lt"/>
-              <a:ea typeface="+mn-ea"/>
-              <a:cs typeface="+mn-cs"/>
-            </a:endParaRPr>
-          </a:p>
-          <a:p>
-            <a:pPr marL="0" indent="0">
-              <a:buNone/>
-            </a:pPr>
-            <a:r>
-              <a:rPr lang="uk-UA" sz="1200" b="0" i="1" u="none" strike="noStrike" kern="1200" baseline="0" smtClean="0">
-                <a:solidFill>
-                  <a:schemeClr val="tx1"/>
-                </a:solidFill>
-                <a:latin typeface="+mn-lt"/>
-                <a:ea typeface="+mn-ea"/>
-                <a:cs typeface="+mn-cs"/>
-              </a:rPr>
-              <a:t>4.</a:t>
-            </a:r>
-            <a:r>
-              <a:rPr lang="uk-UA" sz="1200" b="0" i="0" u="none" strike="noStrike" kern="1200" baseline="0" smtClean="0">
-                <a:solidFill>
-                  <a:schemeClr val="tx1"/>
-                </a:solidFill>
-                <a:latin typeface="+mn-lt"/>
-                <a:ea typeface="+mn-ea"/>
-                <a:cs typeface="+mn-cs"/>
-              </a:rPr>
-              <a:t> </a:t>
-            </a:r>
-            <a:r>
-              <a:rPr lang="uk-UA" sz="1200" b="0" i="1" u="none" strike="noStrike" kern="1200" baseline="0" smtClean="0">
-                <a:solidFill>
-                  <a:schemeClr val="tx1"/>
-                </a:solidFill>
-                <a:latin typeface="+mn-lt"/>
-                <a:ea typeface="+mn-ea"/>
-                <a:cs typeface="+mn-cs"/>
-              </a:rPr>
-              <a:t>Конкретні творці</a:t>
-            </a:r>
-            <a:r>
-              <a:rPr lang="uk-UA" sz="1200" b="0" i="0" u="none" strike="noStrike" kern="1200" baseline="0" smtClean="0">
-                <a:solidFill>
-                  <a:schemeClr val="tx1"/>
-                </a:solidFill>
-                <a:latin typeface="+mn-lt"/>
-                <a:ea typeface="+mn-ea"/>
-                <a:cs typeface="+mn-cs"/>
-              </a:rPr>
-              <a:t> по-своєму реалізують фабричний метод, виготовляючи ті чи інші конкретні продукти. </a:t>
-            </a:r>
-          </a:p>
-          <a:p>
-            <a:pPr marL="0" indent="0">
-              <a:buNone/>
-            </a:pPr>
-            <a:r>
-              <a:rPr lang="uk-UA" sz="1200" b="0" i="0" u="none" strike="noStrike" kern="1200" baseline="0" smtClean="0">
-                <a:solidFill>
-                  <a:schemeClr val="tx1"/>
-                </a:solidFill>
-                <a:latin typeface="+mn-lt"/>
-                <a:ea typeface="+mn-ea"/>
-                <a:cs typeface="+mn-cs"/>
-              </a:rPr>
-              <a:t>До того ж, фабричний метод не зобов’язаний завжди створювати нові об’єкти. Його можна переписати так, щоб він брав вже наявні об’єкти з певного сховища або кешу.</a:t>
-            </a:r>
-            <a:endParaRPr lang="en-US" sz="1200" b="0" i="1" u="none" strike="noStrike" kern="1200" baseline="0" smtClean="0">
-              <a:solidFill>
-                <a:schemeClr val="tx1"/>
-              </a:solidFill>
-              <a:latin typeface="+mn-lt"/>
-              <a:ea typeface="+mn-ea"/>
-              <a:cs typeface="+mn-cs"/>
-            </a:endParaRPr>
+            <a:r>
+              <a:rPr lang="uk-UA" i="0" baseline="0" smtClean="0"/>
+              <a:t>Оскільки усі продукти реалізують спільний інтерфейс, їх об’єкти можна взаємозамінювати у клієнтському коді. Буде важливо, щоб у продукту був метод </a:t>
+            </a:r>
+            <a:r>
+              <a:rPr lang="uk-UA" i="1" baseline="0" smtClean="0"/>
+              <a:t>доставити</a:t>
+            </a:r>
+            <a:r>
+              <a:rPr lang="uk-UA" i="0" baseline="0" smtClean="0"/>
+              <a:t>, а як він реалізований – не має значення.</a:t>
+            </a:r>
           </a:p>
         </p:txBody>
       </p:sp>
@@ -1166,6 +1026,262 @@
             <a:pPr marL="228600" indent="-228600">
               <a:buAutoNum type="arabicPeriod"/>
             </a:pPr>
+            <a:r>
+              <a:rPr lang="uk-UA" sz="1200" b="0" i="1" u="none" strike="noStrike" kern="1200" baseline="0" smtClean="0">
+                <a:solidFill>
+                  <a:schemeClr val="tx1"/>
+                </a:solidFill>
+                <a:latin typeface="+mn-lt"/>
+                <a:ea typeface="+mn-ea"/>
+                <a:cs typeface="+mn-cs"/>
+              </a:rPr>
+              <a:t>Продукт</a:t>
+            </a:r>
+            <a:r>
+              <a:rPr lang="uk-UA" sz="1200" b="0" i="0" u="none" strike="noStrike" kern="1200" baseline="0" smtClean="0">
+                <a:solidFill>
+                  <a:schemeClr val="tx1"/>
+                </a:solidFill>
+                <a:latin typeface="+mn-lt"/>
+                <a:ea typeface="+mn-ea"/>
+                <a:cs typeface="+mn-cs"/>
+              </a:rPr>
+              <a:t> визначає спільний інтерфейс об’єктів, які може створювати </a:t>
+            </a:r>
+            <a:r>
+              <a:rPr lang="uk-UA" sz="1200" b="0" i="1" u="none" strike="noStrike" kern="1200" baseline="0" smtClean="0">
+                <a:solidFill>
+                  <a:schemeClr val="tx1"/>
+                </a:solidFill>
+                <a:latin typeface="+mn-lt"/>
+                <a:ea typeface="+mn-ea"/>
+                <a:cs typeface="+mn-cs"/>
+              </a:rPr>
+              <a:t>Творець </a:t>
+            </a:r>
+            <a:r>
+              <a:rPr lang="uk-UA" sz="1200" b="0" i="0" u="none" strike="noStrike" kern="1200" baseline="0" smtClean="0">
+                <a:solidFill>
+                  <a:schemeClr val="tx1"/>
+                </a:solidFill>
+                <a:latin typeface="+mn-lt"/>
+                <a:ea typeface="+mn-ea"/>
+                <a:cs typeface="+mn-cs"/>
+              </a:rPr>
+              <a:t>і його підкласи.</a:t>
+            </a:r>
+          </a:p>
+          <a:p>
+            <a:pPr marL="228600" indent="-228600">
+              <a:buAutoNum type="arabicPeriod"/>
+            </a:pPr>
+            <a:endParaRPr lang="uk-UA" sz="1200" b="0" i="0" u="none" strike="noStrike" kern="1200" baseline="0" smtClean="0">
+              <a:solidFill>
+                <a:schemeClr val="tx1"/>
+              </a:solidFill>
+              <a:latin typeface="+mn-lt"/>
+              <a:ea typeface="+mn-ea"/>
+              <a:cs typeface="+mn-cs"/>
+            </a:endParaRPr>
+          </a:p>
+          <a:p>
+            <a:pPr marL="228600" indent="-228600">
+              <a:buAutoNum type="arabicPeriod"/>
+            </a:pPr>
+            <a:r>
+              <a:rPr lang="uk-UA" sz="1200" b="0" i="1" u="none" strike="noStrike" kern="1200" baseline="0" smtClean="0">
+                <a:solidFill>
+                  <a:schemeClr val="tx1"/>
+                </a:solidFill>
+                <a:latin typeface="+mn-lt"/>
+                <a:ea typeface="+mn-ea"/>
+                <a:cs typeface="+mn-cs"/>
+              </a:rPr>
+              <a:t>Конкретні продукти</a:t>
+            </a:r>
+            <a:r>
+              <a:rPr lang="uk-UA" sz="1200" b="0" i="0" u="none" strike="noStrike" kern="1200" baseline="0" smtClean="0">
+                <a:solidFill>
+                  <a:schemeClr val="tx1"/>
+                </a:solidFill>
+                <a:latin typeface="+mn-lt"/>
+                <a:ea typeface="+mn-ea"/>
+                <a:cs typeface="+mn-cs"/>
+              </a:rPr>
+              <a:t> містять код разних продуктів. Продукти відрізнятимуться реалізацією, але інтерфейс у них буде спільним.</a:t>
+            </a:r>
+          </a:p>
+          <a:p>
+            <a:pPr marL="228600" indent="-228600">
+              <a:buAutoNum type="arabicPeriod"/>
+            </a:pPr>
+            <a:endParaRPr lang="uk-UA" sz="1200" b="0" i="0" u="none" strike="noStrike" kern="1200" baseline="0" smtClean="0">
+              <a:solidFill>
+                <a:schemeClr val="tx1"/>
+              </a:solidFill>
+              <a:latin typeface="+mn-lt"/>
+              <a:ea typeface="+mn-ea"/>
+              <a:cs typeface="+mn-cs"/>
+            </a:endParaRPr>
+          </a:p>
+          <a:p>
+            <a:pPr marL="228600" indent="-228600">
+              <a:buAutoNum type="arabicPeriod"/>
+            </a:pPr>
+            <a:r>
+              <a:rPr lang="uk-UA" sz="1200" b="0" i="1" u="none" strike="noStrike" kern="1200" baseline="0" smtClean="0">
+                <a:solidFill>
+                  <a:schemeClr val="tx1"/>
+                </a:solidFill>
+                <a:latin typeface="+mn-lt"/>
+                <a:ea typeface="+mn-ea"/>
+                <a:cs typeface="+mn-cs"/>
+              </a:rPr>
+              <a:t>Творець </a:t>
+            </a:r>
+            <a:r>
+              <a:rPr lang="uk-UA" sz="1200" b="0" i="0" u="none" strike="noStrike" kern="1200" baseline="0" smtClean="0">
+                <a:solidFill>
+                  <a:schemeClr val="tx1"/>
+                </a:solidFill>
+                <a:latin typeface="+mn-lt"/>
+                <a:ea typeface="+mn-ea"/>
+                <a:cs typeface="+mn-cs"/>
+              </a:rPr>
+              <a:t>визначає фабричний метод, який створюватиме об’єкти через спільний інтерфейс продуктів. </a:t>
+            </a:r>
+          </a:p>
+          <a:p>
+            <a:pPr marL="0" indent="0">
+              <a:buNone/>
+            </a:pPr>
+            <a:r>
+              <a:rPr lang="uk-UA" sz="1200" b="0" i="0" u="none" strike="noStrike" kern="1200" baseline="0" smtClean="0">
+                <a:solidFill>
+                  <a:schemeClr val="tx1"/>
+                </a:solidFill>
+                <a:latin typeface="+mn-lt"/>
+                <a:ea typeface="+mn-ea"/>
+                <a:cs typeface="+mn-cs"/>
+              </a:rPr>
+              <a:t>Часто фабричний метод є абстрактним, щоб змусити усі підкласси реалізовувати його по-своєму. Хоча, він може повертати певний продукт за замовчуванням.</a:t>
+            </a:r>
+          </a:p>
+          <a:p>
+            <a:pPr marL="0" indent="0">
+              <a:buNone/>
+            </a:pPr>
+            <a:r>
+              <a:rPr lang="uk-UA" sz="1200" b="0" i="0" u="none" strike="noStrike" kern="1200" baseline="0" smtClean="0">
+                <a:solidFill>
+                  <a:schemeClr val="tx1"/>
+                </a:solidFill>
+                <a:latin typeface="+mn-lt"/>
+                <a:ea typeface="+mn-ea"/>
+                <a:cs typeface="+mn-cs"/>
+              </a:rPr>
+              <a:t>Незважаючи на назву, створення продуктів не є основною і єдиною функцією творця. Зазвичай він мість й інший корисний код для роботи з продуктом. Наприклад, велика </a:t>
+            </a:r>
+            <a:r>
+              <a:rPr lang="en-US" sz="1200" b="0" i="0" u="none" strike="noStrike" kern="1200" baseline="0" smtClean="0">
+                <a:solidFill>
+                  <a:schemeClr val="tx1"/>
+                </a:solidFill>
+                <a:latin typeface="+mn-lt"/>
+                <a:ea typeface="+mn-ea"/>
+                <a:cs typeface="+mn-cs"/>
+              </a:rPr>
+              <a:t>IT</a:t>
+            </a:r>
+            <a:r>
+              <a:rPr lang="uk-UA" sz="1200" b="0" i="0" u="none" strike="noStrike" kern="1200" baseline="0" smtClean="0">
+                <a:solidFill>
+                  <a:schemeClr val="tx1"/>
+                </a:solidFill>
+                <a:latin typeface="+mn-lt"/>
+                <a:ea typeface="+mn-ea"/>
+                <a:cs typeface="+mn-cs"/>
+              </a:rPr>
+              <a:t>-компанія може мати центр підготовки програмістів, але основна задача компанії – писати програми, а не готувати програмістів.</a:t>
+            </a:r>
+          </a:p>
+          <a:p>
+            <a:pPr marL="0" indent="0">
+              <a:buNone/>
+            </a:pPr>
+            <a:endParaRPr lang="uk-UA" sz="1200" b="0" i="1" u="none" strike="noStrike" kern="1200" baseline="0" smtClean="0">
+              <a:solidFill>
+                <a:schemeClr val="tx1"/>
+              </a:solidFill>
+              <a:latin typeface="+mn-lt"/>
+              <a:ea typeface="+mn-ea"/>
+              <a:cs typeface="+mn-cs"/>
+            </a:endParaRPr>
+          </a:p>
+          <a:p>
+            <a:pPr marL="0" indent="0">
+              <a:buNone/>
+            </a:pPr>
+            <a:r>
+              <a:rPr lang="uk-UA" sz="1200" b="0" i="1" u="none" strike="noStrike" kern="1200" baseline="0" smtClean="0">
+                <a:solidFill>
+                  <a:schemeClr val="tx1"/>
+                </a:solidFill>
+                <a:latin typeface="+mn-lt"/>
+                <a:ea typeface="+mn-ea"/>
+                <a:cs typeface="+mn-cs"/>
+              </a:rPr>
+              <a:t>4.</a:t>
+            </a:r>
+            <a:r>
+              <a:rPr lang="uk-UA" sz="1200" b="0" i="0" u="none" strike="noStrike" kern="1200" baseline="0" smtClean="0">
+                <a:solidFill>
+                  <a:schemeClr val="tx1"/>
+                </a:solidFill>
+                <a:latin typeface="+mn-lt"/>
+                <a:ea typeface="+mn-ea"/>
+                <a:cs typeface="+mn-cs"/>
+              </a:rPr>
+              <a:t> </a:t>
+            </a:r>
+            <a:r>
+              <a:rPr lang="uk-UA" sz="1200" b="0" i="1" u="none" strike="noStrike" kern="1200" baseline="0" smtClean="0">
+                <a:solidFill>
+                  <a:schemeClr val="tx1"/>
+                </a:solidFill>
+                <a:latin typeface="+mn-lt"/>
+                <a:ea typeface="+mn-ea"/>
+                <a:cs typeface="+mn-cs"/>
+              </a:rPr>
+              <a:t>Конкретні творці</a:t>
+            </a:r>
+            <a:r>
+              <a:rPr lang="uk-UA" sz="1200" b="0" i="0" u="none" strike="noStrike" kern="1200" baseline="0" smtClean="0">
+                <a:solidFill>
+                  <a:schemeClr val="tx1"/>
+                </a:solidFill>
+                <a:latin typeface="+mn-lt"/>
+                <a:ea typeface="+mn-ea"/>
+                <a:cs typeface="+mn-cs"/>
+              </a:rPr>
+              <a:t> по-своєму реалізують фабричний метод, виготовляючи ті чи інші конкретні продукти. </a:t>
+            </a:r>
+          </a:p>
+          <a:p>
+            <a:pPr marL="0" indent="0">
+              <a:buNone/>
+            </a:pPr>
+            <a:r>
+              <a:rPr lang="uk-UA" sz="1200" b="0" i="0" u="none" strike="noStrike" kern="1200" baseline="0" smtClean="0">
+                <a:solidFill>
+                  <a:schemeClr val="tx1"/>
+                </a:solidFill>
+                <a:latin typeface="+mn-lt"/>
+                <a:ea typeface="+mn-ea"/>
+                <a:cs typeface="+mn-cs"/>
+              </a:rPr>
+              <a:t>До того ж, фабричний метод не зобов’язаний завжди створювати нові об’єкти. Його можна переписати так, щоб він брав вже наявні об’єкти з певного сховища або кешу.</a:t>
+            </a:r>
             <a:endParaRPr lang="en-US" sz="1200" b="0" i="1" u="none" strike="noStrike" kern="1200" baseline="0" smtClean="0">
               <a:solidFill>
                 <a:schemeClr val="tx1"/>
@@ -1730,160 +1846,6 @@
             <a:pPr marL="228600" indent="-228600">
               <a:buAutoNum type="arabicPeriod"/>
             </a:pPr>
-            <a:r>
-              <a:rPr lang="uk-UA" sz="1200" b="0" i="1" u="none" strike="noStrike" kern="1200" baseline="0" smtClean="0">
-                <a:solidFill>
-                  <a:schemeClr val="tx1"/>
-                </a:solidFill>
-                <a:latin typeface="+mn-lt"/>
-                <a:ea typeface="+mn-ea"/>
-                <a:cs typeface="+mn-cs"/>
-              </a:rPr>
-              <a:t>Фабричний метод</a:t>
-            </a:r>
-            <a:r>
-              <a:rPr lang="uk-UA" sz="1200" b="0" i="0" u="none" strike="noStrike" kern="1200" baseline="0" smtClean="0">
-                <a:solidFill>
-                  <a:schemeClr val="tx1"/>
-                </a:solidFill>
-                <a:latin typeface="+mn-lt"/>
-                <a:ea typeface="+mn-ea"/>
-                <a:cs typeface="+mn-cs"/>
-              </a:rPr>
-              <a:t> – </a:t>
-            </a:r>
-            <a:r>
-              <a:rPr lang="uk-UA" sz="1200" b="0" i="1" u="none" strike="noStrike" kern="1200" baseline="0" smtClean="0">
-                <a:solidFill>
-                  <a:schemeClr val="tx1"/>
-                </a:solidFill>
-                <a:latin typeface="+mn-lt"/>
-                <a:ea typeface="+mn-ea"/>
-                <a:cs typeface="+mn-cs"/>
-              </a:rPr>
-              <a:t>породжуючий</a:t>
-            </a:r>
-            <a:r>
-              <a:rPr lang="uk-UA" sz="1200" b="0" i="0" u="none" strike="noStrike" kern="1200" baseline="0" smtClean="0">
-                <a:solidFill>
-                  <a:schemeClr val="tx1"/>
-                </a:solidFill>
-                <a:latin typeface="+mn-lt"/>
-                <a:ea typeface="+mn-ea"/>
-                <a:cs typeface="+mn-cs"/>
-              </a:rPr>
-              <a:t> патерн проектування, який визначає </a:t>
-            </a:r>
-            <a:r>
-              <a:rPr lang="uk-UA" sz="1200" b="0" i="1" u="none" strike="noStrike" kern="1200" baseline="0" smtClean="0">
-                <a:solidFill>
-                  <a:schemeClr val="tx1"/>
-                </a:solidFill>
-                <a:latin typeface="+mn-lt"/>
-                <a:ea typeface="+mn-ea"/>
-                <a:cs typeface="+mn-cs"/>
-              </a:rPr>
-              <a:t>спільний</a:t>
-            </a:r>
-            <a:r>
-              <a:rPr lang="uk-UA" sz="1200" b="0" i="0" u="none" strike="noStrike" kern="1200" baseline="0" smtClean="0">
-                <a:solidFill>
-                  <a:schemeClr val="tx1"/>
-                </a:solidFill>
-                <a:latin typeface="+mn-lt"/>
-                <a:ea typeface="+mn-ea"/>
-                <a:cs typeface="+mn-cs"/>
-              </a:rPr>
-              <a:t> </a:t>
-            </a:r>
-            <a:r>
-              <a:rPr lang="uk-UA" sz="1200" b="0" i="1" u="none" strike="noStrike" kern="1200" baseline="0" smtClean="0">
-                <a:solidFill>
-                  <a:schemeClr val="tx1"/>
-                </a:solidFill>
-                <a:latin typeface="+mn-lt"/>
-                <a:ea typeface="+mn-ea"/>
-                <a:cs typeface="+mn-cs"/>
-              </a:rPr>
-              <a:t>інтерфейс</a:t>
-            </a:r>
-            <a:r>
-              <a:rPr lang="uk-UA" sz="1200" b="0" i="0" u="none" strike="noStrike" kern="1200" baseline="0" smtClean="0">
-                <a:solidFill>
-                  <a:schemeClr val="tx1"/>
-                </a:solidFill>
-                <a:latin typeface="+mn-lt"/>
-                <a:ea typeface="+mn-ea"/>
-                <a:cs typeface="+mn-cs"/>
-              </a:rPr>
-              <a:t> для створення об’єктів в суперкласі, дозволяючи </a:t>
-            </a:r>
-            <a:r>
-              <a:rPr lang="uk-UA" sz="1200" b="0" i="1" u="none" strike="noStrike" kern="1200" baseline="0" smtClean="0">
-                <a:solidFill>
-                  <a:schemeClr val="tx1"/>
-                </a:solidFill>
-                <a:latin typeface="+mn-lt"/>
-                <a:ea typeface="+mn-ea"/>
-                <a:cs typeface="+mn-cs"/>
-              </a:rPr>
-              <a:t>підкласам</a:t>
-            </a:r>
-            <a:r>
-              <a:rPr lang="uk-UA" sz="1200" b="0" i="0" u="none" strike="noStrike" kern="1200" baseline="0" smtClean="0">
-                <a:solidFill>
-                  <a:schemeClr val="tx1"/>
-                </a:solidFill>
-                <a:latin typeface="+mn-lt"/>
-                <a:ea typeface="+mn-ea"/>
-                <a:cs typeface="+mn-cs"/>
-              </a:rPr>
-              <a:t> </a:t>
-            </a:r>
-            <a:r>
-              <a:rPr lang="uk-UA" sz="1200" b="0" i="1" u="none" strike="noStrike" kern="1200" baseline="0" smtClean="0">
-                <a:solidFill>
-                  <a:schemeClr val="tx1"/>
-                </a:solidFill>
-                <a:latin typeface="+mn-lt"/>
-                <a:ea typeface="+mn-ea"/>
-                <a:cs typeface="+mn-cs"/>
-              </a:rPr>
-              <a:t>змінювати</a:t>
-            </a:r>
-            <a:r>
-              <a:rPr lang="uk-UA" sz="1200" b="0" i="0" u="none" strike="noStrike" kern="1200" baseline="0" smtClean="0">
-                <a:solidFill>
-                  <a:schemeClr val="tx1"/>
-                </a:solidFill>
-                <a:latin typeface="+mn-lt"/>
-                <a:ea typeface="+mn-ea"/>
-                <a:cs typeface="+mn-cs"/>
-              </a:rPr>
-              <a:t> </a:t>
-            </a:r>
-            <a:r>
-              <a:rPr lang="uk-UA" sz="1200" b="0" i="1" u="none" strike="noStrike" kern="1200" baseline="0" smtClean="0">
-                <a:solidFill>
-                  <a:schemeClr val="tx1"/>
-                </a:solidFill>
-                <a:latin typeface="+mn-lt"/>
-                <a:ea typeface="+mn-ea"/>
-                <a:cs typeface="+mn-cs"/>
-              </a:rPr>
-              <a:t>типи</a:t>
-            </a:r>
-            <a:r>
-              <a:rPr lang="uk-UA" sz="1200" b="0" i="0" u="none" strike="noStrike" kern="1200" baseline="0" smtClean="0">
-                <a:solidFill>
-                  <a:schemeClr val="tx1"/>
-                </a:solidFill>
-                <a:latin typeface="+mn-lt"/>
-                <a:ea typeface="+mn-ea"/>
-                <a:cs typeface="+mn-cs"/>
-              </a:rPr>
-              <a:t> створюваних об’єктів.</a:t>
-            </a:r>
             <a:endParaRPr lang="en-US" sz="1200" b="0" i="1" u="none" strike="noStrike" kern="1200" baseline="0" smtClean="0">
               <a:solidFill>
                 <a:schemeClr val="tx1"/>
@@ -1975,117 +1937,9 @@
           <a:bodyPr/>
           <a:lstStyle/>
           <a:p>
-            <a:r>
-              <a:rPr lang="ru-RU" sz="1200" b="1" i="0" u="none" strike="noStrike" kern="1200" baseline="0" smtClean="0">
-                <a:solidFill>
-                  <a:schemeClr val="tx1"/>
-                </a:solidFill>
-                <a:latin typeface="+mn-lt"/>
-                <a:ea typeface="+mn-ea"/>
-                <a:cs typeface="+mn-cs"/>
-              </a:rPr>
-              <a:t>Коли завчасно невідомі </a:t>
-            </a:r>
-            <a:r>
-              <a:rPr lang="ru-RU" sz="1200" b="1" i="1" u="none" strike="noStrike" kern="1200" baseline="0" smtClean="0">
-                <a:solidFill>
-                  <a:schemeClr val="tx1"/>
-                </a:solidFill>
-                <a:latin typeface="+mn-lt"/>
-                <a:ea typeface="+mn-ea"/>
-                <a:cs typeface="+mn-cs"/>
-              </a:rPr>
-              <a:t>типи</a:t>
-            </a:r>
-            <a:r>
-              <a:rPr lang="ru-RU" sz="1200" b="1" i="0" u="none" strike="noStrike" kern="1200" baseline="0" smtClean="0">
-                <a:solidFill>
-                  <a:schemeClr val="tx1"/>
-                </a:solidFill>
-                <a:latin typeface="+mn-lt"/>
-                <a:ea typeface="+mn-ea"/>
-                <a:cs typeface="+mn-cs"/>
-              </a:rPr>
-              <a:t> та </a:t>
-            </a:r>
-            <a:r>
-              <a:rPr lang="ru-RU" sz="1200" b="1" i="1" u="none" strike="noStrike" kern="1200" baseline="0" smtClean="0">
-                <a:solidFill>
-                  <a:schemeClr val="tx1"/>
-                </a:solidFill>
-                <a:latin typeface="+mn-lt"/>
-                <a:ea typeface="+mn-ea"/>
-                <a:cs typeface="+mn-cs"/>
-              </a:rPr>
-              <a:t>залежності</a:t>
-            </a:r>
-            <a:r>
-              <a:rPr lang="ru-RU" sz="1200" b="1" i="0" u="none" strike="noStrike" kern="1200" baseline="0" smtClean="0">
-                <a:solidFill>
-                  <a:schemeClr val="tx1"/>
-                </a:solidFill>
-                <a:latin typeface="+mn-lt"/>
-                <a:ea typeface="+mn-ea"/>
-                <a:cs typeface="+mn-cs"/>
-              </a:rPr>
-              <a:t> об’ектів, з якими працюватиме ваш код.</a:t>
-            </a:r>
-          </a:p>
-          <a:p>
-            <a:endParaRPr lang="ru-RU" sz="1200" b="0" i="0" u="none" strike="noStrike" kern="1200" baseline="0" smtClean="0">
-              <a:solidFill>
-                <a:schemeClr val="tx1"/>
-              </a:solidFill>
-              <a:latin typeface="+mn-lt"/>
-              <a:ea typeface="+mn-ea"/>
-              <a:cs typeface="+mn-cs"/>
-            </a:endParaRPr>
-          </a:p>
-          <a:p>
-            <a:r>
-              <a:rPr lang="ru-RU" sz="1200" b="0" i="1" u="none" strike="noStrike" kern="1200" baseline="0" smtClean="0">
-                <a:solidFill>
-                  <a:schemeClr val="tx1"/>
-                </a:solidFill>
-                <a:latin typeface="+mn-lt"/>
-                <a:ea typeface="+mn-ea"/>
-                <a:cs typeface="+mn-cs"/>
-              </a:rPr>
-              <a:t>Фабричний</a:t>
-            </a:r>
-            <a:r>
-              <a:rPr lang="ru-RU" sz="1200" b="0" i="0" u="none" strike="noStrike" kern="1200" baseline="0" smtClean="0">
-                <a:solidFill>
-                  <a:schemeClr val="tx1"/>
-                </a:solidFill>
-                <a:latin typeface="+mn-lt"/>
-                <a:ea typeface="+mn-ea"/>
-                <a:cs typeface="+mn-cs"/>
-              </a:rPr>
-              <a:t> </a:t>
-            </a:r>
-            <a:r>
-              <a:rPr lang="ru-RU" sz="1200" b="0" i="1" u="none" strike="noStrike" kern="1200" baseline="0" smtClean="0">
-                <a:solidFill>
-                  <a:schemeClr val="tx1"/>
-                </a:solidFill>
-                <a:latin typeface="+mn-lt"/>
-                <a:ea typeface="+mn-ea"/>
-                <a:cs typeface="+mn-cs"/>
-              </a:rPr>
-              <a:t>метод</a:t>
-            </a:r>
-            <a:r>
-              <a:rPr lang="ru-RU" sz="1200" b="0" i="0" u="none" strike="noStrike" kern="1200" baseline="0" smtClean="0">
-                <a:solidFill>
-                  <a:schemeClr val="tx1"/>
-                </a:solidFill>
-                <a:latin typeface="+mn-lt"/>
-                <a:ea typeface="+mn-ea"/>
-                <a:cs typeface="+mn-cs"/>
-              </a:rPr>
-              <a:t> відділяє код виробництва продуктів від решти коду, який ці продукти використовує. Завдяки цьому, код виробництва можна розширювати, не чіпаючи основний код. Щоб додати підтримку нового продукту, вам потрібно створити новый підклас і визначити в ньому фабричний метод, повертаючи звідти екземпляр нового продукту.</a:t>
-            </a:r>
+            <a:pPr marL="228600" indent="-228600">
+              <a:buAutoNum type="arabicPeriod"/>
+            </a:pPr>
             <a:endParaRPr lang="en-US" sz="1200" b="0" i="1" u="none" strike="noStrike" kern="1200" baseline="0" smtClean="0">
               <a:solidFill>
                 <a:schemeClr val="tx1"/>
@@ -2312,86 +2166,9 @@
           <a:bodyPr/>
           <a:lstStyle/>
           <a:p>
-            <a:r>
-              <a:rPr lang="ru-RU" sz="1200" b="1" i="0" u="none" strike="noStrike" kern="1200" baseline="0" smtClean="0">
-                <a:solidFill>
-                  <a:schemeClr val="tx1"/>
-                </a:solidFill>
-                <a:latin typeface="+mn-lt"/>
-                <a:ea typeface="+mn-ea"/>
-                <a:cs typeface="+mn-cs"/>
-              </a:rPr>
-              <a:t>Коли ви хочете дати можливість</a:t>
-            </a:r>
-            <a:r>
-              <a:rPr lang="en-US" sz="1200" b="1" i="0" u="none" strike="noStrike" kern="1200" baseline="0" smtClean="0">
-                <a:solidFill>
-                  <a:schemeClr val="tx1"/>
-                </a:solidFill>
-                <a:latin typeface="+mn-lt"/>
-                <a:ea typeface="+mn-ea"/>
-                <a:cs typeface="+mn-cs"/>
-              </a:rPr>
-              <a:t> </a:t>
-            </a:r>
-            <a:r>
-              <a:rPr lang="uk-UA" sz="1200" b="1" i="0" u="none" strike="noStrike" kern="1200" baseline="0" smtClean="0">
-                <a:solidFill>
-                  <a:schemeClr val="tx1"/>
-                </a:solidFill>
-                <a:latin typeface="+mn-lt"/>
-                <a:ea typeface="+mn-ea"/>
-                <a:cs typeface="+mn-cs"/>
-              </a:rPr>
-              <a:t>користувачам</a:t>
-            </a:r>
-            <a:r>
-              <a:rPr lang="ru-RU" sz="1200" b="1" i="0" u="none" strike="noStrike" kern="1200" baseline="0" smtClean="0">
-                <a:solidFill>
-                  <a:schemeClr val="tx1"/>
-                </a:solidFill>
-                <a:latin typeface="+mn-lt"/>
-                <a:ea typeface="+mn-ea"/>
-                <a:cs typeface="+mn-cs"/>
-              </a:rPr>
-              <a:t> розширювати частини вашого фреймворку або бібліотеки.</a:t>
-            </a:r>
-          </a:p>
-          <a:p>
-            <a:endParaRPr lang="ru-RU" sz="1200" b="0" i="0" u="none" strike="noStrike" kern="1200" baseline="0" smtClean="0">
-              <a:solidFill>
-                <a:schemeClr val="tx1"/>
-              </a:solidFill>
-              <a:latin typeface="+mn-lt"/>
-              <a:ea typeface="+mn-ea"/>
-              <a:cs typeface="+mn-cs"/>
-            </a:endParaRPr>
-          </a:p>
-          <a:p>
-            <a:r>
-              <a:rPr lang="ru-RU" sz="1200" b="0" i="0" u="none" strike="noStrike" kern="1200" baseline="0" smtClean="0">
-                <a:solidFill>
-                  <a:schemeClr val="tx1"/>
-                </a:solidFill>
-                <a:latin typeface="+mn-lt"/>
-                <a:ea typeface="+mn-ea"/>
-                <a:cs typeface="+mn-cs"/>
-              </a:rPr>
-              <a:t>Користувачі можуть розширювати класи вашого фреймворку через наслідування. Але як зробити так, щоб фреймворк створював об’екти з цих нових класів, а не з стандартних?</a:t>
-            </a:r>
-          </a:p>
-          <a:p>
-            <a:r>
-              <a:rPr lang="ru-RU" sz="1200" b="0" i="0" u="none" strike="noStrike" kern="1200" baseline="0" smtClean="0">
-                <a:solidFill>
-                  <a:schemeClr val="tx1"/>
-                </a:solidFill>
-                <a:latin typeface="+mn-lt"/>
-                <a:ea typeface="+mn-ea"/>
-                <a:cs typeface="+mn-cs"/>
-              </a:rPr>
-              <a:t>Рішенням буде дати користувачам можливість розширювати не лише компоненти, але й класи, які створюють ці компоненти. А для цього класи-творці повинні мати конкретні методи-творці, які може визначити клієнт.</a:t>
-            </a:r>
+            <a:pPr marL="228600" indent="-228600">
+              <a:buAutoNum type="arabicPeriod"/>
+            </a:pPr>
             <a:endParaRPr lang="en-US" sz="1200" b="0" i="1" u="none" strike="noStrike" kern="1200" baseline="0" smtClean="0">
               <a:solidFill>
                 <a:schemeClr val="tx1"/>
@@ -2483,8 +2260,11 @@
           <a:bodyPr/>
           <a:lstStyle/>
           <a:p>
-            <a:r>
-              <a:rPr lang="ru-RU" sz="1200" b="1" i="0" u="none" strike="noStrike" kern="1200" baseline="0" smtClean="0">
+            <a:pPr marL="228600" indent="-228600">
+              <a:buAutoNum type="arabicPeriod"/>
+            </a:pPr>
+            <a:r>
+              <a:rPr lang="uk-UA" sz="1200" b="0" i="1" u="none" strike="noStrike" kern="1200" baseline="0" smtClean="0">
                 <a:solidFill>
                   <a:schemeClr val="tx1"/>
                 </a:solidFill>
@@ -2492,10 +2272,10 @@
                 <a:ea typeface="+mn-ea"/>
                 <a:cs typeface="+mn-cs"/>
               </a:rPr>
-              <a:t>Коли ви хочете п</a:t>
-            </a:r>
-            <a:r>
-              <a:rPr lang="uk-UA" sz="1200" b="1" i="0" u="none" strike="noStrike" kern="1200" baseline="0" smtClean="0">
+              <a:t>Фабричний метод</a:t>
+            </a:r>
+            <a:r>
+              <a:rPr lang="uk-UA" sz="1200" b="0" i="0" u="none" strike="noStrike" kern="1200" baseline="0" smtClean="0">
                 <a:solidFill>
                   <a:schemeClr val="tx1"/>
                 </a:solidFill>
@@ -2503,10 +2283,10 @@
                 <a:ea typeface="+mn-ea"/>
                 <a:cs typeface="+mn-cs"/>
               </a:rPr>
-              <a:t>овторно використати вже створені об’єкти</a:t>
-            </a:r>
-            <a:r>
-              <a:rPr lang="ru-RU" sz="1200" b="1" i="0" u="none" strike="noStrike" kern="1200" baseline="0" smtClean="0">
+              <a:t> – </a:t>
+            </a:r>
+            <a:r>
+              <a:rPr lang="uk-UA" sz="1200" b="0" i="1" u="none" strike="noStrike" kern="1200" baseline="0" smtClean="0">
                 <a:solidFill>
                   <a:schemeClr val="tx1"/>
                 </a:solidFill>
@@ -2514,20 +2294,8 @@
                 <a:ea typeface="+mn-ea"/>
                 <a:cs typeface="+mn-cs"/>
               </a:rPr>
-              <a:t>.</a:t>
-            </a:r>
-          </a:p>
-          <a:p>
-            <a:endParaRPr lang="ru-RU" sz="1200" b="0" i="0" u="none" strike="noStrike" kern="1200" baseline="0" smtClean="0">
-              <a:solidFill>
-                <a:schemeClr val="tx1"/>
-              </a:solidFill>
-              <a:latin typeface="+mn-lt"/>
-              <a:ea typeface="+mn-ea"/>
-              <a:cs typeface="+mn-cs"/>
-            </a:endParaRPr>
-          </a:p>
-          <a:p>
+              <a:t>породжуючий</a:t>
+            </a:r>
             <a:r>
               <a:rPr lang="uk-UA" sz="1200" b="0" i="0" u="none" strike="noStrike" kern="1200" baseline="0" smtClean="0">
                 <a:solidFill>
@@ -2537,12 +2305,10 @@
                 <a:ea typeface="+mn-ea"/>
                 <a:cs typeface="+mn-cs"/>
               </a:rPr>
-              <a:t>Для цього потрібно знайти об’єкт у певному сховищі і повернути його, а якщо не знайдено – створити новий. Куди помістити цей код? Логічно було б у конструктор, але він завжди створює нові об’єкти.</a:t>
-            </a:r>
-          </a:p>
-          <a:p>
-            <a:r>
-              <a:rPr lang="uk-UA" sz="1200" b="0" i="0" u="none" strike="noStrike" kern="1200" baseline="0" smtClean="0">
+              <a:t> патерн проектування, який визначає </a:t>
+            </a:r>
+            <a:r>
+              <a:rPr lang="uk-UA" sz="1200" b="0" i="1" u="none" strike="noStrike" kern="1200" baseline="0" smtClean="0">
                 <a:solidFill>
                   <a:schemeClr val="tx1"/>
                 </a:solidFill>
@@ -2550,9 +2316,108 @@
                 <a:ea typeface="+mn-ea"/>
                 <a:cs typeface="+mn-cs"/>
               </a:rPr>
-              <a:t>Отже, потрібен метод, який би вмів і віддавати наявні об’єкти, і створювати нові. Ним і стане фабричний метод.</a:t>
-            </a:r>
-            <a:endParaRPr lang="en-US" sz="1200" b="0" i="0" u="none" strike="noStrike" kern="1200" baseline="0" smtClean="0">
+              <a:t>спільний</a:t>
+            </a:r>
+            <a:r>
+              <a:rPr lang="uk-UA" sz="1200" b="0" i="0" u="none" strike="noStrike" kern="1200" baseline="0" smtClean="0">
+                <a:solidFill>
+                  <a:schemeClr val="tx1"/>
+                </a:solidFill>
+                <a:latin typeface="+mn-lt"/>
+                <a:ea typeface="+mn-ea"/>
+                <a:cs typeface="+mn-cs"/>
+              </a:rPr>
+              <a:t> </a:t>
+            </a:r>
+            <a:r>
+              <a:rPr lang="uk-UA" sz="1200" b="0" i="1" u="none" strike="noStrike" kern="1200" baseline="0" smtClean="0">
+                <a:solidFill>
+                  <a:schemeClr val="tx1"/>
+                </a:solidFill>
+                <a:latin typeface="+mn-lt"/>
+                <a:ea typeface="+mn-ea"/>
+                <a:cs typeface="+mn-cs"/>
+              </a:rPr>
+              <a:t>інтерфейс</a:t>
+            </a:r>
+            <a:r>
+              <a:rPr lang="uk-UA" sz="1200" b="0" i="0" u="none" strike="noStrike" kern="1200" baseline="0" smtClean="0">
+                <a:solidFill>
+                  <a:schemeClr val="tx1"/>
+                </a:solidFill>
+                <a:latin typeface="+mn-lt"/>
+                <a:ea typeface="+mn-ea"/>
+                <a:cs typeface="+mn-cs"/>
+              </a:rPr>
+              <a:t> для створення об’єктів в суперкласі, дозволяючи </a:t>
+            </a:r>
+            <a:r>
+              <a:rPr lang="uk-UA" sz="1200" b="0" i="1" u="none" strike="noStrike" kern="1200" baseline="0" smtClean="0">
+                <a:solidFill>
+                  <a:schemeClr val="tx1"/>
+                </a:solidFill>
+                <a:latin typeface="+mn-lt"/>
+                <a:ea typeface="+mn-ea"/>
+                <a:cs typeface="+mn-cs"/>
+              </a:rPr>
+              <a:t>підкласам</a:t>
+            </a:r>
+            <a:r>
+              <a:rPr lang="uk-UA" sz="1200" b="0" i="0" u="none" strike="noStrike" kern="1200" baseline="0" smtClean="0">
+                <a:solidFill>
+                  <a:schemeClr val="tx1"/>
+                </a:solidFill>
+                <a:latin typeface="+mn-lt"/>
+                <a:ea typeface="+mn-ea"/>
+                <a:cs typeface="+mn-cs"/>
+              </a:rPr>
+              <a:t> </a:t>
+            </a:r>
+            <a:r>
+              <a:rPr lang="uk-UA" sz="1200" b="0" i="1" u="none" strike="noStrike" kern="1200" baseline="0" smtClean="0">
+                <a:solidFill>
+                  <a:schemeClr val="tx1"/>
+                </a:solidFill>
+                <a:latin typeface="+mn-lt"/>
+                <a:ea typeface="+mn-ea"/>
+                <a:cs typeface="+mn-cs"/>
+              </a:rPr>
+              <a:t>змінювати</a:t>
+            </a:r>
+            <a:r>
+              <a:rPr lang="uk-UA" sz="1200" b="0" i="0" u="none" strike="noStrike" kern="1200" baseline="0" smtClean="0">
+                <a:solidFill>
+                  <a:schemeClr val="tx1"/>
+                </a:solidFill>
+                <a:latin typeface="+mn-lt"/>
+                <a:ea typeface="+mn-ea"/>
+                <a:cs typeface="+mn-cs"/>
+              </a:rPr>
+              <a:t> </a:t>
+            </a:r>
+            <a:r>
+              <a:rPr lang="uk-UA" sz="1200" b="0" i="1" u="none" strike="noStrike" kern="1200" baseline="0" smtClean="0">
+                <a:solidFill>
+                  <a:schemeClr val="tx1"/>
+                </a:solidFill>
+                <a:latin typeface="+mn-lt"/>
+                <a:ea typeface="+mn-ea"/>
+                <a:cs typeface="+mn-cs"/>
+              </a:rPr>
+              <a:t>типи</a:t>
+            </a:r>
+            <a:r>
+              <a:rPr lang="uk-UA" sz="1200" b="0" i="0" u="none" strike="noStrike" kern="1200" baseline="0" smtClean="0">
+                <a:solidFill>
+                  <a:schemeClr val="tx1"/>
+                </a:solidFill>
+                <a:latin typeface="+mn-lt"/>
+                <a:ea typeface="+mn-ea"/>
+                <a:cs typeface="+mn-cs"/>
+              </a:rPr>
+              <a:t> створюваних об’єктів.</a:t>
+            </a:r>
+            <a:endParaRPr lang="en-US" sz="1200" b="0" i="1" u="none" strike="noStrike" kern="1200" baseline="0" smtClean="0">
               <a:solidFill>
                 <a:schemeClr val="tx1"/>
               </a:solidFill>
@@ -2644,7 +2509,7 @@
           <a:lstStyle/>
           <a:p>
             <a:r>
-              <a:rPr lang="uk-UA" sz="1200" b="0" i="0" u="none" strike="noStrike" kern="1200" baseline="0" smtClean="0">
+              <a:rPr lang="ru-RU" sz="1200" b="1" i="0" u="none" strike="noStrike" kern="1200" baseline="0" smtClean="0">
                 <a:solidFill>
                   <a:schemeClr val="tx1"/>
                 </a:solidFill>
@@ -2652,8 +2517,54 @@
                 <a:ea typeface="+mn-ea"/>
                 <a:cs typeface="+mn-cs"/>
               </a:rPr>
-              <a:t>1. Позбавляє клас від прив’язки до конкретних класів продуктів.</a:t>
-            </a:r>
+              <a:t>Коли завчасно невідомі </a:t>
+            </a:r>
+            <a:r>
+              <a:rPr lang="ru-RU" sz="1200" b="1" i="1" u="none" strike="noStrike" kern="1200" baseline="0" smtClean="0">
+                <a:solidFill>
+                  <a:schemeClr val="tx1"/>
+                </a:solidFill>
+                <a:latin typeface="+mn-lt"/>
+                <a:ea typeface="+mn-ea"/>
+                <a:cs typeface="+mn-cs"/>
+              </a:rPr>
+              <a:t>типи</a:t>
+            </a:r>
+            <a:r>
+              <a:rPr lang="ru-RU" sz="1200" b="1" i="0" u="none" strike="noStrike" kern="1200" baseline="0" smtClean="0">
+                <a:solidFill>
+                  <a:schemeClr val="tx1"/>
+                </a:solidFill>
+                <a:latin typeface="+mn-lt"/>
+                <a:ea typeface="+mn-ea"/>
+                <a:cs typeface="+mn-cs"/>
+              </a:rPr>
+              <a:t> та </a:t>
+            </a:r>
+            <a:r>
+              <a:rPr lang="ru-RU" sz="1200" b="1" i="1" u="none" strike="noStrike" kern="1200" baseline="0" smtClean="0">
+                <a:solidFill>
+                  <a:schemeClr val="tx1"/>
+                </a:solidFill>
+                <a:latin typeface="+mn-lt"/>
+                <a:ea typeface="+mn-ea"/>
+                <a:cs typeface="+mn-cs"/>
+              </a:rPr>
+              <a:t>залежності</a:t>
+            </a:r>
+            <a:r>
+              <a:rPr lang="ru-RU" sz="1200" b="1" i="0" u="none" strike="noStrike" kern="1200" baseline="0" smtClean="0">
+                <a:solidFill>
+                  <a:schemeClr val="tx1"/>
+                </a:solidFill>
+                <a:latin typeface="+mn-lt"/>
+                <a:ea typeface="+mn-ea"/>
+                <a:cs typeface="+mn-cs"/>
+              </a:rPr>
+              <a:t> об’ектів, з якими працюватиме ваш код.</a:t>
+            </a:r>
+          </a:p>
+          <a:p>
             <a:endParaRPr lang="ru-RU" sz="1200" b="0" i="0" u="none" strike="noStrike" kern="1200" baseline="0" smtClean="0">
               <a:solidFill>
                 <a:schemeClr val="tx1"/>
@@ -2665,7 +2576,7 @@
           </a:p>
           <a:p>
             <a:r>
-              <a:rPr lang="ru-RU" sz="1200" b="0" i="0" u="none" strike="noStrike" kern="1200" baseline="0" smtClean="0">
+              <a:rPr lang="ru-RU" sz="1200" b="0" i="1" u="none" strike="noStrike" kern="1200" baseline="0" smtClean="0">
                 <a:solidFill>
                   <a:schemeClr val="tx1"/>
                 </a:solidFill>
@@ -2673,10 +2584,8 @@
                 <a:ea typeface="+mn-ea"/>
                 <a:cs typeface="+mn-cs"/>
               </a:rPr>
-              <a:t>2. Виділяє код виробницва продуктів в одне місце, спрощуючи підтримку коду.</a:t>
-            </a:r>
-          </a:p>
-          <a:p>
+              <a:t>Фабричний</a:t>
+            </a:r>
             <a:r>
               <a:rPr lang="ru-RU" sz="1200" b="0" i="0" u="none" strike="noStrike" kern="1200" baseline="0" smtClean="0">
                 <a:solidFill>
@@ -2686,12 +2595,10 @@
                 <a:ea typeface="+mn-ea"/>
                 <a:cs typeface="+mn-cs"/>
               </a:rPr>
-              <a:t>3. Спрощує додавання нових продуктів в програму.</a:t>
-            </a:r>
-          </a:p>
-          <a:p>
-            <a:r>
-              <a:rPr lang="ru-RU" sz="1200" b="0" i="0" u="none" strike="noStrike" kern="1200" baseline="0" smtClean="0">
+              <a:t> </a:t>
+            </a:r>
+            <a:r>
+              <a:rPr lang="ru-RU" sz="1200" b="0" i="1" u="none" strike="noStrike" kern="1200" baseline="0" smtClean="0">
                 <a:solidFill>
                   <a:schemeClr val="tx1"/>
                 </a:solidFill>
@@ -2699,10 +2606,10 @@
                 <a:ea typeface="+mn-ea"/>
                 <a:cs typeface="+mn-cs"/>
               </a:rPr>
-              <a:t>4. Реалізує </a:t>
-            </a:r>
-            <a:r>
-              <a:rPr lang="ru-RU" sz="1200" b="0" i="1" u="none" strike="noStrike" kern="1200" baseline="0" smtClean="0">
+              <a:t>метод</a:t>
+            </a:r>
+            <a:r>
+              <a:rPr lang="ru-RU" sz="1200" b="0" i="0" u="none" strike="noStrike" kern="1200" baseline="0" smtClean="0">
                 <a:solidFill>
                   <a:schemeClr val="tx1"/>
                 </a:solidFill>
@@ -2710,20 +2617,9 @@
                 <a:ea typeface="+mn-ea"/>
                 <a:cs typeface="+mn-cs"/>
               </a:rPr>
-              <a:t>принцип відкритості/закритості</a:t>
-            </a:r>
-            <a:r>
-              <a:rPr lang="ru-RU" sz="1200" b="0" i="0" u="none" strike="noStrike" kern="1200" baseline="0" smtClean="0">
-                <a:solidFill>
-                  <a:schemeClr val="tx1"/>
-                </a:solidFill>
-                <a:latin typeface="+mn-lt"/>
-                <a:ea typeface="+mn-ea"/>
-                <a:cs typeface="+mn-cs"/>
-              </a:rPr>
-              <a:t>.</a:t>
-            </a:r>
-            <a:endParaRPr lang="en-US" sz="1200" b="0" i="0" u="none" strike="noStrike" kern="1200" baseline="0" smtClean="0">
+              <a:t> відділяє код виробництва продуктів від решти коду, який ці продукти використовує. Завдяки цьому, код виробництва можна розширювати, не чіпаючи основний код. Щоб додати підтримку нового продукту, вам потрібно створити новый підклас і визначити в ньому фабричний метод, повертаючи звідти екземпляр нового продукту.</a:t>
+            </a:r>
+            <a:endParaRPr lang="en-US" sz="1200" b="0" i="1" u="none" strike="noStrike" kern="1200" baseline="0" smtClean="0">
               <a:solidFill>
                 <a:schemeClr val="tx1"/>
               </a:solidFill>
@@ -2815,7 +2711,7 @@
           <a:lstStyle/>
           <a:p>
             <a:r>
-              <a:rPr lang="ru-RU" sz="1200" b="0" i="0" u="none" strike="noStrike" kern="1200" baseline="0" smtClean="0">
+              <a:rPr lang="ru-RU" sz="1200" b="1" i="0" u="none" strike="noStrike" kern="1200" baseline="0" smtClean="0">
                 <a:solidFill>
                   <a:schemeClr val="tx1"/>
                 </a:solidFill>
@@ -2823,10 +2719,10 @@
                 <a:ea typeface="+mn-ea"/>
                 <a:cs typeface="+mn-cs"/>
               </a:rPr>
-              <a:t>Може призвести до створення великих </a:t>
-            </a:r>
-            <a:r>
-              <a:rPr lang="ru-RU" sz="1200" b="1" i="0" u="none" strike="noStrike" kern="1200" baseline="0" smtClean="0">
+              <a:t>Коли ви хочете дати можливість</a:t>
+            </a:r>
+            <a:r>
+              <a:rPr lang="en-US" sz="1200" b="1" i="0" u="none" strike="noStrike" kern="1200" baseline="0" smtClean="0">
                 <a:solidFill>
                   <a:schemeClr val="tx1"/>
                 </a:solidFill>
@@ -2834,10 +2730,10 @@
                 <a:ea typeface="+mn-ea"/>
                 <a:cs typeface="+mn-cs"/>
               </a:rPr>
-              <a:t>паралельних ієрархій класів</a:t>
-            </a:r>
-            <a:r>
-              <a:rPr lang="ru-RU" sz="1200" b="0" i="0" u="none" strike="noStrike" kern="1200" baseline="0" smtClean="0">
+              <a:t> </a:t>
+            </a:r>
+            <a:r>
+              <a:rPr lang="uk-UA" sz="1200" b="1" i="0" u="none" strike="noStrike" kern="1200" baseline="0" smtClean="0">
                 <a:solidFill>
                   <a:schemeClr val="tx1"/>
                 </a:solidFill>
@@ -2845,12 +2741,10 @@
                 <a:ea typeface="+mn-ea"/>
                 <a:cs typeface="+mn-cs"/>
               </a:rPr>
-              <a:t>, оскільки для кожного класу продукту </a:t>
-            </a:r>
-          </a:p>
-          <a:p>
-            <a:r>
-              <a:rPr lang="ru-RU" sz="1200" b="0" i="0" u="none" strike="noStrike" kern="1200" baseline="0" smtClean="0">
+              <a:t>користувачам</a:t>
+            </a:r>
+            <a:r>
+              <a:rPr lang="ru-RU" sz="1200" b="1" i="0" u="none" strike="noStrike" kern="1200" baseline="0" smtClean="0">
                 <a:solidFill>
                   <a:schemeClr val="tx1"/>
                 </a:solidFill>
@@ -2858,9 +2752,45 @@
                 <a:ea typeface="+mn-ea"/>
                 <a:cs typeface="+mn-cs"/>
               </a:rPr>
-              <a:t>потрібно створити свій підклас творця.</a:t>
-            </a:r>
-            <a:endParaRPr lang="en-US" sz="1200" b="0" i="0" u="none" strike="noStrike" kern="1200" baseline="0" smtClean="0">
+              <a:t> розширювати частини вашого фреймворку або бібліотеки.</a:t>
+            </a:r>
+          </a:p>
+          <a:p>
+            <a:endParaRPr lang="ru-RU" sz="1200" b="0" i="0" u="none" strike="noStrike" kern="1200" baseline="0" smtClean="0">
+              <a:solidFill>
+                <a:schemeClr val="tx1"/>
+              </a:solidFill>
+              <a:latin typeface="+mn-lt"/>
+              <a:ea typeface="+mn-ea"/>
+              <a:cs typeface="+mn-cs"/>
+            </a:endParaRPr>
+          </a:p>
+          <a:p>
+            <a:r>
+              <a:rPr lang="ru-RU" sz="1200" b="0" i="0" u="none" strike="noStrike" kern="1200" baseline="0" smtClean="0">
+                <a:solidFill>
+                  <a:schemeClr val="tx1"/>
+                </a:solidFill>
+                <a:latin typeface="+mn-lt"/>
+                <a:ea typeface="+mn-ea"/>
+                <a:cs typeface="+mn-cs"/>
+              </a:rPr>
+              <a:t>Користувачі можуть розширювати класи вашого фреймворку через наслідування. Але як зробити так, щоб фреймворк створював об’екти з цих нових класів, а не з стандартних?</a:t>
+            </a:r>
+          </a:p>
+          <a:p>
+            <a:r>
+              <a:rPr lang="ru-RU" sz="1200" b="0" i="0" u="none" strike="noStrike" kern="1200" baseline="0" smtClean="0">
+                <a:solidFill>
+                  <a:schemeClr val="tx1"/>
+                </a:solidFill>
+                <a:latin typeface="+mn-lt"/>
+                <a:ea typeface="+mn-ea"/>
+                <a:cs typeface="+mn-cs"/>
+              </a:rPr>
+              <a:t>Рішенням буде дати користувачам можливість розширювати не лише компоненти, але й класи, які створюють ці компоненти. А для цього класи-творці повинні мати конкретні методи-творці, які може визначити клієнт.</a:t>
+            </a:r>
+            <a:endParaRPr lang="en-US" sz="1200" b="0" i="1" u="none" strike="noStrike" kern="1200" baseline="0" smtClean="0">
               <a:solidFill>
                 <a:schemeClr val="tx1"/>
               </a:solidFill>
@@ -2952,7 +2882,7 @@
           <a:lstStyle/>
           <a:p>
             <a:r>
-              <a:rPr lang="ru-RU" sz="1200" b="0" i="0" u="none" strike="noStrike" kern="1200" baseline="0" smtClean="0">
+              <a:rPr lang="ru-RU" sz="1200" b="1" i="0" u="none" strike="noStrike" kern="1200" baseline="0" smtClean="0">
                 <a:solidFill>
                   <a:schemeClr val="tx1"/>
                 </a:solidFill>
@@ -2960,7 +2890,65 @@
                 <a:ea typeface="+mn-ea"/>
                 <a:cs typeface="+mn-cs"/>
               </a:rPr>
-              <a:t>Абстрактна фабрику часто реалізують за допомогою фабричних методів.</a:t>
+              <a:t>Коли ви хочете п</a:t>
+            </a:r>
+            <a:r>
+              <a:rPr lang="uk-UA" sz="1200" b="1" i="0" u="none" strike="noStrike" kern="1200" baseline="0" smtClean="0">
+                <a:solidFill>
+                  <a:schemeClr val="tx1"/>
+                </a:solidFill>
+                <a:latin typeface="+mn-lt"/>
+                <a:ea typeface="+mn-ea"/>
+                <a:cs typeface="+mn-cs"/>
+              </a:rPr>
+              <a:t>овторно використати вже створені об’єкти</a:t>
+            </a:r>
+            <a:r>
+              <a:rPr lang="ru-RU" sz="1200" b="1" i="0" u="none" strike="noStrike" kern="1200" baseline="0" smtClean="0">
+                <a:solidFill>
+                  <a:schemeClr val="tx1"/>
+                </a:solidFill>
+                <a:latin typeface="+mn-lt"/>
+                <a:ea typeface="+mn-ea"/>
+                <a:cs typeface="+mn-cs"/>
+              </a:rPr>
+              <a:t>.</a:t>
+            </a:r>
+          </a:p>
+          <a:p>
+            <a:endParaRPr lang="ru-RU" sz="1200" b="0" i="0" u="none" strike="noStrike" kern="1200" baseline="0" smtClean="0">
+              <a:solidFill>
+                <a:schemeClr val="tx1"/>
+              </a:solidFill>
+              <a:latin typeface="+mn-lt"/>
+              <a:ea typeface="+mn-ea"/>
+              <a:cs typeface="+mn-cs"/>
+            </a:endParaRPr>
+          </a:p>
+          <a:p>
+            <a:r>
+              <a:rPr lang="uk-UA" sz="1200" b="0" i="0" u="none" strike="noStrike" kern="1200" baseline="0" smtClean="0">
+                <a:solidFill>
+                  <a:schemeClr val="tx1"/>
+                </a:solidFill>
+                <a:latin typeface="+mn-lt"/>
+                <a:ea typeface="+mn-ea"/>
+                <a:cs typeface="+mn-cs"/>
+              </a:rPr>
+              <a:t>Для цього потрібно знайти об’єкт у певному сховищі і повернути його, а якщо не знайдено – створити новий. Куди помістити цей код? Логічно було б у конструктор, але він завжди створює нові об’єкти.</a:t>
+            </a:r>
+          </a:p>
+          <a:p>
+            <a:r>
+              <a:rPr lang="uk-UA" sz="1200" b="0" i="0" u="none" strike="noStrike" kern="1200" baseline="0" smtClean="0">
+                <a:solidFill>
+                  <a:schemeClr val="tx1"/>
+                </a:solidFill>
+                <a:latin typeface="+mn-lt"/>
+                <a:ea typeface="+mn-ea"/>
+                <a:cs typeface="+mn-cs"/>
+              </a:rPr>
+              <a:t>Отже, потрібен метод, який би вмів і віддавати наявні об’єкти, і створювати нові. Ним і стане фабричний метод.</a:t>
             </a:r>
             <a:endParaRPr lang="en-US" sz="1200" b="0" i="0" u="none" strike="noStrike" kern="1200" baseline="0" smtClean="0">
               <a:solidFill>
@@ -3054,7 +3042,7 @@
           <a:lstStyle/>
           <a:p>
             <a:r>
-              <a:rPr lang="ru-RU" sz="1200" b="0" i="0" u="none" strike="noStrike" kern="1200" baseline="0" smtClean="0">
+              <a:rPr lang="uk-UA" sz="1200" b="0" i="0" u="none" strike="noStrike" kern="1200" baseline="0" smtClean="0">
                 <a:solidFill>
                   <a:schemeClr val="tx1"/>
                 </a:solidFill>
@@ -3062,10 +3050,20 @@
                 <a:ea typeface="+mn-ea"/>
                 <a:cs typeface="+mn-cs"/>
               </a:rPr>
-              <a:t>Багато архітектур починаються з </a:t>
-            </a:r>
-            <a:r>
-              <a:rPr lang="ru-RU" sz="1200" b="1" i="0" u="none" strike="noStrike" kern="1200" baseline="0" smtClean="0">
+              <a:t>1. Позбавляє клас від прив’язки до конкретних класів продуктів.</a:t>
+            </a:r>
+            <a:endParaRPr lang="ru-RU" sz="1200" b="0" i="0" u="none" strike="noStrike" kern="1200" baseline="0" smtClean="0">
+              <a:solidFill>
+                <a:schemeClr val="tx1"/>
+              </a:solidFill>
+              <a:latin typeface="+mn-lt"/>
+              <a:ea typeface="+mn-ea"/>
+              <a:cs typeface="+mn-cs"/>
+            </a:endParaRPr>
+          </a:p>
+          <a:p>
+            <a:r>
+              <a:rPr lang="ru-RU" sz="1200" b="0" i="0" u="none" strike="noStrike" kern="1200" baseline="0" smtClean="0">
                 <a:solidFill>
                   <a:schemeClr val="tx1"/>
                 </a:solidFill>
@@ -3073,8 +3071,10 @@
                 <a:ea typeface="+mn-ea"/>
                 <a:cs typeface="+mn-cs"/>
               </a:rPr>
-              <a:t>Фабричного методу </a:t>
-            </a:r>
+              <a:t>2. Виділяє код виробницва продуктів в одне місце, спрощуючи підтримку коду.</a:t>
+            </a:r>
+          </a:p>
+          <a:p>
             <a:r>
               <a:rPr lang="ru-RU" sz="1200" b="0" i="0" u="none" strike="noStrike" kern="1200" baseline="0" smtClean="0">
                 <a:solidFill>
@@ -3084,10 +3084,12 @@
                 <a:ea typeface="+mn-ea"/>
                 <a:cs typeface="+mn-cs"/>
               </a:rPr>
-              <a:t>(більш простого і розширюваного через підкласи) і еволюціонують в сторону </a:t>
-            </a:r>
-            <a:r>
-              <a:rPr lang="ru-RU" sz="1200" b="1" i="0" u="none" strike="noStrike" kern="1200" baseline="0" smtClean="0">
+              <a:t>3. Спрощує додавання нових продуктів в програму.</a:t>
+            </a:r>
+          </a:p>
+          <a:p>
+            <a:r>
+              <a:rPr lang="ru-RU" sz="1200" b="0" i="0" u="none" strike="noStrike" kern="1200" baseline="0" smtClean="0">
                 <a:solidFill>
                   <a:schemeClr val="tx1"/>
                 </a:solidFill>
@@ -3095,10 +3097,10 @@
                 <a:ea typeface="+mn-ea"/>
                 <a:cs typeface="+mn-cs"/>
               </a:rPr>
-              <a:t>Абстрактної фабрики</a:t>
-            </a:r>
-            <a:r>
-              <a:rPr lang="ru-RU" sz="1200" b="0" i="0" u="none" strike="noStrike" kern="1200" baseline="0" smtClean="0">
+              <a:t>4. Реалізує </a:t>
+            </a:r>
+            <a:r>
+              <a:rPr lang="ru-RU" sz="1200" b="0" i="1" u="none" strike="noStrike" kern="1200" baseline="0" smtClean="0">
                 <a:solidFill>
                   <a:schemeClr val="tx1"/>
                 </a:solidFill>
@@ -3106,10 +3108,10 @@
                 <a:ea typeface="+mn-ea"/>
                 <a:cs typeface="+mn-cs"/>
               </a:rPr>
-              <a:t>, </a:t>
-            </a:r>
-            <a:r>
-              <a:rPr lang="ru-RU" sz="1200" b="1" i="0" u="none" strike="noStrike" kern="1200" baseline="0" smtClean="0">
+              <a:t>принцип відкритості/закритості</a:t>
+            </a:r>
+            <a:r>
+              <a:rPr lang="ru-RU" sz="1200" b="0" i="0" u="none" strike="noStrike" kern="1200" baseline="0" smtClean="0">
                 <a:solidFill>
                   <a:schemeClr val="tx1"/>
                 </a:solidFill>
@@ -3117,40 +3119,7 @@
                 <a:ea typeface="+mn-ea"/>
                 <a:cs typeface="+mn-cs"/>
               </a:rPr>
-              <a:t>Прототипа </a:t>
-            </a:r>
-            <a:r>
-              <a:rPr lang="ru-RU" sz="1200" b="0" i="0" u="none" strike="noStrike" kern="1200" baseline="0" smtClean="0">
-                <a:solidFill>
-                  <a:schemeClr val="tx1"/>
-                </a:solidFill>
-                <a:latin typeface="+mn-lt"/>
-                <a:ea typeface="+mn-ea"/>
-                <a:cs typeface="+mn-cs"/>
-              </a:rPr>
-              <a:t>або </a:t>
-            </a:r>
-            <a:r>
-              <a:rPr lang="ru-RU" sz="1200" b="1" i="0" u="none" strike="noStrike" kern="1200" baseline="0" smtClean="0">
-                <a:solidFill>
-                  <a:schemeClr val="tx1"/>
-                </a:solidFill>
-                <a:latin typeface="+mn-lt"/>
-                <a:ea typeface="+mn-ea"/>
-                <a:cs typeface="+mn-cs"/>
-              </a:rPr>
-              <a:t>Будівельника </a:t>
-            </a:r>
-            <a:r>
-              <a:rPr lang="ru-RU" sz="1200" b="0" i="0" u="none" strike="noStrike" kern="1200" baseline="0" smtClean="0">
-                <a:solidFill>
-                  <a:schemeClr val="tx1"/>
-                </a:solidFill>
-                <a:latin typeface="+mn-lt"/>
-                <a:ea typeface="+mn-ea"/>
-                <a:cs typeface="+mn-cs"/>
-              </a:rPr>
-              <a:t>(гнучкіші, але і складніші).</a:t>
+              <a:t>.</a:t>
             </a:r>
             <a:endParaRPr lang="en-US" sz="1200" b="0" i="0" u="none" strike="noStrike" kern="1200" baseline="0" smtClean="0">
               <a:solidFill>
@@ -3244,7 +3213,7 @@
           <a:lstStyle/>
           <a:p>
             <a:r>
-              <a:rPr lang="ru-RU" sz="1200" b="1" i="0" u="none" strike="noStrike" kern="1200" baseline="0" smtClean="0">
+              <a:rPr lang="ru-RU" sz="1200" b="0" i="0" u="none" strike="noStrike" kern="1200" baseline="0" smtClean="0">
                 <a:solidFill>
                   <a:schemeClr val="tx1"/>
                 </a:solidFill>
@@ -3252,10 +3221,10 @@
                 <a:ea typeface="+mn-ea"/>
                 <a:cs typeface="+mn-cs"/>
               </a:rPr>
-              <a:t>Фабричний метод </a:t>
-            </a:r>
-            <a:r>
-              <a:rPr lang="ru-RU" sz="1200" b="0" i="0" u="none" strike="noStrike" kern="1200" baseline="0" smtClean="0">
+              <a:t>Може призвести до створення великих </a:t>
+            </a:r>
+            <a:r>
+              <a:rPr lang="ru-RU" sz="1200" b="1" i="0" u="none" strike="noStrike" kern="1200" baseline="0" smtClean="0">
                 <a:solidFill>
                   <a:schemeClr val="tx1"/>
                 </a:solidFill>
@@ -3263,10 +3232,10 @@
                 <a:ea typeface="+mn-ea"/>
                 <a:cs typeface="+mn-cs"/>
               </a:rPr>
-              <a:t>можна використовувати разом з </a:t>
-            </a:r>
-            <a:r>
-              <a:rPr lang="ru-RU" sz="1200" b="1" i="0" u="none" strike="noStrike" kern="1200" baseline="0" smtClean="0">
+              <a:t>паралельних ієрархій класів</a:t>
+            </a:r>
+            <a:r>
+              <a:rPr lang="ru-RU" sz="1200" b="0" i="0" u="none" strike="noStrike" kern="1200" baseline="0" smtClean="0">
                 <a:solidFill>
                   <a:schemeClr val="tx1"/>
                 </a:solidFill>
@@ -3274,8 +3243,10 @@
                 <a:ea typeface="+mn-ea"/>
                 <a:cs typeface="+mn-cs"/>
               </a:rPr>
-              <a:t>Ітератором</a:t>
-            </a:r>
+              <a:t>, оскільки для кожного класу продукту </a:t>
+            </a:r>
+          </a:p>
+          <a:p>
             <a:r>
               <a:rPr lang="ru-RU" sz="1200" b="0" i="0" u="none" strike="noStrike" kern="1200" baseline="0" smtClean="0">
                 <a:solidFill>
@@ -3285,7 +3256,7 @@
                 <a:ea typeface="+mn-ea"/>
                 <a:cs typeface="+mn-cs"/>
               </a:rPr>
-              <a:t>, щоб підкласи коллекцій могли створювати потрібні їм ітератори.</a:t>
+              <a:t>потрібно створити свій підклас творця.</a:t>
             </a:r>
             <a:endParaRPr lang="en-US" sz="1200" b="0" i="0" u="none" strike="noStrike" kern="1200" baseline="0" smtClean="0">
               <a:solidFill>
@@ -3379,7 +3350,7 @@
           <a:lstStyle/>
           <a:p>
             <a:r>
-              <a:rPr lang="uk-UA" sz="1200" b="1" i="0" u="none" strike="noStrike" kern="1200" baseline="0" smtClean="0">
+              <a:rPr lang="ru-RU" sz="1200" b="0" i="0" u="none" strike="noStrike" kern="1200" baseline="0" smtClean="0">
                 <a:solidFill>
                   <a:schemeClr val="tx1"/>
                 </a:solidFill>
@@ -3387,42 +3358,9 @@
                 <a:ea typeface="+mn-ea"/>
                 <a:cs typeface="+mn-cs"/>
               </a:rPr>
-              <a:t>Фабричні методи</a:t>
-            </a:r>
-            <a:r>
-              <a:rPr lang="uk-UA" sz="1200" b="0" i="0" u="none" strike="noStrike" kern="1200" baseline="0" smtClean="0">
-                <a:solidFill>
-                  <a:schemeClr val="tx1"/>
-                </a:solidFill>
-                <a:latin typeface="+mn-lt"/>
-                <a:ea typeface="+mn-ea"/>
-                <a:cs typeface="+mn-cs"/>
-              </a:rPr>
-              <a:t> часто викликаються всередині </a:t>
-            </a:r>
-            <a:r>
-              <a:rPr lang="uk-UA" sz="1200" b="1" i="0" u="none" strike="noStrike" kern="1200" baseline="0" smtClean="0">
-                <a:solidFill>
-                  <a:schemeClr val="tx1"/>
-                </a:solidFill>
-                <a:latin typeface="+mn-lt"/>
-                <a:ea typeface="+mn-ea"/>
-                <a:cs typeface="+mn-cs"/>
-              </a:rPr>
-              <a:t>шаблонних методів</a:t>
-            </a:r>
-            <a:r>
-              <a:rPr lang="uk-UA" sz="1200" b="0" i="0" u="none" strike="noStrike" kern="1200" baseline="0" smtClean="0">
-                <a:solidFill>
-                  <a:schemeClr val="tx1"/>
-                </a:solidFill>
-                <a:latin typeface="+mn-lt"/>
-                <a:ea typeface="+mn-ea"/>
-                <a:cs typeface="+mn-cs"/>
-              </a:rPr>
-              <a:t>.</a:t>
-            </a:r>
-            <a:endParaRPr lang="en-US" sz="1200" b="1" i="0" u="none" strike="noStrike" kern="1200" baseline="0" smtClean="0">
+              <a:t>Абстрактна фабрику часто реалізують за допомогою фабричних методів.</a:t>
+            </a:r>
+            <a:endParaRPr lang="en-US" sz="1200" b="0" i="0" u="none" strike="noStrike" kern="1200" baseline="0" smtClean="0">
               <a:solidFill>
                 <a:schemeClr val="tx1"/>
               </a:solidFill>
@@ -3514,7 +3452,7 @@
           <a:lstStyle/>
           <a:p>
             <a:r>
-              <a:rPr lang="uk-UA" sz="1200" b="1" i="0" u="none" strike="noStrike" kern="1200" baseline="0" smtClean="0">
+              <a:rPr lang="ru-RU" sz="1200" b="0" i="0" u="none" strike="noStrike" kern="1200" baseline="0" smtClean="0">
                 <a:solidFill>
                   <a:schemeClr val="tx1"/>
                 </a:solidFill>
@@ -3522,10 +3460,10 @@
                 <a:ea typeface="+mn-ea"/>
                 <a:cs typeface="+mn-cs"/>
               </a:rPr>
-              <a:t>Прототип</a:t>
-            </a:r>
-            <a:r>
-              <a:rPr lang="uk-UA" sz="1200" b="0" i="0" u="none" strike="noStrike" kern="1200" baseline="0" smtClean="0">
+              <a:t>Багато архітектур починаються з </a:t>
+            </a:r>
+            <a:r>
+              <a:rPr lang="ru-RU" sz="1200" b="1" i="0" u="none" strike="noStrike" kern="1200" baseline="0" smtClean="0">
                 <a:solidFill>
                   <a:schemeClr val="tx1"/>
                 </a:solidFill>
@@ -3533,12 +3471,10 @@
                 <a:ea typeface="+mn-ea"/>
                 <a:cs typeface="+mn-cs"/>
               </a:rPr>
-              <a:t> не потребує наслідування, але потребує складної операції ініціалізації.</a:t>
-            </a:r>
-          </a:p>
-          <a:p>
-            <a:r>
-              <a:rPr lang="uk-UA" sz="1200" b="1" i="0" u="none" strike="noStrike" kern="1200" baseline="0" smtClean="0">
+              <a:t>Фабричного методу </a:t>
+            </a:r>
+            <a:r>
+              <a:rPr lang="ru-RU" sz="1200" b="0" i="0" u="none" strike="noStrike" kern="1200" baseline="0" smtClean="0">
                 <a:solidFill>
                   <a:schemeClr val="tx1"/>
                 </a:solidFill>
@@ -3546,10 +3482,10 @@
                 <a:ea typeface="+mn-ea"/>
                 <a:cs typeface="+mn-cs"/>
               </a:rPr>
-              <a:t>Фабричний метод</a:t>
-            </a:r>
-            <a:r>
-              <a:rPr lang="uk-UA" sz="1200" b="0" i="0" u="none" strike="noStrike" kern="1200" baseline="0" smtClean="0">
+              <a:t>(більш простого і розширюваного через підкласи) і еволюціонують в сторону </a:t>
+            </a:r>
+            <a:r>
+              <a:rPr lang="ru-RU" sz="1200" b="1" i="0" u="none" strike="noStrike" kern="1200" baseline="0" smtClean="0">
                 <a:solidFill>
                   <a:schemeClr val="tx1"/>
                 </a:solidFill>
@@ -3557,9 +3493,64 @@
                 <a:ea typeface="+mn-ea"/>
                 <a:cs typeface="+mn-cs"/>
               </a:rPr>
-              <a:t> побудований на наслідуванні, але не потребує складної ініціалізації.</a:t>
-            </a:r>
-            <a:endParaRPr lang="en-US" sz="1200" b="1" i="0" u="none" strike="noStrike" kern="1200" baseline="0" smtClean="0">
+              <a:t>Абстрактної фабрики</a:t>
+            </a:r>
+            <a:r>
+              <a:rPr lang="ru-RU" sz="1200" b="0" i="0" u="none" strike="noStrike" kern="1200" baseline="0" smtClean="0">
+                <a:solidFill>
+                  <a:schemeClr val="tx1"/>
+                </a:solidFill>
+                <a:latin typeface="+mn-lt"/>
+                <a:ea typeface="+mn-ea"/>
+                <a:cs typeface="+mn-cs"/>
+              </a:rPr>
+              <a:t>, </a:t>
+            </a:r>
+            <a:r>
+              <a:rPr lang="ru-RU" sz="1200" b="1" i="0" u="none" strike="noStrike" kern="1200" baseline="0" smtClean="0">
+                <a:solidFill>
+                  <a:schemeClr val="tx1"/>
+                </a:solidFill>
+                <a:latin typeface="+mn-lt"/>
+                <a:ea typeface="+mn-ea"/>
+                <a:cs typeface="+mn-cs"/>
+              </a:rPr>
+              <a:t>Прототипа </a:t>
+            </a:r>
+            <a:r>
+              <a:rPr lang="ru-RU" sz="1200" b="0" i="0" u="none" strike="noStrike" kern="1200" baseline="0" smtClean="0">
+                <a:solidFill>
+                  <a:schemeClr val="tx1"/>
+                </a:solidFill>
+                <a:latin typeface="+mn-lt"/>
+                <a:ea typeface="+mn-ea"/>
+                <a:cs typeface="+mn-cs"/>
+              </a:rPr>
+              <a:t>або </a:t>
+            </a:r>
+            <a:r>
+              <a:rPr lang="ru-RU" sz="1200" b="1" i="0" u="none" strike="noStrike" kern="1200" baseline="0" smtClean="0">
+                <a:solidFill>
+                  <a:schemeClr val="tx1"/>
+                </a:solidFill>
+                <a:latin typeface="+mn-lt"/>
+                <a:ea typeface="+mn-ea"/>
+                <a:cs typeface="+mn-cs"/>
+              </a:rPr>
+              <a:t>Будівельника </a:t>
+            </a:r>
+            <a:r>
+              <a:rPr lang="ru-RU" sz="1200" b="0" i="0" u="none" strike="noStrike" kern="1200" baseline="0" smtClean="0">
+                <a:solidFill>
+                  <a:schemeClr val="tx1"/>
+                </a:solidFill>
+                <a:latin typeface="+mn-lt"/>
+                <a:ea typeface="+mn-ea"/>
+                <a:cs typeface="+mn-cs"/>
+              </a:rPr>
+              <a:t>(гнучкіші, але і складніші).</a:t>
+            </a:r>
+            <a:endParaRPr lang="en-US" sz="1200" b="0" i="0" u="none" strike="noStrike" kern="1200" baseline="0" smtClean="0">
               <a:solidFill>
                 <a:schemeClr val="tx1"/>
               </a:solidFill>
@@ -3650,7 +3641,51 @@
           <a:bodyPr/>
           <a:lstStyle/>
           <a:p>
-            <a:endParaRPr lang="en-US" sz="1200" b="1" i="0" u="none" strike="noStrike" kern="1200" baseline="0" smtClean="0">
+            <a:r>
+              <a:rPr lang="ru-RU" sz="1200" b="1" i="0" u="none" strike="noStrike" kern="1200" baseline="0" smtClean="0">
+                <a:solidFill>
+                  <a:schemeClr val="tx1"/>
+                </a:solidFill>
+                <a:latin typeface="+mn-lt"/>
+                <a:ea typeface="+mn-ea"/>
+                <a:cs typeface="+mn-cs"/>
+              </a:rPr>
+              <a:t>Фабричний метод </a:t>
+            </a:r>
+            <a:r>
+              <a:rPr lang="ru-RU" sz="1200" b="0" i="0" u="none" strike="noStrike" kern="1200" baseline="0" smtClean="0">
+                <a:solidFill>
+                  <a:schemeClr val="tx1"/>
+                </a:solidFill>
+                <a:latin typeface="+mn-lt"/>
+                <a:ea typeface="+mn-ea"/>
+                <a:cs typeface="+mn-cs"/>
+              </a:rPr>
+              <a:t>можна використовувати разом з </a:t>
+            </a:r>
+            <a:r>
+              <a:rPr lang="ru-RU" sz="1200" b="1" i="0" u="none" strike="noStrike" kern="1200" baseline="0" smtClean="0">
+                <a:solidFill>
+                  <a:schemeClr val="tx1"/>
+                </a:solidFill>
+                <a:latin typeface="+mn-lt"/>
+                <a:ea typeface="+mn-ea"/>
+                <a:cs typeface="+mn-cs"/>
+              </a:rPr>
+              <a:t>Ітератором</a:t>
+            </a:r>
+            <a:r>
+              <a:rPr lang="ru-RU" sz="1200" b="0" i="0" u="none" strike="noStrike" kern="1200" baseline="0" smtClean="0">
+                <a:solidFill>
+                  <a:schemeClr val="tx1"/>
+                </a:solidFill>
+                <a:latin typeface="+mn-lt"/>
+                <a:ea typeface="+mn-ea"/>
+                <a:cs typeface="+mn-cs"/>
+              </a:rPr>
+              <a:t>, щоб підкласи коллекцій могли створювати потрібні їм ітератори.</a:t>
+            </a:r>
+            <a:endParaRPr lang="en-US" sz="1200" b="0" i="0" u="none" strike="noStrike" kern="1200" baseline="0" smtClean="0">
               <a:solidFill>
                 <a:schemeClr val="tx1"/>
               </a:solidFill>
@@ -3828,6 +3863,50 @@
           <a:bodyPr/>
           <a:lstStyle/>
           <a:p>
+            <a:r>
+              <a:rPr lang="uk-UA" sz="1200" b="1" i="0" u="none" strike="noStrike" kern="1200" baseline="0" smtClean="0">
+                <a:solidFill>
+                  <a:schemeClr val="tx1"/>
+                </a:solidFill>
+                <a:latin typeface="+mn-lt"/>
+                <a:ea typeface="+mn-ea"/>
+                <a:cs typeface="+mn-cs"/>
+              </a:rPr>
+              <a:t>Фабричні методи</a:t>
+            </a:r>
+            <a:r>
+              <a:rPr lang="uk-UA" sz="1200" b="0" i="0" u="none" strike="noStrike" kern="1200" baseline="0" smtClean="0">
+                <a:solidFill>
+                  <a:schemeClr val="tx1"/>
+                </a:solidFill>
+                <a:latin typeface="+mn-lt"/>
+                <a:ea typeface="+mn-ea"/>
+                <a:cs typeface="+mn-cs"/>
+              </a:rPr>
+              <a:t> часто викликаються всередині </a:t>
+            </a:r>
+            <a:r>
+              <a:rPr lang="uk-UA" sz="1200" b="1" i="0" u="none" strike="noStrike" kern="1200" baseline="0" smtClean="0">
+                <a:solidFill>
+                  <a:schemeClr val="tx1"/>
+                </a:solidFill>
+                <a:latin typeface="+mn-lt"/>
+                <a:ea typeface="+mn-ea"/>
+                <a:cs typeface="+mn-cs"/>
+              </a:rPr>
+              <a:t>шаблонних методів</a:t>
+            </a:r>
+            <a:r>
+              <a:rPr lang="uk-UA" sz="1200" b="0" i="0" u="none" strike="noStrike" kern="1200" baseline="0" smtClean="0">
+                <a:solidFill>
+                  <a:schemeClr val="tx1"/>
+                </a:solidFill>
+                <a:latin typeface="+mn-lt"/>
+                <a:ea typeface="+mn-ea"/>
+                <a:cs typeface="+mn-cs"/>
+              </a:rPr>
+              <a:t>.</a:t>
+            </a:r>
             <a:endParaRPr lang="en-US" sz="1200" b="1" i="0" u="none" strike="noStrike" kern="1200" baseline="0" smtClean="0">
               <a:solidFill>
                 <a:schemeClr val="tx1"/>
@@ -3857,6 +3936,325 @@
             <a:fld id="{3C13BA1D-EAE5-4AF1-B42B-5DC5A6D09AB1}" type="slidenum">
               <a:rPr lang="ru-RU" smtClean="0"/>
               <a:t>31</a:t>
+            </a:fld>
+            <a:endParaRPr lang="ru-RU"/>
+          </a:p>
+        </p:txBody>
+      </p:sp>
+    </p:spTree>
+    <p:extLst>
+      <p:ext uri="{BB962C8B-B14F-4D97-AF65-F5344CB8AC3E}">
+        <p14:creationId xmlns:p14="http://schemas.microsoft.com/office/powerpoint/2010/main" val="2016077874"/>
+      </p:ext>
+    </p:extLst>
+  </p:cSld>
+  <p:clrMapOvr>
+    <a:masterClrMapping/>
+  </p:clrMapOvr>
+</p:notes>
+</file>
+
+<file path=ppt/notesSlides/notesSlide31.xml><?xml version="1.0" encoding="utf-8"?>
+<p:notes xmlns:a="http://schemas.openxmlformats.org/drawingml/2006/main" xmlns:r="http://schemas.openxmlformats.org/officeDocument/2006/relationships" xmlns:p="http://schemas.openxmlformats.org/presentationml/2006/main">
+  <p:cSld>
+    <p:spTree>
+      <p:nvGrpSpPr>
+        <p:cNvPr id="1" name=""/>
+        <p:cNvGrpSpPr/>
+        <p:nvPr/>
+      </p:nvGrpSpPr>
+      <p:grpSpPr>
+        <a:xfrm>
+          <a:off x="0" y="0"/>
+          <a:ext cx="0" cy="0"/>
+          <a:chOff x="0" y="0"/>
+          <a:chExt cx="0" cy="0"/>
+        </a:xfrm>
+      </p:grpSpPr>
+      <p:sp>
+        <p:nvSpPr>
+          <p:cNvPr id="2" name="Образ слайда 1"/>
+          <p:cNvSpPr>
+            <a:spLocks noGrp="1" noRot="1" noChangeAspect="1"/>
+          </p:cNvSpPr>
+          <p:nvPr>
+            <p:ph type="sldImg"/>
+          </p:nvPr>
+        </p:nvSpPr>
+        <p:spPr/>
+      </p:sp>
+      <p:sp>
+        <p:nvSpPr>
+          <p:cNvPr id="3" name="Заметки 2"/>
+          <p:cNvSpPr>
+            <a:spLocks noGrp="1"/>
+          </p:cNvSpPr>
+          <p:nvPr>
+            <p:ph type="body" idx="1"/>
+          </p:nvPr>
+        </p:nvSpPr>
+        <p:spPr/>
+        <p:txBody>
+          <a:bodyPr/>
+          <a:lstStyle/>
+          <a:p>
+            <a:r>
+              <a:rPr lang="uk-UA" sz="1200" b="1" i="0" u="none" strike="noStrike" kern="1200" baseline="0" smtClean="0">
+                <a:solidFill>
+                  <a:schemeClr val="tx1"/>
+                </a:solidFill>
+                <a:latin typeface="+mn-lt"/>
+                <a:ea typeface="+mn-ea"/>
+                <a:cs typeface="+mn-cs"/>
+              </a:rPr>
+              <a:t>Прототип</a:t>
+            </a:r>
+            <a:r>
+              <a:rPr lang="uk-UA" sz="1200" b="0" i="0" u="none" strike="noStrike" kern="1200" baseline="0" smtClean="0">
+                <a:solidFill>
+                  <a:schemeClr val="tx1"/>
+                </a:solidFill>
+                <a:latin typeface="+mn-lt"/>
+                <a:ea typeface="+mn-ea"/>
+                <a:cs typeface="+mn-cs"/>
+              </a:rPr>
+              <a:t> не потребує наслідування, але потребує складної операції ініціалізації.</a:t>
+            </a:r>
+          </a:p>
+          <a:p>
+            <a:r>
+              <a:rPr lang="uk-UA" sz="1200" b="1" i="0" u="none" strike="noStrike" kern="1200" baseline="0" smtClean="0">
+                <a:solidFill>
+                  <a:schemeClr val="tx1"/>
+                </a:solidFill>
+                <a:latin typeface="+mn-lt"/>
+                <a:ea typeface="+mn-ea"/>
+                <a:cs typeface="+mn-cs"/>
+              </a:rPr>
+              <a:t>Фабричний метод</a:t>
+            </a:r>
+            <a:r>
+              <a:rPr lang="uk-UA" sz="1200" b="0" i="0" u="none" strike="noStrike" kern="1200" baseline="0" smtClean="0">
+                <a:solidFill>
+                  <a:schemeClr val="tx1"/>
+                </a:solidFill>
+                <a:latin typeface="+mn-lt"/>
+                <a:ea typeface="+mn-ea"/>
+                <a:cs typeface="+mn-cs"/>
+              </a:rPr>
+              <a:t> побудований на наслідуванні, але не потребує складної ініціалізації.</a:t>
+            </a:r>
+            <a:endParaRPr lang="en-US" sz="1200" b="1" i="0" u="none" strike="noStrike" kern="1200" baseline="0" smtClean="0">
+              <a:solidFill>
+                <a:schemeClr val="tx1"/>
+              </a:solidFill>
+              <a:latin typeface="+mn-lt"/>
+              <a:ea typeface="+mn-ea"/>
+              <a:cs typeface="+mn-cs"/>
+            </a:endParaRPr>
+          </a:p>
+        </p:txBody>
+      </p:sp>
+      <p:sp>
+        <p:nvSpPr>
+          <p:cNvPr id="4" name="Номер слайда 3"/>
+          <p:cNvSpPr>
+            <a:spLocks noGrp="1"/>
+          </p:cNvSpPr>
+          <p:nvPr>
+            <p:ph type="sldNum" sz="quarter" idx="10"/>
+          </p:nvPr>
+        </p:nvSpPr>
+        <p:spPr/>
+        <p:txBody>
+          <a:bodyPr/>
+          <a:lstStyle/>
+          <a:p>
+            <a:fld id="{3C13BA1D-EAE5-4AF1-B42B-5DC5A6D09AB1}" type="slidenum">
+              <a:rPr lang="ru-RU" smtClean="0"/>
+              <a:t>32</a:t>
+            </a:fld>
+            <a:endParaRPr lang="ru-RU"/>
+          </a:p>
+        </p:txBody>
+      </p:sp>
+    </p:spTree>
+    <p:extLst>
+      <p:ext uri="{BB962C8B-B14F-4D97-AF65-F5344CB8AC3E}">
+        <p14:creationId xmlns:p14="http://schemas.microsoft.com/office/powerpoint/2010/main" val="2016077874"/>
+      </p:ext>
+    </p:extLst>
+  </p:cSld>
+  <p:clrMapOvr>
+    <a:masterClrMapping/>
+  </p:clrMapOvr>
+</p:notes>
+</file>
+
+<file path=ppt/notesSlides/notesSlide32.xml><?xml version="1.0" encoding="utf-8"?>
+<p:notes xmlns:a="http://schemas.openxmlformats.org/drawingml/2006/main" xmlns:r="http://schemas.openxmlformats.org/officeDocument/2006/relationships" xmlns:p="http://schemas.openxmlformats.org/presentationml/2006/main">
+  <p:cSld>
+    <p:spTree>
+      <p:nvGrpSpPr>
+        <p:cNvPr id="1" name=""/>
+        <p:cNvGrpSpPr/>
+        <p:nvPr/>
+      </p:nvGrpSpPr>
+      <p:grpSpPr>
+        <a:xfrm>
+          <a:off x="0" y="0"/>
+          <a:ext cx="0" cy="0"/>
+          <a:chOff x="0" y="0"/>
+          <a:chExt cx="0" cy="0"/>
+        </a:xfrm>
+      </p:grpSpPr>
+      <p:sp>
+        <p:nvSpPr>
+          <p:cNvPr id="2" name="Образ слайда 1"/>
+          <p:cNvSpPr>
+            <a:spLocks noGrp="1" noRot="1" noChangeAspect="1"/>
+          </p:cNvSpPr>
+          <p:nvPr>
+            <p:ph type="sldImg"/>
+          </p:nvPr>
+        </p:nvSpPr>
+        <p:spPr/>
+      </p:sp>
+      <p:sp>
+        <p:nvSpPr>
+          <p:cNvPr id="3" name="Заметки 2"/>
+          <p:cNvSpPr>
+            <a:spLocks noGrp="1"/>
+          </p:cNvSpPr>
+          <p:nvPr>
+            <p:ph type="body" idx="1"/>
+          </p:nvPr>
+        </p:nvSpPr>
+        <p:spPr/>
+        <p:txBody>
+          <a:bodyPr/>
+          <a:lstStyle/>
+          <a:p>
+            <a:endParaRPr lang="en-US" sz="1200" b="1" i="0" u="none" strike="noStrike" kern="1200" baseline="0" smtClean="0">
+              <a:solidFill>
+                <a:schemeClr val="tx1"/>
+              </a:solidFill>
+              <a:latin typeface="+mn-lt"/>
+              <a:ea typeface="+mn-ea"/>
+              <a:cs typeface="+mn-cs"/>
+            </a:endParaRPr>
+          </a:p>
+        </p:txBody>
+      </p:sp>
+      <p:sp>
+        <p:nvSpPr>
+          <p:cNvPr id="4" name="Номер слайда 3"/>
+          <p:cNvSpPr>
+            <a:spLocks noGrp="1"/>
+          </p:cNvSpPr>
+          <p:nvPr>
+            <p:ph type="sldNum" sz="quarter" idx="10"/>
+          </p:nvPr>
+        </p:nvSpPr>
+        <p:spPr/>
+        <p:txBody>
+          <a:bodyPr/>
+          <a:lstStyle/>
+          <a:p>
+            <a:fld id="{3C13BA1D-EAE5-4AF1-B42B-5DC5A6D09AB1}" type="slidenum">
+              <a:rPr lang="ru-RU" smtClean="0"/>
+              <a:t>33</a:t>
+            </a:fld>
+            <a:endParaRPr lang="ru-RU"/>
+          </a:p>
+        </p:txBody>
+      </p:sp>
+    </p:spTree>
+    <p:extLst>
+      <p:ext uri="{BB962C8B-B14F-4D97-AF65-F5344CB8AC3E}">
+        <p14:creationId xmlns:p14="http://schemas.microsoft.com/office/powerpoint/2010/main" val="2016077874"/>
+      </p:ext>
+    </p:extLst>
+  </p:cSld>
+  <p:clrMapOvr>
+    <a:masterClrMapping/>
+  </p:clrMapOvr>
+</p:notes>
+</file>
+
+<file path=ppt/notesSlides/notesSlide33.xml><?xml version="1.0" encoding="utf-8"?>
+<p:notes xmlns:a="http://schemas.openxmlformats.org/drawingml/2006/main" xmlns:r="http://schemas.openxmlformats.org/officeDocument/2006/relationships" xmlns:p="http://schemas.openxmlformats.org/presentationml/2006/main">
+  <p:cSld>
+    <p:spTree>
+      <p:nvGrpSpPr>
+        <p:cNvPr id="1" name=""/>
+        <p:cNvGrpSpPr/>
+        <p:nvPr/>
+      </p:nvGrpSpPr>
+      <p:grpSpPr>
+        <a:xfrm>
+          <a:off x="0" y="0"/>
+          <a:ext cx="0" cy="0"/>
+          <a:chOff x="0" y="0"/>
+          <a:chExt cx="0" cy="0"/>
+        </a:xfrm>
+      </p:grpSpPr>
+      <p:sp>
+        <p:nvSpPr>
+          <p:cNvPr id="2" name="Образ слайда 1"/>
+          <p:cNvSpPr>
+            <a:spLocks noGrp="1" noRot="1" noChangeAspect="1"/>
+          </p:cNvSpPr>
+          <p:nvPr>
+            <p:ph type="sldImg"/>
+          </p:nvPr>
+        </p:nvSpPr>
+        <p:spPr/>
+      </p:sp>
+      <p:sp>
+        <p:nvSpPr>
+          <p:cNvPr id="3" name="Заметки 2"/>
+          <p:cNvSpPr>
+            <a:spLocks noGrp="1"/>
+          </p:cNvSpPr>
+          <p:nvPr>
+            <p:ph type="body" idx="1"/>
+          </p:nvPr>
+        </p:nvSpPr>
+        <p:spPr/>
+        <p:txBody>
+          <a:bodyPr/>
+          <a:lstStyle/>
+          <a:p>
+            <a:endParaRPr lang="en-US" sz="1200" b="1" i="0" u="none" strike="noStrike" kern="1200" baseline="0" smtClean="0">
+              <a:solidFill>
+                <a:schemeClr val="tx1"/>
+              </a:solidFill>
+              <a:latin typeface="+mn-lt"/>
+              <a:ea typeface="+mn-ea"/>
+              <a:cs typeface="+mn-cs"/>
+            </a:endParaRPr>
+          </a:p>
+        </p:txBody>
+      </p:sp>
+      <p:sp>
+        <p:nvSpPr>
+          <p:cNvPr id="4" name="Номер слайда 3"/>
+          <p:cNvSpPr>
+            <a:spLocks noGrp="1"/>
+          </p:cNvSpPr>
+          <p:nvPr>
+            <p:ph type="sldNum" sz="quarter" idx="10"/>
+          </p:nvPr>
+        </p:nvSpPr>
+        <p:spPr/>
+        <p:txBody>
+          <a:bodyPr/>
+          <a:lstStyle/>
+          <a:p>
+            <a:fld id="{3C13BA1D-EAE5-4AF1-B42B-5DC5A6D09AB1}" type="slidenum">
+              <a:rPr lang="ru-RU" smtClean="0"/>
+              <a:t>34</a:t>
             </a:fld>
             <a:endParaRPr lang="ru-RU"/>
           </a:p>
@@ -4238,57 +4636,62 @@
           <a:p>
             <a:r>
               <a:rPr lang="uk-UA" smtClean="0"/>
-              <a:t>Паттерн</a:t>
+              <a:t>Проходить півроку.</a:t>
             </a:r>
             <a:r>
               <a:rPr lang="uk-UA" baseline="0" smtClean="0"/>
+              <a:t> Замовник знову приходить до вас, щасливий. Каже, що знайшов спонсорів, і тепер вони хочуть перевозити вантажі ще на </a:t>
+            </a:r>
+            <a:r>
+              <a:rPr lang="uk-UA" i="1" baseline="0" smtClean="0"/>
+              <a:t>Кораблях</a:t>
+            </a:r>
+            <a:r>
+              <a:rPr lang="uk-UA" baseline="0" smtClean="0"/>
+              <a:t>.</a:t>
+            </a:r>
+            <a:endParaRPr lang="en-US" baseline="0" smtClean="0"/>
+          </a:p>
+          <a:p>
+            <a:endParaRPr lang="en-US" baseline="0" smtClean="0"/>
+          </a:p>
+          <a:p>
+            <a:r>
+              <a:rPr lang="uk-UA" baseline="0" smtClean="0"/>
+              <a:t>Чудова новина! Але як же код? Оскільки він прив’язаний до класу </a:t>
+            </a:r>
+            <a:r>
+              <a:rPr lang="uk-UA" i="1" baseline="0" smtClean="0"/>
+              <a:t>Вантажна машина</a:t>
+            </a:r>
+            <a:r>
+              <a:rPr lang="uk-UA" i="0" baseline="0" smtClean="0"/>
+              <a:t>, то доведеться переглянути і змінити весь код. А що як ще через півроку замовник вирішить доправляти вантаж ще на літаках? З такою архітектурою як зараз, код переповниться умовними операторами, які обиратимуть певну дію залежно від виду транспорту.</a:t>
+            </a:r>
+          </a:p>
+          <a:p>
+            <a:endParaRPr lang="uk-UA" i="0" baseline="0" smtClean="0"/>
+          </a:p>
+          <a:p>
+            <a:r>
+              <a:rPr lang="uk-UA" i="0" baseline="0" smtClean="0"/>
+              <a:t>Отже, ви вирішуєте, що краще одразу змінити архітектуру на більш вдалу, наприклад</a:t>
+            </a:r>
+            <a:r>
+              <a:rPr lang="en-US" i="0" baseline="0" smtClean="0"/>
               <a:t> </a:t>
+            </a:r>
+            <a:r>
+              <a:rPr lang="uk-UA" i="0" baseline="0" smtClean="0"/>
+              <a:t>використати </a:t>
             </a:r>
             <a:r>
               <a:rPr lang="uk-UA" i="1" baseline="0" smtClean="0"/>
               <a:t>Фабричний метод</a:t>
             </a:r>
             <a:r>
-              <a:rPr lang="uk-UA" i="0" baseline="0" smtClean="0"/>
-              <a:t> пропонує створювати об’єкти не напряму, використовуючи </a:t>
-            </a:r>
-            <a:r>
-              <a:rPr lang="uk-UA" i="1" baseline="0" smtClean="0"/>
-              <a:t>конструктор</a:t>
-            </a:r>
-            <a:r>
-              <a:rPr lang="uk-UA" i="0" baseline="0" smtClean="0"/>
-              <a:t>, а через виклик особливого </a:t>
-            </a:r>
-            <a:r>
-              <a:rPr lang="uk-UA" i="1" baseline="0" smtClean="0"/>
-              <a:t>фабричного методу</a:t>
-            </a:r>
-            <a:r>
-              <a:rPr lang="uk-UA" i="0" baseline="0" smtClean="0"/>
+              <a:rPr lang="en-US" i="1" baseline="0" smtClean="0"/>
               <a:t>.</a:t>
-            </a:r>
-          </a:p>
-          <a:p>
-            <a:r>
-              <a:rPr lang="uk-UA" i="0" baseline="0" smtClean="0"/>
-              <a:t>Об’єкти звісно все одно створюватимуться за допомогою </a:t>
-            </a:r>
-            <a:r>
-              <a:rPr lang="uk-UA" i="1" baseline="0" smtClean="0"/>
-              <a:t>конструктора</a:t>
-            </a:r>
-            <a:r>
-              <a:rPr lang="uk-UA" i="0" baseline="0" smtClean="0"/>
-              <a:t>, але це буде робити вже </a:t>
-            </a:r>
-            <a:r>
-              <a:rPr lang="uk-UA" i="1" baseline="0" smtClean="0"/>
-              <a:t>фабричний метод</a:t>
-            </a:r>
-            <a:r>
-              <a:rPr lang="uk-UA" i="0" baseline="0" smtClean="0"/>
-              <a:t>. Давайте подивимось на діаграму.</a:t>
             </a:r>
             <a:endParaRPr lang="ru-RU"/>
           </a:p>
@@ -4320,7 +4723,7 @@
     </p:spTree>
     <p:extLst>
       <p:ext uri="{BB962C8B-B14F-4D97-AF65-F5344CB8AC3E}">
-        <p14:creationId xmlns:p14="http://schemas.microsoft.com/office/powerpoint/2010/main" val="1201891661"/>
+        <p14:creationId xmlns:p14="http://schemas.microsoft.com/office/powerpoint/2010/main" val="2768605303"/>
       </p:ext>
     </p:extLst>
   </p:cSld>
@@ -4376,17 +4779,57 @@
           <a:p>
             <a:r>
               <a:rPr lang="uk-UA" smtClean="0"/>
-              <a:t>Отже, є інтерфейс (або абстрактний клас) застосування, від якого наслідуються</a:t>
+              <a:t>Паттерн</a:t>
             </a:r>
             <a:r>
               <a:rPr lang="uk-UA" baseline="0" smtClean="0"/>
-              <a:t> різні види застосування.</a:t>
-            </a:r>
-          </a:p>
-          <a:p>
-            <a:r>
-              <a:rPr lang="uk-UA" baseline="0" smtClean="0"/>
-              <a:t>На перший погляд, це може здатися безглуздим – ми просто перемістили виклик методу з одного місця в інше. Але тепер можна буде перевизначити фабричний метод у підкласі, щоб змінити тип створюваного продукту.</a:t>
+              <a:t> </a:t>
+            </a:r>
+            <a:r>
+              <a:rPr lang="uk-UA" i="1" baseline="0" smtClean="0"/>
+              <a:t>Фабричний метод</a:t>
+            </a:r>
+            <a:r>
+              <a:rPr lang="uk-UA" i="0" baseline="0" smtClean="0"/>
+              <a:t> пропонує створювати об’єкти не напряму, використовуючи </a:t>
+            </a:r>
+            <a:r>
+              <a:rPr lang="uk-UA" i="1" baseline="0" smtClean="0"/>
+              <a:t>конструктор</a:t>
+            </a:r>
+            <a:r>
+              <a:rPr lang="uk-UA" i="0" baseline="0" smtClean="0"/>
+              <a:t>, а через виклик особливого </a:t>
+            </a:r>
+            <a:r>
+              <a:rPr lang="uk-UA" i="1" baseline="0" smtClean="0"/>
+              <a:t>фабричного методу</a:t>
+            </a:r>
+            <a:r>
+              <a:rPr lang="uk-UA" i="0" baseline="0" smtClean="0"/>
+              <a:t>.</a:t>
+            </a:r>
+          </a:p>
+          <a:p>
+            <a:r>
+              <a:rPr lang="uk-UA" i="0" baseline="0" smtClean="0"/>
+              <a:t>Об’єкти звісно все одно створюватимуться за допомогою </a:t>
+            </a:r>
+            <a:r>
+              <a:rPr lang="uk-UA" i="1" baseline="0" smtClean="0"/>
+              <a:t>конструктора</a:t>
+            </a:r>
+            <a:r>
+              <a:rPr lang="uk-UA" i="0" baseline="0" smtClean="0"/>
+              <a:t>, але це буде робити вже </a:t>
+            </a:r>
+            <a:r>
+              <a:rPr lang="uk-UA" i="1" baseline="0" smtClean="0"/>
+              <a:t>фабричний метод</a:t>
+            </a:r>
+            <a:r>
+              <a:rPr lang="uk-UA" i="0" baseline="0" smtClean="0"/>
+              <a:t>. Давайте подивимось на діаграму.</a:t>
             </a:r>
             <a:endParaRPr lang="ru-RU"/>
           </a:p>
@@ -4418,7 +4861,7 @@
     </p:spTree>
     <p:extLst>
       <p:ext uri="{BB962C8B-B14F-4D97-AF65-F5344CB8AC3E}">
-        <p14:creationId xmlns:p14="http://schemas.microsoft.com/office/powerpoint/2010/main" val="2016077874"/>
+        <p14:creationId xmlns:p14="http://schemas.microsoft.com/office/powerpoint/2010/main" val="1201891661"/>
       </p:ext>
     </p:extLst>
   </p:cSld>
@@ -4474,128 +4917,19 @@
           <a:p>
             <a:r>
               <a:rPr lang="uk-UA" smtClean="0"/>
-              <a:t>Щоб ця система працювала,</a:t>
+              <a:t>Отже, є інтерфейс (або абстрактний клас) застосування, від якого наслідуються</a:t>
             </a:r>
             <a:r>
               <a:rPr lang="uk-UA" baseline="0" smtClean="0"/>
-              <a:t> усі створювані продукти повинні мати спільний інтерфейс.</a:t>
-            </a:r>
-          </a:p>
-          <a:p>
-            <a:endParaRPr lang="uk-UA" baseline="0" smtClean="0"/>
+              <a:t> різні види застосування.</a:t>
+            </a:r>
           </a:p>
           <a:p>
             <a:r>
               <a:rPr lang="uk-UA" baseline="0" smtClean="0"/>
-              <a:t>Класи </a:t>
-            </a:r>
-            <a:r>
-              <a:rPr lang="uk-UA" i="1" baseline="0" smtClean="0"/>
-              <a:t>Вантажна машина</a:t>
-            </a:r>
-            <a:r>
-              <a:rPr lang="uk-UA" i="0" baseline="0" smtClean="0"/>
-              <a:t> і </a:t>
-            </a:r>
-            <a:r>
-              <a:rPr lang="uk-UA" i="1" baseline="0" smtClean="0"/>
-              <a:t>Судно</a:t>
-            </a:r>
-            <a:r>
-              <a:rPr lang="uk-UA" i="0" baseline="0" smtClean="0"/>
-              <a:t> реалізують інтерфейс </a:t>
-            </a:r>
-            <a:r>
-              <a:rPr lang="uk-UA" i="1" baseline="0" smtClean="0"/>
-              <a:t>Транспорт  </a:t>
-            </a:r>
-            <a:r>
-              <a:rPr lang="uk-UA" i="0" baseline="0" smtClean="0"/>
-              <a:t>з методом </a:t>
-            </a:r>
-            <a:r>
-              <a:rPr lang="uk-UA" i="1" baseline="0" smtClean="0"/>
-              <a:t>доставити</a:t>
-            </a:r>
-            <a:r>
-              <a:rPr lang="uk-UA" i="0" baseline="0" smtClean="0"/>
-              <a:t>. Кожен з них реалізує його по-своєму: </a:t>
-            </a:r>
-            <a:r>
-              <a:rPr lang="uk-UA" i="1" baseline="0" smtClean="0"/>
-              <a:t>Вантажна машина </a:t>
-            </a:r>
-            <a:r>
-              <a:rPr lang="uk-UA" i="0" baseline="0" smtClean="0"/>
-              <a:t>везе вантаж по дорозі, а </a:t>
-            </a:r>
-            <a:r>
-              <a:rPr lang="uk-UA" i="1" baseline="0" smtClean="0"/>
-              <a:t>Судно</a:t>
-            </a:r>
-            <a:r>
-              <a:rPr lang="uk-UA" i="0" baseline="0" smtClean="0"/>
-              <a:t> – по морю.</a:t>
-            </a:r>
-          </a:p>
-          <a:p>
-            <a:endParaRPr lang="uk-UA" i="0" baseline="0" smtClean="0"/>
-          </a:p>
-          <a:p>
-            <a:r>
-              <a:rPr lang="uk-UA" i="1" baseline="0" smtClean="0"/>
-              <a:t>Фабричний метод</a:t>
-            </a:r>
-            <a:r>
-              <a:rPr lang="uk-UA" i="0" baseline="0" smtClean="0"/>
-              <a:t> в класі </a:t>
-            </a:r>
-            <a:r>
-              <a:rPr lang="uk-UA" i="1" baseline="0" smtClean="0"/>
-              <a:t>Дорожньої логістики</a:t>
-            </a:r>
-            <a:r>
-              <a:rPr lang="uk-UA" i="0" baseline="0" smtClean="0"/>
-              <a:t> повертатиме </a:t>
-            </a:r>
-            <a:r>
-              <a:rPr lang="uk-UA" i="1" baseline="0" smtClean="0"/>
-              <a:t>Вантажну машину</a:t>
-            </a:r>
-            <a:r>
-              <a:rPr lang="uk-UA" i="0" baseline="0" smtClean="0"/>
-              <a:t>, а клас </a:t>
-            </a:r>
-            <a:r>
-              <a:rPr lang="uk-UA" i="1" baseline="0" smtClean="0"/>
-              <a:t>Морської логістики </a:t>
-            </a:r>
-            <a:r>
-              <a:rPr lang="uk-UA" i="0" baseline="0" smtClean="0"/>
-              <a:t> - </a:t>
-            </a:r>
-            <a:r>
-              <a:rPr lang="uk-UA" i="1" baseline="0" smtClean="0"/>
-              <a:t>Судно</a:t>
-            </a:r>
-            <a:r>
-              <a:rPr lang="uk-UA" i="0" baseline="0" smtClean="0"/>
-              <a:t>.</a:t>
-            </a:r>
-          </a:p>
-          <a:p>
-            <a:r>
-              <a:rPr lang="uk-UA" i="0" baseline="0" smtClean="0"/>
-              <a:t>Для клієнта фабричного методу не буде різниці між цими об’єктами, він буде трактувати їх як абстрактний </a:t>
-            </a:r>
-            <a:r>
-              <a:rPr lang="uk-UA" i="1" baseline="0" smtClean="0"/>
-              <a:t>Транспорт</a:t>
-            </a:r>
-            <a:r>
-              <a:rPr lang="uk-UA" i="0" baseline="0" smtClean="0"/>
-              <a:t>.</a:t>
-            </a:r>
+              <a:t>На перший погляд, це може здатися безглуздим – ми просто перемістили виклик методу з одного місця в інше. Але тепер можна буде перевизначити фабричний метод у підкласі, щоб змінити тип створюваного продукту.</a:t>
+            </a:r>
+            <a:endParaRPr lang="ru-RU"/>
           </a:p>
         </p:txBody>
       </p:sp>
@@ -8166,71 +8500,21 @@
           <a:p>
             <a:r>
               <a:rPr lang="en-US" smtClean="0"/>
-              <a:t>Transport diagram</a:t>
+              <a:t>Logistics diagram</a:t>
             </a:r>
             <a:endParaRPr lang="ru-RU"/>
-          </a:p>
-        </p:txBody>
-      </p:sp>
-      <p:sp>
-        <p:nvSpPr>
-          <p:cNvPr id="4" name="TextBox 3"/>
-          <p:cNvSpPr txBox="1"/>
-          <p:nvPr/>
-        </p:nvSpPr>
-        <p:spPr>
-          <a:xfrm>
-            <a:off x="1652552" y="6165304"/>
-            <a:ext cx="7455952" cy="369332"/>
-          </a:xfrm>
-          <a:prstGeom prst="rect">
-            <a:avLst/>
-          </a:prstGeom>
-          <a:noFill/>
-        </p:spPr>
-        <p:txBody>
-          <a:bodyPr wrap="none" rtlCol="0">
-            <a:spAutoFit/>
-          </a:bodyPr>
-          <a:lstStyle/>
-          <a:p>
-            <a:r>
-              <a:rPr lang="en-US">
-                <a:solidFill>
-                  <a:schemeClr val="accent6">
-                    <a:lumMod val="75000"/>
-                  </a:schemeClr>
-                </a:solidFill>
-              </a:rPr>
-              <a:t>S</a:t>
-            </a:r>
-            <a:r>
-              <a:rPr lang="en-US" smtClean="0">
-                <a:solidFill>
-                  <a:schemeClr val="accent6">
-                    <a:lumMod val="75000"/>
-                  </a:schemeClr>
-                </a:solidFill>
-              </a:rPr>
-              <a:t>ource: Design Patterns Explained Simply by Alexander Shvets, pg. 72</a:t>
-            </a:r>
-            <a:endParaRPr lang="en-US" u="sng">
-              <a:solidFill>
-                <a:schemeClr val="accent6">
-                  <a:lumMod val="75000"/>
-                </a:schemeClr>
-              </a:solidFill>
-            </a:endParaRPr>
           </a:p>
         </p:txBody>
       </p:sp>
       <p:pic>
         <p:nvPicPr>
-          <p:cNvPr id="6" name="Рисунок 5"/>
+          <p:cNvPr id="5" name="Объект 4"/>
           <p:cNvPicPr>
-            <a:picLocks noChangeAspect="1"/>
+            <a:picLocks noGrp="1" noChangeAspect="1"/>
           </p:cNvPicPr>
-          <p:nvPr/>
+          <p:nvPr>
+            <p:ph idx="1"/>
+          </p:nvPr>
         </p:nvPicPr>
         <p:blipFill>
           <a:blip r:embed="rId3">
@@ -8246,24 +8530,21 @@
         </p:blipFill>
         <p:spPr>
           <a:xfrm>
-            <a:off x="7540630" y="404665"/>
-            <a:ext cx="1572745" cy="1152127"/>
-          </a:xfrm>
-          <a:prstGeom prst="rect">
-            <a:avLst/>
-          </a:prstGeom>
+            <a:off x="35496" y="1758706"/>
+            <a:ext cx="9017526" cy="3902542"/>
+          </a:xfrm>
         </p:spPr>
       </p:pic>
       <p:sp>
         <p:nvSpPr>
-          <p:cNvPr id="7" name="TextBox 6"/>
+          <p:cNvPr id="4" name="TextBox 3"/>
           <p:cNvSpPr txBox="1"/>
           <p:nvPr/>
         </p:nvSpPr>
         <p:spPr>
           <a:xfrm>
-            <a:off x="2380" y="6516052"/>
-            <a:ext cx="2265364" cy="369332"/>
+            <a:off x="1652552" y="6165304"/>
+            <a:ext cx="7455952" cy="369332"/>
           </a:xfrm>
           <a:prstGeom prst="rect">
             <a:avLst/>
@@ -8277,18 +8558,28 @@
           <a:lstStyle/>
           <a:p>
             <a:r>
-              <a:rPr lang="en-US" smtClean="0">
-                <a:solidFill>
-                  <a:schemeClr val="tx2">
+              <a:rPr lang="en-US">
+                <a:solidFill>
+                  <a:schemeClr val="accent6">
                     <a:lumMod val="75000"/>
                   </a:schemeClr>
                 </a:solidFill>
               </a:rPr>
-              <a:t>@PolinaShlepakova</a:t>
-            </a:r>
-            <a:endParaRPr lang="ru-RU">
+              <a:t>S</a:t>
+            </a:r>
+            <a:r>
+              <a:rPr lang="en-US" smtClean="0">
+                <a:solidFill>
+                  <a:schemeClr val="accent6">
+                    <a:lumMod val="75000"/>
+                  </a:schemeClr>
+                </a:solidFill>
+              </a:rPr>
+              <a:t>ource: Design Patterns Explained Simply by Alexander Shvets, pg. 71</a:t>
+            </a:r>
+            <a:endParaRPr lang="en-US" u="sng">
               <a:solidFill>
-                <a:schemeClr val="tx2">
+                <a:schemeClr val="accent6">
                   <a:lumMod val="75000"/>
                 </a:schemeClr>
               </a:solidFill>
@@ -8296,95 +8587,13 @@
           </a:p>
         </p:txBody>
       </p:sp>
-      <p:sp>
-        <p:nvSpPr>
-          <p:cNvPr id="8" name="TextBox 7"/>
-          <p:cNvSpPr txBox="1"/>
-          <p:nvPr/>
-        </p:nvSpPr>
-        <p:spPr>
-          <a:xfrm>
-            <a:off x="4150803" y="6546830"/>
-            <a:ext cx="925253" cy="338554"/>
-          </a:xfrm>
-          <a:prstGeom prst="rect">
-            <a:avLst/>
-          </a:prstGeom>
-          <a:noFill/>
-        </p:spPr>
-        <p:txBody>
-          <a:bodyPr wrap="none" rtlCol="0">
-            <a:spAutoFit/>
-          </a:bodyPr>
-          <a:lstStyle/>
-          <a:p>
-            <a:r>
-              <a:rPr lang="en-US" sz="1600" smtClean="0">
-                <a:solidFill>
-                  <a:schemeClr val="accent4">
-                    <a:lumMod val="75000"/>
-                  </a:schemeClr>
-                </a:solidFill>
-              </a:rPr>
-              <a:t>02.2019</a:t>
-            </a:r>
-            <a:endParaRPr lang="ru-RU" sz="1600">
-              <a:solidFill>
-                <a:schemeClr val="accent4">
-                  <a:lumMod val="75000"/>
-                </a:schemeClr>
-              </a:solidFill>
-            </a:endParaRPr>
-          </a:p>
-        </p:txBody>
-      </p:sp>
-      <p:sp>
-        <p:nvSpPr>
-          <p:cNvPr id="9" name="TextBox 8"/>
-          <p:cNvSpPr txBox="1"/>
-          <p:nvPr/>
-        </p:nvSpPr>
-        <p:spPr>
-          <a:xfrm>
-            <a:off x="8388424" y="6488668"/>
-            <a:ext cx="761747" cy="369332"/>
-          </a:xfrm>
-          <a:prstGeom prst="rect">
-            <a:avLst/>
-          </a:prstGeom>
-          <a:noFill/>
-        </p:spPr>
-        <p:txBody>
-          <a:bodyPr wrap="none" rtlCol="0">
-            <a:spAutoFit/>
-          </a:bodyPr>
-          <a:lstStyle/>
-          <a:p>
-            <a:r>
-              <a:rPr lang="en-US" smtClean="0">
-                <a:solidFill>
-                  <a:srgbClr val="002060"/>
-                </a:solidFill>
-              </a:rPr>
-              <a:t>10/31</a:t>
-            </a:r>
-            <a:endParaRPr lang="en-US" smtClean="0">
-              <a:solidFill>
-                <a:srgbClr val="002060"/>
-              </a:solidFill>
-            </a:endParaRPr>
-          </a:p>
-        </p:txBody>
-      </p:sp>
       <p:pic>
         <p:nvPicPr>
-          <p:cNvPr id="14" name="Объект 13"/>
+          <p:cNvPr id="6" name="Рисунок 5"/>
           <p:cNvPicPr>
-            <a:picLocks noGrp="1" noChangeAspect="1"/>
+            <a:picLocks noChangeAspect="1"/>
           </p:cNvPicPr>
-          <p:nvPr>
-            <p:ph idx="1"/>
-          </p:nvPr>
+          <p:nvPr/>
         </p:nvPicPr>
         <p:blipFill>
           <a:blip r:embed="rId4">
@@ -8400,15 +8609,148 @@
         </p:blipFill>
         <p:spPr>
           <a:xfrm>
-            <a:off x="35496" y="1554943"/>
-            <a:ext cx="8958052" cy="4394337"/>
-          </a:xfrm>
+            <a:off x="7540630" y="404665"/>
+            <a:ext cx="1572745" cy="1152127"/>
+          </a:xfrm>
+          <a:prstGeom prst="rect">
+            <a:avLst/>
+          </a:prstGeom>
         </p:spPr>
       </p:pic>
+      <p:sp>
+        <p:nvSpPr>
+          <p:cNvPr id="7" name="TextBox 6"/>
+          <p:cNvSpPr txBox="1"/>
+          <p:nvPr/>
+        </p:nvSpPr>
+        <p:spPr>
+          <a:xfrm>
+            <a:off x="2380" y="6516052"/>
+            <a:ext cx="2265364" cy="369332"/>
+          </a:xfrm>
+          <a:prstGeom prst="rect">
+            <a:avLst/>
+          </a:prstGeom>
+          <a:noFill/>
+        </p:spPr>
+        <p:txBody>
+          <a:bodyPr wrap="none" rtlCol="0">
+            <a:spAutoFit/>
+          </a:bodyPr>
+          <a:lstStyle/>
+          <a:p>
+            <a:r>
+              <a:rPr lang="en-US" smtClean="0">
+                <a:solidFill>
+                  <a:schemeClr val="tx2">
+                    <a:lumMod val="75000"/>
+                  </a:schemeClr>
+                </a:solidFill>
+              </a:rPr>
+              <a:t>@PolinaShlepakova</a:t>
+            </a:r>
+            <a:endParaRPr lang="ru-RU">
+              <a:solidFill>
+                <a:schemeClr val="tx2">
+                  <a:lumMod val="75000"/>
+                </a:schemeClr>
+              </a:solidFill>
+            </a:endParaRPr>
+          </a:p>
+        </p:txBody>
+      </p:sp>
+      <p:sp>
+        <p:nvSpPr>
+          <p:cNvPr id="8" name="TextBox 7"/>
+          <p:cNvSpPr txBox="1"/>
+          <p:nvPr/>
+        </p:nvSpPr>
+        <p:spPr>
+          <a:xfrm>
+            <a:off x="4150803" y="6546830"/>
+            <a:ext cx="925253" cy="338554"/>
+          </a:xfrm>
+          <a:prstGeom prst="rect">
+            <a:avLst/>
+          </a:prstGeom>
+          <a:noFill/>
+        </p:spPr>
+        <p:txBody>
+          <a:bodyPr wrap="none" rtlCol="0">
+            <a:spAutoFit/>
+          </a:bodyPr>
+          <a:lstStyle/>
+          <a:p>
+            <a:r>
+              <a:rPr lang="en-US" sz="1600" smtClean="0">
+                <a:solidFill>
+                  <a:schemeClr val="accent4">
+                    <a:lumMod val="75000"/>
+                  </a:schemeClr>
+                </a:solidFill>
+              </a:rPr>
+              <a:t>02.2019</a:t>
+            </a:r>
+            <a:endParaRPr lang="ru-RU" sz="1600">
+              <a:solidFill>
+                <a:schemeClr val="accent4">
+                  <a:lumMod val="75000"/>
+                </a:schemeClr>
+              </a:solidFill>
+            </a:endParaRPr>
+          </a:p>
+        </p:txBody>
+      </p:sp>
+      <p:sp>
+        <p:nvSpPr>
+          <p:cNvPr id="9" name="TextBox 8"/>
+          <p:cNvSpPr txBox="1"/>
+          <p:nvPr/>
+        </p:nvSpPr>
+        <p:spPr>
+          <a:xfrm>
+            <a:off x="8388424" y="6488668"/>
+            <a:ext cx="761747" cy="369332"/>
+          </a:xfrm>
+          <a:prstGeom prst="rect">
+            <a:avLst/>
+          </a:prstGeom>
+          <a:noFill/>
+        </p:spPr>
+        <p:txBody>
+          <a:bodyPr wrap="none" rtlCol="0">
+            <a:spAutoFit/>
+          </a:bodyPr>
+          <a:lstStyle/>
+          <a:p>
+            <a:r>
+              <a:rPr lang="en-US" smtClean="0">
+                <a:solidFill>
+                  <a:srgbClr val="002060"/>
+                </a:solidFill>
+              </a:rPr>
+              <a:t>10</a:t>
+            </a:r>
+            <a:r>
+              <a:rPr lang="en-US" smtClean="0">
+                <a:solidFill>
+                  <a:srgbClr val="002060"/>
+                </a:solidFill>
+              </a:rPr>
+              <a:t>/31</a:t>
+            </a:r>
+            <a:endParaRPr lang="en-US" smtClean="0">
+              <a:solidFill>
+                <a:srgbClr val="002060"/>
+              </a:solidFill>
+            </a:endParaRPr>
+          </a:p>
+        </p:txBody>
+      </p:sp>
     </p:spTree>
     <p:extLst>
       <p:ext uri="{BB962C8B-B14F-4D97-AF65-F5344CB8AC3E}">
-        <p14:creationId xmlns:p14="http://schemas.microsoft.com/office/powerpoint/2010/main" val="634272348"/>
+        <p14:creationId xmlns:p14="http://schemas.microsoft.com/office/powerpoint/2010/main" val="1348718261"/>
       </p:ext>
     </p:extLst>
   </p:cSld>
@@ -8464,7 +8806,7 @@
           <a:p>
             <a:r>
               <a:rPr lang="en-US" smtClean="0"/>
-              <a:t>Road and Sea logistics</a:t>
+              <a:t>Transport diagram</a:t>
             </a:r>
             <a:endParaRPr lang="ru-RU"/>
           </a:p>
@@ -8510,17 +8852,7 @@
                   </a:schemeClr>
                 </a:solidFill>
               </a:rPr>
-              <a:t>ource: Design Patterns Explained Simply by Alexander Shvets, pg. 7</a:t>
-            </a:r>
-            <a:r>
-              <a:rPr lang="uk-UA" smtClean="0">
-                <a:solidFill>
-                  <a:schemeClr val="accent6">
-                    <a:lumMod val="75000"/>
-                  </a:schemeClr>
-                </a:solidFill>
-              </a:rPr>
-              <a:t>3</a:t>
+              <a:t>ource: Design Patterns Explained Simply by Alexander Shvets, pg. 72</a:t>
             </a:r>
             <a:endParaRPr lang="en-US" u="sng">
               <a:solidFill>
@@ -8646,9 +8978,47 @@
           </a:p>
         </p:txBody>
       </p:sp>
+      <p:sp>
+        <p:nvSpPr>
+          <p:cNvPr id="9" name="TextBox 8"/>
+          <p:cNvSpPr txBox="1"/>
+          <p:nvPr/>
+        </p:nvSpPr>
+        <p:spPr>
+          <a:xfrm>
+            <a:off x="8388424" y="6488668"/>
+            <a:ext cx="744627" cy="369332"/>
+          </a:xfrm>
+          <a:prstGeom prst="rect">
+            <a:avLst/>
+          </a:prstGeom>
+          <a:noFill/>
+        </p:spPr>
+        <p:txBody>
+          <a:bodyPr wrap="none" rtlCol="0">
+            <a:spAutoFit/>
+          </a:bodyPr>
+          <a:lstStyle/>
+          <a:p>
+            <a:r>
+              <a:rPr lang="en-US" smtClean="0">
+                <a:solidFill>
+                  <a:srgbClr val="002060"/>
+                </a:solidFill>
+              </a:rPr>
+              <a:t>11/31</a:t>
+            </a:r>
+            <a:endParaRPr lang="en-US" smtClean="0">
+              <a:solidFill>
+                <a:srgbClr val="002060"/>
+              </a:solidFill>
+            </a:endParaRPr>
+          </a:p>
+        </p:txBody>
+      </p:sp>
       <p:pic>
         <p:nvPicPr>
-          <p:cNvPr id="5" name="Объект 4"/>
+          <p:cNvPr id="14" name="Объект 13"/>
           <p:cNvPicPr>
             <a:picLocks noGrp="1" noChangeAspect="1"/>
           </p:cNvPicPr>
@@ -8670,53 +9040,15 @@
         </p:blipFill>
         <p:spPr>
           <a:xfrm>
-            <a:off x="395536" y="1556792"/>
-            <a:ext cx="8507288" cy="4533080"/>
+            <a:off x="35496" y="1554943"/>
+            <a:ext cx="8958052" cy="4394337"/>
           </a:xfrm>
         </p:spPr>
       </p:pic>
-      <p:sp>
-        <p:nvSpPr>
-          <p:cNvPr id="10" name="TextBox 9"/>
-          <p:cNvSpPr txBox="1"/>
-          <p:nvPr/>
-        </p:nvSpPr>
-        <p:spPr>
-          <a:xfrm>
-            <a:off x="8388424" y="6488668"/>
-            <a:ext cx="744627" cy="369332"/>
-          </a:xfrm>
-          <a:prstGeom prst="rect">
-            <a:avLst/>
-          </a:prstGeom>
-          <a:noFill/>
-        </p:spPr>
-        <p:txBody>
-          <a:bodyPr wrap="none" rtlCol="0">
-            <a:spAutoFit/>
-          </a:bodyPr>
-          <a:lstStyle/>
-          <a:p>
-            <a:r>
-              <a:rPr lang="en-US" smtClean="0">
-                <a:solidFill>
-                  <a:srgbClr val="002060"/>
-                </a:solidFill>
-              </a:rPr>
-              <a:t>11/31</a:t>
-            </a:r>
-            <a:endParaRPr lang="en-US" smtClean="0">
-              <a:solidFill>
-                <a:srgbClr val="002060"/>
-              </a:solidFill>
-            </a:endParaRPr>
-          </a:p>
-        </p:txBody>
-      </p:sp>
     </p:spTree>
     <p:extLst>
       <p:ext uri="{BB962C8B-B14F-4D97-AF65-F5344CB8AC3E}">
-        <p14:creationId xmlns:p14="http://schemas.microsoft.com/office/powerpoint/2010/main" val="2073301263"/>
+        <p14:creationId xmlns:p14="http://schemas.microsoft.com/office/powerpoint/2010/main" val="634272348"/>
       </p:ext>
     </p:extLst>
   </p:cSld>
@@ -8772,7 +9104,7 @@
           <a:p>
             <a:r>
               <a:rPr lang="en-US" smtClean="0"/>
-              <a:t>Structure</a:t>
+              <a:t>Road and Sea logistics</a:t>
             </a:r>
             <a:endParaRPr lang="ru-RU"/>
           </a:p>
@@ -8840,99 +9172,13 @@
           </a:p>
         </p:txBody>
       </p:sp>
-      <p:sp>
-        <p:nvSpPr>
-          <p:cNvPr id="7" name="TextBox 6"/>
-          <p:cNvSpPr txBox="1"/>
-          <p:nvPr/>
-        </p:nvSpPr>
-        <p:spPr>
-          <a:xfrm>
-            <a:off x="2380" y="6516052"/>
-            <a:ext cx="2265364" cy="369332"/>
-          </a:xfrm>
-          <a:prstGeom prst="rect">
-            <a:avLst/>
-          </a:prstGeom>
-          <a:noFill/>
-        </p:spPr>
-        <p:txBody>
-          <a:bodyPr wrap="none" rtlCol="0">
-            <a:spAutoFit/>
-          </a:bodyPr>
-          <a:lstStyle/>
-          <a:p>
-            <a:r>
-              <a:rPr lang="en-US" smtClean="0">
-                <a:solidFill>
-                  <a:schemeClr val="tx2">
-                    <a:lumMod val="75000"/>
-                  </a:schemeClr>
-                </a:solidFill>
-              </a:rPr>
-              <a:t>@PolinaShlepakova</a:t>
-            </a:r>
-            <a:endParaRPr lang="ru-RU">
-              <a:solidFill>
-                <a:schemeClr val="tx2">
-                  <a:lumMod val="75000"/>
-                </a:schemeClr>
-              </a:solidFill>
-            </a:endParaRPr>
-          </a:p>
-        </p:txBody>
-      </p:sp>
-      <p:sp>
-        <p:nvSpPr>
-          <p:cNvPr id="8" name="TextBox 7"/>
-          <p:cNvSpPr txBox="1"/>
-          <p:nvPr/>
-        </p:nvSpPr>
-        <p:spPr>
-          <a:xfrm>
-            <a:off x="4150803" y="6546830"/>
-            <a:ext cx="925253" cy="338554"/>
-          </a:xfrm>
-          <a:prstGeom prst="rect">
-            <a:avLst/>
-          </a:prstGeom>
-          <a:noFill/>
-        </p:spPr>
-        <p:txBody>
-          <a:bodyPr wrap="none" rtlCol="0">
-            <a:spAutoFit/>
-          </a:bodyPr>
-          <a:lstStyle/>
-          <a:p>
-            <a:r>
-              <a:rPr lang="en-US" sz="1600" smtClean="0">
-                <a:solidFill>
-                  <a:schemeClr val="accent4">
-                    <a:lumMod val="75000"/>
-                  </a:schemeClr>
-                </a:solidFill>
-              </a:rPr>
-              <a:t>02.2019</a:t>
-            </a:r>
-            <a:endParaRPr lang="ru-RU" sz="1600">
-              <a:solidFill>
-                <a:schemeClr val="accent4">
-                  <a:lumMod val="75000"/>
-                </a:schemeClr>
-              </a:solidFill>
-            </a:endParaRPr>
-          </a:p>
-        </p:txBody>
-      </p:sp>
       <p:pic>
         <p:nvPicPr>
-          <p:cNvPr id="10" name="Объект 9"/>
+          <p:cNvPr id="6" name="Рисунок 5"/>
           <p:cNvPicPr>
-            <a:picLocks noGrp="1" noChangeAspect="1"/>
+            <a:picLocks noChangeAspect="1"/>
           </p:cNvPicPr>
-          <p:nvPr>
-            <p:ph idx="1"/>
-          </p:nvPr>
+          <p:nvPr/>
         </p:nvPicPr>
         <p:blipFill>
           <a:blip r:embed="rId3">
@@ -8948,18 +9194,107 @@
         </p:blipFill>
         <p:spPr>
           <a:xfrm>
-            <a:off x="323528" y="1390864"/>
-            <a:ext cx="8568952" cy="4846448"/>
-          </a:xfrm>
+            <a:off x="7540630" y="404665"/>
+            <a:ext cx="1572745" cy="1152127"/>
+          </a:xfrm>
+          <a:prstGeom prst="rect">
+            <a:avLst/>
+          </a:prstGeom>
         </p:spPr>
       </p:pic>
+      <p:sp>
+        <p:nvSpPr>
+          <p:cNvPr id="7" name="TextBox 6"/>
+          <p:cNvSpPr txBox="1"/>
+          <p:nvPr/>
+        </p:nvSpPr>
+        <p:spPr>
+          <a:xfrm>
+            <a:off x="2380" y="6516052"/>
+            <a:ext cx="2265364" cy="369332"/>
+          </a:xfrm>
+          <a:prstGeom prst="rect">
+            <a:avLst/>
+          </a:prstGeom>
+          <a:noFill/>
+        </p:spPr>
+        <p:txBody>
+          <a:bodyPr wrap="none" rtlCol="0">
+            <a:spAutoFit/>
+          </a:bodyPr>
+          <a:lstStyle/>
+          <a:p>
+            <a:r>
+              <a:rPr lang="en-US" smtClean="0">
+                <a:solidFill>
+                  <a:schemeClr val="tx2">
+                    <a:lumMod val="75000"/>
+                  </a:schemeClr>
+                </a:solidFill>
+              </a:rPr>
+              <a:t>@PolinaShlepakova</a:t>
+            </a:r>
+            <a:endParaRPr lang="ru-RU">
+              <a:solidFill>
+                <a:schemeClr val="tx2">
+                  <a:lumMod val="75000"/>
+                </a:schemeClr>
+              </a:solidFill>
+            </a:endParaRPr>
+          </a:p>
+        </p:txBody>
+      </p:sp>
+      <p:sp>
+        <p:nvSpPr>
+          <p:cNvPr id="8" name="TextBox 7"/>
+          <p:cNvSpPr txBox="1"/>
+          <p:nvPr/>
+        </p:nvSpPr>
+        <p:spPr>
+          <a:xfrm>
+            <a:off x="4150803" y="6546830"/>
+            <a:ext cx="925253" cy="338554"/>
+          </a:xfrm>
+          <a:prstGeom prst="rect">
+            <a:avLst/>
+          </a:prstGeom>
+          <a:noFill/>
+        </p:spPr>
+        <p:txBody>
+          <a:bodyPr wrap="none" rtlCol="0">
+            <a:spAutoFit/>
+          </a:bodyPr>
+          <a:lstStyle/>
+          <a:p>
+            <a:r>
+              <a:rPr lang="en-US" sz="1600" smtClean="0">
+                <a:solidFill>
+                  <a:schemeClr val="accent4">
+                    <a:lumMod val="75000"/>
+                  </a:schemeClr>
+                </a:solidFill>
+              </a:rPr>
+              <a:t>02.2019</a:t>
+            </a:r>
+            <a:endParaRPr lang="ru-RU" sz="1600">
+              <a:solidFill>
+                <a:schemeClr val="accent4">
+                  <a:lumMod val="75000"/>
+                </a:schemeClr>
+              </a:solidFill>
+            </a:endParaRPr>
+          </a:p>
+        </p:txBody>
+      </p:sp>
       <p:pic>
         <p:nvPicPr>
-          <p:cNvPr id="6" name="Рисунок 5"/>
+          <p:cNvPr id="5" name="Объект 4"/>
           <p:cNvPicPr>
-            <a:picLocks noChangeAspect="1"/>
+            <a:picLocks noGrp="1" noChangeAspect="1"/>
           </p:cNvPicPr>
-          <p:nvPr/>
+          <p:nvPr>
+            <p:ph idx="1"/>
+          </p:nvPr>
         </p:nvPicPr>
         <p:blipFill>
           <a:blip r:embed="rId4">
@@ -8975,17 +9310,14 @@
         </p:blipFill>
         <p:spPr>
           <a:xfrm>
-            <a:off x="7540630" y="404665"/>
-            <a:ext cx="1572745" cy="1152127"/>
-          </a:xfrm>
-          <a:prstGeom prst="rect">
-            <a:avLst/>
-          </a:prstGeom>
+            <a:off x="395536" y="1556792"/>
+            <a:ext cx="8507288" cy="4533080"/>
+          </a:xfrm>
         </p:spPr>
       </p:pic>
       <p:sp>
         <p:nvSpPr>
-          <p:cNvPr id="11" name="TextBox 10"/>
+          <p:cNvPr id="10" name="TextBox 9"/>
           <p:cNvSpPr txBox="1"/>
           <p:nvPr/>
         </p:nvSpPr>
@@ -9024,7 +9356,7 @@
     </p:spTree>
     <p:extLst>
       <p:ext uri="{BB962C8B-B14F-4D97-AF65-F5344CB8AC3E}">
-        <p14:creationId xmlns:p14="http://schemas.microsoft.com/office/powerpoint/2010/main" val="3107054681"/>
+        <p14:creationId xmlns:p14="http://schemas.microsoft.com/office/powerpoint/2010/main" val="2073301263"/>
       </p:ext>
     </p:extLst>
   </p:cSld>
@@ -9080,9 +9412,71 @@
           <a:p>
             <a:r>
               <a:rPr lang="en-US" smtClean="0"/>
-              <a:t>Code</a:t>
+              <a:t>Structure</a:t>
             </a:r>
             <a:endParaRPr lang="ru-RU"/>
+          </a:p>
+        </p:txBody>
+      </p:sp>
+      <p:sp>
+        <p:nvSpPr>
+          <p:cNvPr id="4" name="TextBox 3"/>
+          <p:cNvSpPr txBox="1"/>
+          <p:nvPr/>
+        </p:nvSpPr>
+        <p:spPr>
+          <a:xfrm>
+            <a:off x="1652552" y="6165304"/>
+            <a:ext cx="7455952" cy="369332"/>
+          </a:xfrm>
+          <a:prstGeom prst="rect">
+            <a:avLst/>
+          </a:prstGeom>
+          <a:noFill/>
+        </p:spPr>
+        <p:txBody>
+          <a:bodyPr wrap="none" rtlCol="0">
+            <a:spAutoFit/>
+          </a:bodyPr>
+          <a:lstStyle/>
+          <a:p>
+            <a:r>
+              <a:rPr lang="en-US">
+                <a:solidFill>
+                  <a:schemeClr val="accent6">
+                    <a:lumMod val="75000"/>
+                  </a:schemeClr>
+                </a:solidFill>
+              </a:rPr>
+              <a:t>S</a:t>
+            </a:r>
+            <a:r>
+              <a:rPr lang="en-US" smtClean="0">
+                <a:solidFill>
+                  <a:schemeClr val="accent6">
+                    <a:lumMod val="75000"/>
+                  </a:schemeClr>
+                </a:solidFill>
+              </a:rPr>
+              <a:t>ource: Design Patterns Explained Simply by Alexander Shvets, pg. 7</a:t>
+            </a:r>
+            <a:r>
+              <a:rPr lang="uk-UA" smtClean="0">
+                <a:solidFill>
+                  <a:schemeClr val="accent6">
+                    <a:lumMod val="75000"/>
+                  </a:schemeClr>
+                </a:solidFill>
+              </a:rPr>
+              <a:t>3</a:t>
+            </a:r>
+            <a:endParaRPr lang="en-US" u="sng">
+              <a:solidFill>
+                <a:schemeClr val="accent6">
+                  <a:lumMod val="75000"/>
+                </a:schemeClr>
+              </a:solidFill>
+            </a:endParaRPr>
           </a:p>
         </p:txBody>
       </p:sp>
@@ -9172,11 +9566,13 @@
       </p:sp>
       <p:pic>
         <p:nvPicPr>
-          <p:cNvPr id="6" name="Рисунок 5"/>
+          <p:cNvPr id="10" name="Объект 9"/>
           <p:cNvPicPr>
-            <a:picLocks noChangeAspect="1"/>
+            <a:picLocks noGrp="1" noChangeAspect="1"/>
           </p:cNvPicPr>
-          <p:nvPr/>
+          <p:nvPr>
+            <p:ph idx="1"/>
+          </p:nvPr>
         </p:nvPicPr>
         <p:blipFill>
           <a:blip r:embed="rId3">
@@ -9192,6 +9588,33 @@
         </p:blipFill>
         <p:spPr>
           <a:xfrm>
+            <a:off x="323528" y="1390864"/>
+            <a:ext cx="8568952" cy="4846448"/>
+          </a:xfrm>
+        </p:spPr>
+      </p:pic>
+      <p:pic>
+        <p:nvPicPr>
+          <p:cNvPr id="6" name="Рисунок 5"/>
+          <p:cNvPicPr>
+            <a:picLocks noChangeAspect="1"/>
+          </p:cNvPicPr>
+          <p:nvPr/>
+        </p:nvPicPr>
+        <p:blipFill>
+          <a:blip r:embed="rId4">
+            <a:extLst>
+              <a:ext uri="{28A0092B-C50C-407E-A947-70E740481C1C}">
+                <a14:useLocalDpi xmlns:a14="http://schemas.microsoft.com/office/drawing/2010/main" val="0"/>
+              </a:ext>
+            </a:extLst>
+          </a:blip>
+          <a:stretch>
+            <a:fillRect/>
+          </a:stretch>
+        </p:blipFill>
+        <p:spPr>
+          <a:xfrm>
             <a:off x="7540630" y="404665"/>
             <a:ext cx="1572745" cy="1152127"/>
           </a:xfrm>
@@ -9202,62 +9625,7 @@
       </p:pic>
       <p:sp>
         <p:nvSpPr>
-          <p:cNvPr id="3" name="Объект 2"/>
-          <p:cNvSpPr>
-            <a:spLocks noGrp="1"/>
-          </p:cNvSpPr>
-          <p:nvPr>
-            <p:ph idx="1"/>
-          </p:nvPr>
-        </p:nvSpPr>
-        <p:spPr/>
-        <p:txBody>
-          <a:bodyPr/>
-          <a:lstStyle/>
-          <a:p>
-            <a:r>
-              <a:rPr lang="en-US" sz="2800">
-                <a:latin typeface="Courier New" panose="02070309020205020404" pitchFamily="49" charset="0"/>
-                <a:cs typeface="Courier New" panose="02070309020205020404" pitchFamily="49" charset="0"/>
-              </a:rPr>
-              <a:t>git clone </a:t>
-            </a:r>
-            <a:r>
-              <a:rPr lang="en-US" sz="2800" b="1">
-                <a:solidFill>
-                  <a:schemeClr val="accent6"/>
-                </a:solidFill>
-                <a:latin typeface="Courier New" panose="02070309020205020404" pitchFamily="49" charset="0"/>
-                <a:cs typeface="Courier New" panose="02070309020205020404" pitchFamily="49" charset="0"/>
-              </a:rPr>
-              <a:t>https://github.com/polykross/FactoryMethod-Facade.git</a:t>
-            </a:r>
-          </a:p>
-          <a:p>
-            <a:r>
-              <a:rPr lang="en-US" sz="2800">
-                <a:latin typeface="Courier New" panose="02070309020205020404" pitchFamily="49" charset="0"/>
-                <a:cs typeface="Courier New" panose="02070309020205020404" pitchFamily="49" charset="0"/>
-              </a:rPr>
-              <a:t>git checkout </a:t>
-            </a:r>
-            <a:r>
-              <a:rPr lang="en-US" sz="2800" b="1" smtClean="0">
-                <a:solidFill>
-                  <a:schemeClr val="accent6"/>
-                </a:solidFill>
-                <a:latin typeface="Courier New" panose="02070309020205020404" pitchFamily="49" charset="0"/>
-                <a:cs typeface="Courier New" panose="02070309020205020404" pitchFamily="49" charset="0"/>
-              </a:rPr>
-              <a:t>1651c77</a:t>
-            </a:r>
-            <a:endParaRPr lang="ru-RU"/>
-          </a:p>
-        </p:txBody>
-      </p:sp>
-      <p:sp>
-        <p:nvSpPr>
-          <p:cNvPr id="10" name="TextBox 9"/>
+          <p:cNvPr id="11" name="TextBox 10"/>
           <p:cNvSpPr txBox="1"/>
           <p:nvPr/>
         </p:nvSpPr>
@@ -9296,7 +9664,7 @@
     </p:spTree>
     <p:extLst>
       <p:ext uri="{BB962C8B-B14F-4D97-AF65-F5344CB8AC3E}">
-        <p14:creationId xmlns:p14="http://schemas.microsoft.com/office/powerpoint/2010/main" val="797475623"/>
+        <p14:creationId xmlns:p14="http://schemas.microsoft.com/office/powerpoint/2010/main" val="3107054681"/>
       </p:ext>
     </p:extLst>
   </p:cSld>
@@ -9352,7 +9720,7 @@
           <a:p>
             <a:r>
               <a:rPr lang="en-US" smtClean="0"/>
-              <a:t>Code comment</a:t>
+              <a:t>Code</a:t>
             </a:r>
             <a:endParaRPr lang="ru-RU"/>
           </a:p>
@@ -9488,277 +9856,42 @@
           <a:lstStyle/>
           <a:p>
             <a:r>
-              <a:rPr lang="en-US" b="1">
-                <a:solidFill>
-                  <a:schemeClr val="tx2"/>
-                </a:solidFill>
+              <a:rPr lang="en-US" sz="2800">
                 <a:latin typeface="Courier New" panose="02070309020205020404" pitchFamily="49" charset="0"/>
                 <a:cs typeface="Courier New" panose="02070309020205020404" pitchFamily="49" charset="0"/>
               </a:rPr>
-              <a:t>Use Factory Method </a:t>
-            </a:r>
-            <a:r>
-              <a:rPr lang="en-US" b="1" smtClean="0">
-                <a:solidFill>
-                  <a:schemeClr val="tx2"/>
+              <a:t>git clone </a:t>
+            </a:r>
+            <a:r>
+              <a:rPr lang="en-US" sz="2800" b="1">
+                <a:solidFill>
+                  <a:schemeClr val="accent6"/>
                 </a:solidFill>
                 <a:latin typeface="Courier New" panose="02070309020205020404" pitchFamily="49" charset="0"/>
                 <a:cs typeface="Courier New" panose="02070309020205020404" pitchFamily="49" charset="0"/>
               </a:rPr>
-              <a:t>pattern</a:t>
-            </a:r>
-            <a:endParaRPr lang="en-US" b="1">
-              <a:solidFill>
-                <a:schemeClr val="tx2"/>
-              </a:solidFill>
-              <a:latin typeface="Courier New" panose="02070309020205020404" pitchFamily="49" charset="0"/>
-              <a:cs typeface="Courier New" panose="02070309020205020404" pitchFamily="49" charset="0"/>
-            </a:endParaRPr>
-          </a:p>
-          <a:p>
-            <a:r>
-              <a:rPr lang="en-US" smtClean="0">
+              <a:t>https://github.com/polykross/FactoryMethod-Facade.git</a:t>
+            </a:r>
+          </a:p>
+          <a:p>
+            <a:r>
+              <a:rPr lang="en-US" sz="2800">
                 <a:latin typeface="Courier New" panose="02070309020205020404" pitchFamily="49" charset="0"/>
                 <a:cs typeface="Courier New" panose="02070309020205020404" pitchFamily="49" charset="0"/>
               </a:rPr>
-              <a:t>- </a:t>
-            </a:r>
-            <a:r>
-              <a:rPr lang="en-US">
+              <a:t>git checkout </a:t>
+            </a:r>
+            <a:r>
+              <a:rPr lang="en-US" sz="2800" b="1" smtClean="0">
+                <a:solidFill>
+                  <a:schemeClr val="accent6"/>
+                </a:solidFill>
                 <a:latin typeface="Courier New" panose="02070309020205020404" pitchFamily="49" charset="0"/>
                 <a:cs typeface="Courier New" panose="02070309020205020404" pitchFamily="49" charset="0"/>
               </a:rPr>
-              <a:t>Create abstract class </a:t>
-            </a:r>
-            <a:r>
-              <a:rPr lang="en-US" b="1">
-                <a:solidFill>
-                  <a:schemeClr val="accent6"/>
-                </a:solidFill>
-                <a:latin typeface="Courier New" panose="02070309020205020404" pitchFamily="49" charset="0"/>
-                <a:cs typeface="Courier New" panose="02070309020205020404" pitchFamily="49" charset="0"/>
-              </a:rPr>
-              <a:t>Transport </a:t>
-            </a:r>
-            <a:endParaRPr lang="en-US" b="1" smtClean="0">
-              <a:solidFill>
-                <a:schemeClr val="accent6"/>
-              </a:solidFill>
-              <a:latin typeface="Courier New" panose="02070309020205020404" pitchFamily="49" charset="0"/>
-              <a:cs typeface="Courier New" panose="02070309020205020404" pitchFamily="49" charset="0"/>
-            </a:endParaRPr>
-          </a:p>
-          <a:p>
-            <a:r>
-              <a:rPr lang="en-US" smtClean="0">
-                <a:latin typeface="Courier New" panose="02070309020205020404" pitchFamily="49" charset="0"/>
-                <a:cs typeface="Courier New" panose="02070309020205020404" pitchFamily="49" charset="0"/>
-              </a:rPr>
-              <a:t>- </a:t>
-            </a:r>
-            <a:r>
-              <a:rPr lang="en-US">
-                <a:latin typeface="Courier New" panose="02070309020205020404" pitchFamily="49" charset="0"/>
-                <a:cs typeface="Courier New" panose="02070309020205020404" pitchFamily="49" charset="0"/>
-              </a:rPr>
-              <a:t>Inherit </a:t>
-            </a:r>
-            <a:r>
-              <a:rPr lang="en-US" b="1">
-                <a:solidFill>
-                  <a:schemeClr val="accent6"/>
-                </a:solidFill>
-                <a:latin typeface="Courier New" panose="02070309020205020404" pitchFamily="49" charset="0"/>
-                <a:cs typeface="Courier New" panose="02070309020205020404" pitchFamily="49" charset="0"/>
-              </a:rPr>
-              <a:t>Truck</a:t>
-            </a:r>
-            <a:r>
-              <a:rPr lang="en-US">
-                <a:solidFill>
-                  <a:schemeClr val="accent6"/>
-                </a:solidFill>
-                <a:latin typeface="Courier New" panose="02070309020205020404" pitchFamily="49" charset="0"/>
-                <a:cs typeface="Courier New" panose="02070309020205020404" pitchFamily="49" charset="0"/>
-              </a:rPr>
-              <a:t> </a:t>
-            </a:r>
-            <a:r>
-              <a:rPr lang="en-US">
-                <a:latin typeface="Courier New" panose="02070309020205020404" pitchFamily="49" charset="0"/>
-                <a:cs typeface="Courier New" panose="02070309020205020404" pitchFamily="49" charset="0"/>
-              </a:rPr>
-              <a:t>from </a:t>
-            </a:r>
-            <a:r>
-              <a:rPr lang="en-US" b="1">
-                <a:solidFill>
-                  <a:schemeClr val="accent6"/>
-                </a:solidFill>
-                <a:latin typeface="Courier New" panose="02070309020205020404" pitchFamily="49" charset="0"/>
-                <a:cs typeface="Courier New" panose="02070309020205020404" pitchFamily="49" charset="0"/>
-              </a:rPr>
-              <a:t>Transport </a:t>
-            </a:r>
-            <a:endParaRPr lang="en-US" b="1" smtClean="0">
-              <a:solidFill>
-                <a:schemeClr val="accent6"/>
-              </a:solidFill>
-              <a:latin typeface="Courier New" panose="02070309020205020404" pitchFamily="49" charset="0"/>
-              <a:cs typeface="Courier New" panose="02070309020205020404" pitchFamily="49" charset="0"/>
-            </a:endParaRPr>
-          </a:p>
-          <a:p>
-            <a:r>
-              <a:rPr lang="en-US" smtClean="0">
-                <a:latin typeface="Courier New" panose="02070309020205020404" pitchFamily="49" charset="0"/>
-                <a:cs typeface="Courier New" panose="02070309020205020404" pitchFamily="49" charset="0"/>
-              </a:rPr>
-              <a:t>- </a:t>
-            </a:r>
-            <a:r>
-              <a:rPr lang="en-US">
-                <a:latin typeface="Courier New" panose="02070309020205020404" pitchFamily="49" charset="0"/>
-                <a:cs typeface="Courier New" panose="02070309020205020404" pitchFamily="49" charset="0"/>
-              </a:rPr>
-              <a:t>Rename </a:t>
-            </a:r>
-            <a:r>
-              <a:rPr lang="en-US" b="1">
-                <a:solidFill>
-                  <a:schemeClr val="accent6"/>
-                </a:solidFill>
-                <a:latin typeface="Courier New" panose="02070309020205020404" pitchFamily="49" charset="0"/>
-                <a:cs typeface="Courier New" panose="02070309020205020404" pitchFamily="49" charset="0"/>
-              </a:rPr>
-              <a:t>Logistics</a:t>
-            </a:r>
-            <a:r>
-              <a:rPr lang="en-US">
-                <a:solidFill>
-                  <a:schemeClr val="accent6"/>
-                </a:solidFill>
-                <a:latin typeface="Courier New" panose="02070309020205020404" pitchFamily="49" charset="0"/>
-                <a:cs typeface="Courier New" panose="02070309020205020404" pitchFamily="49" charset="0"/>
-              </a:rPr>
-              <a:t> </a:t>
-            </a:r>
-            <a:r>
-              <a:rPr lang="en-US">
-                <a:latin typeface="Courier New" panose="02070309020205020404" pitchFamily="49" charset="0"/>
-                <a:cs typeface="Courier New" panose="02070309020205020404" pitchFamily="49" charset="0"/>
-              </a:rPr>
-              <a:t>to </a:t>
-            </a:r>
-            <a:r>
-              <a:rPr lang="en-US" b="1">
-                <a:solidFill>
-                  <a:schemeClr val="accent6"/>
-                </a:solidFill>
-                <a:latin typeface="Courier New" panose="02070309020205020404" pitchFamily="49" charset="0"/>
-                <a:cs typeface="Courier New" panose="02070309020205020404" pitchFamily="49" charset="0"/>
-              </a:rPr>
-              <a:t>RoadLogistics </a:t>
-            </a:r>
-            <a:endParaRPr lang="en-US" b="1" smtClean="0">
-              <a:solidFill>
-                <a:schemeClr val="accent6"/>
-              </a:solidFill>
-              <a:latin typeface="Courier New" panose="02070309020205020404" pitchFamily="49" charset="0"/>
-              <a:cs typeface="Courier New" panose="02070309020205020404" pitchFamily="49" charset="0"/>
-            </a:endParaRPr>
-          </a:p>
-          <a:p>
-            <a:r>
-              <a:rPr lang="en-US" smtClean="0">
-                <a:latin typeface="Courier New" panose="02070309020205020404" pitchFamily="49" charset="0"/>
-                <a:cs typeface="Courier New" panose="02070309020205020404" pitchFamily="49" charset="0"/>
-              </a:rPr>
-              <a:t>- </a:t>
-            </a:r>
-            <a:r>
-              <a:rPr lang="en-US">
-                <a:latin typeface="Courier New" panose="02070309020205020404" pitchFamily="49" charset="0"/>
-                <a:cs typeface="Courier New" panose="02070309020205020404" pitchFamily="49" charset="0"/>
-              </a:rPr>
-              <a:t>Create abstract class </a:t>
-            </a:r>
-            <a:r>
-              <a:rPr lang="en-US" b="1">
-                <a:solidFill>
-                  <a:schemeClr val="accent6"/>
-                </a:solidFill>
-                <a:latin typeface="Courier New" panose="02070309020205020404" pitchFamily="49" charset="0"/>
-                <a:cs typeface="Courier New" panose="02070309020205020404" pitchFamily="49" charset="0"/>
-              </a:rPr>
-              <a:t>Logistics </a:t>
-            </a:r>
-            <a:endParaRPr lang="en-US" b="1" smtClean="0">
-              <a:solidFill>
-                <a:schemeClr val="accent6"/>
-              </a:solidFill>
-              <a:latin typeface="Courier New" panose="02070309020205020404" pitchFamily="49" charset="0"/>
-              <a:cs typeface="Courier New" panose="02070309020205020404" pitchFamily="49" charset="0"/>
-            </a:endParaRPr>
-          </a:p>
-          <a:p>
-            <a:r>
-              <a:rPr lang="en-US" smtClean="0">
-                <a:latin typeface="Courier New" panose="02070309020205020404" pitchFamily="49" charset="0"/>
-                <a:cs typeface="Courier New" panose="02070309020205020404" pitchFamily="49" charset="0"/>
-              </a:rPr>
-              <a:t>- </a:t>
-            </a:r>
-            <a:r>
-              <a:rPr lang="en-US">
-                <a:latin typeface="Courier New" panose="02070309020205020404" pitchFamily="49" charset="0"/>
-                <a:cs typeface="Courier New" panose="02070309020205020404" pitchFamily="49" charset="0"/>
-              </a:rPr>
-              <a:t>Inherit </a:t>
-            </a:r>
-            <a:r>
-              <a:rPr lang="en-US" b="1">
-                <a:solidFill>
-                  <a:schemeClr val="accent6"/>
-                </a:solidFill>
-                <a:latin typeface="Courier New" panose="02070309020205020404" pitchFamily="49" charset="0"/>
-                <a:cs typeface="Courier New" panose="02070309020205020404" pitchFamily="49" charset="0"/>
-              </a:rPr>
-              <a:t>RoadLogistics</a:t>
-            </a:r>
-            <a:r>
-              <a:rPr lang="en-US">
-                <a:solidFill>
-                  <a:schemeClr val="accent6"/>
-                </a:solidFill>
-                <a:latin typeface="Courier New" panose="02070309020205020404" pitchFamily="49" charset="0"/>
-                <a:cs typeface="Courier New" panose="02070309020205020404" pitchFamily="49" charset="0"/>
-              </a:rPr>
-              <a:t> </a:t>
-            </a:r>
-            <a:r>
-              <a:rPr lang="en-US">
-                <a:latin typeface="Courier New" panose="02070309020205020404" pitchFamily="49" charset="0"/>
-                <a:cs typeface="Courier New" panose="02070309020205020404" pitchFamily="49" charset="0"/>
-              </a:rPr>
-              <a:t>from </a:t>
-            </a:r>
-            <a:r>
-              <a:rPr lang="en-US" b="1">
-                <a:solidFill>
-                  <a:schemeClr val="accent6"/>
-                </a:solidFill>
-                <a:latin typeface="Courier New" panose="02070309020205020404" pitchFamily="49" charset="0"/>
-                <a:cs typeface="Courier New" panose="02070309020205020404" pitchFamily="49" charset="0"/>
-              </a:rPr>
-              <a:t>Logistics</a:t>
-            </a:r>
-          </a:p>
-          <a:p>
-            <a:endParaRPr lang="ru-RU">
-              <a:latin typeface="Courier New" panose="02070309020205020404" pitchFamily="49" charset="0"/>
-              <a:cs typeface="Courier New" panose="02070309020205020404" pitchFamily="49" charset="0"/>
-            </a:endParaRPr>
+              <a:t>1651c77</a:t>
+            </a:r>
+            <a:endParaRPr lang="ru-RU"/>
           </a:p>
         </p:txBody>
       </p:sp>
@@ -9803,7 +9936,7 @@
     </p:spTree>
     <p:extLst>
       <p:ext uri="{BB962C8B-B14F-4D97-AF65-F5344CB8AC3E}">
-        <p14:creationId xmlns:p14="http://schemas.microsoft.com/office/powerpoint/2010/main" val="1509948267"/>
+        <p14:creationId xmlns:p14="http://schemas.microsoft.com/office/powerpoint/2010/main" val="797475623"/>
       </p:ext>
     </p:extLst>
   </p:cSld>
@@ -9859,7 +9992,7 @@
           <a:p>
             <a:r>
               <a:rPr lang="en-US" smtClean="0"/>
-              <a:t>Code test</a:t>
+              <a:t>Code comment</a:t>
             </a:r>
             <a:endParaRPr lang="ru-RU"/>
           </a:p>
@@ -9991,32 +10124,30 @@
         </p:nvSpPr>
         <p:spPr/>
         <p:txBody>
-          <a:bodyPr>
-            <a:normAutofit/>
-          </a:bodyPr>
-          <a:lstStyle/>
-          <a:p>
-            <a:r>
-              <a:rPr lang="en-US" sz="2800" b="1" smtClean="0">
+          <a:bodyPr/>
+          <a:lstStyle/>
+          <a:p>
+            <a:r>
+              <a:rPr lang="en-US" b="1">
                 <a:solidFill>
                   <a:schemeClr val="tx2"/>
                 </a:solidFill>
                 <a:latin typeface="Courier New" panose="02070309020205020404" pitchFamily="49" charset="0"/>
                 <a:cs typeface="Courier New" panose="02070309020205020404" pitchFamily="49" charset="0"/>
               </a:rPr>
-              <a:t>Test output</a:t>
-            </a:r>
-            <a:r>
-              <a:rPr lang="en-US" sz="2800" b="1">
+              <a:t>Use Factory Method </a:t>
+            </a:r>
+            <a:r>
+              <a:rPr lang="en-US" b="1" smtClean="0">
                 <a:solidFill>
                   <a:schemeClr val="tx2"/>
                 </a:solidFill>
                 <a:latin typeface="Courier New" panose="02070309020205020404" pitchFamily="49" charset="0"/>
                 <a:cs typeface="Courier New" panose="02070309020205020404" pitchFamily="49" charset="0"/>
               </a:rPr>
-              <a:t>: </a:t>
-            </a:r>
-            <a:endParaRPr lang="en-US" sz="2800" b="1" smtClean="0">
+              <a:t>pattern</a:t>
+            </a:r>
+            <a:endParaRPr lang="en-US" b="1">
               <a:solidFill>
                 <a:schemeClr val="tx2"/>
               </a:solidFill>
@@ -10026,40 +10157,248 @@
           </a:p>
           <a:p>
             <a:r>
-              <a:rPr lang="en-US" sz="2800">
+              <a:rPr lang="en-US" smtClean="0">
                 <a:latin typeface="Courier New" panose="02070309020205020404" pitchFamily="49" charset="0"/>
                 <a:cs typeface="Courier New" panose="02070309020205020404" pitchFamily="49" charset="0"/>
               </a:rPr>
-              <a:t>Deliver water : 500 kg to Ukraine, Kyiv, st. Illinska, 2, 01010 by Truck #1 using the road </a:t>
-            </a:r>
-            <a:endParaRPr lang="en-US" sz="2800" smtClean="0">
+              <a:t>- </a:t>
+            </a:r>
+            <a:r>
+              <a:rPr lang="en-US">
+                <a:latin typeface="Courier New" panose="02070309020205020404" pitchFamily="49" charset="0"/>
+                <a:cs typeface="Courier New" panose="02070309020205020404" pitchFamily="49" charset="0"/>
+              </a:rPr>
+              <a:t>Create abstract class </a:t>
+            </a:r>
+            <a:r>
+              <a:rPr lang="en-US" b="1">
+                <a:solidFill>
+                  <a:schemeClr val="accent6"/>
+                </a:solidFill>
+                <a:latin typeface="Courier New" panose="02070309020205020404" pitchFamily="49" charset="0"/>
+                <a:cs typeface="Courier New" panose="02070309020205020404" pitchFamily="49" charset="0"/>
+              </a:rPr>
+              <a:t>Transport </a:t>
+            </a:r>
+            <a:endParaRPr lang="en-US" b="1" smtClean="0">
+              <a:solidFill>
+                <a:schemeClr val="accent6"/>
+              </a:solidFill>
               <a:latin typeface="Courier New" panose="02070309020205020404" pitchFamily="49" charset="0"/>
               <a:cs typeface="Courier New" panose="02070309020205020404" pitchFamily="49" charset="0"/>
             </a:endParaRPr>
           </a:p>
           <a:p>
             <a:r>
-              <a:rPr lang="en-US" sz="2800" smtClean="0">
+              <a:rPr lang="en-US" smtClean="0">
                 <a:latin typeface="Courier New" panose="02070309020205020404" pitchFamily="49" charset="0"/>
                 <a:cs typeface="Courier New" panose="02070309020205020404" pitchFamily="49" charset="0"/>
               </a:rPr>
-              <a:t>Deliver </a:t>
-            </a:r>
-            <a:r>
-              <a:rPr lang="en-US" sz="2800">
+              <a:t>- </a:t>
+            </a:r>
+            <a:r>
+              <a:rPr lang="en-US">
                 <a:latin typeface="Courier New" panose="02070309020205020404" pitchFamily="49" charset="0"/>
                 <a:cs typeface="Courier New" panose="02070309020205020404" pitchFamily="49" charset="0"/>
               </a:rPr>
-              <a:t>juice : 1500 kg to Ukraine, Kyiv, st. Sagaidachnogo, 12, 12345 by Truck #2 using the road</a:t>
-            </a:r>
-            <a:r>
-              <a:rPr lang="en-US" sz="2800"/>
-              <a:t/>
-            </a:r>
-            <a:br>
-              <a:rPr lang="en-US" sz="2800"/>
-            </a:br>
-            <a:endParaRPr lang="ru-RU"/>
+              <a:t>Inherit </a:t>
+            </a:r>
+            <a:r>
+              <a:rPr lang="en-US" b="1">
+                <a:solidFill>
+                  <a:schemeClr val="accent6"/>
+                </a:solidFill>
+                <a:latin typeface="Courier New" panose="02070309020205020404" pitchFamily="49" charset="0"/>
+                <a:cs typeface="Courier New" panose="02070309020205020404" pitchFamily="49" charset="0"/>
+              </a:rPr>
+              <a:t>Truck</a:t>
+            </a:r>
+            <a:r>
+              <a:rPr lang="en-US">
+                <a:solidFill>
+                  <a:schemeClr val="accent6"/>
+                </a:solidFill>
+                <a:latin typeface="Courier New" panose="02070309020205020404" pitchFamily="49" charset="0"/>
+                <a:cs typeface="Courier New" panose="02070309020205020404" pitchFamily="49" charset="0"/>
+              </a:rPr>
+              <a:t> </a:t>
+            </a:r>
+            <a:r>
+              <a:rPr lang="en-US">
+                <a:latin typeface="Courier New" panose="02070309020205020404" pitchFamily="49" charset="0"/>
+                <a:cs typeface="Courier New" panose="02070309020205020404" pitchFamily="49" charset="0"/>
+              </a:rPr>
+              <a:t>from </a:t>
+            </a:r>
+            <a:r>
+              <a:rPr lang="en-US" b="1">
+                <a:solidFill>
+                  <a:schemeClr val="accent6"/>
+                </a:solidFill>
+                <a:latin typeface="Courier New" panose="02070309020205020404" pitchFamily="49" charset="0"/>
+                <a:cs typeface="Courier New" panose="02070309020205020404" pitchFamily="49" charset="0"/>
+              </a:rPr>
+              <a:t>Transport </a:t>
+            </a:r>
+            <a:endParaRPr lang="en-US" b="1" smtClean="0">
+              <a:solidFill>
+                <a:schemeClr val="accent6"/>
+              </a:solidFill>
+              <a:latin typeface="Courier New" panose="02070309020205020404" pitchFamily="49" charset="0"/>
+              <a:cs typeface="Courier New" panose="02070309020205020404" pitchFamily="49" charset="0"/>
+            </a:endParaRPr>
+          </a:p>
+          <a:p>
+            <a:r>
+              <a:rPr lang="en-US" smtClean="0">
+                <a:latin typeface="Courier New" panose="02070309020205020404" pitchFamily="49" charset="0"/>
+                <a:cs typeface="Courier New" panose="02070309020205020404" pitchFamily="49" charset="0"/>
+              </a:rPr>
+              <a:t>- </a:t>
+            </a:r>
+            <a:r>
+              <a:rPr lang="en-US">
+                <a:latin typeface="Courier New" panose="02070309020205020404" pitchFamily="49" charset="0"/>
+                <a:cs typeface="Courier New" panose="02070309020205020404" pitchFamily="49" charset="0"/>
+              </a:rPr>
+              <a:t>Rename </a:t>
+            </a:r>
+            <a:r>
+              <a:rPr lang="en-US" b="1">
+                <a:solidFill>
+                  <a:schemeClr val="accent6"/>
+                </a:solidFill>
+                <a:latin typeface="Courier New" panose="02070309020205020404" pitchFamily="49" charset="0"/>
+                <a:cs typeface="Courier New" panose="02070309020205020404" pitchFamily="49" charset="0"/>
+              </a:rPr>
+              <a:t>Logistics</a:t>
+            </a:r>
+            <a:r>
+              <a:rPr lang="en-US">
+                <a:solidFill>
+                  <a:schemeClr val="accent6"/>
+                </a:solidFill>
+                <a:latin typeface="Courier New" panose="02070309020205020404" pitchFamily="49" charset="0"/>
+                <a:cs typeface="Courier New" panose="02070309020205020404" pitchFamily="49" charset="0"/>
+              </a:rPr>
+              <a:t> </a:t>
+            </a:r>
+            <a:r>
+              <a:rPr lang="en-US">
+                <a:latin typeface="Courier New" panose="02070309020205020404" pitchFamily="49" charset="0"/>
+                <a:cs typeface="Courier New" panose="02070309020205020404" pitchFamily="49" charset="0"/>
+              </a:rPr>
+              <a:t>to </a:t>
+            </a:r>
+            <a:r>
+              <a:rPr lang="en-US" b="1">
+                <a:solidFill>
+                  <a:schemeClr val="accent6"/>
+                </a:solidFill>
+                <a:latin typeface="Courier New" panose="02070309020205020404" pitchFamily="49" charset="0"/>
+                <a:cs typeface="Courier New" panose="02070309020205020404" pitchFamily="49" charset="0"/>
+              </a:rPr>
+              <a:t>RoadLogistics </a:t>
+            </a:r>
+            <a:endParaRPr lang="en-US" b="1" smtClean="0">
+              <a:solidFill>
+                <a:schemeClr val="accent6"/>
+              </a:solidFill>
+              <a:latin typeface="Courier New" panose="02070309020205020404" pitchFamily="49" charset="0"/>
+              <a:cs typeface="Courier New" panose="02070309020205020404" pitchFamily="49" charset="0"/>
+            </a:endParaRPr>
+          </a:p>
+          <a:p>
+            <a:r>
+              <a:rPr lang="en-US" smtClean="0">
+                <a:latin typeface="Courier New" panose="02070309020205020404" pitchFamily="49" charset="0"/>
+                <a:cs typeface="Courier New" panose="02070309020205020404" pitchFamily="49" charset="0"/>
+              </a:rPr>
+              <a:t>- </a:t>
+            </a:r>
+            <a:r>
+              <a:rPr lang="en-US">
+                <a:latin typeface="Courier New" panose="02070309020205020404" pitchFamily="49" charset="0"/>
+                <a:cs typeface="Courier New" panose="02070309020205020404" pitchFamily="49" charset="0"/>
+              </a:rPr>
+              <a:t>Create abstract class </a:t>
+            </a:r>
+            <a:r>
+              <a:rPr lang="en-US" b="1">
+                <a:solidFill>
+                  <a:schemeClr val="accent6"/>
+                </a:solidFill>
+                <a:latin typeface="Courier New" panose="02070309020205020404" pitchFamily="49" charset="0"/>
+                <a:cs typeface="Courier New" panose="02070309020205020404" pitchFamily="49" charset="0"/>
+              </a:rPr>
+              <a:t>Logistics </a:t>
+            </a:r>
+            <a:endParaRPr lang="en-US" b="1" smtClean="0">
+              <a:solidFill>
+                <a:schemeClr val="accent6"/>
+              </a:solidFill>
+              <a:latin typeface="Courier New" panose="02070309020205020404" pitchFamily="49" charset="0"/>
+              <a:cs typeface="Courier New" panose="02070309020205020404" pitchFamily="49" charset="0"/>
+            </a:endParaRPr>
+          </a:p>
+          <a:p>
+            <a:r>
+              <a:rPr lang="en-US" smtClean="0">
+                <a:latin typeface="Courier New" panose="02070309020205020404" pitchFamily="49" charset="0"/>
+                <a:cs typeface="Courier New" panose="02070309020205020404" pitchFamily="49" charset="0"/>
+              </a:rPr>
+              <a:t>- </a:t>
+            </a:r>
+            <a:r>
+              <a:rPr lang="en-US">
+                <a:latin typeface="Courier New" panose="02070309020205020404" pitchFamily="49" charset="0"/>
+                <a:cs typeface="Courier New" panose="02070309020205020404" pitchFamily="49" charset="0"/>
+              </a:rPr>
+              <a:t>Inherit </a:t>
+            </a:r>
+            <a:r>
+              <a:rPr lang="en-US" b="1">
+                <a:solidFill>
+                  <a:schemeClr val="accent6"/>
+                </a:solidFill>
+                <a:latin typeface="Courier New" panose="02070309020205020404" pitchFamily="49" charset="0"/>
+                <a:cs typeface="Courier New" panose="02070309020205020404" pitchFamily="49" charset="0"/>
+              </a:rPr>
+              <a:t>RoadLogistics</a:t>
+            </a:r>
+            <a:r>
+              <a:rPr lang="en-US">
+                <a:solidFill>
+                  <a:schemeClr val="accent6"/>
+                </a:solidFill>
+                <a:latin typeface="Courier New" panose="02070309020205020404" pitchFamily="49" charset="0"/>
+                <a:cs typeface="Courier New" panose="02070309020205020404" pitchFamily="49" charset="0"/>
+              </a:rPr>
+              <a:t> </a:t>
+            </a:r>
+            <a:r>
+              <a:rPr lang="en-US">
+                <a:latin typeface="Courier New" panose="02070309020205020404" pitchFamily="49" charset="0"/>
+                <a:cs typeface="Courier New" panose="02070309020205020404" pitchFamily="49" charset="0"/>
+              </a:rPr>
+              <a:t>from </a:t>
+            </a:r>
+            <a:r>
+              <a:rPr lang="en-US" b="1">
+                <a:solidFill>
+                  <a:schemeClr val="accent6"/>
+                </a:solidFill>
+                <a:latin typeface="Courier New" panose="02070309020205020404" pitchFamily="49" charset="0"/>
+                <a:cs typeface="Courier New" panose="02070309020205020404" pitchFamily="49" charset="0"/>
+              </a:rPr>
+              <a:t>Logistics</a:t>
+            </a:r>
+          </a:p>
+          <a:p>
+            <a:endParaRPr lang="ru-RU">
+              <a:latin typeface="Courier New" panose="02070309020205020404" pitchFamily="49" charset="0"/>
+              <a:cs typeface="Courier New" panose="02070309020205020404" pitchFamily="49" charset="0"/>
+            </a:endParaRPr>
           </a:p>
         </p:txBody>
       </p:sp>
@@ -10104,7 +10443,7 @@
     </p:spTree>
     <p:extLst>
       <p:ext uri="{BB962C8B-B14F-4D97-AF65-F5344CB8AC3E}">
-        <p14:creationId xmlns:p14="http://schemas.microsoft.com/office/powerpoint/2010/main" val="1572841895"/>
+        <p14:creationId xmlns:p14="http://schemas.microsoft.com/office/powerpoint/2010/main" val="1509948267"/>
       </p:ext>
     </p:extLst>
   </p:cSld>
@@ -10160,7 +10499,7 @@
           <a:p>
             <a:r>
               <a:rPr lang="en-US" smtClean="0"/>
-              <a:t>Code</a:t>
+              <a:t>Code test</a:t>
             </a:r>
             <a:endParaRPr lang="ru-RU"/>
           </a:p>
@@ -10292,45 +10631,74 @@
         </p:nvSpPr>
         <p:spPr/>
         <p:txBody>
-          <a:bodyPr/>
-          <a:lstStyle/>
+          <a:bodyPr>
+            <a:normAutofit/>
+          </a:bodyPr>
+          <a:lstStyle/>
+          <a:p>
+            <a:r>
+              <a:rPr lang="en-US" sz="2800" b="1" smtClean="0">
+                <a:solidFill>
+                  <a:schemeClr val="tx2"/>
+                </a:solidFill>
+                <a:latin typeface="Courier New" panose="02070309020205020404" pitchFamily="49" charset="0"/>
+                <a:cs typeface="Courier New" panose="02070309020205020404" pitchFamily="49" charset="0"/>
+              </a:rPr>
+              <a:t>Test output</a:t>
+            </a:r>
+            <a:r>
+              <a:rPr lang="en-US" sz="2800" b="1">
+                <a:solidFill>
+                  <a:schemeClr val="tx2"/>
+                </a:solidFill>
+                <a:latin typeface="Courier New" panose="02070309020205020404" pitchFamily="49" charset="0"/>
+                <a:cs typeface="Courier New" panose="02070309020205020404" pitchFamily="49" charset="0"/>
+              </a:rPr>
+              <a:t>: </a:t>
+            </a:r>
+            <a:endParaRPr lang="en-US" sz="2800" b="1" smtClean="0">
+              <a:solidFill>
+                <a:schemeClr val="tx2"/>
+              </a:solidFill>
+              <a:latin typeface="Courier New" panose="02070309020205020404" pitchFamily="49" charset="0"/>
+              <a:cs typeface="Courier New" panose="02070309020205020404" pitchFamily="49" charset="0"/>
+            </a:endParaRPr>
+          </a:p>
           <a:p>
             <a:r>
               <a:rPr lang="en-US" sz="2800">
                 <a:latin typeface="Courier New" panose="02070309020205020404" pitchFamily="49" charset="0"/>
                 <a:cs typeface="Courier New" panose="02070309020205020404" pitchFamily="49" charset="0"/>
               </a:rPr>
-              <a:t>git clone </a:t>
-            </a:r>
-            <a:r>
-              <a:rPr lang="en-US" sz="2800" b="1">
-                <a:solidFill>
-                  <a:schemeClr val="accent6"/>
-                </a:solidFill>
+              <a:t>Deliver water : 500 kg to Ukraine, Kyiv, st. Illinska, 2, 01010 by Truck #1 using the road </a:t>
+            </a:r>
+            <a:endParaRPr lang="en-US" sz="2800" smtClean="0">
+              <a:latin typeface="Courier New" panose="02070309020205020404" pitchFamily="49" charset="0"/>
+              <a:cs typeface="Courier New" panose="02070309020205020404" pitchFamily="49" charset="0"/>
+            </a:endParaRPr>
+          </a:p>
+          <a:p>
+            <a:r>
+              <a:rPr lang="en-US" sz="2800" smtClean="0">
                 <a:latin typeface="Courier New" panose="02070309020205020404" pitchFamily="49" charset="0"/>
                 <a:cs typeface="Courier New" panose="02070309020205020404" pitchFamily="49" charset="0"/>
               </a:rPr>
-              <a:t>https://github.com/polykross/FactoryMethod-Facade.git</a:t>
-            </a:r>
-          </a:p>
-          <a:p>
+              <a:t>Deliver </a:t>
+            </a:r>
             <a:r>
               <a:rPr lang="en-US" sz="2800">
                 <a:latin typeface="Courier New" panose="02070309020205020404" pitchFamily="49" charset="0"/>
                 <a:cs typeface="Courier New" panose="02070309020205020404" pitchFamily="49" charset="0"/>
               </a:rPr>
-              <a:t>git checkout </a:t>
-            </a:r>
-            <a:r>
-              <a:rPr lang="en-US" sz="2800" b="1" smtClean="0">
-                <a:solidFill>
-                  <a:schemeClr val="accent6"/>
-                </a:solidFill>
-                <a:latin typeface="Courier New" panose="02070309020205020404" pitchFamily="49" charset="0"/>
-                <a:cs typeface="Courier New" panose="02070309020205020404" pitchFamily="49" charset="0"/>
-              </a:rPr>
-              <a:t>ce47ef1</a:t>
-            </a:r>
+              <a:t>juice : 1500 kg to Ukraine, Kyiv, st. Sagaidachnogo, 12, 12345 by Truck #2 using the road</a:t>
+            </a:r>
+            <a:r>
+              <a:rPr lang="en-US" sz="2800"/>
+              <a:t/>
+            </a:r>
+            <a:br>
+              <a:rPr lang="en-US" sz="2800"/>
+            </a:br>
             <a:endParaRPr lang="ru-RU"/>
           </a:p>
         </p:txBody>
@@ -10376,7 +10744,7 @@
     </p:spTree>
     <p:extLst>
       <p:ext uri="{BB962C8B-B14F-4D97-AF65-F5344CB8AC3E}">
-        <p14:creationId xmlns:p14="http://schemas.microsoft.com/office/powerpoint/2010/main" val="1715814355"/>
+        <p14:creationId xmlns:p14="http://schemas.microsoft.com/office/powerpoint/2010/main" val="1572841895"/>
       </p:ext>
     </p:extLst>
   </p:cSld>
@@ -10432,7 +10800,7 @@
           <a:p>
             <a:r>
               <a:rPr lang="en-US" smtClean="0"/>
-              <a:t>Code comment</a:t>
+              <a:t>Diagram</a:t>
             </a:r>
             <a:endParaRPr lang="ru-RU"/>
           </a:p>
@@ -10552,154 +10920,35 @@
           </a:prstGeom>
         </p:spPr>
       </p:pic>
-      <p:sp>
-        <p:nvSpPr>
-          <p:cNvPr id="3" name="Объект 2"/>
-          <p:cNvSpPr>
-            <a:spLocks noGrp="1"/>
-          </p:cNvSpPr>
+      <p:pic>
+        <p:nvPicPr>
+          <p:cNvPr id="4" name="Объект 3"/>
+          <p:cNvPicPr>
+            <a:picLocks noGrp="1" noChangeAspect="1"/>
+          </p:cNvPicPr>
           <p:nvPr>
             <p:ph idx="1"/>
           </p:nvPr>
-        </p:nvSpPr>
-        <p:spPr/>
-        <p:txBody>
-          <a:bodyPr/>
-          <a:lstStyle/>
-          <a:p>
-            <a:r>
-              <a:rPr lang="en-US" sz="2800" b="1">
-                <a:solidFill>
-                  <a:schemeClr val="tx2"/>
-                </a:solidFill>
-                <a:latin typeface="Courier New" panose="02070309020205020404" pitchFamily="49" charset="0"/>
-                <a:cs typeface="Courier New" panose="02070309020205020404" pitchFamily="49" charset="0"/>
-              </a:rPr>
-              <a:t>Add Sea logistics </a:t>
-            </a:r>
-            <a:r>
-              <a:rPr lang="en-US" sz="2800" b="1" smtClean="0">
-                <a:solidFill>
-                  <a:schemeClr val="tx2"/>
-                </a:solidFill>
-                <a:latin typeface="Courier New" panose="02070309020205020404" pitchFamily="49" charset="0"/>
-                <a:cs typeface="Courier New" panose="02070309020205020404" pitchFamily="49" charset="0"/>
-              </a:rPr>
-              <a:t>support</a:t>
-            </a:r>
-            <a:endParaRPr lang="en-US" sz="2800" b="1">
-              <a:solidFill>
-                <a:schemeClr val="tx2"/>
-              </a:solidFill>
-              <a:latin typeface="Courier New" panose="02070309020205020404" pitchFamily="49" charset="0"/>
-              <a:cs typeface="Courier New" panose="02070309020205020404" pitchFamily="49" charset="0"/>
-            </a:endParaRPr>
-          </a:p>
-          <a:p>
-            <a:r>
-              <a:rPr lang="en-US" sz="2800" smtClean="0">
-                <a:latin typeface="Courier New" panose="02070309020205020404" pitchFamily="49" charset="0"/>
-                <a:cs typeface="Courier New" panose="02070309020205020404" pitchFamily="49" charset="0"/>
-              </a:rPr>
-              <a:t>- </a:t>
-            </a:r>
-            <a:r>
-              <a:rPr lang="en-US" sz="2800">
-                <a:latin typeface="Courier New" panose="02070309020205020404" pitchFamily="49" charset="0"/>
-                <a:cs typeface="Courier New" panose="02070309020205020404" pitchFamily="49" charset="0"/>
-              </a:rPr>
-              <a:t>Create </a:t>
-            </a:r>
-            <a:r>
-              <a:rPr lang="en-US" sz="2800" b="1">
-                <a:solidFill>
-                  <a:schemeClr val="accent6"/>
-                </a:solidFill>
-                <a:latin typeface="Courier New" panose="02070309020205020404" pitchFamily="49" charset="0"/>
-                <a:cs typeface="Courier New" panose="02070309020205020404" pitchFamily="49" charset="0"/>
-              </a:rPr>
-              <a:t>Ship</a:t>
-            </a:r>
-            <a:r>
-              <a:rPr lang="en-US" sz="2800">
-                <a:latin typeface="Courier New" panose="02070309020205020404" pitchFamily="49" charset="0"/>
-                <a:cs typeface="Courier New" panose="02070309020205020404" pitchFamily="49" charset="0"/>
-              </a:rPr>
-              <a:t> class, inherited from </a:t>
-            </a:r>
-            <a:r>
-              <a:rPr lang="en-US" sz="2800" b="1">
-                <a:solidFill>
-                  <a:schemeClr val="accent6"/>
-                </a:solidFill>
-                <a:latin typeface="Courier New" panose="02070309020205020404" pitchFamily="49" charset="0"/>
-                <a:cs typeface="Courier New" panose="02070309020205020404" pitchFamily="49" charset="0"/>
-              </a:rPr>
-              <a:t>Transport </a:t>
-            </a:r>
-            <a:endParaRPr lang="en-US" sz="2800" b="1" smtClean="0">
-              <a:solidFill>
-                <a:schemeClr val="accent6"/>
-              </a:solidFill>
-              <a:latin typeface="Courier New" panose="02070309020205020404" pitchFamily="49" charset="0"/>
-              <a:cs typeface="Courier New" panose="02070309020205020404" pitchFamily="49" charset="0"/>
-            </a:endParaRPr>
-          </a:p>
-          <a:p>
-            <a:r>
-              <a:rPr lang="en-US" sz="2800" smtClean="0">
-                <a:latin typeface="Courier New" panose="02070309020205020404" pitchFamily="49" charset="0"/>
-                <a:cs typeface="Courier New" panose="02070309020205020404" pitchFamily="49" charset="0"/>
-              </a:rPr>
-              <a:t>- </a:t>
-            </a:r>
-            <a:r>
-              <a:rPr lang="en-US" sz="2800">
-                <a:latin typeface="Courier New" panose="02070309020205020404" pitchFamily="49" charset="0"/>
-                <a:cs typeface="Courier New" panose="02070309020205020404" pitchFamily="49" charset="0"/>
-              </a:rPr>
-              <a:t>Create </a:t>
-            </a:r>
-            <a:r>
-              <a:rPr lang="en-US" sz="2800" b="1">
-                <a:solidFill>
-                  <a:schemeClr val="accent6"/>
-                </a:solidFill>
-                <a:latin typeface="Courier New" panose="02070309020205020404" pitchFamily="49" charset="0"/>
-                <a:cs typeface="Courier New" panose="02070309020205020404" pitchFamily="49" charset="0"/>
-              </a:rPr>
-              <a:t>SeaLogistics</a:t>
-            </a:r>
-            <a:r>
-              <a:rPr lang="en-US" sz="2800">
-                <a:solidFill>
-                  <a:schemeClr val="accent6"/>
-                </a:solidFill>
-                <a:latin typeface="Courier New" panose="02070309020205020404" pitchFamily="49" charset="0"/>
-                <a:cs typeface="Courier New" panose="02070309020205020404" pitchFamily="49" charset="0"/>
-              </a:rPr>
-              <a:t> </a:t>
-            </a:r>
-            <a:r>
-              <a:rPr lang="en-US" sz="2800">
-                <a:latin typeface="Courier New" panose="02070309020205020404" pitchFamily="49" charset="0"/>
-                <a:cs typeface="Courier New" panose="02070309020205020404" pitchFamily="49" charset="0"/>
-              </a:rPr>
-              <a:t>class, inherited from </a:t>
-            </a:r>
-            <a:r>
-              <a:rPr lang="en-US" sz="2800" b="1">
-                <a:solidFill>
-                  <a:schemeClr val="accent6"/>
-                </a:solidFill>
-                <a:latin typeface="Courier New" panose="02070309020205020404" pitchFamily="49" charset="0"/>
-                <a:cs typeface="Courier New" panose="02070309020205020404" pitchFamily="49" charset="0"/>
-              </a:rPr>
-              <a:t>Logistics</a:t>
-            </a:r>
-          </a:p>
-        </p:txBody>
-      </p:sp>
+        </p:nvPicPr>
+        <p:blipFill>
+          <a:blip r:embed="rId4">
+            <a:extLst>
+              <a:ext uri="{28A0092B-C50C-407E-A947-70E740481C1C}">
+                <a14:useLocalDpi xmlns:a14="http://schemas.microsoft.com/office/drawing/2010/main" val="0"/>
+              </a:ext>
+            </a:extLst>
+          </a:blip>
+          <a:stretch>
+            <a:fillRect/>
+          </a:stretch>
+        </p:blipFill>
+        <p:spPr>
+          <a:xfrm>
+            <a:off x="107503" y="1556792"/>
+            <a:ext cx="9005871" cy="4922092"/>
+          </a:xfrm>
+        </p:spPr>
+      </p:pic>
       <p:sp>
         <p:nvSpPr>
           <p:cNvPr id="10" name="TextBox 9"/>
@@ -10741,7 +10990,7 @@
     </p:spTree>
     <p:extLst>
       <p:ext uri="{BB962C8B-B14F-4D97-AF65-F5344CB8AC3E}">
-        <p14:creationId xmlns:p14="http://schemas.microsoft.com/office/powerpoint/2010/main" val="2726287116"/>
+        <p14:creationId xmlns:p14="http://schemas.microsoft.com/office/powerpoint/2010/main" val="2537217383"/>
       </p:ext>
     </p:extLst>
   </p:cSld>
@@ -10797,7 +11046,7 @@
           <a:p>
             <a:r>
               <a:rPr lang="en-US" smtClean="0"/>
-              <a:t>Code test</a:t>
+              <a:t>Code</a:t>
             </a:r>
             <a:endParaRPr lang="ru-RU"/>
           </a:p>
@@ -10929,81 +11178,45 @@
         </p:nvSpPr>
         <p:spPr/>
         <p:txBody>
-          <a:bodyPr>
-            <a:normAutofit/>
-          </a:bodyPr>
-          <a:lstStyle/>
-          <a:p>
-            <a:r>
-              <a:rPr lang="en-US" sz="2800" b="1" smtClean="0">
-                <a:solidFill>
-                  <a:schemeClr val="tx2"/>
-                </a:solidFill>
-                <a:latin typeface="Courier New" panose="02070309020205020404" pitchFamily="49" charset="0"/>
-                <a:cs typeface="Courier New" panose="02070309020205020404" pitchFamily="49" charset="0"/>
-              </a:rPr>
-              <a:t>Test output</a:t>
-            </a:r>
-            <a:r>
-              <a:rPr lang="en-US" sz="2800" b="1">
-                <a:solidFill>
-                  <a:schemeClr val="tx2"/>
-                </a:solidFill>
-                <a:latin typeface="Courier New" panose="02070309020205020404" pitchFamily="49" charset="0"/>
-                <a:cs typeface="Courier New" panose="02070309020205020404" pitchFamily="49" charset="0"/>
-              </a:rPr>
-              <a:t>: </a:t>
-            </a:r>
-            <a:endParaRPr lang="en-US" sz="2800" b="1" smtClean="0">
-              <a:solidFill>
-                <a:schemeClr val="tx2"/>
-              </a:solidFill>
-              <a:latin typeface="Courier New" panose="02070309020205020404" pitchFamily="49" charset="0"/>
-              <a:cs typeface="Courier New" panose="02070309020205020404" pitchFamily="49" charset="0"/>
-            </a:endParaRPr>
-          </a:p>
-          <a:p>
-            <a:r>
-              <a:rPr lang="en-US" sz="2800" smtClean="0">
-                <a:latin typeface="Courier New" panose="02070309020205020404" pitchFamily="49" charset="0"/>
-                <a:cs typeface="Courier New" panose="02070309020205020404" pitchFamily="49" charset="0"/>
-              </a:rPr>
-              <a:t>Deliver </a:t>
-            </a:r>
+          <a:bodyPr/>
+          <a:lstStyle/>
+          <a:p>
             <a:r>
               <a:rPr lang="en-US" sz="2800">
                 <a:latin typeface="Courier New" panose="02070309020205020404" pitchFamily="49" charset="0"/>
                 <a:cs typeface="Courier New" panose="02070309020205020404" pitchFamily="49" charset="0"/>
               </a:rPr>
-              <a:t>water : 500 kg to Ukraine, Kyiv, st. Illinska, 2, 01010 by Truck #1 using the road </a:t>
-            </a:r>
-            <a:endParaRPr lang="en-US" sz="2800" smtClean="0">
-              <a:latin typeface="Courier New" panose="02070309020205020404" pitchFamily="49" charset="0"/>
-              <a:cs typeface="Courier New" panose="02070309020205020404" pitchFamily="49" charset="0"/>
-            </a:endParaRPr>
-          </a:p>
-          <a:p>
-            <a:r>
-              <a:rPr lang="en-US" sz="2800" smtClean="0">
+              <a:t>git clone </a:t>
+            </a:r>
+            <a:r>
+              <a:rPr lang="en-US" sz="2800" b="1">
+                <a:solidFill>
+                  <a:schemeClr val="accent6"/>
+                </a:solidFill>
                 <a:latin typeface="Courier New" panose="02070309020205020404" pitchFamily="49" charset="0"/>
                 <a:cs typeface="Courier New" panose="02070309020205020404" pitchFamily="49" charset="0"/>
               </a:rPr>
-              <a:t>Deliver </a:t>
-            </a:r>
+              <a:t>https://github.com/polykross/FactoryMethod-Facade.git</a:t>
+            </a:r>
+          </a:p>
+          <a:p>
             <a:r>
               <a:rPr lang="en-US" sz="2800">
                 <a:latin typeface="Courier New" panose="02070309020205020404" pitchFamily="49" charset="0"/>
                 <a:cs typeface="Courier New" panose="02070309020205020404" pitchFamily="49" charset="0"/>
               </a:rPr>
-              <a:t>juice : 1500 kg to Ukraine, Kyiv, st. Sagaidachnogo, 12, 12345 by Ship #1 using the sea </a:t>
-            </a:r>
-            <a:r>
-              <a:rPr lang="en-US" sz="2800"/>
-              <a:t/>
-            </a:r>
-            <a:br>
-              <a:rPr lang="en-US" sz="2800"/>
-            </a:br>
+              <a:t>git checkout </a:t>
+            </a:r>
+            <a:r>
+              <a:rPr lang="en-US" sz="2800" b="1" smtClean="0">
+                <a:solidFill>
+                  <a:schemeClr val="accent6"/>
+                </a:solidFill>
+                <a:latin typeface="Courier New" panose="02070309020205020404" pitchFamily="49" charset="0"/>
+                <a:cs typeface="Courier New" panose="02070309020205020404" pitchFamily="49" charset="0"/>
+              </a:rPr>
+              <a:t>ce47ef1</a:t>
+            </a:r>
             <a:endParaRPr lang="ru-RU"/>
           </a:p>
         </p:txBody>
@@ -11049,7 +11262,7 @@
     </p:spTree>
     <p:extLst>
       <p:ext uri="{BB962C8B-B14F-4D97-AF65-F5344CB8AC3E}">
-        <p14:creationId xmlns:p14="http://schemas.microsoft.com/office/powerpoint/2010/main" val="102890273"/>
+        <p14:creationId xmlns:p14="http://schemas.microsoft.com/office/powerpoint/2010/main" val="1715814355"/>
       </p:ext>
     </p:extLst>
   </p:cSld>
@@ -11105,71 +11318,9 @@
           <a:p>
             <a:r>
               <a:rPr lang="en-US" smtClean="0"/>
-              <a:t>Definition</a:t>
+              <a:t>Code comment</a:t>
             </a:r>
             <a:endParaRPr lang="ru-RU"/>
-          </a:p>
-        </p:txBody>
-      </p:sp>
-      <p:sp>
-        <p:nvSpPr>
-          <p:cNvPr id="4" name="TextBox 3"/>
-          <p:cNvSpPr txBox="1"/>
-          <p:nvPr/>
-        </p:nvSpPr>
-        <p:spPr>
-          <a:xfrm>
-            <a:off x="1652552" y="6165304"/>
-            <a:ext cx="7455952" cy="369332"/>
-          </a:xfrm>
-          <a:prstGeom prst="rect">
-            <a:avLst/>
-          </a:prstGeom>
-          <a:noFill/>
-        </p:spPr>
-        <p:txBody>
-          <a:bodyPr wrap="none" rtlCol="0">
-            <a:spAutoFit/>
-          </a:bodyPr>
-          <a:lstStyle/>
-          <a:p>
-            <a:r>
-              <a:rPr lang="en-US">
-                <a:solidFill>
-                  <a:schemeClr val="accent6">
-                    <a:lumMod val="75000"/>
-                  </a:schemeClr>
-                </a:solidFill>
-              </a:rPr>
-              <a:t>S</a:t>
-            </a:r>
-            <a:r>
-              <a:rPr lang="en-US" smtClean="0">
-                <a:solidFill>
-                  <a:schemeClr val="accent6">
-                    <a:lumMod val="75000"/>
-                  </a:schemeClr>
-                </a:solidFill>
-              </a:rPr>
-              <a:t>ource: Design Patterns Explained Simply by Alexander Shvets, pg. </a:t>
-            </a:r>
-            <a:r>
-              <a:rPr lang="uk-UA" smtClean="0">
-                <a:solidFill>
-                  <a:schemeClr val="accent6">
-                    <a:lumMod val="75000"/>
-                  </a:schemeClr>
-                </a:solidFill>
-              </a:rPr>
-              <a:t>69</a:t>
-            </a:r>
-            <a:endParaRPr lang="en-US" u="sng">
-              <a:solidFill>
-                <a:schemeClr val="accent6">
-                  <a:lumMod val="75000"/>
-                </a:schemeClr>
-              </a:solidFill>
-            </a:endParaRPr>
           </a:p>
         </p:txBody>
       </p:sp>
@@ -11297,67 +11448,141 @@
             <p:ph idx="1"/>
           </p:nvPr>
         </p:nvSpPr>
-        <p:spPr>
-          <a:xfrm>
-            <a:off x="457200" y="1936576"/>
-            <a:ext cx="8229600" cy="3508648"/>
-          </a:xfrm>
-        </p:spPr>
-        <p:txBody>
-          <a:bodyPr>
-            <a:normAutofit/>
-          </a:bodyPr>
-          <a:lstStyle/>
-          <a:p>
-            <a:r>
-              <a:rPr lang="en-US" sz="3200" i="1" smtClean="0">
+        <p:spPr/>
+        <p:txBody>
+          <a:bodyPr/>
+          <a:lstStyle/>
+          <a:p>
+            <a:r>
+              <a:rPr lang="en-US" sz="2800" b="1">
                 <a:solidFill>
                   <a:schemeClr val="tx2"/>
                 </a:solidFill>
-              </a:rPr>
-              <a:t>Factory method </a:t>
-            </a:r>
-            <a:r>
-              <a:rPr lang="en-US" sz="3200" smtClean="0"/>
-              <a:t>is a </a:t>
-            </a:r>
-            <a:r>
-              <a:rPr lang="en-US" sz="3200" i="1" smtClean="0">
+                <a:latin typeface="Courier New" panose="02070309020205020404" pitchFamily="49" charset="0"/>
+                <a:cs typeface="Courier New" panose="02070309020205020404" pitchFamily="49" charset="0"/>
+              </a:rPr>
+              <a:t>Add Sea logistics </a:t>
+            </a:r>
+            <a:r>
+              <a:rPr lang="en-US" sz="2800" b="1" smtClean="0">
+                <a:solidFill>
+                  <a:schemeClr val="tx2"/>
+                </a:solidFill>
+                <a:latin typeface="Courier New" panose="02070309020205020404" pitchFamily="49" charset="0"/>
+                <a:cs typeface="Courier New" panose="02070309020205020404" pitchFamily="49" charset="0"/>
+              </a:rPr>
+              <a:t>support</a:t>
+            </a:r>
+            <a:endParaRPr lang="en-US" sz="2800" b="1">
+              <a:solidFill>
+                <a:schemeClr val="tx2"/>
+              </a:solidFill>
+              <a:latin typeface="Courier New" panose="02070309020205020404" pitchFamily="49" charset="0"/>
+              <a:cs typeface="Courier New" panose="02070309020205020404" pitchFamily="49" charset="0"/>
+            </a:endParaRPr>
+          </a:p>
+          <a:p>
+            <a:r>
+              <a:rPr lang="en-US" sz="2800" smtClean="0">
+                <a:latin typeface="Courier New" panose="02070309020205020404" pitchFamily="49" charset="0"/>
+                <a:cs typeface="Courier New" panose="02070309020205020404" pitchFamily="49" charset="0"/>
+              </a:rPr>
+              <a:t>- </a:t>
+            </a:r>
+            <a:r>
+              <a:rPr lang="en-US" sz="2800">
+                <a:latin typeface="Courier New" panose="02070309020205020404" pitchFamily="49" charset="0"/>
+                <a:cs typeface="Courier New" panose="02070309020205020404" pitchFamily="49" charset="0"/>
+              </a:rPr>
+              <a:t>Create </a:t>
+            </a:r>
+            <a:r>
+              <a:rPr lang="en-US" sz="2800" b="1">
                 <a:solidFill>
                   <a:schemeClr val="accent6"/>
                 </a:solidFill>
-              </a:rPr>
-              <a:t>creational</a:t>
-            </a:r>
-            <a:r>
-              <a:rPr lang="en-US" sz="3200" smtClean="0"/>
-              <a:t> design pattern, which defines a </a:t>
-            </a:r>
-            <a:r>
-              <a:rPr lang="en-US" sz="3200" i="1" smtClean="0">
+                <a:latin typeface="Courier New" panose="02070309020205020404" pitchFamily="49" charset="0"/>
+                <a:cs typeface="Courier New" panose="02070309020205020404" pitchFamily="49" charset="0"/>
+              </a:rPr>
+              <a:t>Ship</a:t>
+            </a:r>
+            <a:r>
+              <a:rPr lang="en-US" sz="2800">
+                <a:latin typeface="Courier New" panose="02070309020205020404" pitchFamily="49" charset="0"/>
+                <a:cs typeface="Courier New" panose="02070309020205020404" pitchFamily="49" charset="0"/>
+              </a:rPr>
+              <a:t> class, inherited from </a:t>
+            </a:r>
+            <a:r>
+              <a:rPr lang="en-US" sz="2800" b="1">
                 <a:solidFill>
                   <a:schemeClr val="accent6"/>
                 </a:solidFill>
-              </a:rPr>
-              <a:t>common interface </a:t>
-            </a:r>
-            <a:r>
-              <a:rPr lang="en-US" sz="3200" smtClean="0"/>
-              <a:t>for objects, letting </a:t>
-            </a:r>
-            <a:r>
-              <a:rPr lang="en-US" sz="3200" i="1" smtClean="0">
+                <a:latin typeface="Courier New" panose="02070309020205020404" pitchFamily="49" charset="0"/>
+                <a:cs typeface="Courier New" panose="02070309020205020404" pitchFamily="49" charset="0"/>
+              </a:rPr>
+              <a:t>Transport </a:t>
+            </a:r>
+            <a:endParaRPr lang="en-US" sz="2800" b="1" smtClean="0">
+              <a:solidFill>
+                <a:schemeClr val="accent6"/>
+              </a:solidFill>
+              <a:latin typeface="Courier New" panose="02070309020205020404" pitchFamily="49" charset="0"/>
+              <a:cs typeface="Courier New" panose="02070309020205020404" pitchFamily="49" charset="0"/>
+            </a:endParaRPr>
+          </a:p>
+          <a:p>
+            <a:r>
+              <a:rPr lang="en-US" sz="2800" smtClean="0">
+                <a:latin typeface="Courier New" panose="02070309020205020404" pitchFamily="49" charset="0"/>
+                <a:cs typeface="Courier New" panose="02070309020205020404" pitchFamily="49" charset="0"/>
+              </a:rPr>
+              <a:t>- </a:t>
+            </a:r>
+            <a:r>
+              <a:rPr lang="en-US" sz="2800">
+                <a:latin typeface="Courier New" panose="02070309020205020404" pitchFamily="49" charset="0"/>
+                <a:cs typeface="Courier New" panose="02070309020205020404" pitchFamily="49" charset="0"/>
+              </a:rPr>
+              <a:t>Create </a:t>
+            </a:r>
+            <a:r>
+              <a:rPr lang="en-US" sz="2800" b="1">
                 <a:solidFill>
                   <a:schemeClr val="accent6"/>
                 </a:solidFill>
-              </a:rPr>
-              <a:t>subclasses change types </a:t>
-            </a:r>
-            <a:r>
-              <a:rPr lang="en-US" sz="3200" smtClean="0"/>
-              <a:t>of those objects.</a:t>
-            </a:r>
-            <a:endParaRPr lang="ru-RU" sz="3200"/>
+                <a:latin typeface="Courier New" panose="02070309020205020404" pitchFamily="49" charset="0"/>
+                <a:cs typeface="Courier New" panose="02070309020205020404" pitchFamily="49" charset="0"/>
+              </a:rPr>
+              <a:t>SeaLogistics</a:t>
+            </a:r>
+            <a:r>
+              <a:rPr lang="en-US" sz="2800">
+                <a:solidFill>
+                  <a:schemeClr val="accent6"/>
+                </a:solidFill>
+                <a:latin typeface="Courier New" panose="02070309020205020404" pitchFamily="49" charset="0"/>
+                <a:cs typeface="Courier New" panose="02070309020205020404" pitchFamily="49" charset="0"/>
+              </a:rPr>
+              <a:t> </a:t>
+            </a:r>
+            <a:r>
+              <a:rPr lang="en-US" sz="2800">
+                <a:latin typeface="Courier New" panose="02070309020205020404" pitchFamily="49" charset="0"/>
+                <a:cs typeface="Courier New" panose="02070309020205020404" pitchFamily="49" charset="0"/>
+              </a:rPr>
+              <a:t>class, inherited from </a:t>
+            </a:r>
+            <a:r>
+              <a:rPr lang="en-US" sz="2800" b="1">
+                <a:solidFill>
+                  <a:schemeClr val="accent6"/>
+                </a:solidFill>
+                <a:latin typeface="Courier New" panose="02070309020205020404" pitchFamily="49" charset="0"/>
+                <a:cs typeface="Courier New" panose="02070309020205020404" pitchFamily="49" charset="0"/>
+              </a:rPr>
+              <a:t>Logistics</a:t>
+            </a:r>
           </a:p>
         </p:txBody>
       </p:sp>
@@ -11402,7 +11627,7 @@
     </p:spTree>
     <p:extLst>
       <p:ext uri="{BB962C8B-B14F-4D97-AF65-F5344CB8AC3E}">
-        <p14:creationId xmlns:p14="http://schemas.microsoft.com/office/powerpoint/2010/main" val="3163673412"/>
+        <p14:creationId xmlns:p14="http://schemas.microsoft.com/office/powerpoint/2010/main" val="2726287116"/>
       </p:ext>
     </p:extLst>
   </p:cSld>
@@ -11679,11 +11904,6 @@
               </a:rPr>
               <a:t>2/31</a:t>
             </a:r>
-            <a:endParaRPr lang="en-US" smtClean="0">
-              <a:solidFill>
-                <a:srgbClr val="002060"/>
-              </a:solidFill>
-            </a:endParaRPr>
           </a:p>
         </p:txBody>
       </p:sp>
@@ -11788,71 +12008,9 @@
           <a:p>
             <a:r>
               <a:rPr lang="en-US" smtClean="0"/>
-              <a:t>Applicability</a:t>
+              <a:t>Code test</a:t>
             </a:r>
             <a:endParaRPr lang="ru-RU"/>
-          </a:p>
-        </p:txBody>
-      </p:sp>
-      <p:sp>
-        <p:nvSpPr>
-          <p:cNvPr id="4" name="TextBox 3"/>
-          <p:cNvSpPr txBox="1"/>
-          <p:nvPr/>
-        </p:nvSpPr>
-        <p:spPr>
-          <a:xfrm>
-            <a:off x="1652552" y="6165304"/>
-            <a:ext cx="7455952" cy="369332"/>
-          </a:xfrm>
-          <a:prstGeom prst="rect">
-            <a:avLst/>
-          </a:prstGeom>
-          <a:noFill/>
-        </p:spPr>
-        <p:txBody>
-          <a:bodyPr wrap="none" rtlCol="0">
-            <a:spAutoFit/>
-          </a:bodyPr>
-          <a:lstStyle/>
-          <a:p>
-            <a:r>
-              <a:rPr lang="en-US">
-                <a:solidFill>
-                  <a:schemeClr val="accent6">
-                    <a:lumMod val="75000"/>
-                  </a:schemeClr>
-                </a:solidFill>
-              </a:rPr>
-              <a:t>S</a:t>
-            </a:r>
-            <a:r>
-              <a:rPr lang="en-US" smtClean="0">
-                <a:solidFill>
-                  <a:schemeClr val="accent6">
-                    <a:lumMod val="75000"/>
-                  </a:schemeClr>
-                </a:solidFill>
-              </a:rPr>
-              <a:t>ource: Design Patterns Explained Simply by Alexander Shvets, pg. </a:t>
-            </a:r>
-            <a:r>
-              <a:rPr lang="uk-UA" smtClean="0">
-                <a:solidFill>
-                  <a:schemeClr val="accent6">
-                    <a:lumMod val="75000"/>
-                  </a:schemeClr>
-                </a:solidFill>
-              </a:rPr>
-              <a:t>78</a:t>
-            </a:r>
-            <a:endParaRPr lang="en-US" u="sng">
-              <a:solidFill>
-                <a:schemeClr val="accent6">
-                  <a:lumMod val="75000"/>
-                </a:schemeClr>
-              </a:solidFill>
-            </a:endParaRPr>
           </a:p>
         </p:txBody>
       </p:sp>
@@ -11980,12 +12138,7 @@
             <p:ph idx="1"/>
           </p:nvPr>
         </p:nvSpPr>
-        <p:spPr>
-          <a:xfrm>
-            <a:off x="457200" y="1936576"/>
-            <a:ext cx="8229600" cy="3508648"/>
-          </a:xfrm>
-        </p:spPr>
+        <p:spPr/>
         <p:txBody>
           <a:bodyPr>
             <a:normAutofit/>
@@ -11993,48 +12146,82 @@
           <a:lstStyle/>
           <a:p>
             <a:r>
-              <a:rPr lang="en-US" sz="3200" smtClean="0"/>
-              <a:t>When </a:t>
-            </a:r>
-            <a:r>
-              <a:rPr lang="en-US" sz="3200" i="1" smtClean="0">
+              <a:rPr lang="en-US" sz="2800" b="1" smtClean="0">
                 <a:solidFill>
                   <a:schemeClr val="tx2"/>
                 </a:solidFill>
-              </a:rPr>
-              <a:t>types</a:t>
-            </a:r>
-            <a:r>
-              <a:rPr lang="en-US" sz="3200" smtClean="0">
+                <a:latin typeface="Courier New" panose="02070309020205020404" pitchFamily="49" charset="0"/>
+                <a:cs typeface="Courier New" panose="02070309020205020404" pitchFamily="49" charset="0"/>
+              </a:rPr>
+              <a:t>Test output</a:t>
+            </a:r>
+            <a:r>
+              <a:rPr lang="en-US" sz="2800" b="1">
                 <a:solidFill>
                   <a:schemeClr val="tx2"/>
                 </a:solidFill>
-              </a:rPr>
-              <a:t> </a:t>
-            </a:r>
-            <a:r>
-              <a:rPr lang="en-US" sz="3200" smtClean="0"/>
-              <a:t>and </a:t>
-            </a:r>
-            <a:r>
-              <a:rPr lang="en-US" sz="3200" i="1" smtClean="0">
-                <a:solidFill>
-                  <a:schemeClr val="tx2"/>
-                </a:solidFill>
-              </a:rPr>
-              <a:t>dependencies</a:t>
-            </a:r>
-            <a:r>
-              <a:rPr lang="en-US" sz="3200" smtClean="0"/>
-              <a:t> of objects are not known beforehand.</a:t>
-            </a:r>
-            <a:endParaRPr lang="ru-RU" sz="3200"/>
-          </a:p>
-        </p:txBody>
-      </p:sp>
-      <p:sp>
-        <p:nvSpPr>
-          <p:cNvPr id="11" name="TextBox 10"/>
+                <a:latin typeface="Courier New" panose="02070309020205020404" pitchFamily="49" charset="0"/>
+                <a:cs typeface="Courier New" panose="02070309020205020404" pitchFamily="49" charset="0"/>
+              </a:rPr>
+              <a:t>: </a:t>
+            </a:r>
+            <a:endParaRPr lang="en-US" sz="2800" b="1" smtClean="0">
+              <a:solidFill>
+                <a:schemeClr val="tx2"/>
+              </a:solidFill>
+              <a:latin typeface="Courier New" panose="02070309020205020404" pitchFamily="49" charset="0"/>
+              <a:cs typeface="Courier New" panose="02070309020205020404" pitchFamily="49" charset="0"/>
+            </a:endParaRPr>
+          </a:p>
+          <a:p>
+            <a:r>
+              <a:rPr lang="en-US" sz="2800" smtClean="0">
+                <a:latin typeface="Courier New" panose="02070309020205020404" pitchFamily="49" charset="0"/>
+                <a:cs typeface="Courier New" panose="02070309020205020404" pitchFamily="49" charset="0"/>
+              </a:rPr>
+              <a:t>Deliver </a:t>
+            </a:r>
+            <a:r>
+              <a:rPr lang="en-US" sz="2800">
+                <a:latin typeface="Courier New" panose="02070309020205020404" pitchFamily="49" charset="0"/>
+                <a:cs typeface="Courier New" panose="02070309020205020404" pitchFamily="49" charset="0"/>
+              </a:rPr>
+              <a:t>water : 500 kg to Ukraine, Kyiv, st. Illinska, 2, 01010 by Truck #1 using the road </a:t>
+            </a:r>
+            <a:endParaRPr lang="en-US" sz="2800" smtClean="0">
+              <a:latin typeface="Courier New" panose="02070309020205020404" pitchFamily="49" charset="0"/>
+              <a:cs typeface="Courier New" panose="02070309020205020404" pitchFamily="49" charset="0"/>
+            </a:endParaRPr>
+          </a:p>
+          <a:p>
+            <a:r>
+              <a:rPr lang="en-US" sz="2800" smtClean="0">
+                <a:latin typeface="Courier New" panose="02070309020205020404" pitchFamily="49" charset="0"/>
+                <a:cs typeface="Courier New" panose="02070309020205020404" pitchFamily="49" charset="0"/>
+              </a:rPr>
+              <a:t>Deliver </a:t>
+            </a:r>
+            <a:r>
+              <a:rPr lang="en-US" sz="2800">
+                <a:latin typeface="Courier New" panose="02070309020205020404" pitchFamily="49" charset="0"/>
+                <a:cs typeface="Courier New" panose="02070309020205020404" pitchFamily="49" charset="0"/>
+              </a:rPr>
+              <a:t>juice : 1500 kg to Ukraine, Kyiv, st. Sagaidachnogo, 12, 12345 by Ship #1 using the sea </a:t>
+            </a:r>
+            <a:r>
+              <a:rPr lang="en-US" sz="2800"/>
+              <a:t/>
+            </a:r>
+            <a:br>
+              <a:rPr lang="en-US" sz="2800"/>
+            </a:br>
+            <a:endParaRPr lang="ru-RU"/>
+          </a:p>
+        </p:txBody>
+      </p:sp>
+      <p:sp>
+        <p:nvSpPr>
+          <p:cNvPr id="10" name="TextBox 9"/>
           <p:cNvSpPr txBox="1"/>
           <p:nvPr/>
         </p:nvSpPr>
@@ -12055,20 +12242,12 @@
           <a:lstStyle/>
           <a:p>
             <a:r>
-              <a:rPr lang="en-US">
+              <a:rPr lang="en-US" smtClean="0">
                 <a:solidFill>
                   <a:srgbClr val="002060"/>
                 </a:solidFill>
               </a:rPr>
-              <a:t>2</a:t>
-            </a:r>
-            <a:r>
-              <a:rPr lang="en-US" smtClean="0">
-                <a:solidFill>
-                  <a:srgbClr val="002060"/>
-                </a:solidFill>
-              </a:rPr>
-              <a:t>0/31</a:t>
+              <a:t>20/31</a:t>
             </a:r>
             <a:endParaRPr lang="en-US" smtClean="0">
               <a:solidFill>
@@ -12081,7 +12260,7 @@
     </p:spTree>
     <p:extLst>
       <p:ext uri="{BB962C8B-B14F-4D97-AF65-F5344CB8AC3E}">
-        <p14:creationId xmlns:p14="http://schemas.microsoft.com/office/powerpoint/2010/main" val="1395535772"/>
+        <p14:creationId xmlns:p14="http://schemas.microsoft.com/office/powerpoint/2010/main" val="102890273"/>
       </p:ext>
     </p:extLst>
   </p:cSld>
@@ -12137,71 +12316,9 @@
           <a:p>
             <a:r>
               <a:rPr lang="en-US" smtClean="0"/>
-              <a:t>Applicability</a:t>
+              <a:t>Code test</a:t>
             </a:r>
             <a:endParaRPr lang="ru-RU"/>
-          </a:p>
-        </p:txBody>
-      </p:sp>
-      <p:sp>
-        <p:nvSpPr>
-          <p:cNvPr id="4" name="TextBox 3"/>
-          <p:cNvSpPr txBox="1"/>
-          <p:nvPr/>
-        </p:nvSpPr>
-        <p:spPr>
-          <a:xfrm>
-            <a:off x="1652552" y="6165304"/>
-            <a:ext cx="7455952" cy="369332"/>
-          </a:xfrm>
-          <a:prstGeom prst="rect">
-            <a:avLst/>
-          </a:prstGeom>
-          <a:noFill/>
-        </p:spPr>
-        <p:txBody>
-          <a:bodyPr wrap="none" rtlCol="0">
-            <a:spAutoFit/>
-          </a:bodyPr>
-          <a:lstStyle/>
-          <a:p>
-            <a:r>
-              <a:rPr lang="en-US">
-                <a:solidFill>
-                  <a:schemeClr val="accent6">
-                    <a:lumMod val="75000"/>
-                  </a:schemeClr>
-                </a:solidFill>
-              </a:rPr>
-              <a:t>S</a:t>
-            </a:r>
-            <a:r>
-              <a:rPr lang="en-US" smtClean="0">
-                <a:solidFill>
-                  <a:schemeClr val="accent6">
-                    <a:lumMod val="75000"/>
-                  </a:schemeClr>
-                </a:solidFill>
-              </a:rPr>
-              <a:t>ource: Design Patterns Explained Simply by Alexander Shvets, pg. </a:t>
-            </a:r>
-            <a:r>
-              <a:rPr lang="uk-UA" smtClean="0">
-                <a:solidFill>
-                  <a:schemeClr val="accent6">
-                    <a:lumMod val="75000"/>
-                  </a:schemeClr>
-                </a:solidFill>
-              </a:rPr>
-              <a:t>79</a:t>
-            </a:r>
-            <a:endParaRPr lang="en-US" u="sng">
-              <a:solidFill>
-                <a:schemeClr val="accent6">
-                  <a:lumMod val="75000"/>
-                </a:schemeClr>
-              </a:solidFill>
-            </a:endParaRPr>
           </a:p>
         </p:txBody>
       </p:sp>
@@ -12319,48 +12436,35 @@
           </a:prstGeom>
         </p:spPr>
       </p:pic>
-      <p:sp>
-        <p:nvSpPr>
-          <p:cNvPr id="3" name="Объект 2"/>
-          <p:cNvSpPr>
-            <a:spLocks noGrp="1"/>
-          </p:cNvSpPr>
+      <p:pic>
+        <p:nvPicPr>
+          <p:cNvPr id="4" name="Объект 3"/>
+          <p:cNvPicPr>
+            <a:picLocks noGrp="1" noChangeAspect="1"/>
+          </p:cNvPicPr>
           <p:nvPr>
             <p:ph idx="1"/>
           </p:nvPr>
-        </p:nvSpPr>
-        <p:spPr>
-          <a:xfrm>
-            <a:off x="457200" y="1936576"/>
-            <a:ext cx="8229600" cy="3508648"/>
-          </a:xfrm>
-        </p:spPr>
-        <p:txBody>
-          <a:bodyPr>
-            <a:normAutofit/>
-          </a:bodyPr>
-          <a:lstStyle/>
-          <a:p>
-            <a:r>
-              <a:rPr lang="en-US" sz="3200" smtClean="0"/>
-              <a:t>When you want to let the users </a:t>
-            </a:r>
-            <a:r>
-              <a:rPr lang="en-US" sz="3200" i="1" smtClean="0">
-                <a:solidFill>
-                  <a:schemeClr val="tx2"/>
-                </a:solidFill>
-              </a:rPr>
-              <a:t>extend</a:t>
-            </a:r>
-            <a:r>
-              <a:rPr lang="en-US" sz="3200" smtClean="0"/>
-              <a:t> parts of your framework or library.</a:t>
-            </a:r>
-            <a:endParaRPr lang="ru-RU" sz="3200"/>
-          </a:p>
-        </p:txBody>
-      </p:sp>
+        </p:nvPicPr>
+        <p:blipFill>
+          <a:blip r:embed="rId4">
+            <a:extLst>
+              <a:ext uri="{28A0092B-C50C-407E-A947-70E740481C1C}">
+                <a14:useLocalDpi xmlns:a14="http://schemas.microsoft.com/office/drawing/2010/main" val="0"/>
+              </a:ext>
+            </a:extLst>
+          </a:blip>
+          <a:stretch>
+            <a:fillRect/>
+          </a:stretch>
+        </p:blipFill>
+        <p:spPr>
+          <a:xfrm>
+            <a:off x="110775" y="2132856"/>
+            <a:ext cx="8925721" cy="3240360"/>
+          </a:xfrm>
+        </p:spPr>
+      </p:pic>
       <p:sp>
         <p:nvSpPr>
           <p:cNvPr id="10" name="TextBox 9"/>
@@ -12389,7 +12493,7 @@
                   <a:srgbClr val="002060"/>
                 </a:solidFill>
               </a:rPr>
-              <a:t>21/31</a:t>
+              <a:t>21/34</a:t>
             </a:r>
             <a:endParaRPr lang="en-US" smtClean="0">
               <a:solidFill>
@@ -12402,7 +12506,7 @@
     </p:spTree>
     <p:extLst>
       <p:ext uri="{BB962C8B-B14F-4D97-AF65-F5344CB8AC3E}">
-        <p14:creationId xmlns:p14="http://schemas.microsoft.com/office/powerpoint/2010/main" val="1329280975"/>
+        <p14:creationId xmlns:p14="http://schemas.microsoft.com/office/powerpoint/2010/main" val="524747310"/>
       </p:ext>
     </p:extLst>
   </p:cSld>
@@ -12458,7 +12562,7 @@
           <a:p>
             <a:r>
               <a:rPr lang="en-US" smtClean="0"/>
-              <a:t>Applicability</a:t>
+              <a:t>Definition</a:t>
             </a:r>
             <a:endParaRPr lang="ru-RU"/>
           </a:p>
@@ -12514,7 +12618,7 @@
                   </a:schemeClr>
                 </a:solidFill>
               </a:rPr>
-              <a:t>79</a:t>
+              <a:t>69</a:t>
             </a:r>
             <a:endParaRPr lang="en-US" u="sng">
               <a:solidFill>
@@ -12663,40 +12767,52 @@
           <a:lstStyle/>
           <a:p>
             <a:r>
+              <a:rPr lang="en-US" sz="3200" i="1" smtClean="0">
+                <a:solidFill>
+                  <a:schemeClr val="tx2"/>
+                </a:solidFill>
+              </a:rPr>
+              <a:t>Factory method </a:t>
+            </a:r>
+            <a:r>
               <a:rPr lang="en-US" sz="3200" smtClean="0"/>
-              <a:t>When you want to </a:t>
+              <a:t>is a </a:t>
             </a:r>
             <a:r>
               <a:rPr lang="en-US" sz="3200" i="1" smtClean="0">
                 <a:solidFill>
-                  <a:schemeClr val="tx2"/>
-                </a:solidFill>
-              </a:rPr>
-              <a:t>save system resources </a:t>
+                  <a:schemeClr val="accent6"/>
+                </a:solidFill>
+              </a:rPr>
+              <a:t>creational</a:t>
             </a:r>
             <a:r>
               <a:rPr lang="en-US" sz="3200" smtClean="0"/>
-              <a:t>by </a:t>
+              <a:t> design pattern, which defines a </a:t>
             </a:r>
             <a:r>
               <a:rPr lang="en-US" sz="3200" i="1" smtClean="0">
                 <a:solidFill>
-                  <a:schemeClr val="tx2"/>
-                </a:solidFill>
-              </a:rPr>
-              <a:t>reusing</a:t>
-            </a:r>
-            <a:r>
-              <a:rPr lang="en-US" sz="3200" smtClean="0">
-                <a:solidFill>
-                  <a:schemeClr val="tx2"/>
-                </a:solidFill>
-              </a:rPr>
-              <a:t> </a:t>
+                  <a:schemeClr val="accent6"/>
+                </a:solidFill>
+              </a:rPr>
+              <a:t>common interface </a:t>
             </a:r>
             <a:r>
               <a:rPr lang="en-US" sz="3200" smtClean="0"/>
-              <a:t>already created objects.</a:t>
+              <a:t>for objects, letting </a:t>
+            </a:r>
+            <a:r>
+              <a:rPr lang="en-US" sz="3200" i="1" smtClean="0">
+                <a:solidFill>
+                  <a:schemeClr val="accent6"/>
+                </a:solidFill>
+              </a:rPr>
+              <a:t>subclasses change types </a:t>
+            </a:r>
+            <a:r>
+              <a:rPr lang="en-US" sz="3200" smtClean="0"/>
+              <a:t>of those objects.</a:t>
             </a:r>
             <a:endParaRPr lang="ru-RU" sz="3200"/>
           </a:p>
@@ -12704,7 +12820,7 @@
       </p:sp>
       <p:sp>
         <p:nvSpPr>
-          <p:cNvPr id="11" name="TextBox 10"/>
+          <p:cNvPr id="10" name="TextBox 9"/>
           <p:cNvSpPr txBox="1"/>
           <p:nvPr/>
         </p:nvSpPr>
@@ -12730,7 +12846,15 @@
                   <a:srgbClr val="002060"/>
                 </a:solidFill>
               </a:rPr>
-              <a:t>22/31</a:t>
+              <a:t>22</a:t>
+            </a:r>
+            <a:r>
+              <a:rPr lang="en-US" smtClean="0">
+                <a:solidFill>
+                  <a:srgbClr val="002060"/>
+                </a:solidFill>
+              </a:rPr>
+              <a:t>/34</a:t>
             </a:r>
             <a:endParaRPr lang="en-US" smtClean="0">
               <a:solidFill>
@@ -12743,7 +12867,7 @@
     </p:spTree>
     <p:extLst>
       <p:ext uri="{BB962C8B-B14F-4D97-AF65-F5344CB8AC3E}">
-        <p14:creationId xmlns:p14="http://schemas.microsoft.com/office/powerpoint/2010/main" val="2631105211"/>
+        <p14:creationId xmlns:p14="http://schemas.microsoft.com/office/powerpoint/2010/main" val="3163673412"/>
       </p:ext>
     </p:extLst>
   </p:cSld>
@@ -12799,7 +12923,7 @@
           <a:p>
             <a:r>
               <a:rPr lang="en-US" smtClean="0"/>
-              <a:t>Advantages</a:t>
+              <a:t>Applicability</a:t>
             </a:r>
             <a:endParaRPr lang="ru-RU"/>
           </a:p>
@@ -12845,7 +12969,17 @@
                   </a:schemeClr>
                 </a:solidFill>
               </a:rPr>
-              <a:t>ource: Design Patterns Explained Simply by Alexander Shvets, pg. 82</a:t>
+              <a:t>ource: Design Patterns Explained Simply by Alexander Shvets, pg. </a:t>
+            </a:r>
+            <a:r>
+              <a:rPr lang="uk-UA" smtClean="0">
+                <a:solidFill>
+                  <a:schemeClr val="accent6">
+                    <a:lumMod val="75000"/>
+                  </a:schemeClr>
+                </a:solidFill>
+              </a:rPr>
+              <a:t>78</a:t>
             </a:r>
             <a:endParaRPr lang="en-US" u="sng">
               <a:solidFill>
@@ -12983,8 +13117,8 @@
         </p:nvSpPr>
         <p:spPr>
           <a:xfrm>
-            <a:off x="498629" y="1936576"/>
-            <a:ext cx="8229600" cy="3940696"/>
+            <a:off x="457200" y="1936576"/>
+            <a:ext cx="8229600" cy="3508648"/>
           </a:xfrm>
         </p:spPr>
         <p:txBody>
@@ -12994,97 +13128,48 @@
           <a:lstStyle/>
           <a:p>
             <a:r>
+              <a:rPr lang="en-US" sz="3200" smtClean="0"/>
+              <a:t>When </a:t>
+            </a:r>
+            <a:r>
               <a:rPr lang="en-US" sz="3200" i="1" smtClean="0">
                 <a:solidFill>
-                  <a:schemeClr val="accent6"/>
-                </a:solidFill>
-              </a:rPr>
-              <a:t>Avoids binding </a:t>
+                  <a:schemeClr val="tx2"/>
+                </a:solidFill>
+              </a:rPr>
+              <a:t>types</a:t>
+            </a:r>
+            <a:r>
+              <a:rPr lang="en-US" sz="3200" smtClean="0">
+                <a:solidFill>
+                  <a:schemeClr val="tx2"/>
+                </a:solidFill>
+              </a:rPr>
+              <a:t> </a:t>
             </a:r>
             <a:r>
               <a:rPr lang="en-US" sz="3200" smtClean="0"/>
-              <a:t>to concrete product classes.</a:t>
+              <a:t>and </a:t>
+            </a:r>
+            <a:r>
+              <a:rPr lang="en-US" sz="3200" i="1" smtClean="0">
+                <a:solidFill>
+                  <a:schemeClr val="tx2"/>
+                </a:solidFill>
+              </a:rPr>
+              <a:t>dependencies</a:t>
+            </a:r>
+            <a:r>
+              <a:rPr lang="en-US" sz="3200" smtClean="0"/>
+              <a:t> of objects are not known beforehand.</a:t>
             </a:r>
             <a:endParaRPr lang="ru-RU" sz="3200"/>
           </a:p>
-          <a:p>
-            <a:r>
-              <a:rPr lang="en-US" sz="3200" smtClean="0"/>
-              <a:t>Puts product creation </a:t>
-            </a:r>
-            <a:r>
-              <a:rPr lang="en-US" sz="3200" i="1" smtClean="0">
-                <a:solidFill>
-                  <a:schemeClr val="accent6"/>
-                </a:solidFill>
-              </a:rPr>
-              <a:t>in one place</a:t>
-            </a:r>
-            <a:r>
-              <a:rPr lang="en-US" sz="3200" smtClean="0"/>
-              <a:t>, making code </a:t>
-            </a:r>
-            <a:r>
-              <a:rPr lang="en-US" sz="3200" i="1" smtClean="0">
-                <a:solidFill>
-                  <a:schemeClr val="accent6"/>
-                </a:solidFill>
-              </a:rPr>
-              <a:t>support easier</a:t>
-            </a:r>
-            <a:r>
-              <a:rPr lang="en-US" sz="3200" smtClean="0"/>
-              <a:t>.</a:t>
-            </a:r>
-            <a:endParaRPr lang="ru-RU" sz="3200"/>
-          </a:p>
-          <a:p>
-            <a:r>
-              <a:rPr lang="en-US" sz="3200" i="1" smtClean="0">
-                <a:solidFill>
-                  <a:schemeClr val="accent6"/>
-                </a:solidFill>
-              </a:rPr>
-              <a:t>Simplifies</a:t>
-            </a:r>
-            <a:r>
-              <a:rPr lang="en-US" sz="3200" smtClean="0">
-                <a:solidFill>
-                  <a:schemeClr val="accent6"/>
-                </a:solidFill>
-              </a:rPr>
-              <a:t> </a:t>
-            </a:r>
-            <a:r>
-              <a:rPr lang="en-US" sz="3200" smtClean="0"/>
-              <a:t>new product integration.</a:t>
-            </a:r>
-            <a:endParaRPr lang="ru-RU" sz="3200"/>
-          </a:p>
-          <a:p>
-            <a:r>
-              <a:rPr lang="en-US" sz="3200" smtClean="0"/>
-              <a:t>Implements </a:t>
-            </a:r>
-            <a:r>
-              <a:rPr lang="en-US" sz="3200" i="1" smtClean="0">
-                <a:solidFill>
-                  <a:schemeClr val="accent6"/>
-                </a:solidFill>
-              </a:rPr>
-              <a:t>open/closed principle</a:t>
-            </a:r>
-            <a:r>
-              <a:rPr lang="en-US" sz="3200" smtClean="0"/>
-              <a:t>.</a:t>
-            </a:r>
-            <a:endParaRPr lang="ru-RU" sz="3200"/>
-          </a:p>
-        </p:txBody>
-      </p:sp>
-      <p:sp>
-        <p:nvSpPr>
-          <p:cNvPr id="10" name="TextBox 9"/>
+        </p:txBody>
+      </p:sp>
+      <p:sp>
+        <p:nvSpPr>
+          <p:cNvPr id="11" name="TextBox 10"/>
           <p:cNvSpPr txBox="1"/>
           <p:nvPr/>
         </p:nvSpPr>
@@ -13110,7 +13195,23 @@
                   <a:srgbClr val="002060"/>
                 </a:solidFill>
               </a:rPr>
-              <a:t>23/31</a:t>
+              <a:t>2</a:t>
+            </a:r>
+            <a:r>
+              <a:rPr lang="en-US" smtClean="0">
+                <a:solidFill>
+                  <a:srgbClr val="002060"/>
+                </a:solidFill>
+              </a:rPr>
+              <a:t>3</a:t>
+            </a:r>
+            <a:r>
+              <a:rPr lang="en-US" smtClean="0">
+                <a:solidFill>
+                  <a:srgbClr val="002060"/>
+                </a:solidFill>
+              </a:rPr>
+              <a:t>/34</a:t>
             </a:r>
             <a:endParaRPr lang="en-US" smtClean="0">
               <a:solidFill>
@@ -13123,7 +13224,7 @@
     </p:spTree>
     <p:extLst>
       <p:ext uri="{BB962C8B-B14F-4D97-AF65-F5344CB8AC3E}">
-        <p14:creationId xmlns:p14="http://schemas.microsoft.com/office/powerpoint/2010/main" val="3204446983"/>
+        <p14:creationId xmlns:p14="http://schemas.microsoft.com/office/powerpoint/2010/main" val="1395535772"/>
       </p:ext>
     </p:extLst>
   </p:cSld>
@@ -13179,7 +13280,7 @@
           <a:p>
             <a:r>
               <a:rPr lang="en-US" smtClean="0"/>
-              <a:t>Disadvantage</a:t>
+              <a:t>Applicability</a:t>
             </a:r>
             <a:endParaRPr lang="ru-RU"/>
           </a:p>
@@ -13225,7 +13326,17 @@
                   </a:schemeClr>
                 </a:solidFill>
               </a:rPr>
-              <a:t>ource: Design Patterns Explained Simply by Alexander Shvets, pg. 83</a:t>
+              <a:t>ource: Design Patterns Explained Simply by Alexander Shvets, pg. </a:t>
+            </a:r>
+            <a:r>
+              <a:rPr lang="uk-UA" smtClean="0">
+                <a:solidFill>
+                  <a:schemeClr val="accent6">
+                    <a:lumMod val="75000"/>
+                  </a:schemeClr>
+                </a:solidFill>
+              </a:rPr>
+              <a:t>79</a:t>
             </a:r>
             <a:endParaRPr lang="en-US" u="sng">
               <a:solidFill>
@@ -13363,8 +13474,8 @@
         </p:nvSpPr>
         <p:spPr>
           <a:xfrm>
-            <a:off x="498629" y="1936576"/>
-            <a:ext cx="8229600" cy="3940696"/>
+            <a:off x="457200" y="1936576"/>
+            <a:ext cx="8229600" cy="3508648"/>
           </a:xfrm>
         </p:spPr>
         <p:txBody>
@@ -13375,19 +13486,19 @@
           <a:p>
             <a:r>
               <a:rPr lang="en-US" sz="3200" smtClean="0"/>
-              <a:t>Can lead to </a:t>
+              <a:t>When you want to let the users </a:t>
             </a:r>
             <a:r>
               <a:rPr lang="en-US" sz="3200" i="1" smtClean="0">
                 <a:solidFill>
-                  <a:schemeClr val="accent6"/>
-                </a:solidFill>
-              </a:rPr>
-              <a:t>big parallel class hierarchies</a:t>
+                  <a:schemeClr val="tx2"/>
+                </a:solidFill>
+              </a:rPr>
+              <a:t>extend</a:t>
             </a:r>
             <a:r>
               <a:rPr lang="en-US" sz="3200" smtClean="0"/>
-              <a:t>, because for each product class there should be a creator class.</a:t>
+              <a:t> parts of your framework or library.</a:t>
             </a:r>
             <a:endParaRPr lang="ru-RU" sz="3200"/>
           </a:p>
@@ -13421,7 +13532,7 @@
                   <a:srgbClr val="002060"/>
                 </a:solidFill>
               </a:rPr>
-              <a:t>24/31</a:t>
+              <a:t>24/34</a:t>
             </a:r>
             <a:endParaRPr lang="en-US" smtClean="0">
               <a:solidFill>
@@ -13434,7 +13545,7 @@
     </p:spTree>
     <p:extLst>
       <p:ext uri="{BB962C8B-B14F-4D97-AF65-F5344CB8AC3E}">
-        <p14:creationId xmlns:p14="http://schemas.microsoft.com/office/powerpoint/2010/main" val="2950217724"/>
+        <p14:creationId xmlns:p14="http://schemas.microsoft.com/office/powerpoint/2010/main" val="1329280975"/>
       </p:ext>
     </p:extLst>
   </p:cSld>
@@ -13485,14 +13596,12 @@
           </a:xfrm>
         </p:spPr>
         <p:txBody>
-          <a:bodyPr>
-            <a:normAutofit/>
-          </a:bodyPr>
+          <a:bodyPr/>
           <a:lstStyle/>
           <a:p>
             <a:r>
               <a:rPr lang="en-US" smtClean="0"/>
-              <a:t>Related patterns</a:t>
+              <a:t>Applicability</a:t>
             </a:r>
             <a:endParaRPr lang="ru-RU"/>
           </a:p>
@@ -13506,8 +13615,8 @@
         </p:nvSpPr>
         <p:spPr>
           <a:xfrm>
-            <a:off x="3499276" y="6165304"/>
-            <a:ext cx="5609228" cy="369332"/>
+            <a:off x="1652552" y="6165304"/>
+            <a:ext cx="7455952" cy="369332"/>
           </a:xfrm>
           <a:prstGeom prst="rect">
             <a:avLst/>
@@ -13538,7 +13647,17 @@
                   </a:schemeClr>
                 </a:solidFill>
               </a:rPr>
-              <a:t>ource: GoF book, Factory Method, Related patterns</a:t>
+              <a:t>ource: Design Patterns Explained Simply by Alexander Shvets, pg. </a:t>
+            </a:r>
+            <a:r>
+              <a:rPr lang="uk-UA" smtClean="0">
+                <a:solidFill>
+                  <a:schemeClr val="accent6">
+                    <a:lumMod val="75000"/>
+                  </a:schemeClr>
+                </a:solidFill>
+              </a:rPr>
+              <a:t>79</a:t>
             </a:r>
             <a:endParaRPr lang="en-US" u="sng">
               <a:solidFill>
@@ -13676,8 +13795,8 @@
         </p:nvSpPr>
         <p:spPr>
           <a:xfrm>
-            <a:off x="498629" y="1936576"/>
-            <a:ext cx="8229600" cy="3940696"/>
+            <a:off x="457200" y="1936576"/>
+            <a:ext cx="8229600" cy="3508648"/>
           </a:xfrm>
         </p:spPr>
         <p:txBody>
@@ -13687,28 +13806,40 @@
           <a:lstStyle/>
           <a:p>
             <a:r>
-              <a:rPr lang="en-US" sz="3200" b="1" i="1" smtClean="0">
+              <a:rPr lang="en-US" sz="3200" smtClean="0"/>
+              <a:t>When you want to </a:t>
+            </a:r>
+            <a:r>
+              <a:rPr lang="en-US" sz="3200" i="1" smtClean="0">
                 <a:solidFill>
                   <a:schemeClr val="tx2"/>
                 </a:solidFill>
               </a:rPr>
-              <a:t>Abstract factory </a:t>
+              <a:t>save system resources </a:t>
             </a:r>
             <a:r>
               <a:rPr lang="en-US" sz="3200" smtClean="0"/>
-              <a:t>is often implemented with </a:t>
-            </a:r>
-            <a:r>
-              <a:rPr lang="en-US" sz="3200" b="1" i="1" smtClean="0">
+              <a:t>by </a:t>
+            </a:r>
+            <a:r>
+              <a:rPr lang="en-US" sz="3200" i="1" smtClean="0">
                 <a:solidFill>
                   <a:schemeClr val="tx2"/>
                 </a:solidFill>
               </a:rPr>
-              <a:t>factory methods</a:t>
+              <a:t>reusing</a:t>
+            </a:r>
+            <a:r>
+              <a:rPr lang="en-US" sz="3200" smtClean="0">
+                <a:solidFill>
+                  <a:schemeClr val="tx2"/>
+                </a:solidFill>
+              </a:rPr>
+              <a:t> </a:t>
             </a:r>
             <a:r>
               <a:rPr lang="en-US" sz="3200" smtClean="0"/>
-              <a:t>.</a:t>
+              <a:t>already created objects.</a:t>
             </a:r>
             <a:endParaRPr lang="ru-RU" sz="3200"/>
           </a:p>
@@ -13716,7 +13847,7 @@
       </p:sp>
       <p:sp>
         <p:nvSpPr>
-          <p:cNvPr id="10" name="TextBox 9"/>
+          <p:cNvPr id="11" name="TextBox 10"/>
           <p:cNvSpPr txBox="1"/>
           <p:nvPr/>
         </p:nvSpPr>
@@ -13742,7 +13873,7 @@
                   <a:srgbClr val="002060"/>
                 </a:solidFill>
               </a:rPr>
-              <a:t>25/31</a:t>
+              <a:t>25/34</a:t>
             </a:r>
             <a:endParaRPr lang="en-US" smtClean="0">
               <a:solidFill>
@@ -13755,7 +13886,7 @@
     </p:spTree>
     <p:extLst>
       <p:ext uri="{BB962C8B-B14F-4D97-AF65-F5344CB8AC3E}">
-        <p14:creationId xmlns:p14="http://schemas.microsoft.com/office/powerpoint/2010/main" val="3456874507"/>
+        <p14:creationId xmlns:p14="http://schemas.microsoft.com/office/powerpoint/2010/main" val="2631105211"/>
       </p:ext>
     </p:extLst>
   </p:cSld>
@@ -13806,14 +13937,12 @@
           </a:xfrm>
         </p:spPr>
         <p:txBody>
-          <a:bodyPr>
-            <a:normAutofit/>
-          </a:bodyPr>
+          <a:bodyPr/>
           <a:lstStyle/>
           <a:p>
             <a:r>
               <a:rPr lang="en-US" smtClean="0"/>
-              <a:t>Related patterns</a:t>
+              <a:t>Advantages</a:t>
             </a:r>
             <a:endParaRPr lang="ru-RU"/>
           </a:p>
@@ -13827,7 +13956,7 @@
         </p:nvSpPr>
         <p:spPr>
           <a:xfrm>
-            <a:off x="1691680" y="6165304"/>
+            <a:off x="1652552" y="6165304"/>
             <a:ext cx="7455952" cy="369332"/>
           </a:xfrm>
           <a:prstGeom prst="rect">
@@ -13849,7 +13978,7 @@
                   </a:schemeClr>
                 </a:solidFill>
               </a:rPr>
-              <a:t>Source: Design Patterns Explained Simply by Alexander Shvets, pg. </a:t>
+              <a:t>S</a:t>
             </a:r>
             <a:r>
               <a:rPr lang="en-US" smtClean="0">
@@ -13859,7 +13988,7 @@
                   </a:schemeClr>
                 </a:solidFill>
               </a:rPr>
-              <a:t>83</a:t>
+              <a:t>ource: Design Patterns Explained Simply by Alexander Shvets, pg. 82</a:t>
             </a:r>
             <a:endParaRPr lang="en-US" u="sng">
               <a:solidFill>
@@ -14008,84 +14137,85 @@
           <a:lstStyle/>
           <a:p>
             <a:r>
+              <a:rPr lang="en-US" sz="3200" i="1" smtClean="0">
+                <a:solidFill>
+                  <a:schemeClr val="accent6"/>
+                </a:solidFill>
+              </a:rPr>
+              <a:t>Avoids binding </a:t>
+            </a:r>
+            <a:r>
               <a:rPr lang="en-US" sz="3200" smtClean="0"/>
-              <a:t>Many architectures start with </a:t>
-            </a:r>
-            <a:r>
-              <a:rPr lang="en-US" sz="3200" b="1" i="1">
-                <a:solidFill>
-                  <a:schemeClr val="tx2"/>
-                </a:solidFill>
-              </a:rPr>
-              <a:t>factory </a:t>
-            </a:r>
-            <a:r>
-              <a:rPr lang="en-US" sz="3200" b="1" i="1" smtClean="0">
-                <a:solidFill>
-                  <a:schemeClr val="tx2"/>
-                </a:solidFill>
-              </a:rPr>
-              <a:t>method</a:t>
-            </a:r>
+              <a:t>to concrete product classes.</a:t>
+            </a:r>
+            <a:endParaRPr lang="ru-RU" sz="3200"/>
+          </a:p>
+          <a:p>
             <a:r>
               <a:rPr lang="en-US" sz="3200" smtClean="0"/>
-              <a:t>, but then switch to </a:t>
+              <a:t>Puts product creation </a:t>
             </a:r>
             <a:r>
               <a:rPr lang="en-US" sz="3200" i="1" smtClean="0">
                 <a:solidFill>
-                  <a:schemeClr val="tx2"/>
-                </a:solidFill>
-              </a:rPr>
-              <a:t>abstract</a:t>
-            </a:r>
-            <a:r>
-              <a:rPr lang="en-US" sz="3200" b="1" i="1" smtClean="0">
-                <a:solidFill>
-                  <a:schemeClr val="tx2"/>
+                  <a:schemeClr val="accent6"/>
+                </a:solidFill>
+              </a:rPr>
+              <a:t>in one place</a:t>
+            </a:r>
+            <a:r>
+              <a:rPr lang="en-US" sz="3200" smtClean="0"/>
+              <a:t>, making code </a:t>
+            </a:r>
+            <a:r>
+              <a:rPr lang="en-US" sz="3200" i="1" smtClean="0">
+                <a:solidFill>
+                  <a:schemeClr val="accent6"/>
+                </a:solidFill>
+              </a:rPr>
+              <a:t>support easier</a:t>
+            </a:r>
+            <a:r>
+              <a:rPr lang="en-US" sz="3200" smtClean="0"/>
+              <a:t>.</a:t>
+            </a:r>
+            <a:endParaRPr lang="ru-RU" sz="3200"/>
+          </a:p>
+          <a:p>
+            <a:r>
+              <a:rPr lang="en-US" sz="3200" i="1" smtClean="0">
+                <a:solidFill>
+                  <a:schemeClr val="accent6"/>
+                </a:solidFill>
+              </a:rPr>
+              <a:t>Simplifies</a:t>
+            </a:r>
+            <a:r>
+              <a:rPr lang="en-US" sz="3200" smtClean="0">
+                <a:solidFill>
+                  <a:schemeClr val="accent6"/>
                 </a:solidFill>
               </a:rPr>
               <a:t> </a:t>
             </a:r>
             <a:r>
+              <a:rPr lang="en-US" sz="3200" smtClean="0"/>
+              <a:t>new product integration.</a:t>
+            </a:r>
+            <a:endParaRPr lang="ru-RU" sz="3200"/>
+          </a:p>
+          <a:p>
+            <a:r>
+              <a:rPr lang="en-US" sz="3200" smtClean="0"/>
+              <a:t>Implements </a:t>
+            </a:r>
+            <a:r>
               <a:rPr lang="en-US" sz="3200" i="1" smtClean="0">
                 <a:solidFill>
-                  <a:schemeClr val="tx2"/>
-                </a:solidFill>
-              </a:rPr>
-              <a:t>factory</a:t>
-            </a:r>
-            <a:r>
-              <a:rPr lang="en-US" sz="3200" smtClean="0"/>
-              <a:t>, </a:t>
-            </a:r>
-            <a:r>
-              <a:rPr lang="en-US" sz="3200" i="1" smtClean="0">
-                <a:solidFill>
-                  <a:schemeClr val="tx2"/>
-                </a:solidFill>
-              </a:rPr>
-              <a:t>prototype</a:t>
-            </a:r>
-            <a:r>
-              <a:rPr lang="en-US" sz="3200" smtClean="0">
-                <a:solidFill>
-                  <a:schemeClr val="tx2"/>
-                </a:solidFill>
-              </a:rPr>
-              <a:t> </a:t>
-            </a:r>
-            <a:r>
-              <a:rPr lang="en-US" sz="3200" smtClean="0"/>
-              <a:t>or </a:t>
-            </a:r>
-            <a:r>
-              <a:rPr lang="en-US" sz="3200" i="1" smtClean="0">
-                <a:solidFill>
-                  <a:schemeClr val="tx2"/>
-                </a:solidFill>
-              </a:rPr>
-              <a:t>builder</a:t>
+                  <a:schemeClr val="accent6"/>
+                </a:solidFill>
+              </a:rPr>
+              <a:t>open/closed principle</a:t>
             </a:r>
             <a:r>
               <a:rPr lang="en-US" sz="3200" smtClean="0"/>
@@ -14123,7 +14253,7 @@
                   <a:srgbClr val="002060"/>
                 </a:solidFill>
               </a:rPr>
-              <a:t>26/31</a:t>
+              <a:t>26/34</a:t>
             </a:r>
             <a:endParaRPr lang="en-US" smtClean="0">
               <a:solidFill>
@@ -14136,7 +14266,7 @@
     </p:spTree>
     <p:extLst>
       <p:ext uri="{BB962C8B-B14F-4D97-AF65-F5344CB8AC3E}">
-        <p14:creationId xmlns:p14="http://schemas.microsoft.com/office/powerpoint/2010/main" val="2063424459"/>
+        <p14:creationId xmlns:p14="http://schemas.microsoft.com/office/powerpoint/2010/main" val="3204446983"/>
       </p:ext>
     </p:extLst>
   </p:cSld>
@@ -14187,14 +14317,12 @@
           </a:xfrm>
         </p:spPr>
         <p:txBody>
-          <a:bodyPr>
-            <a:normAutofit/>
-          </a:bodyPr>
+          <a:bodyPr/>
           <a:lstStyle/>
           <a:p>
             <a:r>
               <a:rPr lang="en-US" smtClean="0"/>
-              <a:t>Related patterns</a:t>
+              <a:t>Disadvantage</a:t>
             </a:r>
             <a:endParaRPr lang="ru-RU"/>
           </a:p>
@@ -14208,7 +14336,7 @@
         </p:nvSpPr>
         <p:spPr>
           <a:xfrm>
-            <a:off x="1691680" y="6165304"/>
+            <a:off x="1652552" y="6165304"/>
             <a:ext cx="7455952" cy="369332"/>
           </a:xfrm>
           <a:prstGeom prst="rect">
@@ -14230,7 +14358,7 @@
                   </a:schemeClr>
                 </a:solidFill>
               </a:rPr>
-              <a:t>Source: Design Patterns Explained Simply by Alexander Shvets, pg. </a:t>
+              <a:t>S</a:t>
             </a:r>
             <a:r>
               <a:rPr lang="en-US" smtClean="0">
@@ -14240,7 +14368,7 @@
                   </a:schemeClr>
                 </a:solidFill>
               </a:rPr>
-              <a:t>83</a:t>
+              <a:t>ource: Design Patterns Explained Simply by Alexander Shvets, pg. 83</a:t>
             </a:r>
             <a:endParaRPr lang="en-US" u="sng">
               <a:solidFill>
@@ -14389,32 +14517,20 @@
           <a:lstStyle/>
           <a:p>
             <a:r>
-              <a:rPr lang="en-US" sz="3200" b="1" i="1" smtClean="0">
-                <a:solidFill>
-                  <a:schemeClr val="tx2"/>
-                </a:solidFill>
-              </a:rPr>
-              <a:t>Factory method</a:t>
-            </a:r>
-            <a:r>
-              <a:rPr lang="en-US" sz="3200"/>
-              <a:t> </a:t>
-            </a:r>
-            <a:r>
               <a:rPr lang="en-US" sz="3200" smtClean="0"/>
-              <a:t>can be used together with  </a:t>
+              <a:t>Can lead to </a:t>
             </a:r>
             <a:r>
               <a:rPr lang="en-US" sz="3200" i="1" smtClean="0">
                 <a:solidFill>
-                  <a:schemeClr val="tx2"/>
-                </a:solidFill>
-              </a:rPr>
-              <a:t>iterator</a:t>
+                  <a:schemeClr val="accent6"/>
+                </a:solidFill>
+              </a:rPr>
+              <a:t>big parallel class hierarchies</a:t>
             </a:r>
             <a:r>
               <a:rPr lang="en-US" sz="3200" smtClean="0"/>
-              <a:t> to let collection subclasses create their own iterators.</a:t>
+              <a:t>, because for each product class there should be a creator class.</a:t>
             </a:r>
             <a:endParaRPr lang="ru-RU" sz="3200"/>
           </a:p>
@@ -14448,7 +14564,7 @@
                   <a:srgbClr val="002060"/>
                 </a:solidFill>
               </a:rPr>
-              <a:t>27/31</a:t>
+              <a:t>27/34</a:t>
             </a:r>
             <a:endParaRPr lang="en-US" smtClean="0">
               <a:solidFill>
@@ -14461,7 +14577,7 @@
     </p:spTree>
     <p:extLst>
       <p:ext uri="{BB962C8B-B14F-4D97-AF65-F5344CB8AC3E}">
-        <p14:creationId xmlns:p14="http://schemas.microsoft.com/office/powerpoint/2010/main" val="3573164035"/>
+        <p14:creationId xmlns:p14="http://schemas.microsoft.com/office/powerpoint/2010/main" val="2950217724"/>
       </p:ext>
     </p:extLst>
   </p:cSld>
@@ -14533,7 +14649,7 @@
         </p:nvSpPr>
         <p:spPr>
           <a:xfrm>
-            <a:off x="3499276" y="6156012"/>
+            <a:off x="3499276" y="6165304"/>
             <a:ext cx="5609228" cy="369332"/>
           </a:xfrm>
           <a:prstGeom prst="rect">
@@ -14714,32 +14830,24 @@
           <a:lstStyle/>
           <a:p>
             <a:r>
-              <a:rPr lang="en-US" sz="3200" b="1" i="1">
+              <a:rPr lang="en-US" sz="3200" b="1" i="1" smtClean="0">
                 <a:solidFill>
                   <a:schemeClr val="tx2"/>
                 </a:solidFill>
               </a:rPr>
-              <a:t>Factory methods </a:t>
-            </a:r>
-            <a:r>
-              <a:rPr lang="en-US" sz="3200"/>
-              <a:t>are usually called within </a:t>
-            </a:r>
-            <a:r>
-              <a:rPr lang="en-US" sz="3200" i="1">
+              <a:t>Abstract factory </a:t>
+            </a:r>
+            <a:r>
+              <a:rPr lang="en-US" sz="3200" smtClean="0"/>
+              <a:t>is often implemented with </a:t>
+            </a:r>
+            <a:r>
+              <a:rPr lang="en-US" sz="3200" b="1" i="1" smtClean="0">
                 <a:solidFill>
                   <a:schemeClr val="tx2"/>
                 </a:solidFill>
               </a:rPr>
-              <a:t>t</a:t>
-            </a:r>
-            <a:r>
-              <a:rPr lang="en-US" sz="3200" i="1" smtClean="0">
-                <a:solidFill>
-                  <a:schemeClr val="tx2"/>
-                </a:solidFill>
-              </a:rPr>
-              <a:t>emplate methods</a:t>
+              <a:t>factory methods</a:t>
             </a:r>
             <a:r>
               <a:rPr lang="en-US" sz="3200" smtClean="0"/>
@@ -14777,7 +14885,7 @@
                   <a:srgbClr val="002060"/>
                 </a:solidFill>
               </a:rPr>
-              <a:t>28/31</a:t>
+              <a:t>28/34</a:t>
             </a:r>
             <a:endParaRPr lang="en-US" smtClean="0">
               <a:solidFill>
@@ -14790,7 +14898,7 @@
     </p:spTree>
     <p:extLst>
       <p:ext uri="{BB962C8B-B14F-4D97-AF65-F5344CB8AC3E}">
-        <p14:creationId xmlns:p14="http://schemas.microsoft.com/office/powerpoint/2010/main" val="3675680845"/>
+        <p14:creationId xmlns:p14="http://schemas.microsoft.com/office/powerpoint/2010/main" val="3456874507"/>
       </p:ext>
     </p:extLst>
   </p:cSld>
@@ -14862,8 +14970,8 @@
         </p:nvSpPr>
         <p:spPr>
           <a:xfrm>
-            <a:off x="3499276" y="5805264"/>
-            <a:ext cx="5609228" cy="369332"/>
+            <a:off x="1691680" y="6165304"/>
+            <a:ext cx="7455952" cy="369332"/>
           </a:xfrm>
           <a:prstGeom prst="rect">
             <a:avLst/>
@@ -14884,7 +14992,7 @@
                   </a:schemeClr>
                 </a:solidFill>
               </a:rPr>
-              <a:t>S</a:t>
+              <a:t>Source: Design Patterns Explained Simply by Alexander Shvets, pg. </a:t>
             </a:r>
             <a:r>
               <a:rPr lang="en-US" smtClean="0">
@@ -14894,7 +15002,7 @@
                   </a:schemeClr>
                 </a:solidFill>
               </a:rPr>
-              <a:t>ource: GoF book, Factory Method, Related patterns</a:t>
+              <a:t>83</a:t>
             </a:r>
             <a:endParaRPr lang="en-US" u="sng">
               <a:solidFill>
@@ -15043,58 +15151,88 @@
           <a:lstStyle/>
           <a:p>
             <a:r>
+              <a:rPr lang="en-US" sz="3200" smtClean="0"/>
+              <a:t>Many architectures start with </a:t>
+            </a:r>
+            <a:r>
+              <a:rPr lang="en-US" sz="3200" b="1" i="1">
+                <a:solidFill>
+                  <a:schemeClr val="tx2"/>
+                </a:solidFill>
+              </a:rPr>
+              <a:t>factory </a:t>
+            </a:r>
+            <a:r>
+              <a:rPr lang="en-US" sz="3200" b="1" i="1" smtClean="0">
+                <a:solidFill>
+                  <a:schemeClr val="tx2"/>
+                </a:solidFill>
+              </a:rPr>
+              <a:t>method</a:t>
+            </a:r>
+            <a:r>
+              <a:rPr lang="en-US" sz="3200" smtClean="0"/>
+              <a:t>, but then switch to </a:t>
+            </a:r>
+            <a:r>
               <a:rPr lang="en-US" sz="3200" i="1" smtClean="0">
                 <a:solidFill>
                   <a:schemeClr val="tx2"/>
                 </a:solidFill>
               </a:rPr>
-              <a:t>Prototypes</a:t>
-            </a:r>
-            <a:r>
-              <a:rPr lang="en-US" sz="3200"/>
-              <a:t> don't require subclassing Creator. However, </a:t>
+              <a:t>abstract</a:t>
+            </a:r>
+            <a:r>
+              <a:rPr lang="en-US" sz="3200" b="1" i="1" smtClean="0">
+                <a:solidFill>
+                  <a:schemeClr val="tx2"/>
+                </a:solidFill>
+              </a:rPr>
+              <a:t> </a:t>
+            </a:r>
+            <a:r>
+              <a:rPr lang="en-US" sz="3200" i="1" smtClean="0">
+                <a:solidFill>
+                  <a:schemeClr val="tx2"/>
+                </a:solidFill>
+              </a:rPr>
+              <a:t>factory</a:t>
             </a:r>
             <a:r>
               <a:rPr lang="en-US" sz="3200" smtClean="0"/>
-              <a:t>it requires a difficult </a:t>
-            </a:r>
-            <a:r>
-              <a:rPr lang="en-US" sz="3200"/>
-              <a:t>Initialize </a:t>
+              <a:t>, </a:t>
+            </a:r>
+            <a:r>
+              <a:rPr lang="en-US" sz="3200" i="1" smtClean="0">
+                <a:solidFill>
+                  <a:schemeClr val="tx2"/>
+                </a:solidFill>
+              </a:rPr>
+              <a:t>prototype</a:t>
+            </a:r>
+            <a:r>
+              <a:rPr lang="en-US" sz="3200" smtClean="0">
+                <a:solidFill>
+                  <a:schemeClr val="tx2"/>
+                </a:solidFill>
+              </a:rPr>
+              <a:t> </a:t>
             </a:r>
             <a:r>
               <a:rPr lang="en-US" sz="3200" smtClean="0"/>
-              <a:t>operation. </a:t>
-            </a:r>
-          </a:p>
-          <a:p>
-            <a:r>
-              <a:rPr lang="en-US" sz="3200" b="1" i="1" smtClean="0">
+              <a:t>or </a:t>
+            </a:r>
+            <a:r>
+              <a:rPr lang="en-US" sz="3200" i="1" smtClean="0">
                 <a:solidFill>
                   <a:schemeClr val="tx2"/>
                 </a:solidFill>
               </a:rPr>
-              <a:t>Factory </a:t>
-            </a:r>
-            <a:r>
-              <a:rPr lang="en-US" sz="3200" b="1" i="1">
-                <a:solidFill>
-                  <a:schemeClr val="tx2"/>
-                </a:solidFill>
-              </a:rPr>
-              <a:t>Method </a:t>
+              <a:t>builder</a:t>
             </a:r>
             <a:r>
               <a:rPr lang="en-US" sz="3200" smtClean="0"/>
-              <a:t>is built on subclassing, but it doesn't </a:t>
-            </a:r>
-            <a:r>
-              <a:rPr lang="en-US" sz="3200"/>
-              <a:t>require </a:t>
-            </a:r>
-            <a:r>
-              <a:rPr lang="en-US" sz="3200" smtClean="0"/>
-              <a:t>a difficult initialization.</a:t>
+              <a:t>.</a:t>
             </a:r>
             <a:endParaRPr lang="ru-RU" sz="3200"/>
           </a:p>
@@ -15108,8 +15246,8 @@
         </p:nvSpPr>
         <p:spPr>
           <a:xfrm>
-            <a:off x="1724560" y="6156012"/>
-            <a:ext cx="7455952" cy="369332"/>
+            <a:off x="8388424" y="6488668"/>
+            <a:ext cx="761747" cy="369332"/>
           </a:xfrm>
           <a:prstGeom prst="rect">
             <a:avLst/>
@@ -15123,64 +15261,12 @@
           <a:lstStyle/>
           <a:p>
             <a:r>
-              <a:rPr lang="en-US">
-                <a:solidFill>
-                  <a:schemeClr val="accent6">
-                    <a:lumMod val="75000"/>
-                  </a:schemeClr>
-                </a:solidFill>
-              </a:rPr>
-              <a:t>Source: Design Patterns Explained Simply by Alexander Shvets, pg. </a:t>
-            </a:r>
-            <a:r>
               <a:rPr lang="en-US" smtClean="0">
                 <a:solidFill>
-                  <a:schemeClr val="accent6">
-                    <a:lumMod val="75000"/>
-                  </a:schemeClr>
-                </a:solidFill>
-              </a:rPr>
-              <a:t>83</a:t>
-            </a:r>
-            <a:endParaRPr lang="en-US" u="sng">
-              <a:solidFill>
-                <a:schemeClr val="accent6">
-                  <a:lumMod val="75000"/>
-                </a:schemeClr>
-              </a:solidFill>
-            </a:endParaRPr>
-          </a:p>
-        </p:txBody>
-      </p:sp>
-      <p:sp>
-        <p:nvSpPr>
-          <p:cNvPr id="11" name="TextBox 10"/>
-          <p:cNvSpPr txBox="1"/>
-          <p:nvPr/>
-        </p:nvSpPr>
-        <p:spPr>
-          <a:xfrm>
-            <a:off x="8388424" y="6488668"/>
-            <a:ext cx="761747" cy="369332"/>
-          </a:xfrm>
-          <a:prstGeom prst="rect">
-            <a:avLst/>
-          </a:prstGeom>
-          <a:noFill/>
-        </p:spPr>
-        <p:txBody>
-          <a:bodyPr wrap="none" rtlCol="0">
-            <a:spAutoFit/>
-          </a:bodyPr>
-          <a:lstStyle/>
-          <a:p>
-            <a:r>
-              <a:rPr lang="en-US" smtClean="0">
-                <a:solidFill>
                   <a:srgbClr val="002060"/>
                 </a:solidFill>
               </a:rPr>
-              <a:t>29/31</a:t>
+              <a:t>29/34</a:t>
             </a:r>
             <a:endParaRPr lang="en-US" smtClean="0">
               <a:solidFill>
@@ -15193,7 +15279,7 @@
     </p:spTree>
     <p:extLst>
       <p:ext uri="{BB962C8B-B14F-4D97-AF65-F5344CB8AC3E}">
-        <p14:creationId xmlns:p14="http://schemas.microsoft.com/office/powerpoint/2010/main" val="2211389750"/>
+        <p14:creationId xmlns:p14="http://schemas.microsoft.com/office/powerpoint/2010/main" val="2063424459"/>
       </p:ext>
     </p:extLst>
   </p:cSld>
@@ -15480,11 +15566,6 @@
               </a:rPr>
               <a:t>3/31</a:t>
             </a:r>
-            <a:endParaRPr lang="en-US" smtClean="0">
-              <a:solidFill>
-                <a:srgbClr val="002060"/>
-              </a:solidFill>
-            </a:endParaRPr>
           </a:p>
         </p:txBody>
       </p:sp>
@@ -15549,9 +15630,61 @@
           <a:p>
             <a:r>
               <a:rPr lang="en-US" smtClean="0"/>
-              <a:t>Resources</a:t>
+              <a:t>Related patterns</a:t>
             </a:r>
             <a:endParaRPr lang="ru-RU"/>
+          </a:p>
+        </p:txBody>
+      </p:sp>
+      <p:sp>
+        <p:nvSpPr>
+          <p:cNvPr id="4" name="TextBox 3"/>
+          <p:cNvSpPr txBox="1"/>
+          <p:nvPr/>
+        </p:nvSpPr>
+        <p:spPr>
+          <a:xfrm>
+            <a:off x="1691680" y="6165304"/>
+            <a:ext cx="7455952" cy="369332"/>
+          </a:xfrm>
+          <a:prstGeom prst="rect">
+            <a:avLst/>
+          </a:prstGeom>
+          <a:noFill/>
+        </p:spPr>
+        <p:txBody>
+          <a:bodyPr wrap="none" rtlCol="0">
+            <a:spAutoFit/>
+          </a:bodyPr>
+          <a:lstStyle/>
+          <a:p>
+            <a:r>
+              <a:rPr lang="en-US">
+                <a:solidFill>
+                  <a:schemeClr val="accent6">
+                    <a:lumMod val="75000"/>
+                  </a:schemeClr>
+                </a:solidFill>
+              </a:rPr>
+              <a:t>Source: Design Patterns Explained Simply by Alexander Shvets, pg. </a:t>
+            </a:r>
+            <a:r>
+              <a:rPr lang="en-US" smtClean="0">
+                <a:solidFill>
+                  <a:schemeClr val="accent6">
+                    <a:lumMod val="75000"/>
+                  </a:schemeClr>
+                </a:solidFill>
+              </a:rPr>
+              <a:t>83</a:t>
+            </a:r>
+            <a:endParaRPr lang="en-US" u="sng">
+              <a:solidFill>
+                <a:schemeClr val="accent6">
+                  <a:lumMod val="75000"/>
+                </a:schemeClr>
+              </a:solidFill>
+            </a:endParaRPr>
           </a:p>
         </p:txBody>
       </p:sp>
@@ -15692,36 +15825,32 @@
           <a:lstStyle/>
           <a:p>
             <a:r>
+              <a:rPr lang="en-US" sz="3200" b="1" i="1" smtClean="0">
+                <a:solidFill>
+                  <a:schemeClr val="tx2"/>
+                </a:solidFill>
+              </a:rPr>
+              <a:t>Factory method</a:t>
+            </a:r>
+            <a:r>
               <a:rPr lang="en-US" sz="3200"/>
-              <a:t>Design Patterns Explained Simply by Alexander </a:t>
+              <a:t> </a:t>
             </a:r>
             <a:r>
               <a:rPr lang="en-US" sz="3200" smtClean="0"/>
-              <a:t>Shvets; pg. 69-84</a:t>
-            </a:r>
-            <a:r>
-              <a:rPr lang="en-US" sz="3200" smtClean="0">
-                <a:solidFill>
-                  <a:schemeClr val="accent6">
-                    <a:lumMod val="75000"/>
-                  </a:schemeClr>
-                </a:solidFill>
-              </a:rPr>
-              <a:t>.</a:t>
-            </a:r>
-          </a:p>
-          <a:p>
+              <a:t>can be used together with  </a:t>
+            </a:r>
+            <a:r>
+              <a:rPr lang="en-US" sz="3200" i="1" smtClean="0">
+                <a:solidFill>
+                  <a:schemeClr val="tx2"/>
+                </a:solidFill>
+              </a:rPr>
+              <a:t>iterator</a:t>
+            </a:r>
             <a:r>
               <a:rPr lang="en-US" sz="3200" smtClean="0"/>
-              <a:t>Design patterns: Elements of Reusable Object-Oriented Software by </a:t>
-            </a:r>
-            <a:r>
-              <a:rPr lang="en-US" sz="3200"/>
-              <a:t>Erich Gamma, Richard Helm, Ralph Johnson and John </a:t>
-            </a:r>
-            <a:r>
-              <a:rPr lang="en-US" sz="3200" smtClean="0"/>
-              <a:t>Vlissides; Factory Method and Pattern map.</a:t>
+              <a:t> to let collection subclasses create their own iterators.</a:t>
             </a:r>
             <a:endParaRPr lang="ru-RU" sz="3200"/>
           </a:p>
@@ -15755,7 +15884,15 @@
                   <a:srgbClr val="002060"/>
                 </a:solidFill>
               </a:rPr>
-              <a:t>30/31</a:t>
+              <a:t>30</a:t>
+            </a:r>
+            <a:r>
+              <a:rPr lang="en-US" smtClean="0">
+                <a:solidFill>
+                  <a:srgbClr val="002060"/>
+                </a:solidFill>
+              </a:rPr>
+              <a:t>/34</a:t>
             </a:r>
             <a:endParaRPr lang="en-US" smtClean="0">
               <a:solidFill>
@@ -15768,7 +15905,7 @@
     </p:spTree>
     <p:extLst>
       <p:ext uri="{BB962C8B-B14F-4D97-AF65-F5344CB8AC3E}">
-        <p14:creationId xmlns:p14="http://schemas.microsoft.com/office/powerpoint/2010/main" val="2637622347"/>
+        <p14:creationId xmlns:p14="http://schemas.microsoft.com/office/powerpoint/2010/main" val="3573164035"/>
       </p:ext>
     </p:extLst>
   </p:cSld>
@@ -15804,6 +15941,1031 @@
       </p:grpSpPr>
       <p:sp>
         <p:nvSpPr>
+          <p:cNvPr id="2" name="Заголовок 1"/>
+          <p:cNvSpPr>
+            <a:spLocks noGrp="1"/>
+          </p:cNvSpPr>
+          <p:nvPr>
+            <p:ph type="title"/>
+          </p:nvPr>
+        </p:nvSpPr>
+        <p:spPr>
+          <a:xfrm>
+            <a:off x="457200" y="533400"/>
+            <a:ext cx="6779096" cy="990600"/>
+          </a:xfrm>
+        </p:spPr>
+        <p:txBody>
+          <a:bodyPr>
+            <a:normAutofit/>
+          </a:bodyPr>
+          <a:lstStyle/>
+          <a:p>
+            <a:r>
+              <a:rPr lang="en-US" smtClean="0"/>
+              <a:t>Related patterns</a:t>
+            </a:r>
+            <a:endParaRPr lang="ru-RU"/>
+          </a:p>
+        </p:txBody>
+      </p:sp>
+      <p:sp>
+        <p:nvSpPr>
+          <p:cNvPr id="4" name="TextBox 3"/>
+          <p:cNvSpPr txBox="1"/>
+          <p:nvPr/>
+        </p:nvSpPr>
+        <p:spPr>
+          <a:xfrm>
+            <a:off x="3499276" y="6156012"/>
+            <a:ext cx="5609228" cy="369332"/>
+          </a:xfrm>
+          <a:prstGeom prst="rect">
+            <a:avLst/>
+          </a:prstGeom>
+          <a:noFill/>
+        </p:spPr>
+        <p:txBody>
+          <a:bodyPr wrap="none" rtlCol="0">
+            <a:spAutoFit/>
+          </a:bodyPr>
+          <a:lstStyle/>
+          <a:p>
+            <a:r>
+              <a:rPr lang="en-US">
+                <a:solidFill>
+                  <a:schemeClr val="accent6">
+                    <a:lumMod val="75000"/>
+                  </a:schemeClr>
+                </a:solidFill>
+              </a:rPr>
+              <a:t>S</a:t>
+            </a:r>
+            <a:r>
+              <a:rPr lang="en-US" smtClean="0">
+                <a:solidFill>
+                  <a:schemeClr val="accent6">
+                    <a:lumMod val="75000"/>
+                  </a:schemeClr>
+                </a:solidFill>
+              </a:rPr>
+              <a:t>ource: GoF book, Factory Method, Related patterns</a:t>
+            </a:r>
+            <a:endParaRPr lang="en-US" u="sng">
+              <a:solidFill>
+                <a:schemeClr val="accent6">
+                  <a:lumMod val="75000"/>
+                </a:schemeClr>
+              </a:solidFill>
+            </a:endParaRPr>
+          </a:p>
+        </p:txBody>
+      </p:sp>
+      <p:sp>
+        <p:nvSpPr>
+          <p:cNvPr id="7" name="TextBox 6"/>
+          <p:cNvSpPr txBox="1"/>
+          <p:nvPr/>
+        </p:nvSpPr>
+        <p:spPr>
+          <a:xfrm>
+            <a:off x="2380" y="6516052"/>
+            <a:ext cx="2265364" cy="369332"/>
+          </a:xfrm>
+          <a:prstGeom prst="rect">
+            <a:avLst/>
+          </a:prstGeom>
+          <a:noFill/>
+        </p:spPr>
+        <p:txBody>
+          <a:bodyPr wrap="none" rtlCol="0">
+            <a:spAutoFit/>
+          </a:bodyPr>
+          <a:lstStyle/>
+          <a:p>
+            <a:r>
+              <a:rPr lang="en-US" smtClean="0">
+                <a:solidFill>
+                  <a:schemeClr val="tx2">
+                    <a:lumMod val="75000"/>
+                  </a:schemeClr>
+                </a:solidFill>
+              </a:rPr>
+              <a:t>@PolinaShlepakova</a:t>
+            </a:r>
+            <a:endParaRPr lang="ru-RU">
+              <a:solidFill>
+                <a:schemeClr val="tx2">
+                  <a:lumMod val="75000"/>
+                </a:schemeClr>
+              </a:solidFill>
+            </a:endParaRPr>
+          </a:p>
+        </p:txBody>
+      </p:sp>
+      <p:sp>
+        <p:nvSpPr>
+          <p:cNvPr id="8" name="TextBox 7"/>
+          <p:cNvSpPr txBox="1"/>
+          <p:nvPr/>
+        </p:nvSpPr>
+        <p:spPr>
+          <a:xfrm>
+            <a:off x="4150803" y="6546830"/>
+            <a:ext cx="925253" cy="338554"/>
+          </a:xfrm>
+          <a:prstGeom prst="rect">
+            <a:avLst/>
+          </a:prstGeom>
+          <a:noFill/>
+        </p:spPr>
+        <p:txBody>
+          <a:bodyPr wrap="none" rtlCol="0">
+            <a:spAutoFit/>
+          </a:bodyPr>
+          <a:lstStyle/>
+          <a:p>
+            <a:r>
+              <a:rPr lang="en-US" sz="1600" smtClean="0">
+                <a:solidFill>
+                  <a:schemeClr val="accent4">
+                    <a:lumMod val="75000"/>
+                  </a:schemeClr>
+                </a:solidFill>
+              </a:rPr>
+              <a:t>02.2019</a:t>
+            </a:r>
+            <a:endParaRPr lang="ru-RU" sz="1600">
+              <a:solidFill>
+                <a:schemeClr val="accent4">
+                  <a:lumMod val="75000"/>
+                </a:schemeClr>
+              </a:solidFill>
+            </a:endParaRPr>
+          </a:p>
+        </p:txBody>
+      </p:sp>
+      <p:pic>
+        <p:nvPicPr>
+          <p:cNvPr id="6" name="Рисунок 5"/>
+          <p:cNvPicPr>
+            <a:picLocks noChangeAspect="1"/>
+          </p:cNvPicPr>
+          <p:nvPr/>
+        </p:nvPicPr>
+        <p:blipFill>
+          <a:blip r:embed="rId3">
+            <a:extLst>
+              <a:ext uri="{28A0092B-C50C-407E-A947-70E740481C1C}">
+                <a14:useLocalDpi xmlns:a14="http://schemas.microsoft.com/office/drawing/2010/main" val="0"/>
+              </a:ext>
+            </a:extLst>
+          </a:blip>
+          <a:stretch>
+            <a:fillRect/>
+          </a:stretch>
+        </p:blipFill>
+        <p:spPr>
+          <a:xfrm>
+            <a:off x="7540630" y="404665"/>
+            <a:ext cx="1572745" cy="1152127"/>
+          </a:xfrm>
+          <a:prstGeom prst="rect">
+            <a:avLst/>
+          </a:prstGeom>
+        </p:spPr>
+      </p:pic>
+      <p:sp>
+        <p:nvSpPr>
+          <p:cNvPr id="3" name="Объект 2"/>
+          <p:cNvSpPr>
+            <a:spLocks noGrp="1"/>
+          </p:cNvSpPr>
+          <p:nvPr>
+            <p:ph idx="1"/>
+          </p:nvPr>
+        </p:nvSpPr>
+        <p:spPr>
+          <a:xfrm>
+            <a:off x="498629" y="1936576"/>
+            <a:ext cx="8229600" cy="3940696"/>
+          </a:xfrm>
+        </p:spPr>
+        <p:txBody>
+          <a:bodyPr>
+            <a:normAutofit/>
+          </a:bodyPr>
+          <a:lstStyle/>
+          <a:p>
+            <a:r>
+              <a:rPr lang="en-US" sz="3200" b="1" i="1">
+                <a:solidFill>
+                  <a:schemeClr val="tx2"/>
+                </a:solidFill>
+              </a:rPr>
+              <a:t>Factory methods </a:t>
+            </a:r>
+            <a:r>
+              <a:rPr lang="en-US" sz="3200"/>
+              <a:t>are usually called within </a:t>
+            </a:r>
+            <a:r>
+              <a:rPr lang="en-US" sz="3200" i="1">
+                <a:solidFill>
+                  <a:schemeClr val="tx2"/>
+                </a:solidFill>
+              </a:rPr>
+              <a:t>t</a:t>
+            </a:r>
+            <a:r>
+              <a:rPr lang="en-US" sz="3200" i="1" smtClean="0">
+                <a:solidFill>
+                  <a:schemeClr val="tx2"/>
+                </a:solidFill>
+              </a:rPr>
+              <a:t>emplate methods</a:t>
+            </a:r>
+            <a:r>
+              <a:rPr lang="en-US" sz="3200" smtClean="0"/>
+              <a:t>.</a:t>
+            </a:r>
+            <a:endParaRPr lang="ru-RU" sz="3200"/>
+          </a:p>
+        </p:txBody>
+      </p:sp>
+      <p:sp>
+        <p:nvSpPr>
+          <p:cNvPr id="10" name="TextBox 9"/>
+          <p:cNvSpPr txBox="1"/>
+          <p:nvPr/>
+        </p:nvSpPr>
+        <p:spPr>
+          <a:xfrm>
+            <a:off x="8388424" y="6488668"/>
+            <a:ext cx="761747" cy="369332"/>
+          </a:xfrm>
+          <a:prstGeom prst="rect">
+            <a:avLst/>
+          </a:prstGeom>
+          <a:noFill/>
+        </p:spPr>
+        <p:txBody>
+          <a:bodyPr wrap="none" rtlCol="0">
+            <a:spAutoFit/>
+          </a:bodyPr>
+          <a:lstStyle/>
+          <a:p>
+            <a:r>
+              <a:rPr lang="en-US" smtClean="0">
+                <a:solidFill>
+                  <a:srgbClr val="002060"/>
+                </a:solidFill>
+              </a:rPr>
+              <a:t>31</a:t>
+            </a:r>
+            <a:r>
+              <a:rPr lang="en-US" smtClean="0">
+                <a:solidFill>
+                  <a:srgbClr val="002060"/>
+                </a:solidFill>
+              </a:rPr>
+              <a:t>/34</a:t>
+            </a:r>
+            <a:endParaRPr lang="en-US" smtClean="0">
+              <a:solidFill>
+                <a:srgbClr val="002060"/>
+              </a:solidFill>
+            </a:endParaRPr>
+          </a:p>
+        </p:txBody>
+      </p:sp>
+    </p:spTree>
+    <p:extLst>
+      <p:ext uri="{BB962C8B-B14F-4D97-AF65-F5344CB8AC3E}">
+        <p14:creationId xmlns:p14="http://schemas.microsoft.com/office/powerpoint/2010/main" val="3675680845"/>
+      </p:ext>
+    </p:extLst>
+  </p:cSld>
+  <p:clrMapOvr>
+    <a:masterClrMapping/>
+  </p:clrMapOvr>
+  <p:timing>
+    <p:tnLst>
+      <p:par>
+        <p:cTn id="1" dur="indefinite" restart="never" nodeType="tmRoot"/>
+      </p:par>
+    </p:tnLst>
+  </p:timing>
+</p:sld>
+</file>
+
+<file path=ppt/slides/slide32.xml><?xml version="1.0" encoding="utf-8"?>
+<p:sld xmlns:a="http://schemas.openxmlformats.org/drawingml/2006/main" xmlns:r="http://schemas.openxmlformats.org/officeDocument/2006/relationships" xmlns:p="http://schemas.openxmlformats.org/presentationml/2006/main">
+  <p:cSld>
+    <p:spTree>
+      <p:nvGrpSpPr>
+        <p:cNvPr id="1" name=""/>
+        <p:cNvGrpSpPr/>
+        <p:nvPr/>
+      </p:nvGrpSpPr>
+      <p:grpSpPr>
+        <a:xfrm>
+          <a:off x="0" y="0"/>
+          <a:ext cx="0" cy="0"/>
+          <a:chOff x="0" y="0"/>
+          <a:chExt cx="0" cy="0"/>
+        </a:xfrm>
+      </p:grpSpPr>
+      <p:sp>
+        <p:nvSpPr>
+          <p:cNvPr id="2" name="Заголовок 1"/>
+          <p:cNvSpPr>
+            <a:spLocks noGrp="1"/>
+          </p:cNvSpPr>
+          <p:nvPr>
+            <p:ph type="title"/>
+          </p:nvPr>
+        </p:nvSpPr>
+        <p:spPr>
+          <a:xfrm>
+            <a:off x="457200" y="533400"/>
+            <a:ext cx="6779096" cy="990600"/>
+          </a:xfrm>
+        </p:spPr>
+        <p:txBody>
+          <a:bodyPr>
+            <a:normAutofit/>
+          </a:bodyPr>
+          <a:lstStyle/>
+          <a:p>
+            <a:r>
+              <a:rPr lang="en-US" smtClean="0"/>
+              <a:t>Related patterns</a:t>
+            </a:r>
+            <a:endParaRPr lang="ru-RU"/>
+          </a:p>
+        </p:txBody>
+      </p:sp>
+      <p:sp>
+        <p:nvSpPr>
+          <p:cNvPr id="4" name="TextBox 3"/>
+          <p:cNvSpPr txBox="1"/>
+          <p:nvPr/>
+        </p:nvSpPr>
+        <p:spPr>
+          <a:xfrm>
+            <a:off x="3499276" y="5805264"/>
+            <a:ext cx="5609228" cy="369332"/>
+          </a:xfrm>
+          <a:prstGeom prst="rect">
+            <a:avLst/>
+          </a:prstGeom>
+          <a:noFill/>
+        </p:spPr>
+        <p:txBody>
+          <a:bodyPr wrap="none" rtlCol="0">
+            <a:spAutoFit/>
+          </a:bodyPr>
+          <a:lstStyle/>
+          <a:p>
+            <a:r>
+              <a:rPr lang="en-US">
+                <a:solidFill>
+                  <a:schemeClr val="accent6">
+                    <a:lumMod val="75000"/>
+                  </a:schemeClr>
+                </a:solidFill>
+              </a:rPr>
+              <a:t>S</a:t>
+            </a:r>
+            <a:r>
+              <a:rPr lang="en-US" smtClean="0">
+                <a:solidFill>
+                  <a:schemeClr val="accent6">
+                    <a:lumMod val="75000"/>
+                  </a:schemeClr>
+                </a:solidFill>
+              </a:rPr>
+              <a:t>ource: GoF book, Factory Method, Related patterns</a:t>
+            </a:r>
+            <a:endParaRPr lang="en-US" u="sng">
+              <a:solidFill>
+                <a:schemeClr val="accent6">
+                  <a:lumMod val="75000"/>
+                </a:schemeClr>
+              </a:solidFill>
+            </a:endParaRPr>
+          </a:p>
+        </p:txBody>
+      </p:sp>
+      <p:sp>
+        <p:nvSpPr>
+          <p:cNvPr id="7" name="TextBox 6"/>
+          <p:cNvSpPr txBox="1"/>
+          <p:nvPr/>
+        </p:nvSpPr>
+        <p:spPr>
+          <a:xfrm>
+            <a:off x="2380" y="6516052"/>
+            <a:ext cx="2265364" cy="369332"/>
+          </a:xfrm>
+          <a:prstGeom prst="rect">
+            <a:avLst/>
+          </a:prstGeom>
+          <a:noFill/>
+        </p:spPr>
+        <p:txBody>
+          <a:bodyPr wrap="none" rtlCol="0">
+            <a:spAutoFit/>
+          </a:bodyPr>
+          <a:lstStyle/>
+          <a:p>
+            <a:r>
+              <a:rPr lang="en-US" smtClean="0">
+                <a:solidFill>
+                  <a:schemeClr val="tx2">
+                    <a:lumMod val="75000"/>
+                  </a:schemeClr>
+                </a:solidFill>
+              </a:rPr>
+              <a:t>@PolinaShlepakova</a:t>
+            </a:r>
+            <a:endParaRPr lang="ru-RU">
+              <a:solidFill>
+                <a:schemeClr val="tx2">
+                  <a:lumMod val="75000"/>
+                </a:schemeClr>
+              </a:solidFill>
+            </a:endParaRPr>
+          </a:p>
+        </p:txBody>
+      </p:sp>
+      <p:sp>
+        <p:nvSpPr>
+          <p:cNvPr id="8" name="TextBox 7"/>
+          <p:cNvSpPr txBox="1"/>
+          <p:nvPr/>
+        </p:nvSpPr>
+        <p:spPr>
+          <a:xfrm>
+            <a:off x="4150803" y="6546830"/>
+            <a:ext cx="925253" cy="338554"/>
+          </a:xfrm>
+          <a:prstGeom prst="rect">
+            <a:avLst/>
+          </a:prstGeom>
+          <a:noFill/>
+        </p:spPr>
+        <p:txBody>
+          <a:bodyPr wrap="none" rtlCol="0">
+            <a:spAutoFit/>
+          </a:bodyPr>
+          <a:lstStyle/>
+          <a:p>
+            <a:r>
+              <a:rPr lang="en-US" sz="1600" smtClean="0">
+                <a:solidFill>
+                  <a:schemeClr val="accent4">
+                    <a:lumMod val="75000"/>
+                  </a:schemeClr>
+                </a:solidFill>
+              </a:rPr>
+              <a:t>02.2019</a:t>
+            </a:r>
+            <a:endParaRPr lang="ru-RU" sz="1600">
+              <a:solidFill>
+                <a:schemeClr val="accent4">
+                  <a:lumMod val="75000"/>
+                </a:schemeClr>
+              </a:solidFill>
+            </a:endParaRPr>
+          </a:p>
+        </p:txBody>
+      </p:sp>
+      <p:pic>
+        <p:nvPicPr>
+          <p:cNvPr id="6" name="Рисунок 5"/>
+          <p:cNvPicPr>
+            <a:picLocks noChangeAspect="1"/>
+          </p:cNvPicPr>
+          <p:nvPr/>
+        </p:nvPicPr>
+        <p:blipFill>
+          <a:blip r:embed="rId3">
+            <a:extLst>
+              <a:ext uri="{28A0092B-C50C-407E-A947-70E740481C1C}">
+                <a14:useLocalDpi xmlns:a14="http://schemas.microsoft.com/office/drawing/2010/main" val="0"/>
+              </a:ext>
+            </a:extLst>
+          </a:blip>
+          <a:stretch>
+            <a:fillRect/>
+          </a:stretch>
+        </p:blipFill>
+        <p:spPr>
+          <a:xfrm>
+            <a:off x="7540630" y="404665"/>
+            <a:ext cx="1572745" cy="1152127"/>
+          </a:xfrm>
+          <a:prstGeom prst="rect">
+            <a:avLst/>
+          </a:prstGeom>
+        </p:spPr>
+      </p:pic>
+      <p:sp>
+        <p:nvSpPr>
+          <p:cNvPr id="3" name="Объект 2"/>
+          <p:cNvSpPr>
+            <a:spLocks noGrp="1"/>
+          </p:cNvSpPr>
+          <p:nvPr>
+            <p:ph idx="1"/>
+          </p:nvPr>
+        </p:nvSpPr>
+        <p:spPr>
+          <a:xfrm>
+            <a:off x="498629" y="1936576"/>
+            <a:ext cx="8229600" cy="3940696"/>
+          </a:xfrm>
+        </p:spPr>
+        <p:txBody>
+          <a:bodyPr>
+            <a:normAutofit/>
+          </a:bodyPr>
+          <a:lstStyle/>
+          <a:p>
+            <a:r>
+              <a:rPr lang="en-US" sz="3200" i="1" smtClean="0">
+                <a:solidFill>
+                  <a:schemeClr val="tx2"/>
+                </a:solidFill>
+              </a:rPr>
+              <a:t>Prototypes</a:t>
+            </a:r>
+            <a:r>
+              <a:rPr lang="en-US" sz="3200"/>
+              <a:t> don't require subclassing Creator. However, </a:t>
+            </a:r>
+            <a:r>
+              <a:rPr lang="en-US" sz="3200" smtClean="0"/>
+              <a:t>it requires a difficult </a:t>
+            </a:r>
+            <a:r>
+              <a:rPr lang="en-US" sz="3200"/>
+              <a:t>Initialize </a:t>
+            </a:r>
+            <a:r>
+              <a:rPr lang="en-US" sz="3200" smtClean="0"/>
+              <a:t>operation. </a:t>
+            </a:r>
+          </a:p>
+          <a:p>
+            <a:r>
+              <a:rPr lang="en-US" sz="3200" b="1" i="1" smtClean="0">
+                <a:solidFill>
+                  <a:schemeClr val="tx2"/>
+                </a:solidFill>
+              </a:rPr>
+              <a:t>Factory </a:t>
+            </a:r>
+            <a:r>
+              <a:rPr lang="en-US" sz="3200" b="1" i="1">
+                <a:solidFill>
+                  <a:schemeClr val="tx2"/>
+                </a:solidFill>
+              </a:rPr>
+              <a:t>Method </a:t>
+            </a:r>
+            <a:r>
+              <a:rPr lang="en-US" sz="3200" smtClean="0"/>
+              <a:t>is built on subclassing, but it doesn't </a:t>
+            </a:r>
+            <a:r>
+              <a:rPr lang="en-US" sz="3200"/>
+              <a:t>require </a:t>
+            </a:r>
+            <a:r>
+              <a:rPr lang="en-US" sz="3200" smtClean="0"/>
+              <a:t>a difficult initialization.</a:t>
+            </a:r>
+            <a:endParaRPr lang="ru-RU" sz="3200"/>
+          </a:p>
+        </p:txBody>
+      </p:sp>
+      <p:sp>
+        <p:nvSpPr>
+          <p:cNvPr id="10" name="TextBox 9"/>
+          <p:cNvSpPr txBox="1"/>
+          <p:nvPr/>
+        </p:nvSpPr>
+        <p:spPr>
+          <a:xfrm>
+            <a:off x="1724560" y="6156012"/>
+            <a:ext cx="7455952" cy="369332"/>
+          </a:xfrm>
+          <a:prstGeom prst="rect">
+            <a:avLst/>
+          </a:prstGeom>
+          <a:noFill/>
+        </p:spPr>
+        <p:txBody>
+          <a:bodyPr wrap="none" rtlCol="0">
+            <a:spAutoFit/>
+          </a:bodyPr>
+          <a:lstStyle/>
+          <a:p>
+            <a:r>
+              <a:rPr lang="en-US">
+                <a:solidFill>
+                  <a:schemeClr val="accent6">
+                    <a:lumMod val="75000"/>
+                  </a:schemeClr>
+                </a:solidFill>
+              </a:rPr>
+              <a:t>Source: Design Patterns Explained Simply by Alexander Shvets, pg. </a:t>
+            </a:r>
+            <a:r>
+              <a:rPr lang="en-US" smtClean="0">
+                <a:solidFill>
+                  <a:schemeClr val="accent6">
+                    <a:lumMod val="75000"/>
+                  </a:schemeClr>
+                </a:solidFill>
+              </a:rPr>
+              <a:t>83</a:t>
+            </a:r>
+            <a:endParaRPr lang="en-US" u="sng">
+              <a:solidFill>
+                <a:schemeClr val="accent6">
+                  <a:lumMod val="75000"/>
+                </a:schemeClr>
+              </a:solidFill>
+            </a:endParaRPr>
+          </a:p>
+        </p:txBody>
+      </p:sp>
+      <p:sp>
+        <p:nvSpPr>
+          <p:cNvPr id="11" name="TextBox 10"/>
+          <p:cNvSpPr txBox="1"/>
+          <p:nvPr/>
+        </p:nvSpPr>
+        <p:spPr>
+          <a:xfrm>
+            <a:off x="8388424" y="6488668"/>
+            <a:ext cx="761747" cy="369332"/>
+          </a:xfrm>
+          <a:prstGeom prst="rect">
+            <a:avLst/>
+          </a:prstGeom>
+          <a:noFill/>
+        </p:spPr>
+        <p:txBody>
+          <a:bodyPr wrap="none" rtlCol="0">
+            <a:spAutoFit/>
+          </a:bodyPr>
+          <a:lstStyle/>
+          <a:p>
+            <a:r>
+              <a:rPr lang="en-US" smtClean="0">
+                <a:solidFill>
+                  <a:srgbClr val="002060"/>
+                </a:solidFill>
+              </a:rPr>
+              <a:t>32</a:t>
+            </a:r>
+            <a:r>
+              <a:rPr lang="en-US" smtClean="0">
+                <a:solidFill>
+                  <a:srgbClr val="002060"/>
+                </a:solidFill>
+              </a:rPr>
+              <a:t>/34</a:t>
+            </a:r>
+            <a:endParaRPr lang="en-US" smtClean="0">
+              <a:solidFill>
+                <a:srgbClr val="002060"/>
+              </a:solidFill>
+            </a:endParaRPr>
+          </a:p>
+        </p:txBody>
+      </p:sp>
+    </p:spTree>
+    <p:extLst>
+      <p:ext uri="{BB962C8B-B14F-4D97-AF65-F5344CB8AC3E}">
+        <p14:creationId xmlns:p14="http://schemas.microsoft.com/office/powerpoint/2010/main" val="2211389750"/>
+      </p:ext>
+    </p:extLst>
+  </p:cSld>
+  <p:clrMapOvr>
+    <a:masterClrMapping/>
+  </p:clrMapOvr>
+  <p:timing>
+    <p:tnLst>
+      <p:par>
+        <p:cTn id="1" dur="indefinite" restart="never" nodeType="tmRoot"/>
+      </p:par>
+    </p:tnLst>
+  </p:timing>
+</p:sld>
+</file>
+
+<file path=ppt/slides/slide33.xml><?xml version="1.0" encoding="utf-8"?>
+<p:sld xmlns:a="http://schemas.openxmlformats.org/drawingml/2006/main" xmlns:r="http://schemas.openxmlformats.org/officeDocument/2006/relationships" xmlns:p="http://schemas.openxmlformats.org/presentationml/2006/main">
+  <p:cSld>
+    <p:spTree>
+      <p:nvGrpSpPr>
+        <p:cNvPr id="1" name=""/>
+        <p:cNvGrpSpPr/>
+        <p:nvPr/>
+      </p:nvGrpSpPr>
+      <p:grpSpPr>
+        <a:xfrm>
+          <a:off x="0" y="0"/>
+          <a:ext cx="0" cy="0"/>
+          <a:chOff x="0" y="0"/>
+          <a:chExt cx="0" cy="0"/>
+        </a:xfrm>
+      </p:grpSpPr>
+      <p:sp>
+        <p:nvSpPr>
+          <p:cNvPr id="2" name="Заголовок 1"/>
+          <p:cNvSpPr>
+            <a:spLocks noGrp="1"/>
+          </p:cNvSpPr>
+          <p:nvPr>
+            <p:ph type="title"/>
+          </p:nvPr>
+        </p:nvSpPr>
+        <p:spPr>
+          <a:xfrm>
+            <a:off x="457200" y="533400"/>
+            <a:ext cx="6779096" cy="990600"/>
+          </a:xfrm>
+        </p:spPr>
+        <p:txBody>
+          <a:bodyPr>
+            <a:normAutofit/>
+          </a:bodyPr>
+          <a:lstStyle/>
+          <a:p>
+            <a:r>
+              <a:rPr lang="en-US" smtClean="0"/>
+              <a:t>Resources</a:t>
+            </a:r>
+            <a:endParaRPr lang="ru-RU"/>
+          </a:p>
+        </p:txBody>
+      </p:sp>
+      <p:sp>
+        <p:nvSpPr>
+          <p:cNvPr id="7" name="TextBox 6"/>
+          <p:cNvSpPr txBox="1"/>
+          <p:nvPr/>
+        </p:nvSpPr>
+        <p:spPr>
+          <a:xfrm>
+            <a:off x="2380" y="6516052"/>
+            <a:ext cx="2265364" cy="369332"/>
+          </a:xfrm>
+          <a:prstGeom prst="rect">
+            <a:avLst/>
+          </a:prstGeom>
+          <a:noFill/>
+        </p:spPr>
+        <p:txBody>
+          <a:bodyPr wrap="none" rtlCol="0">
+            <a:spAutoFit/>
+          </a:bodyPr>
+          <a:lstStyle/>
+          <a:p>
+            <a:r>
+              <a:rPr lang="en-US" smtClean="0">
+                <a:solidFill>
+                  <a:schemeClr val="tx2">
+                    <a:lumMod val="75000"/>
+                  </a:schemeClr>
+                </a:solidFill>
+              </a:rPr>
+              <a:t>@PolinaShlepakova</a:t>
+            </a:r>
+            <a:endParaRPr lang="ru-RU">
+              <a:solidFill>
+                <a:schemeClr val="tx2">
+                  <a:lumMod val="75000"/>
+                </a:schemeClr>
+              </a:solidFill>
+            </a:endParaRPr>
+          </a:p>
+        </p:txBody>
+      </p:sp>
+      <p:sp>
+        <p:nvSpPr>
+          <p:cNvPr id="8" name="TextBox 7"/>
+          <p:cNvSpPr txBox="1"/>
+          <p:nvPr/>
+        </p:nvSpPr>
+        <p:spPr>
+          <a:xfrm>
+            <a:off x="4150803" y="6546830"/>
+            <a:ext cx="925253" cy="338554"/>
+          </a:xfrm>
+          <a:prstGeom prst="rect">
+            <a:avLst/>
+          </a:prstGeom>
+          <a:noFill/>
+        </p:spPr>
+        <p:txBody>
+          <a:bodyPr wrap="none" rtlCol="0">
+            <a:spAutoFit/>
+          </a:bodyPr>
+          <a:lstStyle/>
+          <a:p>
+            <a:r>
+              <a:rPr lang="en-US" sz="1600" smtClean="0">
+                <a:solidFill>
+                  <a:schemeClr val="accent4">
+                    <a:lumMod val="75000"/>
+                  </a:schemeClr>
+                </a:solidFill>
+              </a:rPr>
+              <a:t>02.2019</a:t>
+            </a:r>
+            <a:endParaRPr lang="ru-RU" sz="1600">
+              <a:solidFill>
+                <a:schemeClr val="accent4">
+                  <a:lumMod val="75000"/>
+                </a:schemeClr>
+              </a:solidFill>
+            </a:endParaRPr>
+          </a:p>
+        </p:txBody>
+      </p:sp>
+      <p:pic>
+        <p:nvPicPr>
+          <p:cNvPr id="6" name="Рисунок 5"/>
+          <p:cNvPicPr>
+            <a:picLocks noChangeAspect="1"/>
+          </p:cNvPicPr>
+          <p:nvPr/>
+        </p:nvPicPr>
+        <p:blipFill>
+          <a:blip r:embed="rId3">
+            <a:extLst>
+              <a:ext uri="{28A0092B-C50C-407E-A947-70E740481C1C}">
+                <a14:useLocalDpi xmlns:a14="http://schemas.microsoft.com/office/drawing/2010/main" val="0"/>
+              </a:ext>
+            </a:extLst>
+          </a:blip>
+          <a:stretch>
+            <a:fillRect/>
+          </a:stretch>
+        </p:blipFill>
+        <p:spPr>
+          <a:xfrm>
+            <a:off x="7540630" y="404665"/>
+            <a:ext cx="1572745" cy="1152127"/>
+          </a:xfrm>
+          <a:prstGeom prst="rect">
+            <a:avLst/>
+          </a:prstGeom>
+        </p:spPr>
+      </p:pic>
+      <p:sp>
+        <p:nvSpPr>
+          <p:cNvPr id="3" name="Объект 2"/>
+          <p:cNvSpPr>
+            <a:spLocks noGrp="1"/>
+          </p:cNvSpPr>
+          <p:nvPr>
+            <p:ph idx="1"/>
+          </p:nvPr>
+        </p:nvSpPr>
+        <p:spPr>
+          <a:xfrm>
+            <a:off x="498629" y="1936576"/>
+            <a:ext cx="8229600" cy="3940696"/>
+          </a:xfrm>
+        </p:spPr>
+        <p:txBody>
+          <a:bodyPr>
+            <a:normAutofit/>
+          </a:bodyPr>
+          <a:lstStyle/>
+          <a:p>
+            <a:r>
+              <a:rPr lang="en-US" sz="3200"/>
+              <a:t>Design Patterns Explained Simply by Alexander </a:t>
+            </a:r>
+            <a:r>
+              <a:rPr lang="en-US" sz="3200" smtClean="0"/>
+              <a:t>Shvets; pg. 69-84</a:t>
+            </a:r>
+            <a:r>
+              <a:rPr lang="en-US" sz="3200" smtClean="0">
+                <a:solidFill>
+                  <a:schemeClr val="accent6">
+                    <a:lumMod val="75000"/>
+                  </a:schemeClr>
+                </a:solidFill>
+              </a:rPr>
+              <a:t>.</a:t>
+            </a:r>
+          </a:p>
+          <a:p>
+            <a:r>
+              <a:rPr lang="en-US" sz="3200" smtClean="0"/>
+              <a:t>Design patterns: Elements of Reusable Object-Oriented Software by </a:t>
+            </a:r>
+            <a:r>
+              <a:rPr lang="en-US" sz="3200"/>
+              <a:t>Erich Gamma, Richard Helm, Ralph Johnson and John </a:t>
+            </a:r>
+            <a:r>
+              <a:rPr lang="en-US" sz="3200" smtClean="0"/>
+              <a:t>Vlissides; Factory Method and Pattern map.</a:t>
+            </a:r>
+            <a:endParaRPr lang="ru-RU" sz="3200"/>
+          </a:p>
+        </p:txBody>
+      </p:sp>
+      <p:sp>
+        <p:nvSpPr>
+          <p:cNvPr id="10" name="TextBox 9"/>
+          <p:cNvSpPr txBox="1"/>
+          <p:nvPr/>
+        </p:nvSpPr>
+        <p:spPr>
+          <a:xfrm>
+            <a:off x="8388424" y="6488668"/>
+            <a:ext cx="761747" cy="369332"/>
+          </a:xfrm>
+          <a:prstGeom prst="rect">
+            <a:avLst/>
+          </a:prstGeom>
+          <a:noFill/>
+        </p:spPr>
+        <p:txBody>
+          <a:bodyPr wrap="none" rtlCol="0">
+            <a:spAutoFit/>
+          </a:bodyPr>
+          <a:lstStyle/>
+          <a:p>
+            <a:r>
+              <a:rPr lang="en-US" smtClean="0">
+                <a:solidFill>
+                  <a:srgbClr val="002060"/>
+                </a:solidFill>
+              </a:rPr>
+              <a:t>33/34</a:t>
+            </a:r>
+            <a:endParaRPr lang="en-US" smtClean="0">
+              <a:solidFill>
+                <a:srgbClr val="002060"/>
+              </a:solidFill>
+            </a:endParaRPr>
+          </a:p>
+        </p:txBody>
+      </p:sp>
+    </p:spTree>
+    <p:extLst>
+      <p:ext uri="{BB962C8B-B14F-4D97-AF65-F5344CB8AC3E}">
+        <p14:creationId xmlns:p14="http://schemas.microsoft.com/office/powerpoint/2010/main" val="2637622347"/>
+      </p:ext>
+    </p:extLst>
+  </p:cSld>
+  <p:clrMapOvr>
+    <a:masterClrMapping/>
+  </p:clrMapOvr>
+  <p:timing>
+    <p:tnLst>
+      <p:par>
+        <p:cTn id="1" dur="indefinite" restart="never" nodeType="tmRoot"/>
+      </p:par>
+    </p:tnLst>
+  </p:timing>
+</p:sld>
+</file>
+
+<file path=ppt/slides/slide34.xml><?xml version="1.0" encoding="utf-8"?>
+<p:sld xmlns:a="http://schemas.openxmlformats.org/drawingml/2006/main" xmlns:r="http://schemas.openxmlformats.org/officeDocument/2006/relationships" xmlns:p="http://schemas.openxmlformats.org/presentationml/2006/main">
+  <p:cSld>
+    <p:spTree>
+      <p:nvGrpSpPr>
+        <p:cNvPr id="1" name=""/>
+        <p:cNvGrpSpPr/>
+        <p:nvPr/>
+      </p:nvGrpSpPr>
+      <p:grpSpPr>
+        <a:xfrm>
+          <a:off x="0" y="0"/>
+          <a:ext cx="0" cy="0"/>
+          <a:chOff x="0" y="0"/>
+          <a:chExt cx="0" cy="0"/>
+        </a:xfrm>
+      </p:grpSpPr>
+      <p:sp>
+        <p:nvSpPr>
           <p:cNvPr id="7" name="TextBox 6"/>
           <p:cNvSpPr txBox="1"/>
           <p:nvPr/>
@@ -15981,7 +17143,7 @@
                   <a:srgbClr val="002060"/>
                 </a:solidFill>
               </a:rPr>
-              <a:t>31/31</a:t>
+              <a:t>34/34</a:t>
             </a:r>
             <a:endParaRPr lang="en-US" smtClean="0">
               <a:solidFill>
@@ -16202,11 +17364,6 @@
               </a:rPr>
               <a:t>4/31</a:t>
             </a:r>
-            <a:endParaRPr lang="en-US" smtClean="0">
-              <a:solidFill>
-                <a:srgbClr val="002060"/>
-              </a:solidFill>
-            </a:endParaRPr>
           </a:p>
         </p:txBody>
       </p:sp>
@@ -16497,11 +17654,6 @@
               </a:rPr>
               <a:t>5/31</a:t>
             </a:r>
-            <a:endParaRPr lang="en-US" smtClean="0">
-              <a:solidFill>
-                <a:srgbClr val="002060"/>
-              </a:solidFill>
-            </a:endParaRPr>
           </a:p>
         </p:txBody>
       </p:sp>
@@ -16837,11 +17989,6 @@
               </a:rPr>
               <a:t>6/31</a:t>
             </a:r>
-            <a:endParaRPr lang="en-US" smtClean="0">
-              <a:solidFill>
-                <a:srgbClr val="002060"/>
-              </a:solidFill>
-            </a:endParaRPr>
           </a:p>
         </p:txBody>
       </p:sp>
@@ -16991,7 +18138,7 @@
           <a:p>
             <a:r>
               <a:rPr lang="en-US" smtClean="0"/>
-              <a:t>Add Ship support</a:t>
+              <a:t>Diagram</a:t>
             </a:r>
             <a:endParaRPr lang="ru-RU"/>
           </a:p>
@@ -16999,13 +18146,11 @@
       </p:sp>
       <p:pic>
         <p:nvPicPr>
-          <p:cNvPr id="5" name="Объект 4"/>
+          <p:cNvPr id="6" name="Рисунок 5"/>
           <p:cNvPicPr>
-            <a:picLocks noGrp="1" noChangeAspect="1"/>
+            <a:picLocks noChangeAspect="1"/>
           </p:cNvPicPr>
-          <p:nvPr>
-            <p:ph idx="1"/>
-          </p:nvPr>
+          <p:nvPr/>
         </p:nvPicPr>
         <p:blipFill>
           <a:blip r:embed="rId3">
@@ -17021,21 +18166,24 @@
         </p:blipFill>
         <p:spPr>
           <a:xfrm>
-            <a:off x="2380" y="1916832"/>
-            <a:ext cx="6954221" cy="3705742"/>
-          </a:xfrm>
+            <a:off x="7540630" y="404665"/>
+            <a:ext cx="1572745" cy="1152127"/>
+          </a:xfrm>
+          <a:prstGeom prst="rect">
+            <a:avLst/>
+          </a:prstGeom>
         </p:spPr>
       </p:pic>
       <p:sp>
         <p:nvSpPr>
-          <p:cNvPr id="4" name="TextBox 3"/>
+          <p:cNvPr id="7" name="TextBox 6"/>
           <p:cNvSpPr txBox="1"/>
           <p:nvPr/>
         </p:nvSpPr>
         <p:spPr>
           <a:xfrm>
-            <a:off x="1698912" y="6165304"/>
-            <a:ext cx="7481600" cy="369332"/>
+            <a:off x="2380" y="6516052"/>
+            <a:ext cx="2265364" cy="369332"/>
           </a:xfrm>
           <a:prstGeom prst="rect">
             <a:avLst/>
@@ -17051,16 +18199,16 @@
             <a:r>
               <a:rPr lang="en-US" smtClean="0">
                 <a:solidFill>
-                  <a:schemeClr val="accent6">
+                  <a:schemeClr val="tx2">
                     <a:lumMod val="75000"/>
                   </a:schemeClr>
                 </a:solidFill>
               </a:rPr>
-              <a:t>Source: Design Patterns Explained Simply by Alexander Shvets, pg. 70</a:t>
-            </a:r>
-            <a:endParaRPr lang="en-US" u="sng">
+              <a:t>@PolinaShlepakova</a:t>
+            </a:r>
+            <a:endParaRPr lang="ru-RU">
               <a:solidFill>
-                <a:schemeClr val="accent6">
+                <a:schemeClr val="tx2">
                   <a:lumMod val="75000"/>
                 </a:schemeClr>
               </a:solidFill>
@@ -17068,13 +18216,90 @@
           </a:p>
         </p:txBody>
       </p:sp>
+      <p:sp>
+        <p:nvSpPr>
+          <p:cNvPr id="8" name="TextBox 7"/>
+          <p:cNvSpPr txBox="1"/>
+          <p:nvPr/>
+        </p:nvSpPr>
+        <p:spPr>
+          <a:xfrm>
+            <a:off x="4150803" y="6546830"/>
+            <a:ext cx="925253" cy="338554"/>
+          </a:xfrm>
+          <a:prstGeom prst="rect">
+            <a:avLst/>
+          </a:prstGeom>
+          <a:noFill/>
+        </p:spPr>
+        <p:txBody>
+          <a:bodyPr wrap="none" rtlCol="0">
+            <a:spAutoFit/>
+          </a:bodyPr>
+          <a:lstStyle/>
+          <a:p>
+            <a:r>
+              <a:rPr lang="en-US" sz="1600" smtClean="0">
+                <a:solidFill>
+                  <a:schemeClr val="accent4">
+                    <a:lumMod val="75000"/>
+                  </a:schemeClr>
+                </a:solidFill>
+              </a:rPr>
+              <a:t>02.2019</a:t>
+            </a:r>
+            <a:endParaRPr lang="ru-RU" sz="1600">
+              <a:solidFill>
+                <a:schemeClr val="accent4">
+                  <a:lumMod val="75000"/>
+                </a:schemeClr>
+              </a:solidFill>
+            </a:endParaRPr>
+          </a:p>
+        </p:txBody>
+      </p:sp>
+      <p:sp>
+        <p:nvSpPr>
+          <p:cNvPr id="9" name="TextBox 8"/>
+          <p:cNvSpPr txBox="1"/>
+          <p:nvPr/>
+        </p:nvSpPr>
+        <p:spPr>
+          <a:xfrm>
+            <a:off x="8479868" y="6488668"/>
+            <a:ext cx="633507" cy="369332"/>
+          </a:xfrm>
+          <a:prstGeom prst="rect">
+            <a:avLst/>
+          </a:prstGeom>
+          <a:noFill/>
+        </p:spPr>
+        <p:txBody>
+          <a:bodyPr wrap="none" rtlCol="0">
+            <a:spAutoFit/>
+          </a:bodyPr>
+          <a:lstStyle/>
+          <a:p>
+            <a:r>
+              <a:rPr lang="en-US" smtClean="0">
+                <a:solidFill>
+                  <a:srgbClr val="002060"/>
+                </a:solidFill>
+              </a:rPr>
+              <a:t>7/31</a:t>
+            </a:r>
+          </a:p>
+        </p:txBody>
+      </p:sp>
       <p:pic>
         <p:nvPicPr>
-          <p:cNvPr id="6" name="Рисунок 5"/>
+          <p:cNvPr id="11" name="Объект 10"/>
           <p:cNvPicPr>
-            <a:picLocks noChangeAspect="1"/>
+            <a:picLocks noGrp="1" noChangeAspect="1"/>
           </p:cNvPicPr>
-          <p:nvPr/>
+          <p:nvPr>
+            <p:ph idx="1"/>
+          </p:nvPr>
         </p:nvPicPr>
         <p:blipFill>
           <a:blip r:embed="rId4">
@@ -17090,164 +18315,9 @@
         </p:blipFill>
         <p:spPr>
           <a:xfrm>
-            <a:off x="7540630" y="404665"/>
-            <a:ext cx="1572745" cy="1152127"/>
-          </a:xfrm>
-          <a:prstGeom prst="rect">
-            <a:avLst/>
-          </a:prstGeom>
-        </p:spPr>
-      </p:pic>
-      <p:sp>
-        <p:nvSpPr>
-          <p:cNvPr id="7" name="TextBox 6"/>
-          <p:cNvSpPr txBox="1"/>
-          <p:nvPr/>
-        </p:nvSpPr>
-        <p:spPr>
-          <a:xfrm>
-            <a:off x="2380" y="6516052"/>
-            <a:ext cx="2265364" cy="369332"/>
-          </a:xfrm>
-          <a:prstGeom prst="rect">
-            <a:avLst/>
-          </a:prstGeom>
-          <a:noFill/>
-        </p:spPr>
-        <p:txBody>
-          <a:bodyPr wrap="none" rtlCol="0">
-            <a:spAutoFit/>
-          </a:bodyPr>
-          <a:lstStyle/>
-          <a:p>
-            <a:r>
-              <a:rPr lang="en-US" smtClean="0">
-                <a:solidFill>
-                  <a:schemeClr val="tx2">
-                    <a:lumMod val="75000"/>
-                  </a:schemeClr>
-                </a:solidFill>
-              </a:rPr>
-              <a:t>@PolinaShlepakova</a:t>
-            </a:r>
-            <a:endParaRPr lang="ru-RU">
-              <a:solidFill>
-                <a:schemeClr val="tx2">
-                  <a:lumMod val="75000"/>
-                </a:schemeClr>
-              </a:solidFill>
-            </a:endParaRPr>
-          </a:p>
-        </p:txBody>
-      </p:sp>
-      <p:sp>
-        <p:nvSpPr>
-          <p:cNvPr id="8" name="TextBox 7"/>
-          <p:cNvSpPr txBox="1"/>
-          <p:nvPr/>
-        </p:nvSpPr>
-        <p:spPr>
-          <a:xfrm>
-            <a:off x="4150803" y="6546830"/>
-            <a:ext cx="925253" cy="338554"/>
-          </a:xfrm>
-          <a:prstGeom prst="rect">
-            <a:avLst/>
-          </a:prstGeom>
-          <a:noFill/>
-        </p:spPr>
-        <p:txBody>
-          <a:bodyPr wrap="none" rtlCol="0">
-            <a:spAutoFit/>
-          </a:bodyPr>
-          <a:lstStyle/>
-          <a:p>
-            <a:r>
-              <a:rPr lang="en-US" sz="1600" smtClean="0">
-                <a:solidFill>
-                  <a:schemeClr val="accent4">
-                    <a:lumMod val="75000"/>
-                  </a:schemeClr>
-                </a:solidFill>
-              </a:rPr>
-              <a:t>02.2019</a:t>
-            </a:r>
-            <a:endParaRPr lang="ru-RU" sz="1600">
-              <a:solidFill>
-                <a:schemeClr val="accent4">
-                  <a:lumMod val="75000"/>
-                </a:schemeClr>
-              </a:solidFill>
-            </a:endParaRPr>
-          </a:p>
-        </p:txBody>
-      </p:sp>
-      <p:sp>
-        <p:nvSpPr>
-          <p:cNvPr id="9" name="TextBox 8"/>
-          <p:cNvSpPr txBox="1"/>
-          <p:nvPr/>
-        </p:nvSpPr>
-        <p:spPr>
-          <a:xfrm>
-            <a:off x="8479868" y="6488668"/>
-            <a:ext cx="633507" cy="369332"/>
-          </a:xfrm>
-          <a:prstGeom prst="rect">
-            <a:avLst/>
-          </a:prstGeom>
-          <a:noFill/>
-        </p:spPr>
-        <p:txBody>
-          <a:bodyPr wrap="none" rtlCol="0">
-            <a:spAutoFit/>
-          </a:bodyPr>
-          <a:lstStyle/>
-          <a:p>
-            <a:r>
-              <a:rPr lang="en-US" smtClean="0">
-                <a:solidFill>
-                  <a:srgbClr val="002060"/>
-                </a:solidFill>
-              </a:rPr>
-              <a:t>7/31</a:t>
-            </a:r>
-            <a:endParaRPr lang="en-US" smtClean="0">
-              <a:solidFill>
-                <a:srgbClr val="002060"/>
-              </a:solidFill>
-            </a:endParaRPr>
-          </a:p>
-        </p:txBody>
-      </p:sp>
-      <p:pic>
-        <p:nvPicPr>
-          <p:cNvPr id="10" name="Рисунок 9"/>
-          <p:cNvPicPr>
-            <a:picLocks noChangeAspect="1"/>
-          </p:cNvPicPr>
-          <p:nvPr/>
-        </p:nvPicPr>
-        <p:blipFill>
-          <a:blip r:embed="rId5">
-            <a:extLst>
-              <a:ext uri="{28A0092B-C50C-407E-A947-70E740481C1C}">
-                <a14:useLocalDpi xmlns:a14="http://schemas.microsoft.com/office/drawing/2010/main" val="0"/>
-              </a:ext>
-            </a:extLst>
-          </a:blip>
-          <a:stretch>
-            <a:fillRect/>
-          </a:stretch>
-        </p:blipFill>
-        <p:spPr>
-          <a:xfrm>
-            <a:off x="7149183" y="2348880"/>
-            <a:ext cx="1964192" cy="3024336"/>
-          </a:xfrm>
-          <a:prstGeom prst="rect">
-            <a:avLst/>
-          </a:prstGeom>
+            <a:off x="2380" y="2204864"/>
+            <a:ext cx="9037007" cy="1944216"/>
+          </a:xfrm>
         </p:spPr>
       </p:pic>
     </p:spTree>
@@ -17309,71 +18379,21 @@
           <a:p>
             <a:r>
               <a:rPr lang="en-US" smtClean="0"/>
-              <a:t>Solution</a:t>
+              <a:t>Add Ship support</a:t>
             </a:r>
             <a:endParaRPr lang="ru-RU"/>
-          </a:p>
-        </p:txBody>
-      </p:sp>
-      <p:sp>
-        <p:nvSpPr>
-          <p:cNvPr id="4" name="TextBox 3"/>
-          <p:cNvSpPr txBox="1"/>
-          <p:nvPr/>
-        </p:nvSpPr>
-        <p:spPr>
-          <a:xfrm>
-            <a:off x="1652552" y="6165304"/>
-            <a:ext cx="7455952" cy="369332"/>
-          </a:xfrm>
-          <a:prstGeom prst="rect">
-            <a:avLst/>
-          </a:prstGeom>
-          <a:noFill/>
-        </p:spPr>
-        <p:txBody>
-          <a:bodyPr wrap="none" rtlCol="0">
-            <a:spAutoFit/>
-          </a:bodyPr>
-          <a:lstStyle/>
-          <a:p>
-            <a:r>
-              <a:rPr lang="en-US">
-                <a:solidFill>
-                  <a:schemeClr val="accent6">
-                    <a:lumMod val="75000"/>
-                  </a:schemeClr>
-                </a:solidFill>
-              </a:rPr>
-              <a:t>S</a:t>
-            </a:r>
-            <a:r>
-              <a:rPr lang="en-US" smtClean="0">
-                <a:solidFill>
-                  <a:schemeClr val="accent6">
-                    <a:lumMod val="75000"/>
-                  </a:schemeClr>
-                </a:solidFill>
-              </a:rPr>
-              <a:t>ource: Design Patterns Explained Simply by Alexander Shvets, pg. 71</a:t>
-            </a:r>
-            <a:endParaRPr lang="en-US" u="sng">
-              <a:solidFill>
-                <a:schemeClr val="accent6">
-                  <a:lumMod val="75000"/>
-                </a:schemeClr>
-              </a:solidFill>
-            </a:endParaRPr>
           </a:p>
         </p:txBody>
       </p:sp>
       <p:pic>
         <p:nvPicPr>
-          <p:cNvPr id="6" name="Рисунок 5"/>
+          <p:cNvPr id="5" name="Объект 4"/>
           <p:cNvPicPr>
-            <a:picLocks noChangeAspect="1"/>
+            <a:picLocks noGrp="1" noChangeAspect="1"/>
           </p:cNvPicPr>
-          <p:nvPr/>
+          <p:nvPr>
+            <p:ph idx="1"/>
+          </p:nvPr>
         </p:nvPicPr>
         <p:blipFill>
           <a:blip r:embed="rId3">
@@ -17389,6 +18409,75 @@
         </p:blipFill>
         <p:spPr>
           <a:xfrm>
+            <a:off x="2380" y="1916832"/>
+            <a:ext cx="6954221" cy="3705742"/>
+          </a:xfrm>
+        </p:spPr>
+      </p:pic>
+      <p:sp>
+        <p:nvSpPr>
+          <p:cNvPr id="4" name="TextBox 3"/>
+          <p:cNvSpPr txBox="1"/>
+          <p:nvPr/>
+        </p:nvSpPr>
+        <p:spPr>
+          <a:xfrm>
+            <a:off x="1698912" y="6165304"/>
+            <a:ext cx="7481600" cy="369332"/>
+          </a:xfrm>
+          <a:prstGeom prst="rect">
+            <a:avLst/>
+          </a:prstGeom>
+          <a:noFill/>
+        </p:spPr>
+        <p:txBody>
+          <a:bodyPr wrap="none" rtlCol="0">
+            <a:spAutoFit/>
+          </a:bodyPr>
+          <a:lstStyle/>
+          <a:p>
+            <a:r>
+              <a:rPr lang="en-US" smtClean="0">
+                <a:solidFill>
+                  <a:schemeClr val="accent6">
+                    <a:lumMod val="75000"/>
+                  </a:schemeClr>
+                </a:solidFill>
+              </a:rPr>
+              <a:t>Source: Design Patterns Explained Simply by Alexander Shvets, pg. 70</a:t>
+            </a:r>
+            <a:endParaRPr lang="en-US" u="sng">
+              <a:solidFill>
+                <a:schemeClr val="accent6">
+                  <a:lumMod val="75000"/>
+                </a:schemeClr>
+              </a:solidFill>
+            </a:endParaRPr>
+          </a:p>
+        </p:txBody>
+      </p:sp>
+      <p:pic>
+        <p:nvPicPr>
+          <p:cNvPr id="6" name="Рисунок 5"/>
+          <p:cNvPicPr>
+            <a:picLocks noChangeAspect="1"/>
+          </p:cNvPicPr>
+          <p:nvPr/>
+        </p:nvPicPr>
+        <p:blipFill>
+          <a:blip r:embed="rId4">
+            <a:extLst>
+              <a:ext uri="{28A0092B-C50C-407E-A947-70E740481C1C}">
+                <a14:useLocalDpi xmlns:a14="http://schemas.microsoft.com/office/drawing/2010/main" val="0"/>
+              </a:ext>
+            </a:extLst>
+          </a:blip>
+          <a:stretch>
+            <a:fillRect/>
+          </a:stretch>
+        </p:blipFill>
+        <p:spPr>
+          <a:xfrm>
             <a:off x="7540630" y="404665"/>
             <a:ext cx="1572745" cy="1152127"/>
           </a:xfrm>
@@ -17504,12 +18593,20 @@
           <a:lstStyle/>
           <a:p>
             <a:r>
+              <a:rPr lang="en-US">
+                <a:solidFill>
+                  <a:srgbClr val="002060"/>
+                </a:solidFill>
+              </a:rPr>
+              <a:t>8</a:t>
+            </a:r>
+            <a:r>
               <a:rPr lang="en-US" smtClean="0">
                 <a:solidFill>
                   <a:srgbClr val="002060"/>
                 </a:solidFill>
               </a:rPr>
-              <a:t>8/31</a:t>
+              <a:t>/31</a:t>
             </a:r>
             <a:endParaRPr lang="en-US" smtClean="0">
               <a:solidFill>
@@ -17519,92 +18616,40 @@
           </a:p>
         </p:txBody>
       </p:sp>
-      <p:sp>
-        <p:nvSpPr>
-          <p:cNvPr id="10" name="Объект 9"/>
-          <p:cNvSpPr>
-            <a:spLocks noGrp="1"/>
-          </p:cNvSpPr>
-          <p:nvPr>
-            <p:ph idx="1"/>
-          </p:nvPr>
-        </p:nvSpPr>
-        <p:spPr>
-          <a:xfrm>
-            <a:off x="457200" y="2224608"/>
-            <a:ext cx="8229600" cy="3148608"/>
-          </a:xfrm>
-        </p:spPr>
-        <p:txBody>
-          <a:bodyPr>
-            <a:normAutofit/>
-          </a:bodyPr>
-          <a:lstStyle/>
-          <a:p>
-            <a:r>
-              <a:rPr lang="en-US" sz="3200" smtClean="0"/>
-              <a:t>Pattern </a:t>
-            </a:r>
-            <a:r>
-              <a:rPr lang="en-US" sz="3200" i="1" smtClean="0">
-                <a:solidFill>
-                  <a:schemeClr val="tx2"/>
-                </a:solidFill>
-              </a:rPr>
-              <a:t>Factory Method</a:t>
-            </a:r>
-            <a:r>
-              <a:rPr lang="en-US" sz="3200" smtClean="0">
-                <a:solidFill>
-                  <a:srgbClr val="FF0000"/>
-                </a:solidFill>
-              </a:rPr>
-              <a:t> </a:t>
-            </a:r>
-            <a:r>
-              <a:rPr lang="en-US" sz="3200" smtClean="0"/>
-              <a:t>creates objects using special </a:t>
-            </a:r>
-            <a:r>
-              <a:rPr lang="en-US" sz="3200" i="1" smtClean="0">
-                <a:solidFill>
-                  <a:schemeClr val="accent6"/>
-                </a:solidFill>
-              </a:rPr>
-              <a:t>factory method</a:t>
-            </a:r>
-            <a:r>
-              <a:rPr lang="en-US" sz="3200" smtClean="0">
-                <a:solidFill>
-                  <a:schemeClr val="accent6"/>
-                </a:solidFill>
-              </a:rPr>
-              <a:t> </a:t>
-            </a:r>
-            <a:r>
-              <a:rPr lang="en-US" sz="3200" smtClean="0"/>
-              <a:t>instead of a </a:t>
-            </a:r>
-            <a:r>
-              <a:rPr lang="en-US" sz="3200" i="1" smtClean="0">
-                <a:solidFill>
-                  <a:schemeClr val="accent6"/>
-                </a:solidFill>
-              </a:rPr>
-              <a:t>constructor</a:t>
-            </a:r>
-            <a:r>
-              <a:rPr lang="en-US" sz="3200" smtClean="0"/>
-              <a:t>.</a:t>
-            </a:r>
-            <a:endParaRPr lang="ru-RU" sz="3200"/>
-          </a:p>
-        </p:txBody>
-      </p:sp>
+      <p:pic>
+        <p:nvPicPr>
+          <p:cNvPr id="10" name="Рисунок 9"/>
+          <p:cNvPicPr>
+            <a:picLocks noChangeAspect="1"/>
+          </p:cNvPicPr>
+          <p:nvPr/>
+        </p:nvPicPr>
+        <p:blipFill>
+          <a:blip r:embed="rId5">
+            <a:extLst>
+              <a:ext uri="{28A0092B-C50C-407E-A947-70E740481C1C}">
+                <a14:useLocalDpi xmlns:a14="http://schemas.microsoft.com/office/drawing/2010/main" val="0"/>
+              </a:ext>
+            </a:extLst>
+          </a:blip>
+          <a:stretch>
+            <a:fillRect/>
+          </a:stretch>
+        </p:blipFill>
+        <p:spPr>
+          <a:xfrm>
+            <a:off x="7149183" y="2348880"/>
+            <a:ext cx="1964192" cy="3024336"/>
+          </a:xfrm>
+          <a:prstGeom prst="rect">
+            <a:avLst/>
+          </a:prstGeom>
+        </p:spPr>
+      </p:pic>
     </p:spTree>
     <p:extLst>
       <p:ext uri="{BB962C8B-B14F-4D97-AF65-F5344CB8AC3E}">
-        <p14:creationId xmlns:p14="http://schemas.microsoft.com/office/powerpoint/2010/main" val="2320135228"/>
+        <p14:creationId xmlns:p14="http://schemas.microsoft.com/office/powerpoint/2010/main" val="2670664322"/>
       </p:ext>
     </p:extLst>
   </p:cSld>
@@ -17660,21 +18705,71 @@
           <a:p>
             <a:r>
               <a:rPr lang="en-US" smtClean="0"/>
-              <a:t>Logistics diagram</a:t>
+              <a:t>Solution</a:t>
             </a:r>
             <a:endParaRPr lang="ru-RU"/>
+          </a:p>
+        </p:txBody>
+      </p:sp>
+      <p:sp>
+        <p:nvSpPr>
+          <p:cNvPr id="4" name="TextBox 3"/>
+          <p:cNvSpPr txBox="1"/>
+          <p:nvPr/>
+        </p:nvSpPr>
+        <p:spPr>
+          <a:xfrm>
+            <a:off x="1652552" y="6165304"/>
+            <a:ext cx="7455952" cy="369332"/>
+          </a:xfrm>
+          <a:prstGeom prst="rect">
+            <a:avLst/>
+          </a:prstGeom>
+          <a:noFill/>
+        </p:spPr>
+        <p:txBody>
+          <a:bodyPr wrap="none" rtlCol="0">
+            <a:spAutoFit/>
+          </a:bodyPr>
+          <a:lstStyle/>
+          <a:p>
+            <a:r>
+              <a:rPr lang="en-US">
+                <a:solidFill>
+                  <a:schemeClr val="accent6">
+                    <a:lumMod val="75000"/>
+                  </a:schemeClr>
+                </a:solidFill>
+              </a:rPr>
+              <a:t>S</a:t>
+            </a:r>
+            <a:r>
+              <a:rPr lang="en-US" smtClean="0">
+                <a:solidFill>
+                  <a:schemeClr val="accent6">
+                    <a:lumMod val="75000"/>
+                  </a:schemeClr>
+                </a:solidFill>
+              </a:rPr>
+              <a:t>ource: Design Patterns Explained Simply by Alexander Shvets, pg. 71</a:t>
+            </a:r>
+            <a:endParaRPr lang="en-US" u="sng">
+              <a:solidFill>
+                <a:schemeClr val="accent6">
+                  <a:lumMod val="75000"/>
+                </a:schemeClr>
+              </a:solidFill>
+            </a:endParaRPr>
           </a:p>
         </p:txBody>
       </p:sp>
       <p:pic>
         <p:nvPicPr>
-          <p:cNvPr id="5" name="Объект 4"/>
+          <p:cNvPr id="6" name="Рисунок 5"/>
           <p:cNvPicPr>
-            <a:picLocks noGrp="1" noChangeAspect="1"/>
+            <a:picLocks noChangeAspect="1"/>
           </p:cNvPicPr>
-          <p:nvPr>
-            <p:ph idx="1"/>
-          </p:nvPr>
+          <p:nvPr/>
         </p:nvPicPr>
         <p:blipFill>
           <a:blip r:embed="rId3">
@@ -17690,85 +18785,6 @@
         </p:blipFill>
         <p:spPr>
           <a:xfrm>
-            <a:off x="35496" y="1758706"/>
-            <a:ext cx="9017526" cy="3902542"/>
-          </a:xfrm>
-        </p:spPr>
-      </p:pic>
-      <p:sp>
-        <p:nvSpPr>
-          <p:cNvPr id="4" name="TextBox 3"/>
-          <p:cNvSpPr txBox="1"/>
-          <p:nvPr/>
-        </p:nvSpPr>
-        <p:spPr>
-          <a:xfrm>
-            <a:off x="1652552" y="6165304"/>
-            <a:ext cx="7455952" cy="369332"/>
-          </a:xfrm>
-          <a:prstGeom prst="rect">
-            <a:avLst/>
-          </a:prstGeom>
-          <a:noFill/>
-        </p:spPr>
-        <p:txBody>
-          <a:bodyPr wrap="none" rtlCol="0">
-            <a:spAutoFit/>
-          </a:bodyPr>
-          <a:lstStyle/>
-          <a:p>
-            <a:r>
-              <a:rPr lang="en-US">
-                <a:solidFill>
-                  <a:schemeClr val="accent6">
-                    <a:lumMod val="75000"/>
-                  </a:schemeClr>
-                </a:solidFill>
-              </a:rPr>
-              <a:t>S</a:t>
-            </a:r>
-            <a:r>
-              <a:rPr lang="en-US" smtClean="0">
-                <a:solidFill>
-                  <a:schemeClr val="accent6">
-                    <a:lumMod val="75000"/>
-                  </a:schemeClr>
-                </a:solidFill>
-              </a:rPr>
-              <a:t>ource: Design Patterns Explained Simply by Alexander Shvets, pg. 71</a:t>
-            </a:r>
-            <a:endParaRPr lang="en-US" u="sng">
-              <a:solidFill>
-                <a:schemeClr val="accent6">
-                  <a:lumMod val="75000"/>
-                </a:schemeClr>
-              </a:solidFill>
-            </a:endParaRPr>
-          </a:p>
-        </p:txBody>
-      </p:sp>
-      <p:pic>
-        <p:nvPicPr>
-          <p:cNvPr id="6" name="Рисунок 5"/>
-          <p:cNvPicPr>
-            <a:picLocks noChangeAspect="1"/>
-          </p:cNvPicPr>
-          <p:nvPr/>
-        </p:nvPicPr>
-        <p:blipFill>
-          <a:blip r:embed="rId4">
-            <a:extLst>
-              <a:ext uri="{28A0092B-C50C-407E-A947-70E740481C1C}">
-                <a14:useLocalDpi xmlns:a14="http://schemas.microsoft.com/office/drawing/2010/main" val="0"/>
-              </a:ext>
-            </a:extLst>
-          </a:blip>
-          <a:stretch>
-            <a:fillRect/>
-          </a:stretch>
-        </p:blipFill>
-        <p:spPr>
-          <a:xfrm>
             <a:off x="7540630" y="404665"/>
             <a:ext cx="1572745" cy="1152127"/>
           </a:xfrm>
@@ -17884,12 +18900,20 @@
           <a:lstStyle/>
           <a:p>
             <a:r>
+              <a:rPr lang="en-US">
+                <a:solidFill>
+                  <a:srgbClr val="002060"/>
+                </a:solidFill>
+              </a:rPr>
+              <a:t>9</a:t>
+            </a:r>
+            <a:r>
               <a:rPr lang="en-US" smtClean="0">
                 <a:solidFill>
                   <a:srgbClr val="002060"/>
                 </a:solidFill>
               </a:rPr>
-              <a:t>9/31</a:t>
+              <a:t>/31</a:t>
             </a:r>
             <a:endParaRPr lang="en-US" smtClean="0">
               <a:solidFill>
@@ -17899,10 +18923,92 @@
           </a:p>
         </p:txBody>
       </p:sp>
+      <p:sp>
+        <p:nvSpPr>
+          <p:cNvPr id="10" name="Объект 9"/>
+          <p:cNvSpPr>
+            <a:spLocks noGrp="1"/>
+          </p:cNvSpPr>
+          <p:nvPr>
+            <p:ph idx="1"/>
+          </p:nvPr>
+        </p:nvSpPr>
+        <p:spPr>
+          <a:xfrm>
+            <a:off x="457200" y="2224608"/>
+            <a:ext cx="8229600" cy="3148608"/>
+          </a:xfrm>
+        </p:spPr>
+        <p:txBody>
+          <a:bodyPr>
+            <a:normAutofit/>
+          </a:bodyPr>
+          <a:lstStyle/>
+          <a:p>
+            <a:r>
+              <a:rPr lang="en-US" sz="3200" smtClean="0"/>
+              <a:t>Pattern </a:t>
+            </a:r>
+            <a:r>
+              <a:rPr lang="en-US" sz="3200" i="1" smtClean="0">
+                <a:solidFill>
+                  <a:schemeClr val="tx2"/>
+                </a:solidFill>
+              </a:rPr>
+              <a:t>Factory Method</a:t>
+            </a:r>
+            <a:r>
+              <a:rPr lang="en-US" sz="3200" smtClean="0">
+                <a:solidFill>
+                  <a:srgbClr val="FF0000"/>
+                </a:solidFill>
+              </a:rPr>
+              <a:t> </a:t>
+            </a:r>
+            <a:r>
+              <a:rPr lang="en-US" sz="3200" smtClean="0"/>
+              <a:t>creates objects using special </a:t>
+            </a:r>
+            <a:r>
+              <a:rPr lang="en-US" sz="3200" i="1" smtClean="0">
+                <a:solidFill>
+                  <a:schemeClr val="accent6"/>
+                </a:solidFill>
+              </a:rPr>
+              <a:t>factory method</a:t>
+            </a:r>
+            <a:r>
+              <a:rPr lang="en-US" sz="3200" smtClean="0">
+                <a:solidFill>
+                  <a:schemeClr val="accent6"/>
+                </a:solidFill>
+              </a:rPr>
+              <a:t> </a:t>
+            </a:r>
+            <a:r>
+              <a:rPr lang="en-US" sz="3200" smtClean="0"/>
+              <a:t>instead of a </a:t>
+            </a:r>
+            <a:r>
+              <a:rPr lang="en-US" sz="3200" i="1" smtClean="0">
+                <a:solidFill>
+                  <a:schemeClr val="accent6"/>
+                </a:solidFill>
+              </a:rPr>
+              <a:t>constructor</a:t>
+            </a:r>
+            <a:r>
+              <a:rPr lang="en-US" sz="3200" smtClean="0"/>
+              <a:t>.</a:t>
+            </a:r>
+            <a:endParaRPr lang="ru-RU" sz="3200"/>
+          </a:p>
+        </p:txBody>
+      </p:sp>
     </p:spTree>
     <p:extLst>
       <p:ext uri="{BB962C8B-B14F-4D97-AF65-F5344CB8AC3E}">
-        <p14:creationId xmlns:p14="http://schemas.microsoft.com/office/powerpoint/2010/main" val="1348718261"/>
+        <p14:creationId xmlns:p14="http://schemas.microsoft.com/office/powerpoint/2010/main" val="2320135228"/>
       </p:ext>
     </p:extLst>
   </p:cSld>
